--- a/Deliverable1/Docs/TopicPresentation.pptx
+++ b/Deliverable1/Docs/TopicPresentation.pptx
@@ -11,7 +11,7 @@
     <p:sldMasterId id="2147483669" r:id="rId7"/>
   </p:sldMasterIdLst>
   <p:notesMasterIdLst>
-    <p:notesMasterId r:id="rId22"/>
+    <p:notesMasterId r:id="rId23"/>
   </p:notesMasterIdLst>
   <p:sldIdLst>
     <p:sldId id="256" r:id="rId8"/>
@@ -20,14 +20,15 @@
     <p:sldId id="259" r:id="rId11"/>
     <p:sldId id="260" r:id="rId12"/>
     <p:sldId id="261" r:id="rId13"/>
-    <p:sldId id="269" r:id="rId14"/>
-    <p:sldId id="262" r:id="rId15"/>
-    <p:sldId id="263" r:id="rId16"/>
-    <p:sldId id="264" r:id="rId17"/>
-    <p:sldId id="265" r:id="rId18"/>
-    <p:sldId id="266" r:id="rId19"/>
-    <p:sldId id="267" r:id="rId20"/>
-    <p:sldId id="268" r:id="rId21"/>
+    <p:sldId id="270" r:id="rId14"/>
+    <p:sldId id="269" r:id="rId15"/>
+    <p:sldId id="262" r:id="rId16"/>
+    <p:sldId id="263" r:id="rId17"/>
+    <p:sldId id="264" r:id="rId18"/>
+    <p:sldId id="265" r:id="rId19"/>
+    <p:sldId id="266" r:id="rId20"/>
+    <p:sldId id="267" r:id="rId21"/>
+    <p:sldId id="268" r:id="rId22"/>
   </p:sldIdLst>
   <p:sldSz cx="9144000" cy="6858000" type="screen4x3"/>
   <p:notesSz cx="6858000" cy="9144000"/>
@@ -566,8 +567,8 @@
         </p:nvSpPr>
         <p:spPr>
           <a:xfrm>
-            <a:off x="1143225" y="685800"/>
-            <a:ext cx="4572225" cy="3429000"/>
+            <a:off x="1143000" y="685800"/>
+            <a:ext cx="4572000" cy="3429000"/>
           </a:xfrm>
           <a:custGeom>
             <a:avLst/>
@@ -604,6 +605,111 @@
 </file>
 
 <file path=ppt/notesSlides/notesSlide10.xml><?xml version="1.0" encoding="utf-8"?>
+<p:notes xmlns:a="http://schemas.openxmlformats.org/drawingml/2006/main" xmlns:r="http://schemas.openxmlformats.org/officeDocument/2006/relationships" xmlns:p="http://schemas.openxmlformats.org/presentationml/2006/main" showMasterSp="0" showMasterPhAnim="0">
+  <p:cSld>
+    <p:spTree>
+      <p:nvGrpSpPr>
+        <p:cNvPr id="1" name="Shape 152"/>
+        <p:cNvGrpSpPr/>
+        <p:nvPr/>
+      </p:nvGrpSpPr>
+      <p:grpSpPr>
+        <a:xfrm>
+          <a:off x="0" y="0"/>
+          <a:ext cx="0" cy="0"/>
+          <a:chOff x="0" y="0"/>
+          <a:chExt cx="0" cy="0"/>
+        </a:xfrm>
+      </p:grpSpPr>
+      <p:sp>
+        <p:nvSpPr>
+          <p:cNvPr id="153" name="Shape 153"/>
+          <p:cNvSpPr txBox="1">
+            <a:spLocks noGrp="1"/>
+          </p:cNvSpPr>
+          <p:nvPr>
+            <p:ph type="body" idx="1"/>
+          </p:nvPr>
+        </p:nvSpPr>
+        <p:spPr>
+          <a:xfrm>
+            <a:off x="685800" y="4343400"/>
+            <a:ext cx="5486399" cy="4114800"/>
+          </a:xfrm>
+          <a:prstGeom prst="rect">
+            <a:avLst/>
+          </a:prstGeom>
+          <a:noFill/>
+          <a:ln>
+            <a:noFill/>
+          </a:ln>
+        </p:spPr>
+        <p:txBody>
+          <a:bodyPr lIns="91425" tIns="91425" rIns="91425" bIns="91425" anchor="ctr" anchorCtr="0">
+            <a:noAutofit/>
+          </a:bodyPr>
+          <a:lstStyle/>
+          <a:p>
+            <a:pPr lvl="0">
+              <a:spcBef>
+                <a:spcPts val="0"/>
+              </a:spcBef>
+              <a:buNone/>
+            </a:pPr>
+            <a:endParaRPr/>
+          </a:p>
+        </p:txBody>
+      </p:sp>
+      <p:sp>
+        <p:nvSpPr>
+          <p:cNvPr id="154" name="Shape 154"/>
+          <p:cNvSpPr>
+            <a:spLocks noGrp="1" noRot="1" noChangeAspect="1"/>
+          </p:cNvSpPr>
+          <p:nvPr>
+            <p:ph type="sldImg" idx="2"/>
+          </p:nvPr>
+        </p:nvSpPr>
+        <p:spPr>
+          <a:xfrm>
+            <a:off x="1143000" y="685800"/>
+            <a:ext cx="4572000" cy="3429000"/>
+          </a:xfrm>
+          <a:custGeom>
+            <a:avLst/>
+            <a:gdLst/>
+            <a:ahLst/>
+            <a:cxnLst/>
+            <a:rect l="0" t="0" r="0" b="0"/>
+            <a:pathLst>
+              <a:path w="120000" h="120000" extrusionOk="0">
+                <a:moveTo>
+                  <a:pt x="0" y="0"/>
+                </a:moveTo>
+                <a:lnTo>
+                  <a:pt x="120000" y="0"/>
+                </a:lnTo>
+                <a:lnTo>
+                  <a:pt x="120000" y="120000"/>
+                </a:lnTo>
+                <a:lnTo>
+                  <a:pt x="0" y="120000"/>
+                </a:lnTo>
+                <a:close/>
+              </a:path>
+            </a:pathLst>
+          </a:custGeom>
+        </p:spPr>
+      </p:sp>
+    </p:spTree>
+  </p:cSld>
+  <p:clrMapOvr>
+    <a:masterClrMapping/>
+  </p:clrMapOvr>
+</p:notes>
+</file>
+
+<file path=ppt/notesSlides/notesSlide11.xml><?xml version="1.0" encoding="utf-8"?>
 <p:notes xmlns:a="http://schemas.openxmlformats.org/drawingml/2006/main" xmlns:r="http://schemas.openxmlformats.org/officeDocument/2006/relationships" xmlns:p="http://schemas.openxmlformats.org/presentationml/2006/main" showMasterSp="0" showMasterPhAnim="0">
   <p:cSld>
     <p:spTree>
@@ -708,7 +814,7 @@
 </p:notes>
 </file>
 
-<file path=ppt/notesSlides/notesSlide11.xml><?xml version="1.0" encoding="utf-8"?>
+<file path=ppt/notesSlides/notesSlide12.xml><?xml version="1.0" encoding="utf-8"?>
 <p:notes xmlns:a="http://schemas.openxmlformats.org/drawingml/2006/main" xmlns:r="http://schemas.openxmlformats.org/officeDocument/2006/relationships" xmlns:p="http://schemas.openxmlformats.org/presentationml/2006/main" showMasterSp="0" showMasterPhAnim="0">
   <p:cSld>
     <p:spTree>
@@ -813,7 +919,7 @@
 </p:notes>
 </file>
 
-<file path=ppt/notesSlides/notesSlide12.xml><?xml version="1.0" encoding="utf-8"?>
+<file path=ppt/notesSlides/notesSlide13.xml><?xml version="1.0" encoding="utf-8"?>
 <p:notes xmlns:a="http://schemas.openxmlformats.org/drawingml/2006/main" xmlns:r="http://schemas.openxmlformats.org/officeDocument/2006/relationships" xmlns:p="http://schemas.openxmlformats.org/presentationml/2006/main" showMasterSp="0" showMasterPhAnim="0">
   <p:cSld>
     <p:spTree>
@@ -918,7 +1024,7 @@
 </p:notes>
 </file>
 
-<file path=ppt/notesSlides/notesSlide13.xml><?xml version="1.0" encoding="utf-8"?>
+<file path=ppt/notesSlides/notesSlide14.xml><?xml version="1.0" encoding="utf-8"?>
 <p:notes xmlns:a="http://schemas.openxmlformats.org/drawingml/2006/main" xmlns:r="http://schemas.openxmlformats.org/officeDocument/2006/relationships" xmlns:p="http://schemas.openxmlformats.org/presentationml/2006/main" showMasterSp="0" showMasterPhAnim="0">
   <p:cSld>
     <p:spTree>
@@ -1023,7 +1129,7 @@
 </p:notes>
 </file>
 
-<file path=ppt/notesSlides/notesSlide14.xml><?xml version="1.0" encoding="utf-8"?>
+<file path=ppt/notesSlides/notesSlide15.xml><?xml version="1.0" encoding="utf-8"?>
 <p:notes xmlns:a="http://schemas.openxmlformats.org/drawingml/2006/main" xmlns:r="http://schemas.openxmlformats.org/officeDocument/2006/relationships" xmlns:p="http://schemas.openxmlformats.org/presentationml/2006/main" showMasterSp="0" showMasterPhAnim="0">
   <p:cSld>
     <p:spTree>
@@ -1763,7 +1869,7 @@
   <p:cSld>
     <p:spTree>
       <p:nvGrpSpPr>
-        <p:cNvPr id="1" name="Shape 146"/>
+        <p:cNvPr id="1" name="Shape 140"/>
         <p:cNvGrpSpPr/>
         <p:nvPr/>
       </p:nvGrpSpPr>
@@ -1777,7 +1883,7 @@
       </p:grpSpPr>
       <p:sp>
         <p:nvSpPr>
-          <p:cNvPr id="147" name="Shape 147"/>
+          <p:cNvPr id="141" name="Shape 141"/>
           <p:cNvSpPr txBox="1">
             <a:spLocks noGrp="1"/>
           </p:cNvSpPr>
@@ -1816,7 +1922,7 @@
       </p:sp>
       <p:sp>
         <p:nvSpPr>
-          <p:cNvPr id="148" name="Shape 148"/>
+          <p:cNvPr id="142" name="Shape 142"/>
           <p:cNvSpPr>
             <a:spLocks noGrp="1" noRot="1" noChangeAspect="1"/>
           </p:cNvSpPr>
@@ -1868,7 +1974,7 @@
   <p:cSld>
     <p:spTree>
       <p:nvGrpSpPr>
-        <p:cNvPr id="1" name="Shape 152"/>
+        <p:cNvPr id="1" name="Shape 146"/>
         <p:cNvGrpSpPr/>
         <p:nvPr/>
       </p:nvGrpSpPr>
@@ -1882,7 +1988,7 @@
       </p:grpSpPr>
       <p:sp>
         <p:nvSpPr>
-          <p:cNvPr id="153" name="Shape 153"/>
+          <p:cNvPr id="147" name="Shape 147"/>
           <p:cNvSpPr txBox="1">
             <a:spLocks noGrp="1"/>
           </p:cNvSpPr>
@@ -1921,7 +2027,7 @@
       </p:sp>
       <p:sp>
         <p:nvSpPr>
-          <p:cNvPr id="154" name="Shape 154"/>
+          <p:cNvPr id="148" name="Shape 148"/>
           <p:cNvSpPr>
             <a:spLocks noGrp="1" noRot="1" noChangeAspect="1"/>
           </p:cNvSpPr>
@@ -19072,7 +19178,7 @@
               <a:buNone/>
             </a:pPr>
             <a:r>
-              <a:rPr lang="en-US" sz="4400" b="1" i="0" u="none" strike="noStrike" cap="none">
+              <a:rPr lang="en-US" sz="4400" b="1" i="0" u="none" strike="noStrike" cap="none" dirty="0">
                 <a:solidFill>
                   <a:schemeClr val="lt1"/>
                 </a:solidFill>
@@ -19081,10 +19187,22 @@
                 <a:cs typeface="Calibri"/>
                 <a:sym typeface="Calibri"/>
               </a:rPr>
-              <a:t>SAFE TRAVEL </a:t>
+              <a:t>SAFE </a:t>
             </a:r>
             <a:r>
-              <a:rPr lang="en-US" sz="1800" b="1" i="0" u="none" strike="noStrike" cap="none">
+              <a:rPr lang="en-US" sz="4400" b="1" i="0" u="none" strike="noStrike" cap="none" dirty="0" smtClean="0">
+                <a:solidFill>
+                  <a:schemeClr val="lt1"/>
+                </a:solidFill>
+                <a:latin typeface="Calibri"/>
+                <a:ea typeface="Calibri"/>
+                <a:cs typeface="Calibri"/>
+                <a:sym typeface="Calibri"/>
+              </a:rPr>
+              <a:t>TRAVELS </a:t>
+            </a:r>
+            <a:r>
+              <a:rPr lang="en-US" sz="1800" b="1" i="0" u="none" strike="noStrike" cap="none" dirty="0">
                 <a:solidFill>
                   <a:schemeClr val="lt1"/>
                 </a:solidFill>
@@ -19230,6 +19348,409 @@
   <p:cSld>
     <p:spTree>
       <p:nvGrpSpPr>
+        <p:cNvPr id="1" name="Shape 155"/>
+        <p:cNvGrpSpPr/>
+        <p:nvPr/>
+      </p:nvGrpSpPr>
+      <p:grpSpPr>
+        <a:xfrm>
+          <a:off x="0" y="0"/>
+          <a:ext cx="0" cy="0"/>
+          <a:chOff x="0" y="0"/>
+          <a:chExt cx="0" cy="0"/>
+        </a:xfrm>
+      </p:grpSpPr>
+      <p:sp>
+        <p:nvSpPr>
+          <p:cNvPr id="156" name="Shape 156"/>
+          <p:cNvSpPr txBox="1">
+            <a:spLocks noGrp="1"/>
+          </p:cNvSpPr>
+          <p:nvPr>
+            <p:ph type="body" idx="1"/>
+          </p:nvPr>
+        </p:nvSpPr>
+        <p:spPr>
+          <a:xfrm>
+            <a:off x="0" y="999067"/>
+            <a:ext cx="9143998" cy="5164664"/>
+          </a:xfrm>
+          <a:prstGeom prst="rect">
+            <a:avLst/>
+          </a:prstGeom>
+          <a:noFill/>
+          <a:ln>
+            <a:noFill/>
+          </a:ln>
+        </p:spPr>
+        <p:txBody>
+          <a:bodyPr lIns="274300" tIns="45700" rIns="274300" bIns="45700" anchor="t" anchorCtr="0">
+            <a:noAutofit/>
+          </a:bodyPr>
+          <a:lstStyle/>
+          <a:p>
+            <a:pPr marL="0" marR="0" lvl="0" indent="0" algn="l" rtl="0">
+              <a:spcBef>
+                <a:spcPts val="0"/>
+              </a:spcBef>
+              <a:spcAft>
+                <a:spcPts val="0"/>
+              </a:spcAft>
+              <a:buClr>
+                <a:schemeClr val="lt1"/>
+              </a:buClr>
+              <a:buSzPct val="25000"/>
+              <a:buFont typeface="Arial"/>
+              <a:buNone/>
+            </a:pPr>
+            <a:r>
+              <a:rPr lang="en-US" sz="2000" b="0" i="0" u="none" strike="noStrike" cap="none" dirty="0">
+                <a:solidFill>
+                  <a:schemeClr val="lt1"/>
+                </a:solidFill>
+                <a:latin typeface="Calibri"/>
+                <a:ea typeface="Calibri"/>
+                <a:cs typeface="Calibri"/>
+                <a:sym typeface="Calibri"/>
+              </a:rPr>
+              <a:t>Benefits to Users</a:t>
+            </a:r>
+          </a:p>
+          <a:p>
+            <a:pPr marL="0" marR="0" lvl="0" indent="0" algn="l" rtl="0">
+              <a:spcBef>
+                <a:spcPts val="960"/>
+              </a:spcBef>
+              <a:spcAft>
+                <a:spcPts val="0"/>
+              </a:spcAft>
+              <a:buClr>
+                <a:schemeClr val="lt1"/>
+              </a:buClr>
+              <a:buSzPct val="100000"/>
+              <a:buFont typeface="Arial"/>
+              <a:buChar char="•"/>
+            </a:pPr>
+            <a:r>
+              <a:rPr lang="en-US" sz="2000" b="0" i="0" u="none" strike="noStrike" cap="none" dirty="0">
+                <a:solidFill>
+                  <a:schemeClr val="lt1"/>
+                </a:solidFill>
+                <a:latin typeface="Calibri"/>
+                <a:ea typeface="Calibri"/>
+                <a:cs typeface="Calibri"/>
+                <a:sym typeface="Calibri"/>
+              </a:rPr>
+              <a:t> Users save valuable research time by getting access to a singular and comprehensive source of information about the health conditions in their destination</a:t>
+            </a:r>
+          </a:p>
+          <a:p>
+            <a:pPr marL="0" marR="0" lvl="0" indent="0" algn="l" rtl="0">
+              <a:spcBef>
+                <a:spcPts val="960"/>
+              </a:spcBef>
+              <a:spcAft>
+                <a:spcPts val="0"/>
+              </a:spcAft>
+              <a:buClr>
+                <a:schemeClr val="lt1"/>
+              </a:buClr>
+              <a:buSzPct val="100000"/>
+              <a:buFont typeface="Arial"/>
+              <a:buChar char="•"/>
+            </a:pPr>
+            <a:r>
+              <a:rPr lang="en-US" sz="2000" b="0" i="0" u="none" strike="noStrike" cap="none" dirty="0">
+                <a:solidFill>
+                  <a:schemeClr val="lt1"/>
+                </a:solidFill>
+                <a:latin typeface="Calibri"/>
+                <a:ea typeface="Calibri"/>
+                <a:cs typeface="Calibri"/>
+                <a:sym typeface="Calibri"/>
+              </a:rPr>
+              <a:t> Users get a list of necessary vaccines and off-the-shelf medicine they should pack based on their destination</a:t>
+            </a:r>
+          </a:p>
+          <a:p>
+            <a:pPr marL="0" marR="0" lvl="0" indent="0" algn="l" rtl="0">
+              <a:spcBef>
+                <a:spcPts val="960"/>
+              </a:spcBef>
+              <a:spcAft>
+                <a:spcPts val="0"/>
+              </a:spcAft>
+              <a:buClr>
+                <a:schemeClr val="lt1"/>
+              </a:buClr>
+              <a:buSzPct val="100000"/>
+              <a:buFont typeface="Arial"/>
+              <a:buChar char="•"/>
+            </a:pPr>
+            <a:r>
+              <a:rPr lang="en-US" sz="2000" b="0" i="0" u="none" strike="noStrike" cap="none" dirty="0">
+                <a:solidFill>
+                  <a:schemeClr val="lt1"/>
+                </a:solidFill>
+                <a:latin typeface="Calibri"/>
+                <a:ea typeface="Calibri"/>
+                <a:cs typeface="Calibri"/>
+                <a:sym typeface="Calibri"/>
+              </a:rPr>
+              <a:t> Users get real time warnings about health hazards around them</a:t>
+            </a:r>
+          </a:p>
+          <a:p>
+            <a:pPr marL="0" marR="0" lvl="0" indent="0" algn="l" rtl="0">
+              <a:spcBef>
+                <a:spcPts val="960"/>
+              </a:spcBef>
+              <a:spcAft>
+                <a:spcPts val="0"/>
+              </a:spcAft>
+              <a:buClr>
+                <a:schemeClr val="lt1"/>
+              </a:buClr>
+              <a:buSzPct val="25000"/>
+              <a:buFont typeface="Arial"/>
+              <a:buNone/>
+            </a:pPr>
+            <a:endParaRPr sz="2000" b="0" i="0" u="none" strike="noStrike" cap="none" dirty="0">
+              <a:solidFill>
+                <a:schemeClr val="lt1"/>
+              </a:solidFill>
+              <a:latin typeface="Calibri"/>
+              <a:ea typeface="Calibri"/>
+              <a:cs typeface="Calibri"/>
+              <a:sym typeface="Calibri"/>
+            </a:endParaRPr>
+          </a:p>
+          <a:p>
+            <a:pPr marL="0" marR="0" lvl="0" indent="0" algn="l" rtl="0">
+              <a:spcBef>
+                <a:spcPts val="960"/>
+              </a:spcBef>
+              <a:spcAft>
+                <a:spcPts val="0"/>
+              </a:spcAft>
+              <a:buClr>
+                <a:schemeClr val="lt1"/>
+              </a:buClr>
+              <a:buSzPct val="25000"/>
+              <a:buFont typeface="Arial"/>
+              <a:buNone/>
+            </a:pPr>
+            <a:r>
+              <a:rPr lang="en-US" sz="2000" b="0" i="0" u="none" strike="noStrike" cap="none" dirty="0">
+                <a:solidFill>
+                  <a:schemeClr val="lt1"/>
+                </a:solidFill>
+                <a:latin typeface="Calibri"/>
+                <a:ea typeface="Calibri"/>
+                <a:cs typeface="Calibri"/>
+                <a:sym typeface="Calibri"/>
+              </a:rPr>
+              <a:t>Benefits to Non Users</a:t>
+            </a:r>
+          </a:p>
+          <a:p>
+            <a:pPr marL="0" marR="0" lvl="0" indent="0" algn="l" rtl="0">
+              <a:spcBef>
+                <a:spcPts val="960"/>
+              </a:spcBef>
+              <a:spcAft>
+                <a:spcPts val="0"/>
+              </a:spcAft>
+              <a:buClr>
+                <a:schemeClr val="lt1"/>
+              </a:buClr>
+              <a:buSzPct val="100000"/>
+              <a:buFont typeface="Arial"/>
+              <a:buChar char="•"/>
+            </a:pPr>
+            <a:r>
+              <a:rPr lang="en-US" sz="2000" b="0" i="0" u="none" strike="noStrike" cap="none" dirty="0">
+                <a:solidFill>
+                  <a:schemeClr val="lt1"/>
+                </a:solidFill>
+                <a:latin typeface="Calibri"/>
+                <a:ea typeface="Calibri"/>
+                <a:cs typeface="Calibri"/>
+                <a:sym typeface="Calibri"/>
+              </a:rPr>
+              <a:t> Travelers that are informed of an outbreak and avoid visiting the infected area help in limit the spread of the disease</a:t>
+            </a:r>
+          </a:p>
+          <a:p>
+            <a:pPr marL="0" marR="0" lvl="0" indent="0" algn="l" rtl="0">
+              <a:spcBef>
+                <a:spcPts val="960"/>
+              </a:spcBef>
+              <a:spcAft>
+                <a:spcPts val="0"/>
+              </a:spcAft>
+              <a:buClr>
+                <a:schemeClr val="lt1"/>
+              </a:buClr>
+              <a:buSzPct val="100000"/>
+              <a:buFont typeface="Arial"/>
+              <a:buChar char="•"/>
+            </a:pPr>
+            <a:r>
+              <a:rPr lang="en-US" sz="2000" b="0" i="0" u="none" strike="noStrike" cap="none" dirty="0">
+                <a:solidFill>
+                  <a:schemeClr val="lt1"/>
+                </a:solidFill>
+                <a:latin typeface="Calibri"/>
+                <a:ea typeface="Calibri"/>
+                <a:cs typeface="Calibri"/>
+                <a:sym typeface="Calibri"/>
+              </a:rPr>
+              <a:t> Travelers using </a:t>
+            </a:r>
+            <a:r>
+              <a:rPr lang="en-US" sz="2000" b="0" i="0" u="none" strike="noStrike" cap="none" dirty="0" err="1" smtClean="0">
+                <a:solidFill>
+                  <a:schemeClr val="lt1"/>
+                </a:solidFill>
+                <a:latin typeface="Calibri"/>
+                <a:ea typeface="Calibri"/>
+                <a:cs typeface="Calibri"/>
+                <a:sym typeface="Calibri"/>
+              </a:rPr>
+              <a:t>SafeTravels</a:t>
+            </a:r>
+            <a:r>
+              <a:rPr lang="en-US" sz="2000" b="0" i="0" u="none" strike="noStrike" cap="none" dirty="0" smtClean="0">
+                <a:solidFill>
+                  <a:schemeClr val="lt1"/>
+                </a:solidFill>
+                <a:latin typeface="Calibri"/>
+                <a:ea typeface="Calibri"/>
+                <a:cs typeface="Calibri"/>
+                <a:sym typeface="Calibri"/>
+              </a:rPr>
+              <a:t> </a:t>
+            </a:r>
+            <a:r>
+              <a:rPr lang="en-US" sz="2000" b="0" i="0" u="none" strike="noStrike" cap="none" dirty="0">
+                <a:solidFill>
+                  <a:schemeClr val="lt1"/>
+                </a:solidFill>
+                <a:latin typeface="Calibri"/>
+                <a:ea typeface="Calibri"/>
+                <a:cs typeface="Calibri"/>
+                <a:sym typeface="Calibri"/>
+              </a:rPr>
+              <a:t>are able to warn locals about approaching diseases and share tips they learn from the app about treatment and how to prevent </a:t>
+            </a:r>
+            <a:r>
+              <a:rPr lang="en-US" sz="2000" b="0" i="0" u="none" strike="noStrike" cap="none" dirty="0" smtClean="0">
+                <a:solidFill>
+                  <a:schemeClr val="lt1"/>
+                </a:solidFill>
+                <a:latin typeface="Calibri"/>
+                <a:ea typeface="Calibri"/>
+                <a:cs typeface="Calibri"/>
+                <a:sym typeface="Calibri"/>
+              </a:rPr>
+              <a:t>contagion</a:t>
+            </a:r>
+            <a:endParaRPr lang="en-US" sz="2000" b="0" i="0" u="none" strike="noStrike" cap="none" dirty="0">
+              <a:solidFill>
+                <a:schemeClr val="lt1"/>
+              </a:solidFill>
+              <a:latin typeface="Calibri"/>
+              <a:ea typeface="Calibri"/>
+              <a:cs typeface="Calibri"/>
+              <a:sym typeface="Calibri"/>
+            </a:endParaRPr>
+          </a:p>
+        </p:txBody>
+      </p:sp>
+      <p:sp>
+        <p:nvSpPr>
+          <p:cNvPr id="157" name="Shape 157"/>
+          <p:cNvSpPr txBox="1">
+            <a:spLocks noGrp="1"/>
+          </p:cNvSpPr>
+          <p:nvPr>
+            <p:ph type="title"/>
+          </p:nvPr>
+        </p:nvSpPr>
+        <p:spPr>
+          <a:xfrm>
+            <a:off x="0" y="0"/>
+            <a:ext cx="9144000" cy="991351"/>
+          </a:xfrm>
+          <a:prstGeom prst="rect">
+            <a:avLst/>
+          </a:prstGeom>
+          <a:noFill/>
+          <a:ln>
+            <a:noFill/>
+          </a:ln>
+        </p:spPr>
+        <p:txBody>
+          <a:bodyPr lIns="274300" tIns="45700" rIns="91425" bIns="45700" anchor="ctr" anchorCtr="0">
+            <a:noAutofit/>
+          </a:bodyPr>
+          <a:lstStyle/>
+          <a:p>
+            <a:pPr marL="0" marR="0" lvl="0" indent="0" algn="ctr" rtl="0">
+              <a:spcBef>
+                <a:spcPts val="0"/>
+              </a:spcBef>
+              <a:buClr>
+                <a:srgbClr val="EEB211"/>
+              </a:buClr>
+              <a:buSzPct val="25000"/>
+              <a:buFont typeface="Calibri"/>
+              <a:buNone/>
+            </a:pPr>
+            <a:r>
+              <a:rPr lang="en-US" sz="2400" b="0" i="0" u="none" strike="noStrike" cap="none" dirty="0" smtClean="0">
+                <a:solidFill>
+                  <a:srgbClr val="EEB211"/>
+                </a:solidFill>
+                <a:latin typeface="Calibri"/>
+                <a:ea typeface="Calibri"/>
+                <a:cs typeface="Calibri"/>
+                <a:sym typeface="Calibri"/>
+              </a:rPr>
+              <a:t>BUSINESS </a:t>
+            </a:r>
+            <a:r>
+              <a:rPr lang="en-US" sz="2400" b="0" i="0" u="none" strike="noStrike" cap="none" dirty="0">
+                <a:solidFill>
+                  <a:srgbClr val="EEB211"/>
+                </a:solidFill>
+                <a:latin typeface="Calibri"/>
+                <a:ea typeface="Calibri"/>
+                <a:cs typeface="Calibri"/>
+                <a:sym typeface="Calibri"/>
+              </a:rPr>
+              <a:t>CASE</a:t>
+            </a:r>
+          </a:p>
+        </p:txBody>
+      </p:sp>
+    </p:spTree>
+  </p:cSld>
+  <p:clrMapOvr>
+    <a:masterClrMapping/>
+  </p:clrMapOvr>
+  <p:transition xmlns:p14="http://schemas.microsoft.com/office/powerpoint/2010/main" spd="slow">
+    <p:cut/>
+  </p:transition>
+</p:sld>
+</file>
+
+<file path=ppt/slides/slide11.xml><?xml version="1.0" encoding="utf-8"?>
+<p:sld xmlns:a="http://schemas.openxmlformats.org/drawingml/2006/main" xmlns:r="http://schemas.openxmlformats.org/officeDocument/2006/relationships" xmlns:p="http://schemas.openxmlformats.org/presentationml/2006/main">
+  <p:cSld>
+    <p:spTree>
+      <p:nvGrpSpPr>
         <p:cNvPr id="1" name="Shape 161"/>
         <p:cNvGrpSpPr/>
         <p:nvPr/>
@@ -19506,7 +20027,7 @@
 </p:sld>
 </file>
 
-<file path=ppt/slides/slide11.xml><?xml version="1.0" encoding="utf-8"?>
+<file path=ppt/slides/slide12.xml><?xml version="1.0" encoding="utf-8"?>
 <p:sld xmlns:a="http://schemas.openxmlformats.org/drawingml/2006/main" xmlns:r="http://schemas.openxmlformats.org/officeDocument/2006/relationships" xmlns:p="http://schemas.openxmlformats.org/presentationml/2006/main">
   <p:cSld>
     <p:spTree>
@@ -19952,7 +20473,7 @@
 </p:sld>
 </file>
 
-<file path=ppt/slides/slide12.xml><?xml version="1.0" encoding="utf-8"?>
+<file path=ppt/slides/slide13.xml><?xml version="1.0" encoding="utf-8"?>
 <p:sld xmlns:a="http://schemas.openxmlformats.org/drawingml/2006/main" xmlns:r="http://schemas.openxmlformats.org/officeDocument/2006/relationships" xmlns:p="http://schemas.openxmlformats.org/presentationml/2006/main">
   <p:cSld>
     <p:spTree>
@@ -20258,7 +20779,7 @@
 </p:sld>
 </file>
 
-<file path=ppt/slides/slide13.xml><?xml version="1.0" encoding="utf-8"?>
+<file path=ppt/slides/slide14.xml><?xml version="1.0" encoding="utf-8"?>
 <p:sld xmlns:a="http://schemas.openxmlformats.org/drawingml/2006/main" xmlns:r="http://schemas.openxmlformats.org/officeDocument/2006/relationships" xmlns:p="http://schemas.openxmlformats.org/presentationml/2006/main">
   <p:cSld>
     <p:spTree>
@@ -20520,7 +21041,7 @@
 </p:sld>
 </file>
 
-<file path=ppt/slides/slide14.xml><?xml version="1.0" encoding="utf-8"?>
+<file path=ppt/slides/slide15.xml><?xml version="1.0" encoding="utf-8"?>
 <p:sld xmlns:a="http://schemas.openxmlformats.org/drawingml/2006/main" xmlns:r="http://schemas.openxmlformats.org/officeDocument/2006/relationships" xmlns:p="http://schemas.openxmlformats.org/presentationml/2006/main">
   <p:cSld>
     <p:spTree>
@@ -21760,7 +22281,7 @@
               <a:buNone/>
             </a:pPr>
             <a:r>
-              <a:rPr lang="en-US" sz="2400" b="0" i="0" u="none" strike="noStrike" cap="none">
+              <a:rPr lang="en-US" sz="2400" b="0" i="0" u="none" strike="noStrike" cap="none" dirty="0">
                 <a:solidFill>
                   <a:schemeClr val="lt1"/>
                 </a:solidFill>
@@ -21788,7 +22309,7 @@
               <a:buChar char="•"/>
             </a:pPr>
             <a:r>
-              <a:rPr lang="en-US" sz="2100" b="0" i="0" u="none" strike="noStrike" cap="none">
+              <a:rPr lang="en-US" sz="2100" b="0" i="0" u="none" strike="noStrike" cap="none" dirty="0">
                 <a:solidFill>
                   <a:schemeClr val="lt1"/>
                 </a:solidFill>
@@ -21797,8 +22318,41 @@
                 <a:cs typeface="Calibri"/>
                 <a:sym typeface="Calibri"/>
               </a:rPr>
-              <a:t>Create a user-friendly web-based interface (SafeTravel) </a:t>
+              <a:t>Create a user-friendly web-based interface (</a:t>
             </a:r>
+            <a:r>
+              <a:rPr lang="en-US" sz="2100" b="0" i="0" u="none" strike="noStrike" cap="none" dirty="0" err="1" smtClean="0">
+                <a:solidFill>
+                  <a:schemeClr val="lt1"/>
+                </a:solidFill>
+                <a:latin typeface="Calibri"/>
+                <a:ea typeface="Calibri"/>
+                <a:cs typeface="Calibri"/>
+                <a:sym typeface="Calibri"/>
+              </a:rPr>
+              <a:t>SafeTravels</a:t>
+            </a:r>
+            <a:r>
+              <a:rPr lang="en-US" sz="2100" b="0" i="0" u="none" strike="noStrike" cap="none" dirty="0" smtClean="0">
+                <a:solidFill>
+                  <a:schemeClr val="lt1"/>
+                </a:solidFill>
+                <a:latin typeface="Calibri"/>
+                <a:ea typeface="Calibri"/>
+                <a:cs typeface="Calibri"/>
+                <a:sym typeface="Calibri"/>
+              </a:rPr>
+              <a:t>) </a:t>
+            </a:r>
+            <a:endParaRPr lang="en-US" sz="2100" b="0" i="0" u="none" strike="noStrike" cap="none" dirty="0">
+              <a:solidFill>
+                <a:schemeClr val="lt1"/>
+              </a:solidFill>
+              <a:latin typeface="Calibri"/>
+              <a:ea typeface="Calibri"/>
+              <a:cs typeface="Calibri"/>
+              <a:sym typeface="Calibri"/>
+            </a:endParaRPr>
           </a:p>
           <a:p>
             <a:pPr marL="466344" marR="0" lvl="1" indent="-288544" algn="l" rtl="0">
@@ -21816,7 +22370,7 @@
               <a:buChar char="•"/>
             </a:pPr>
             <a:r>
-              <a:rPr lang="en-US" sz="2100" b="0" i="0" u="none" strike="noStrike" cap="none">
+              <a:rPr lang="en-US" sz="2100" b="0" i="0" u="none" strike="noStrike" cap="none" dirty="0">
                 <a:solidFill>
                   <a:schemeClr val="lt1"/>
                 </a:solidFill>
@@ -21843,7 +22397,7 @@
               <a:buFont typeface="Arial"/>
               <a:buNone/>
             </a:pPr>
-            <a:endParaRPr sz="2400" b="0" i="0" u="none" strike="noStrike" cap="none">
+            <a:endParaRPr sz="2400" b="0" i="0" u="none" strike="noStrike" cap="none" dirty="0">
               <a:solidFill>
                 <a:schemeClr val="lt1"/>
               </a:solidFill>
@@ -21869,7 +22423,7 @@
               <a:buNone/>
             </a:pPr>
             <a:r>
-              <a:rPr lang="en-US" sz="2400" b="0" i="0" u="none" strike="noStrike" cap="none">
+              <a:rPr lang="en-US" sz="2400" b="0" i="0" u="none" strike="noStrike" cap="none" dirty="0">
                 <a:solidFill>
                   <a:schemeClr val="lt1"/>
                 </a:solidFill>
@@ -21896,7 +22450,7 @@
               <a:buFont typeface="Arial"/>
               <a:buNone/>
             </a:pPr>
-            <a:endParaRPr sz="2400" b="0" i="0" u="none" strike="noStrike" cap="none">
+            <a:endParaRPr sz="2400" b="0" i="0" u="none" strike="noStrike" cap="none" dirty="0">
               <a:solidFill>
                 <a:schemeClr val="lt1"/>
               </a:solidFill>
@@ -21921,7 +22475,7 @@
               <a:buFont typeface="Arial"/>
               <a:buNone/>
             </a:pPr>
-            <a:endParaRPr sz="2400" b="0" i="0" u="none" strike="noStrike" cap="none">
+            <a:endParaRPr sz="2400" b="0" i="0" u="none" strike="noStrike" cap="none" dirty="0">
               <a:solidFill>
                 <a:schemeClr val="lt1"/>
               </a:solidFill>
@@ -21946,7 +22500,7 @@
               <a:buFont typeface="Arial"/>
               <a:buNone/>
             </a:pPr>
-            <a:endParaRPr sz="2400" b="0" i="0" u="none" strike="noStrike" cap="none">
+            <a:endParaRPr sz="2400" b="0" i="0" u="none" strike="noStrike" cap="none" dirty="0">
               <a:solidFill>
                 <a:schemeClr val="lt1"/>
               </a:solidFill>
@@ -21971,7 +22525,7 @@
               <a:buFont typeface="Arial"/>
               <a:buNone/>
             </a:pPr>
-            <a:endParaRPr sz="2400" b="0" i="0" u="none" strike="noStrike" cap="none">
+            <a:endParaRPr sz="2400" b="0" i="0" u="none" strike="noStrike" cap="none" dirty="0">
               <a:solidFill>
                 <a:schemeClr val="lt1"/>
               </a:solidFill>
@@ -22527,7 +23081,7 @@
               <a:buNone/>
             </a:pPr>
             <a:r>
-              <a:rPr lang="en-US" sz="2400" b="0" i="0" u="none" strike="noStrike" cap="none">
+              <a:rPr lang="en-US" sz="2400" b="0" i="0" u="none" strike="noStrike" cap="none" dirty="0">
                 <a:solidFill>
                   <a:schemeClr val="lt1"/>
                 </a:solidFill>
@@ -22540,21 +23094,58 @@
             </a:r>
           </a:p>
           <a:p>
-            <a:pPr marL="0" marR="0" lvl="0" indent="0" algn="l" rtl="0">
+            <a:pPr marL="342900" indent="-342900">
               <a:spcBef>
                 <a:spcPts val="1080"/>
               </a:spcBef>
               <a:spcAft>
                 <a:spcPts val="0"/>
               </a:spcAft>
-              <a:buClr>
-                <a:schemeClr val="lt1"/>
-              </a:buClr>
               <a:buSzPct val="25000"/>
               <a:buFont typeface="Arial"/>
-              <a:buNone/>
+              <a:buChar char="•"/>
             </a:pPr>
-            <a:endParaRPr sz="2400" b="0" i="0" u="none" strike="noStrike" cap="none">
+            <a:r>
+              <a:rPr lang="en-US" dirty="0"/>
+              <a:t>Studies show that 50%-75% of travelers in tropical and subtropical regions develop some type of health problem. Though medical attention is not required in all cases, it can cause significant suffering to the traveler and incur non-negligible medical costs for treating the developed </a:t>
+            </a:r>
+            <a:r>
+              <a:rPr lang="en-US" dirty="0" smtClean="0"/>
+              <a:t>condition.</a:t>
+            </a:r>
+          </a:p>
+          <a:p>
+            <a:pPr marL="342900" indent="-342900">
+              <a:spcBef>
+                <a:spcPts val="1080"/>
+              </a:spcBef>
+              <a:spcAft>
+                <a:spcPts val="0"/>
+              </a:spcAft>
+              <a:buSzPct val="25000"/>
+              <a:buFont typeface="Arial"/>
+              <a:buChar char="•"/>
+            </a:pPr>
+            <a:r>
+              <a:rPr lang="en-US" dirty="0" smtClean="0"/>
+              <a:t>With </a:t>
+            </a:r>
+            <a:r>
+              <a:rPr lang="en-US" dirty="0"/>
+              <a:t>American travelers the most prevalent infectious conditions are Malaria, Hepatitis A, Typhoid Fever and Traveler’s Diarrhea with or without complications. All of the above may be prevented by properly preparing for the trip. </a:t>
+            </a:r>
+          </a:p>
+          <a:p>
+            <a:pPr>
+              <a:spcBef>
+                <a:spcPts val="1080"/>
+              </a:spcBef>
+              <a:spcAft>
+                <a:spcPts val="0"/>
+              </a:spcAft>
+              <a:buSzPct val="25000"/>
+            </a:pPr>
+            <a:endParaRPr sz="3200" b="0" i="0" u="none" strike="noStrike" cap="none" dirty="0">
               <a:solidFill>
                 <a:schemeClr val="lt1"/>
               </a:solidFill>
@@ -22579,35 +23170,7 @@
               <a:buFont typeface="Arial"/>
               <a:buNone/>
             </a:pPr>
-            <a:r>
-              <a:rPr lang="en-US" sz="2400" b="0" i="0" u="none" strike="noStrike" cap="none">
-                <a:solidFill>
-                  <a:schemeClr val="lt1"/>
-                </a:solidFill>
-                <a:latin typeface="Calibri"/>
-                <a:ea typeface="Calibri"/>
-                <a:cs typeface="Calibri"/>
-                <a:sym typeface="Calibri"/>
-              </a:rPr>
-              <a:t>Needs</a:t>
-            </a:r>
-          </a:p>
-          <a:p>
-            <a:pPr marL="0" marR="0" lvl="0" indent="0" algn="l" rtl="0">
-              <a:spcBef>
-                <a:spcPts val="1080"/>
-              </a:spcBef>
-              <a:spcAft>
-                <a:spcPts val="0"/>
-              </a:spcAft>
-              <a:buClr>
-                <a:schemeClr val="lt1"/>
-              </a:buClr>
-              <a:buSzPct val="25000"/>
-              <a:buFont typeface="Arial"/>
-              <a:buNone/>
-            </a:pPr>
-            <a:endParaRPr sz="2400" b="0" i="0" u="none" strike="noStrike" cap="none">
+            <a:endParaRPr sz="2400" b="0" i="0" u="none" strike="noStrike" cap="none" dirty="0">
               <a:solidFill>
                 <a:schemeClr val="lt1"/>
               </a:solidFill>
@@ -22632,35 +23195,7 @@
               <a:buFont typeface="Arial"/>
               <a:buNone/>
             </a:pPr>
-            <a:r>
-              <a:rPr lang="en-US" sz="2400" b="0" i="0" u="none" strike="noStrike" cap="none">
-                <a:solidFill>
-                  <a:schemeClr val="lt1"/>
-                </a:solidFill>
-                <a:latin typeface="Calibri"/>
-                <a:ea typeface="Calibri"/>
-                <a:cs typeface="Calibri"/>
-                <a:sym typeface="Calibri"/>
-              </a:rPr>
-              <a:t>Survey</a:t>
-            </a:r>
-          </a:p>
-          <a:p>
-            <a:pPr marL="0" marR="0" lvl="0" indent="0" algn="l" rtl="0">
-              <a:spcBef>
-                <a:spcPts val="1080"/>
-              </a:spcBef>
-              <a:spcAft>
-                <a:spcPts val="0"/>
-              </a:spcAft>
-              <a:buClr>
-                <a:schemeClr val="lt1"/>
-              </a:buClr>
-              <a:buSzPct val="25000"/>
-              <a:buFont typeface="Arial"/>
-              <a:buNone/>
-            </a:pPr>
-            <a:endParaRPr sz="2400" b="0" i="0" u="none" strike="noStrike" cap="none">
+            <a:endParaRPr sz="2400" b="0" i="0" u="none" strike="noStrike" cap="none" dirty="0">
               <a:solidFill>
                 <a:schemeClr val="lt1"/>
               </a:solidFill>
@@ -22685,35 +23220,7 @@
               <a:buFont typeface="Arial"/>
               <a:buNone/>
             </a:pPr>
-            <a:r>
-              <a:rPr lang="en-US" sz="2400" b="0" i="0" u="none" strike="noStrike" cap="none">
-                <a:solidFill>
-                  <a:schemeClr val="lt1"/>
-                </a:solidFill>
-                <a:latin typeface="Calibri"/>
-                <a:ea typeface="Calibri"/>
-                <a:cs typeface="Calibri"/>
-                <a:sym typeface="Calibri"/>
-              </a:rPr>
-              <a:t>Interview</a:t>
-            </a:r>
-          </a:p>
-          <a:p>
-            <a:pPr marL="0" marR="0" lvl="0" indent="0" algn="l" rtl="0">
-              <a:spcBef>
-                <a:spcPts val="1080"/>
-              </a:spcBef>
-              <a:spcAft>
-                <a:spcPts val="0"/>
-              </a:spcAft>
-              <a:buClr>
-                <a:schemeClr val="lt1"/>
-              </a:buClr>
-              <a:buSzPct val="25000"/>
-              <a:buFont typeface="Arial"/>
-              <a:buNone/>
-            </a:pPr>
-            <a:endParaRPr sz="2400" b="0" i="0" u="none" strike="noStrike" cap="none">
+            <a:endParaRPr sz="2400" b="0" i="0" u="none" strike="noStrike" cap="none" dirty="0">
               <a:solidFill>
                 <a:schemeClr val="lt1"/>
               </a:solidFill>
@@ -22738,135 +23245,7 @@
               <a:buFont typeface="Arial"/>
               <a:buNone/>
             </a:pPr>
-            <a:r>
-              <a:rPr lang="en-US" sz="2400" b="0" i="0" u="none" strike="noStrike" cap="none">
-                <a:solidFill>
-                  <a:schemeClr val="lt1"/>
-                </a:solidFill>
-                <a:latin typeface="Calibri"/>
-                <a:ea typeface="Calibri"/>
-                <a:cs typeface="Calibri"/>
-                <a:sym typeface="Calibri"/>
-              </a:rPr>
-              <a:t>Email</a:t>
-            </a:r>
-          </a:p>
-          <a:p>
-            <a:pPr marL="0" marR="0" lvl="0" indent="0" algn="l" rtl="0">
-              <a:spcBef>
-                <a:spcPts val="1080"/>
-              </a:spcBef>
-              <a:spcAft>
-                <a:spcPts val="0"/>
-              </a:spcAft>
-              <a:buClr>
-                <a:schemeClr val="lt1"/>
-              </a:buClr>
-              <a:buSzPct val="25000"/>
-              <a:buFont typeface="Arial"/>
-              <a:buNone/>
-            </a:pPr>
-            <a:endParaRPr sz="2400" b="0" i="0" u="none" strike="noStrike" cap="none">
-              <a:solidFill>
-                <a:schemeClr val="lt1"/>
-              </a:solidFill>
-              <a:latin typeface="Calibri"/>
-              <a:ea typeface="Calibri"/>
-              <a:cs typeface="Calibri"/>
-              <a:sym typeface="Calibri"/>
-            </a:endParaRPr>
-          </a:p>
-          <a:p>
-            <a:pPr marL="0" marR="0" lvl="0" indent="0" algn="l" rtl="0">
-              <a:spcBef>
-                <a:spcPts val="1080"/>
-              </a:spcBef>
-              <a:spcAft>
-                <a:spcPts val="0"/>
-              </a:spcAft>
-              <a:buClr>
-                <a:schemeClr val="lt1"/>
-              </a:buClr>
-              <a:buSzPct val="25000"/>
-              <a:buFont typeface="Arial"/>
-              <a:buNone/>
-            </a:pPr>
-            <a:endParaRPr sz="2400" b="0" i="0" u="none" strike="noStrike" cap="none">
-              <a:solidFill>
-                <a:schemeClr val="lt1"/>
-              </a:solidFill>
-              <a:latin typeface="Calibri"/>
-              <a:ea typeface="Calibri"/>
-              <a:cs typeface="Calibri"/>
-              <a:sym typeface="Calibri"/>
-            </a:endParaRPr>
-          </a:p>
-          <a:p>
-            <a:pPr marL="0" marR="0" lvl="0" indent="0" algn="l" rtl="0">
-              <a:spcBef>
-                <a:spcPts val="1080"/>
-              </a:spcBef>
-              <a:spcAft>
-                <a:spcPts val="0"/>
-              </a:spcAft>
-              <a:buClr>
-                <a:schemeClr val="lt1"/>
-              </a:buClr>
-              <a:buSzPct val="25000"/>
-              <a:buFont typeface="Arial"/>
-              <a:buNone/>
-            </a:pPr>
-            <a:endParaRPr sz="2400" b="0" i="0" u="none" strike="noStrike" cap="none">
-              <a:solidFill>
-                <a:schemeClr val="lt1"/>
-              </a:solidFill>
-              <a:latin typeface="Calibri"/>
-              <a:ea typeface="Calibri"/>
-              <a:cs typeface="Calibri"/>
-              <a:sym typeface="Calibri"/>
-            </a:endParaRPr>
-          </a:p>
-          <a:p>
-            <a:pPr marL="0" marR="0" lvl="0" indent="0" algn="l" rtl="0">
-              <a:spcBef>
-                <a:spcPts val="1080"/>
-              </a:spcBef>
-              <a:spcAft>
-                <a:spcPts val="0"/>
-              </a:spcAft>
-              <a:buClr>
-                <a:schemeClr val="lt1"/>
-              </a:buClr>
-              <a:buSzPct val="25000"/>
-              <a:buFont typeface="Arial"/>
-              <a:buNone/>
-            </a:pPr>
-            <a:endParaRPr sz="2400" b="0" i="0" u="none" strike="noStrike" cap="none">
-              <a:solidFill>
-                <a:schemeClr val="lt1"/>
-              </a:solidFill>
-              <a:latin typeface="Calibri"/>
-              <a:ea typeface="Calibri"/>
-              <a:cs typeface="Calibri"/>
-              <a:sym typeface="Calibri"/>
-            </a:endParaRPr>
-          </a:p>
-          <a:p>
-            <a:pPr marL="0" marR="0" lvl="0" indent="0" algn="l" rtl="0">
-              <a:spcBef>
-                <a:spcPts val="1080"/>
-              </a:spcBef>
-              <a:spcAft>
-                <a:spcPts val="0"/>
-              </a:spcAft>
-              <a:buClr>
-                <a:schemeClr val="lt1"/>
-              </a:buClr>
-              <a:buSzPct val="25000"/>
-              <a:buFont typeface="Arial"/>
-              <a:buNone/>
-            </a:pPr>
-            <a:endParaRPr sz="2400" b="0" i="0" u="none" strike="noStrike" cap="none">
+            <a:endParaRPr sz="2400" b="0" i="0" u="none" strike="noStrike" cap="none" dirty="0">
               <a:solidFill>
                 <a:schemeClr val="lt1"/>
               </a:solidFill>
@@ -22966,6 +23345,466 @@
 </file>
 
 <file path=ppt/slides/slide7.xml><?xml version="1.0" encoding="utf-8"?>
+<p:sld xmlns:a="http://schemas.openxmlformats.org/drawingml/2006/main" xmlns:r="http://schemas.openxmlformats.org/officeDocument/2006/relationships" xmlns:p="http://schemas.openxmlformats.org/presentationml/2006/main">
+  <p:cSld>
+    <p:spTree>
+      <p:nvGrpSpPr>
+        <p:cNvPr id="1" name="Shape 143"/>
+        <p:cNvGrpSpPr/>
+        <p:nvPr/>
+      </p:nvGrpSpPr>
+      <p:grpSpPr>
+        <a:xfrm>
+          <a:off x="0" y="0"/>
+          <a:ext cx="0" cy="0"/>
+          <a:chOff x="0" y="0"/>
+          <a:chExt cx="0" cy="0"/>
+        </a:xfrm>
+      </p:grpSpPr>
+      <p:sp>
+        <p:nvSpPr>
+          <p:cNvPr id="144" name="Shape 144"/>
+          <p:cNvSpPr txBox="1">
+            <a:spLocks noGrp="1"/>
+          </p:cNvSpPr>
+          <p:nvPr>
+            <p:ph type="body" idx="1"/>
+          </p:nvPr>
+        </p:nvSpPr>
+        <p:spPr>
+          <a:xfrm>
+            <a:off x="0" y="999067"/>
+            <a:ext cx="9143998" cy="5164664"/>
+          </a:xfrm>
+          <a:prstGeom prst="rect">
+            <a:avLst/>
+          </a:prstGeom>
+          <a:noFill/>
+          <a:ln>
+            <a:noFill/>
+          </a:ln>
+        </p:spPr>
+        <p:txBody>
+          <a:bodyPr lIns="274300" tIns="45700" rIns="274300" bIns="45700" anchor="t" anchorCtr="0">
+            <a:noAutofit/>
+          </a:bodyPr>
+          <a:lstStyle/>
+          <a:p>
+            <a:pPr marL="0" marR="0" lvl="0" indent="0" algn="l" rtl="0">
+              <a:spcBef>
+                <a:spcPts val="0"/>
+              </a:spcBef>
+              <a:spcAft>
+                <a:spcPts val="0"/>
+              </a:spcAft>
+              <a:buClr>
+                <a:schemeClr val="lt1"/>
+              </a:buClr>
+              <a:buSzPct val="25000"/>
+              <a:buFont typeface="Arial"/>
+              <a:buNone/>
+            </a:pPr>
+            <a:r>
+              <a:rPr lang="en-US" sz="2400" b="0" i="0" u="none" strike="noStrike" cap="none" dirty="0" smtClean="0">
+                <a:solidFill>
+                  <a:schemeClr val="lt1"/>
+                </a:solidFill>
+                <a:latin typeface="Calibri"/>
+                <a:ea typeface="Calibri"/>
+                <a:cs typeface="Calibri"/>
+                <a:sym typeface="Calibri"/>
+              </a:rPr>
+              <a:t>Needs</a:t>
+            </a:r>
+            <a:endParaRPr lang="en-US" sz="2400" b="0" i="0" u="none" strike="noStrike" cap="none" dirty="0">
+              <a:solidFill>
+                <a:schemeClr val="lt1"/>
+              </a:solidFill>
+              <a:latin typeface="Calibri"/>
+              <a:ea typeface="Calibri"/>
+              <a:cs typeface="Calibri"/>
+              <a:sym typeface="Calibri"/>
+            </a:endParaRPr>
+          </a:p>
+          <a:p>
+            <a:pPr marL="0" marR="0" lvl="0" indent="0" algn="l" rtl="0">
+              <a:spcBef>
+                <a:spcPts val="1080"/>
+              </a:spcBef>
+              <a:spcAft>
+                <a:spcPts val="0"/>
+              </a:spcAft>
+              <a:buClr>
+                <a:schemeClr val="lt1"/>
+              </a:buClr>
+              <a:buSzPct val="25000"/>
+              <a:buFont typeface="Arial"/>
+              <a:buNone/>
+            </a:pPr>
+            <a:endParaRPr sz="2400" b="0" i="0" u="none" strike="noStrike" cap="none" dirty="0">
+              <a:solidFill>
+                <a:schemeClr val="lt1"/>
+              </a:solidFill>
+              <a:latin typeface="Calibri"/>
+              <a:ea typeface="Calibri"/>
+              <a:cs typeface="Calibri"/>
+              <a:sym typeface="Calibri"/>
+            </a:endParaRPr>
+          </a:p>
+          <a:p>
+            <a:pPr marL="0" marR="0" lvl="0" indent="0" algn="l" rtl="0">
+              <a:spcBef>
+                <a:spcPts val="1080"/>
+              </a:spcBef>
+              <a:spcAft>
+                <a:spcPts val="0"/>
+              </a:spcAft>
+              <a:buClr>
+                <a:schemeClr val="lt1"/>
+              </a:buClr>
+              <a:buSzPct val="25000"/>
+              <a:buFont typeface="Arial"/>
+              <a:buNone/>
+            </a:pPr>
+            <a:r>
+              <a:rPr lang="en-US" sz="2400" b="0" i="0" u="none" strike="noStrike" cap="none" dirty="0">
+                <a:solidFill>
+                  <a:schemeClr val="lt1"/>
+                </a:solidFill>
+                <a:latin typeface="Calibri"/>
+                <a:ea typeface="Calibri"/>
+                <a:cs typeface="Calibri"/>
+                <a:sym typeface="Calibri"/>
+              </a:rPr>
+              <a:t>Survey</a:t>
+            </a:r>
+          </a:p>
+          <a:p>
+            <a:pPr marL="0" marR="0" lvl="0" indent="0" algn="l" rtl="0">
+              <a:spcBef>
+                <a:spcPts val="1080"/>
+              </a:spcBef>
+              <a:spcAft>
+                <a:spcPts val="0"/>
+              </a:spcAft>
+              <a:buClr>
+                <a:schemeClr val="lt1"/>
+              </a:buClr>
+              <a:buSzPct val="25000"/>
+              <a:buFont typeface="Arial"/>
+              <a:buNone/>
+            </a:pPr>
+            <a:endParaRPr sz="2400" b="0" i="0" u="none" strike="noStrike" cap="none" dirty="0">
+              <a:solidFill>
+                <a:schemeClr val="lt1"/>
+              </a:solidFill>
+              <a:latin typeface="Calibri"/>
+              <a:ea typeface="Calibri"/>
+              <a:cs typeface="Calibri"/>
+              <a:sym typeface="Calibri"/>
+            </a:endParaRPr>
+          </a:p>
+          <a:p>
+            <a:pPr marL="0" marR="0" lvl="0" indent="0" algn="l" rtl="0">
+              <a:spcBef>
+                <a:spcPts val="1080"/>
+              </a:spcBef>
+              <a:spcAft>
+                <a:spcPts val="0"/>
+              </a:spcAft>
+              <a:buClr>
+                <a:schemeClr val="lt1"/>
+              </a:buClr>
+              <a:buSzPct val="25000"/>
+              <a:buFont typeface="Arial"/>
+              <a:buNone/>
+            </a:pPr>
+            <a:r>
+              <a:rPr lang="en-US" sz="2400" b="0" i="0" u="none" strike="noStrike" cap="none" dirty="0">
+                <a:solidFill>
+                  <a:schemeClr val="lt1"/>
+                </a:solidFill>
+                <a:latin typeface="Calibri"/>
+                <a:ea typeface="Calibri"/>
+                <a:cs typeface="Calibri"/>
+                <a:sym typeface="Calibri"/>
+              </a:rPr>
+              <a:t>Interview</a:t>
+            </a:r>
+          </a:p>
+          <a:p>
+            <a:pPr marL="0" marR="0" lvl="0" indent="0" algn="l" rtl="0">
+              <a:spcBef>
+                <a:spcPts val="1080"/>
+              </a:spcBef>
+              <a:spcAft>
+                <a:spcPts val="0"/>
+              </a:spcAft>
+              <a:buClr>
+                <a:schemeClr val="lt1"/>
+              </a:buClr>
+              <a:buSzPct val="25000"/>
+              <a:buFont typeface="Arial"/>
+              <a:buNone/>
+            </a:pPr>
+            <a:endParaRPr sz="2400" b="0" i="0" u="none" strike="noStrike" cap="none" dirty="0">
+              <a:solidFill>
+                <a:schemeClr val="lt1"/>
+              </a:solidFill>
+              <a:latin typeface="Calibri"/>
+              <a:ea typeface="Calibri"/>
+              <a:cs typeface="Calibri"/>
+              <a:sym typeface="Calibri"/>
+            </a:endParaRPr>
+          </a:p>
+          <a:p>
+            <a:pPr marL="0" marR="0" lvl="0" indent="0" algn="l" rtl="0">
+              <a:spcBef>
+                <a:spcPts val="1080"/>
+              </a:spcBef>
+              <a:spcAft>
+                <a:spcPts val="0"/>
+              </a:spcAft>
+              <a:buClr>
+                <a:schemeClr val="lt1"/>
+              </a:buClr>
+              <a:buSzPct val="25000"/>
+              <a:buFont typeface="Arial"/>
+              <a:buNone/>
+            </a:pPr>
+            <a:r>
+              <a:rPr lang="en-US" sz="2400" b="0" i="0" u="none" strike="noStrike" cap="none" dirty="0">
+                <a:solidFill>
+                  <a:schemeClr val="lt1"/>
+                </a:solidFill>
+                <a:latin typeface="Calibri"/>
+                <a:ea typeface="Calibri"/>
+                <a:cs typeface="Calibri"/>
+                <a:sym typeface="Calibri"/>
+              </a:rPr>
+              <a:t>Email</a:t>
+            </a:r>
+          </a:p>
+          <a:p>
+            <a:pPr marL="0" marR="0" lvl="0" indent="0" algn="l" rtl="0">
+              <a:spcBef>
+                <a:spcPts val="1080"/>
+              </a:spcBef>
+              <a:spcAft>
+                <a:spcPts val="0"/>
+              </a:spcAft>
+              <a:buClr>
+                <a:schemeClr val="lt1"/>
+              </a:buClr>
+              <a:buSzPct val="25000"/>
+              <a:buFont typeface="Arial"/>
+              <a:buNone/>
+            </a:pPr>
+            <a:endParaRPr sz="2400" b="0" i="0" u="none" strike="noStrike" cap="none" dirty="0">
+              <a:solidFill>
+                <a:schemeClr val="lt1"/>
+              </a:solidFill>
+              <a:latin typeface="Calibri"/>
+              <a:ea typeface="Calibri"/>
+              <a:cs typeface="Calibri"/>
+              <a:sym typeface="Calibri"/>
+            </a:endParaRPr>
+          </a:p>
+          <a:p>
+            <a:pPr marL="0" marR="0" lvl="0" indent="0" algn="l" rtl="0">
+              <a:spcBef>
+                <a:spcPts val="1080"/>
+              </a:spcBef>
+              <a:spcAft>
+                <a:spcPts val="0"/>
+              </a:spcAft>
+              <a:buClr>
+                <a:schemeClr val="lt1"/>
+              </a:buClr>
+              <a:buSzPct val="25000"/>
+              <a:buFont typeface="Arial"/>
+              <a:buNone/>
+            </a:pPr>
+            <a:endParaRPr sz="2400" b="0" i="0" u="none" strike="noStrike" cap="none" dirty="0">
+              <a:solidFill>
+                <a:schemeClr val="lt1"/>
+              </a:solidFill>
+              <a:latin typeface="Calibri"/>
+              <a:ea typeface="Calibri"/>
+              <a:cs typeface="Calibri"/>
+              <a:sym typeface="Calibri"/>
+            </a:endParaRPr>
+          </a:p>
+          <a:p>
+            <a:pPr marL="0" marR="0" lvl="0" indent="0" algn="l" rtl="0">
+              <a:spcBef>
+                <a:spcPts val="1080"/>
+              </a:spcBef>
+              <a:spcAft>
+                <a:spcPts val="0"/>
+              </a:spcAft>
+              <a:buClr>
+                <a:schemeClr val="lt1"/>
+              </a:buClr>
+              <a:buSzPct val="25000"/>
+              <a:buFont typeface="Arial"/>
+              <a:buNone/>
+            </a:pPr>
+            <a:endParaRPr sz="2400" b="0" i="0" u="none" strike="noStrike" cap="none" dirty="0">
+              <a:solidFill>
+                <a:schemeClr val="lt1"/>
+              </a:solidFill>
+              <a:latin typeface="Calibri"/>
+              <a:ea typeface="Calibri"/>
+              <a:cs typeface="Calibri"/>
+              <a:sym typeface="Calibri"/>
+            </a:endParaRPr>
+          </a:p>
+          <a:p>
+            <a:pPr marL="0" marR="0" lvl="0" indent="0" algn="l" rtl="0">
+              <a:spcBef>
+                <a:spcPts val="1080"/>
+              </a:spcBef>
+              <a:spcAft>
+                <a:spcPts val="0"/>
+              </a:spcAft>
+              <a:buClr>
+                <a:schemeClr val="lt1"/>
+              </a:buClr>
+              <a:buSzPct val="25000"/>
+              <a:buFont typeface="Arial"/>
+              <a:buNone/>
+            </a:pPr>
+            <a:endParaRPr sz="2400" b="0" i="0" u="none" strike="noStrike" cap="none" dirty="0">
+              <a:solidFill>
+                <a:schemeClr val="lt1"/>
+              </a:solidFill>
+              <a:latin typeface="Calibri"/>
+              <a:ea typeface="Calibri"/>
+              <a:cs typeface="Calibri"/>
+              <a:sym typeface="Calibri"/>
+            </a:endParaRPr>
+          </a:p>
+          <a:p>
+            <a:pPr marL="0" marR="0" lvl="0" indent="0" algn="l" rtl="0">
+              <a:spcBef>
+                <a:spcPts val="1080"/>
+              </a:spcBef>
+              <a:spcAft>
+                <a:spcPts val="0"/>
+              </a:spcAft>
+              <a:buClr>
+                <a:schemeClr val="lt1"/>
+              </a:buClr>
+              <a:buSzPct val="25000"/>
+              <a:buFont typeface="Arial"/>
+              <a:buNone/>
+            </a:pPr>
+            <a:endParaRPr sz="2400" b="0" i="0" u="none" strike="noStrike" cap="none" dirty="0">
+              <a:solidFill>
+                <a:schemeClr val="lt1"/>
+              </a:solidFill>
+              <a:latin typeface="Calibri"/>
+              <a:ea typeface="Calibri"/>
+              <a:cs typeface="Calibri"/>
+              <a:sym typeface="Calibri"/>
+            </a:endParaRPr>
+          </a:p>
+        </p:txBody>
+      </p:sp>
+      <p:sp>
+        <p:nvSpPr>
+          <p:cNvPr id="145" name="Shape 145"/>
+          <p:cNvSpPr txBox="1">
+            <a:spLocks noGrp="1"/>
+          </p:cNvSpPr>
+          <p:nvPr>
+            <p:ph type="title"/>
+          </p:nvPr>
+        </p:nvSpPr>
+        <p:spPr>
+          <a:xfrm>
+            <a:off x="0" y="0"/>
+            <a:ext cx="9144000" cy="991351"/>
+          </a:xfrm>
+          <a:prstGeom prst="rect">
+            <a:avLst/>
+          </a:prstGeom>
+          <a:noFill/>
+          <a:ln>
+            <a:noFill/>
+          </a:ln>
+        </p:spPr>
+        <p:txBody>
+          <a:bodyPr lIns="274300" tIns="45700" rIns="91425" bIns="45700" anchor="ctr" anchorCtr="0">
+            <a:noAutofit/>
+          </a:bodyPr>
+          <a:lstStyle/>
+          <a:p>
+            <a:pPr marL="0" marR="0" lvl="0" indent="0" algn="ctr" rtl="0">
+              <a:spcBef>
+                <a:spcPts val="0"/>
+              </a:spcBef>
+              <a:buClr>
+                <a:srgbClr val="EEB211"/>
+              </a:buClr>
+              <a:buSzPct val="25000"/>
+              <a:buFont typeface="Calibri"/>
+              <a:buNone/>
+            </a:pPr>
+            <a:r>
+              <a:rPr lang="en-US" sz="2400" b="0" i="0" u="none" strike="noStrike" cap="none" dirty="0">
+                <a:solidFill>
+                  <a:srgbClr val="EEB211"/>
+                </a:solidFill>
+                <a:latin typeface="Calibri"/>
+                <a:ea typeface="Calibri"/>
+                <a:cs typeface="Calibri"/>
+                <a:sym typeface="Calibri"/>
+              </a:rPr>
+              <a:t> </a:t>
+            </a:r>
+            <a:r>
+              <a:rPr lang="en-US" sz="2400" b="0" i="0" u="none" strike="noStrike" cap="none" dirty="0" smtClean="0">
+                <a:solidFill>
+                  <a:srgbClr val="EEB211"/>
+                </a:solidFill>
+                <a:latin typeface="Calibri"/>
+                <a:ea typeface="Calibri"/>
+                <a:cs typeface="Calibri"/>
+                <a:sym typeface="Calibri"/>
+              </a:rPr>
+              <a:t>RESEARCH</a:t>
+            </a:r>
+            <a:endParaRPr lang="en-US" sz="2400" b="0" i="0" u="none" strike="noStrike" cap="none" dirty="0">
+              <a:solidFill>
+                <a:srgbClr val="EEB211"/>
+              </a:solidFill>
+              <a:latin typeface="Calibri"/>
+              <a:ea typeface="Calibri"/>
+              <a:cs typeface="Calibri"/>
+              <a:sym typeface="Calibri"/>
+            </a:endParaRPr>
+          </a:p>
+        </p:txBody>
+      </p:sp>
+    </p:spTree>
+    <p:extLst>
+      <p:ext uri="{BB962C8B-B14F-4D97-AF65-F5344CB8AC3E}">
+        <p14:creationId xmlns:p14="http://schemas.microsoft.com/office/powerpoint/2010/main" val="2296033662"/>
+      </p:ext>
+    </p:extLst>
+  </p:cSld>
+  <p:clrMapOvr>
+    <a:masterClrMapping/>
+  </p:clrMapOvr>
+  <p:transition xmlns:p14="http://schemas.microsoft.com/office/powerpoint/2010/main" spd="slow">
+    <p:cut/>
+  </p:transition>
+</p:sld>
+</file>
+
+<file path=ppt/slides/slide8.xml><?xml version="1.0" encoding="utf-8"?>
 <p:sld xmlns:a="http://schemas.openxmlformats.org/drawingml/2006/main" xmlns:r="http://schemas.openxmlformats.org/officeDocument/2006/relationships" xmlns:p="http://schemas.openxmlformats.org/presentationml/2006/main">
   <p:cSld>
     <p:spTree>
@@ -23258,7 +24097,7 @@
 </p:sld>
 </file>
 
-<file path=ppt/slides/slide8.xml><?xml version="1.0" encoding="utf-8"?>
+<file path=ppt/slides/slide9.xml><?xml version="1.0" encoding="utf-8"?>
 <p:sld xmlns:a="http://schemas.openxmlformats.org/drawingml/2006/main" xmlns:r="http://schemas.openxmlformats.org/officeDocument/2006/relationships" xmlns:p="http://schemas.openxmlformats.org/presentationml/2006/main">
   <p:cSld>
     <p:spTree>
@@ -23631,477 +24470,6 @@
               </a:rPr>
               <a:t> </a:t>
             </a:r>
-            <a:r>
-              <a:rPr lang="en-US" sz="2400" b="0" i="0" u="none" strike="noStrike" cap="none" dirty="0" smtClean="0">
-                <a:solidFill>
-                  <a:srgbClr val="EEB211"/>
-                </a:solidFill>
-                <a:latin typeface="Calibri"/>
-                <a:ea typeface="Calibri"/>
-                <a:cs typeface="Calibri"/>
-                <a:sym typeface="Calibri"/>
-              </a:rPr>
-              <a:t>BUSINESS </a:t>
-            </a:r>
-            <a:r>
-              <a:rPr lang="en-US" sz="2400" b="0" i="0" u="none" strike="noStrike" cap="none" dirty="0">
-                <a:solidFill>
-                  <a:srgbClr val="EEB211"/>
-                </a:solidFill>
-                <a:latin typeface="Calibri"/>
-                <a:ea typeface="Calibri"/>
-                <a:cs typeface="Calibri"/>
-                <a:sym typeface="Calibri"/>
-              </a:rPr>
-              <a:t>CASE</a:t>
-            </a:r>
-          </a:p>
-        </p:txBody>
-      </p:sp>
-    </p:spTree>
-  </p:cSld>
-  <p:clrMapOvr>
-    <a:masterClrMapping/>
-  </p:clrMapOvr>
-  <p:transition xmlns:p14="http://schemas.microsoft.com/office/powerpoint/2010/main" spd="slow">
-    <p:cut/>
-  </p:transition>
-</p:sld>
-</file>
-
-<file path=ppt/slides/slide9.xml><?xml version="1.0" encoding="utf-8"?>
-<p:sld xmlns:a="http://schemas.openxmlformats.org/drawingml/2006/main" xmlns:r="http://schemas.openxmlformats.org/officeDocument/2006/relationships" xmlns:p="http://schemas.openxmlformats.org/presentationml/2006/main">
-  <p:cSld>
-    <p:spTree>
-      <p:nvGrpSpPr>
-        <p:cNvPr id="1" name="Shape 155"/>
-        <p:cNvGrpSpPr/>
-        <p:nvPr/>
-      </p:nvGrpSpPr>
-      <p:grpSpPr>
-        <a:xfrm>
-          <a:off x="0" y="0"/>
-          <a:ext cx="0" cy="0"/>
-          <a:chOff x="0" y="0"/>
-          <a:chExt cx="0" cy="0"/>
-        </a:xfrm>
-      </p:grpSpPr>
-      <p:sp>
-        <p:nvSpPr>
-          <p:cNvPr id="156" name="Shape 156"/>
-          <p:cNvSpPr txBox="1">
-            <a:spLocks noGrp="1"/>
-          </p:cNvSpPr>
-          <p:nvPr>
-            <p:ph type="body" idx="1"/>
-          </p:nvPr>
-        </p:nvSpPr>
-        <p:spPr>
-          <a:xfrm>
-            <a:off x="0" y="999067"/>
-            <a:ext cx="9143998" cy="5164664"/>
-          </a:xfrm>
-          <a:prstGeom prst="rect">
-            <a:avLst/>
-          </a:prstGeom>
-          <a:noFill/>
-          <a:ln>
-            <a:noFill/>
-          </a:ln>
-        </p:spPr>
-        <p:txBody>
-          <a:bodyPr lIns="274300" tIns="45700" rIns="274300" bIns="45700" anchor="t" anchorCtr="0">
-            <a:noAutofit/>
-          </a:bodyPr>
-          <a:lstStyle/>
-          <a:p>
-            <a:pPr marL="0" marR="0" lvl="0" indent="0" algn="l" rtl="0">
-              <a:spcBef>
-                <a:spcPts val="0"/>
-              </a:spcBef>
-              <a:spcAft>
-                <a:spcPts val="0"/>
-              </a:spcAft>
-              <a:buClr>
-                <a:schemeClr val="lt1"/>
-              </a:buClr>
-              <a:buSzPct val="25000"/>
-              <a:buFont typeface="Arial"/>
-              <a:buNone/>
-            </a:pPr>
-            <a:r>
-              <a:rPr lang="en-US" sz="1800" b="0" i="0" u="none" strike="noStrike" cap="none">
-                <a:solidFill>
-                  <a:schemeClr val="lt1"/>
-                </a:solidFill>
-                <a:latin typeface="Calibri"/>
-                <a:ea typeface="Calibri"/>
-                <a:cs typeface="Calibri"/>
-                <a:sym typeface="Calibri"/>
-              </a:rPr>
-              <a:t>Benefits to Users</a:t>
-            </a:r>
-          </a:p>
-          <a:p>
-            <a:pPr marL="0" marR="0" lvl="0" indent="0" algn="l" rtl="0">
-              <a:spcBef>
-                <a:spcPts val="960"/>
-              </a:spcBef>
-              <a:spcAft>
-                <a:spcPts val="0"/>
-              </a:spcAft>
-              <a:buClr>
-                <a:schemeClr val="lt1"/>
-              </a:buClr>
-              <a:buSzPct val="100000"/>
-              <a:buFont typeface="Arial"/>
-              <a:buChar char="•"/>
-            </a:pPr>
-            <a:r>
-              <a:rPr lang="en-US" sz="1800" b="0" i="0" u="none" strike="noStrike" cap="none">
-                <a:solidFill>
-                  <a:schemeClr val="lt1"/>
-                </a:solidFill>
-                <a:latin typeface="Calibri"/>
-                <a:ea typeface="Calibri"/>
-                <a:cs typeface="Calibri"/>
-                <a:sym typeface="Calibri"/>
-              </a:rPr>
-              <a:t> Users save valuable research time by getting access to a singular and comprehensive source of information about the health conditions in their destination</a:t>
-            </a:r>
-          </a:p>
-          <a:p>
-            <a:pPr marL="0" marR="0" lvl="0" indent="0" algn="l" rtl="0">
-              <a:spcBef>
-                <a:spcPts val="960"/>
-              </a:spcBef>
-              <a:spcAft>
-                <a:spcPts val="0"/>
-              </a:spcAft>
-              <a:buClr>
-                <a:schemeClr val="lt1"/>
-              </a:buClr>
-              <a:buSzPct val="100000"/>
-              <a:buFont typeface="Arial"/>
-              <a:buChar char="•"/>
-            </a:pPr>
-            <a:r>
-              <a:rPr lang="en-US" sz="1800" b="0" i="0" u="none" strike="noStrike" cap="none">
-                <a:solidFill>
-                  <a:schemeClr val="lt1"/>
-                </a:solidFill>
-                <a:latin typeface="Calibri"/>
-                <a:ea typeface="Calibri"/>
-                <a:cs typeface="Calibri"/>
-                <a:sym typeface="Calibri"/>
-              </a:rPr>
-              <a:t> Users get a list of necessary vaccines and off-the-shelf medicine they should pack based on their destination</a:t>
-            </a:r>
-          </a:p>
-          <a:p>
-            <a:pPr marL="0" marR="0" lvl="0" indent="0" algn="l" rtl="0">
-              <a:spcBef>
-                <a:spcPts val="960"/>
-              </a:spcBef>
-              <a:spcAft>
-                <a:spcPts val="0"/>
-              </a:spcAft>
-              <a:buClr>
-                <a:schemeClr val="lt1"/>
-              </a:buClr>
-              <a:buSzPct val="100000"/>
-              <a:buFont typeface="Arial"/>
-              <a:buChar char="•"/>
-            </a:pPr>
-            <a:r>
-              <a:rPr lang="en-US" sz="1800" b="0" i="0" u="none" strike="noStrike" cap="none">
-                <a:solidFill>
-                  <a:schemeClr val="lt1"/>
-                </a:solidFill>
-                <a:latin typeface="Calibri"/>
-                <a:ea typeface="Calibri"/>
-                <a:cs typeface="Calibri"/>
-                <a:sym typeface="Calibri"/>
-              </a:rPr>
-              <a:t> Users get real time warnings about health hazards around them</a:t>
-            </a:r>
-          </a:p>
-          <a:p>
-            <a:pPr marL="0" marR="0" lvl="0" indent="0" algn="l" rtl="0">
-              <a:spcBef>
-                <a:spcPts val="960"/>
-              </a:spcBef>
-              <a:spcAft>
-                <a:spcPts val="0"/>
-              </a:spcAft>
-              <a:buClr>
-                <a:schemeClr val="lt1"/>
-              </a:buClr>
-              <a:buSzPct val="25000"/>
-              <a:buFont typeface="Arial"/>
-              <a:buNone/>
-            </a:pPr>
-            <a:endParaRPr sz="1800" b="0" i="0" u="none" strike="noStrike" cap="none">
-              <a:solidFill>
-                <a:schemeClr val="lt1"/>
-              </a:solidFill>
-              <a:latin typeface="Calibri"/>
-              <a:ea typeface="Calibri"/>
-              <a:cs typeface="Calibri"/>
-              <a:sym typeface="Calibri"/>
-            </a:endParaRPr>
-          </a:p>
-          <a:p>
-            <a:pPr marL="0" marR="0" lvl="0" indent="0" algn="l" rtl="0">
-              <a:spcBef>
-                <a:spcPts val="960"/>
-              </a:spcBef>
-              <a:spcAft>
-                <a:spcPts val="0"/>
-              </a:spcAft>
-              <a:buClr>
-                <a:schemeClr val="lt1"/>
-              </a:buClr>
-              <a:buSzPct val="25000"/>
-              <a:buFont typeface="Arial"/>
-              <a:buNone/>
-            </a:pPr>
-            <a:r>
-              <a:rPr lang="en-US" sz="1800" b="0" i="0" u="none" strike="noStrike" cap="none">
-                <a:solidFill>
-                  <a:schemeClr val="lt1"/>
-                </a:solidFill>
-                <a:latin typeface="Calibri"/>
-                <a:ea typeface="Calibri"/>
-                <a:cs typeface="Calibri"/>
-                <a:sym typeface="Calibri"/>
-              </a:rPr>
-              <a:t>Benefits to Non Users</a:t>
-            </a:r>
-          </a:p>
-          <a:p>
-            <a:pPr marL="0" marR="0" lvl="0" indent="0" algn="l" rtl="0">
-              <a:spcBef>
-                <a:spcPts val="960"/>
-              </a:spcBef>
-              <a:spcAft>
-                <a:spcPts val="0"/>
-              </a:spcAft>
-              <a:buClr>
-                <a:schemeClr val="lt1"/>
-              </a:buClr>
-              <a:buSzPct val="100000"/>
-              <a:buFont typeface="Arial"/>
-              <a:buChar char="•"/>
-            </a:pPr>
-            <a:r>
-              <a:rPr lang="en-US" sz="1800" b="0" i="0" u="none" strike="noStrike" cap="none">
-                <a:solidFill>
-                  <a:schemeClr val="lt1"/>
-                </a:solidFill>
-                <a:latin typeface="Calibri"/>
-                <a:ea typeface="Calibri"/>
-                <a:cs typeface="Calibri"/>
-                <a:sym typeface="Calibri"/>
-              </a:rPr>
-              <a:t> Travelers that are informed of an outbreak and avoid visiting the infected area help in limit the spread of the disease</a:t>
-            </a:r>
-          </a:p>
-          <a:p>
-            <a:pPr marL="0" marR="0" lvl="0" indent="0" algn="l" rtl="0">
-              <a:spcBef>
-                <a:spcPts val="960"/>
-              </a:spcBef>
-              <a:spcAft>
-                <a:spcPts val="0"/>
-              </a:spcAft>
-              <a:buClr>
-                <a:schemeClr val="lt1"/>
-              </a:buClr>
-              <a:buSzPct val="100000"/>
-              <a:buFont typeface="Arial"/>
-              <a:buChar char="•"/>
-            </a:pPr>
-            <a:r>
-              <a:rPr lang="en-US" sz="1800" b="0" i="0" u="none" strike="noStrike" cap="none">
-                <a:solidFill>
-                  <a:schemeClr val="lt1"/>
-                </a:solidFill>
-                <a:latin typeface="Calibri"/>
-                <a:ea typeface="Calibri"/>
-                <a:cs typeface="Calibri"/>
-                <a:sym typeface="Calibri"/>
-              </a:rPr>
-              <a:t> Travelers using SafeTravel are able to warn locals about approaching diseases and share tips they learn from the app about treatment and how to prevent contagion</a:t>
-            </a:r>
-          </a:p>
-          <a:p>
-            <a:pPr marL="0" marR="0" lvl="0" indent="0" algn="l" rtl="0">
-              <a:spcBef>
-                <a:spcPts val="960"/>
-              </a:spcBef>
-              <a:spcAft>
-                <a:spcPts val="0"/>
-              </a:spcAft>
-              <a:buClr>
-                <a:schemeClr val="lt1"/>
-              </a:buClr>
-              <a:buSzPct val="25000"/>
-              <a:buFont typeface="Arial"/>
-              <a:buNone/>
-            </a:pPr>
-            <a:endParaRPr sz="1800" b="0" i="0" u="none" strike="noStrike" cap="none">
-              <a:solidFill>
-                <a:schemeClr val="lt1"/>
-              </a:solidFill>
-              <a:latin typeface="Calibri"/>
-              <a:ea typeface="Calibri"/>
-              <a:cs typeface="Calibri"/>
-              <a:sym typeface="Calibri"/>
-            </a:endParaRPr>
-          </a:p>
-          <a:p>
-            <a:pPr marL="0" marR="0" lvl="0" indent="0" algn="l" rtl="0">
-              <a:spcBef>
-                <a:spcPts val="1080"/>
-              </a:spcBef>
-              <a:spcAft>
-                <a:spcPts val="0"/>
-              </a:spcAft>
-              <a:buClr>
-                <a:schemeClr val="lt1"/>
-              </a:buClr>
-              <a:buSzPct val="25000"/>
-              <a:buFont typeface="Arial"/>
-              <a:buNone/>
-            </a:pPr>
-            <a:endParaRPr sz="2400" b="0" i="0" u="none" strike="noStrike" cap="none">
-              <a:solidFill>
-                <a:schemeClr val="lt1"/>
-              </a:solidFill>
-              <a:latin typeface="Calibri"/>
-              <a:ea typeface="Calibri"/>
-              <a:cs typeface="Calibri"/>
-              <a:sym typeface="Calibri"/>
-            </a:endParaRPr>
-          </a:p>
-          <a:p>
-            <a:pPr marL="0" marR="0" lvl="0" indent="0" algn="l" rtl="0">
-              <a:spcBef>
-                <a:spcPts val="1080"/>
-              </a:spcBef>
-              <a:spcAft>
-                <a:spcPts val="0"/>
-              </a:spcAft>
-              <a:buClr>
-                <a:schemeClr val="lt1"/>
-              </a:buClr>
-              <a:buSzPct val="25000"/>
-              <a:buFont typeface="Arial"/>
-              <a:buNone/>
-            </a:pPr>
-            <a:endParaRPr sz="2400" b="0" i="0" u="none" strike="noStrike" cap="none">
-              <a:solidFill>
-                <a:schemeClr val="lt1"/>
-              </a:solidFill>
-              <a:latin typeface="Calibri"/>
-              <a:ea typeface="Calibri"/>
-              <a:cs typeface="Calibri"/>
-              <a:sym typeface="Calibri"/>
-            </a:endParaRPr>
-          </a:p>
-          <a:p>
-            <a:pPr marL="0" marR="0" lvl="0" indent="0" algn="l" rtl="0">
-              <a:spcBef>
-                <a:spcPts val="1080"/>
-              </a:spcBef>
-              <a:spcAft>
-                <a:spcPts val="0"/>
-              </a:spcAft>
-              <a:buClr>
-                <a:schemeClr val="lt1"/>
-              </a:buClr>
-              <a:buSzPct val="25000"/>
-              <a:buFont typeface="Arial"/>
-              <a:buNone/>
-            </a:pPr>
-            <a:endParaRPr sz="2400" b="0" i="0" u="none" strike="noStrike" cap="none">
-              <a:solidFill>
-                <a:schemeClr val="lt1"/>
-              </a:solidFill>
-              <a:latin typeface="Calibri"/>
-              <a:ea typeface="Calibri"/>
-              <a:cs typeface="Calibri"/>
-              <a:sym typeface="Calibri"/>
-            </a:endParaRPr>
-          </a:p>
-          <a:p>
-            <a:pPr marL="0" marR="0" lvl="0" indent="0" algn="l" rtl="0">
-              <a:spcBef>
-                <a:spcPts val="1080"/>
-              </a:spcBef>
-              <a:spcAft>
-                <a:spcPts val="0"/>
-              </a:spcAft>
-              <a:buClr>
-                <a:schemeClr val="lt1"/>
-              </a:buClr>
-              <a:buSzPct val="25000"/>
-              <a:buFont typeface="Arial"/>
-              <a:buNone/>
-            </a:pPr>
-            <a:endParaRPr sz="2400" b="0" i="0" u="none" strike="noStrike" cap="none">
-              <a:solidFill>
-                <a:schemeClr val="lt1"/>
-              </a:solidFill>
-              <a:latin typeface="Calibri"/>
-              <a:ea typeface="Calibri"/>
-              <a:cs typeface="Calibri"/>
-              <a:sym typeface="Calibri"/>
-            </a:endParaRPr>
-          </a:p>
-        </p:txBody>
-      </p:sp>
-      <p:sp>
-        <p:nvSpPr>
-          <p:cNvPr id="157" name="Shape 157"/>
-          <p:cNvSpPr txBox="1">
-            <a:spLocks noGrp="1"/>
-          </p:cNvSpPr>
-          <p:nvPr>
-            <p:ph type="title"/>
-          </p:nvPr>
-        </p:nvSpPr>
-        <p:spPr>
-          <a:xfrm>
-            <a:off x="0" y="0"/>
-            <a:ext cx="9144000" cy="991351"/>
-          </a:xfrm>
-          <a:prstGeom prst="rect">
-            <a:avLst/>
-          </a:prstGeom>
-          <a:noFill/>
-          <a:ln>
-            <a:noFill/>
-          </a:ln>
-        </p:spPr>
-        <p:txBody>
-          <a:bodyPr lIns="274300" tIns="45700" rIns="91425" bIns="45700" anchor="ctr" anchorCtr="0">
-            <a:noAutofit/>
-          </a:bodyPr>
-          <a:lstStyle/>
-          <a:p>
-            <a:pPr marL="0" marR="0" lvl="0" indent="0" algn="ctr" rtl="0">
-              <a:spcBef>
-                <a:spcPts val="0"/>
-              </a:spcBef>
-              <a:buClr>
-                <a:srgbClr val="EEB211"/>
-              </a:buClr>
-              <a:buSzPct val="25000"/>
-              <a:buFont typeface="Calibri"/>
-              <a:buNone/>
-            </a:pPr>
             <a:r>
               <a:rPr lang="en-US" sz="2400" b="0" i="0" u="none" strike="noStrike" cap="none" dirty="0" smtClean="0">
                 <a:solidFill>

--- a/Deliverable1/Docs/TopicPresentation.pptx
+++ b/Deliverable1/Docs/TopicPresentation.pptx
@@ -11,24 +11,27 @@
     <p:sldMasterId id="2147483669" r:id="rId7"/>
   </p:sldMasterIdLst>
   <p:notesMasterIdLst>
-    <p:notesMasterId r:id="rId23"/>
+    <p:notesMasterId r:id="rId26"/>
   </p:notesMasterIdLst>
   <p:sldIdLst>
     <p:sldId id="256" r:id="rId8"/>
     <p:sldId id="257" r:id="rId9"/>
     <p:sldId id="258" r:id="rId10"/>
-    <p:sldId id="259" r:id="rId11"/>
-    <p:sldId id="260" r:id="rId12"/>
-    <p:sldId id="261" r:id="rId13"/>
-    <p:sldId id="270" r:id="rId14"/>
-    <p:sldId id="269" r:id="rId15"/>
-    <p:sldId id="262" r:id="rId16"/>
-    <p:sldId id="263" r:id="rId17"/>
-    <p:sldId id="264" r:id="rId18"/>
-    <p:sldId id="265" r:id="rId19"/>
-    <p:sldId id="266" r:id="rId20"/>
-    <p:sldId id="267" r:id="rId21"/>
-    <p:sldId id="268" r:id="rId22"/>
+    <p:sldId id="274" r:id="rId11"/>
+    <p:sldId id="259" r:id="rId12"/>
+    <p:sldId id="260" r:id="rId13"/>
+    <p:sldId id="261" r:id="rId14"/>
+    <p:sldId id="270" r:id="rId15"/>
+    <p:sldId id="275" r:id="rId16"/>
+    <p:sldId id="276" r:id="rId17"/>
+    <p:sldId id="272" r:id="rId18"/>
+    <p:sldId id="262" r:id="rId19"/>
+    <p:sldId id="263" r:id="rId20"/>
+    <p:sldId id="273" r:id="rId21"/>
+    <p:sldId id="265" r:id="rId22"/>
+    <p:sldId id="266" r:id="rId23"/>
+    <p:sldId id="267" r:id="rId24"/>
+    <p:sldId id="268" r:id="rId25"/>
   </p:sldIdLst>
   <p:sldSz cx="9144000" cy="6858000" type="screen4x3"/>
   <p:notesSz cx="6858000" cy="9144000"/>
@@ -234,6 +237,22 @@
       </a:defRPr>
     </a:lvl9pPr>
   </p:defaultTextStyle>
+  <p:extLst>
+    <p:ext uri="{EFAFB233-063F-42B5-8137-9DF3F51BA10A}">
+      <p15:sldGuideLst xmlns:p15="http://schemas.microsoft.com/office/powerpoint/2012/main" xmlns="">
+        <p15:guide id="1" orient="horz" pos="2160">
+          <p15:clr>
+            <a:srgbClr val="A4A3A4"/>
+          </p15:clr>
+        </p15:guide>
+        <p15:guide id="2" pos="2880">
+          <p15:clr>
+            <a:srgbClr val="A4A3A4"/>
+          </p15:clr>
+        </p15:guide>
+      </p15:sldGuideLst>
+    </p:ext>
+  </p:extLst>
 </p:presentation>
 </file>
 
@@ -551,7 +570,7 @@
               </a:spcBef>
               <a:buNone/>
             </a:pPr>
-            <a:endParaRPr/>
+            <a:endParaRPr dirty="0"/>
           </a:p>
         </p:txBody>
       </p:sp>
@@ -597,6 +616,11 @@
         </p:spPr>
       </p:sp>
     </p:spTree>
+    <p:extLst>
+      <p:ext uri="{BB962C8B-B14F-4D97-AF65-F5344CB8AC3E}">
+        <p14:creationId xmlns:p14="http://schemas.microsoft.com/office/powerpoint/2010/main" val="4032197884"/>
+      </p:ext>
+    </p:extLst>
   </p:cSld>
   <p:clrMapOvr>
     <a:masterClrMapping/>
@@ -605,6 +629,336 @@
 </file>
 
 <file path=ppt/notesSlides/notesSlide10.xml><?xml version="1.0" encoding="utf-8"?>
+<p:notes xmlns:a="http://schemas.openxmlformats.org/drawingml/2006/main" xmlns:r="http://schemas.openxmlformats.org/officeDocument/2006/relationships" xmlns:p="http://schemas.openxmlformats.org/presentationml/2006/main" showMasterSp="0" showMasterPhAnim="0">
+  <p:cSld>
+    <p:spTree>
+      <p:nvGrpSpPr>
+        <p:cNvPr id="1" name="Shape 140"/>
+        <p:cNvGrpSpPr/>
+        <p:nvPr/>
+      </p:nvGrpSpPr>
+      <p:grpSpPr>
+        <a:xfrm>
+          <a:off x="0" y="0"/>
+          <a:ext cx="0" cy="0"/>
+          <a:chOff x="0" y="0"/>
+          <a:chExt cx="0" cy="0"/>
+        </a:xfrm>
+      </p:grpSpPr>
+      <p:sp>
+        <p:nvSpPr>
+          <p:cNvPr id="141" name="Shape 141"/>
+          <p:cNvSpPr txBox="1">
+            <a:spLocks noGrp="1"/>
+          </p:cNvSpPr>
+          <p:nvPr>
+            <p:ph type="body" idx="1"/>
+          </p:nvPr>
+        </p:nvSpPr>
+        <p:spPr>
+          <a:xfrm>
+            <a:off x="685800" y="4343400"/>
+            <a:ext cx="5486399" cy="4114800"/>
+          </a:xfrm>
+          <a:prstGeom prst="rect">
+            <a:avLst/>
+          </a:prstGeom>
+          <a:noFill/>
+          <a:ln>
+            <a:noFill/>
+          </a:ln>
+        </p:spPr>
+        <p:txBody>
+          <a:bodyPr lIns="91425" tIns="91425" rIns="91425" bIns="91425" anchor="ctr" anchorCtr="0">
+            <a:noAutofit/>
+          </a:bodyPr>
+          <a:lstStyle/>
+          <a:p>
+            <a:pPr lvl="0">
+              <a:spcBef>
+                <a:spcPts val="0"/>
+              </a:spcBef>
+              <a:buNone/>
+            </a:pPr>
+            <a:endParaRPr dirty="0"/>
+          </a:p>
+        </p:txBody>
+      </p:sp>
+      <p:sp>
+        <p:nvSpPr>
+          <p:cNvPr id="142" name="Shape 142"/>
+          <p:cNvSpPr>
+            <a:spLocks noGrp="1" noRot="1" noChangeAspect="1"/>
+          </p:cNvSpPr>
+          <p:nvPr>
+            <p:ph type="sldImg" idx="2"/>
+          </p:nvPr>
+        </p:nvSpPr>
+        <p:spPr>
+          <a:xfrm>
+            <a:off x="1143000" y="685800"/>
+            <a:ext cx="4572000" cy="3429000"/>
+          </a:xfrm>
+          <a:custGeom>
+            <a:avLst/>
+            <a:gdLst/>
+            <a:ahLst/>
+            <a:cxnLst/>
+            <a:rect l="0" t="0" r="0" b="0"/>
+            <a:pathLst>
+              <a:path w="120000" h="120000" extrusionOk="0">
+                <a:moveTo>
+                  <a:pt x="0" y="0"/>
+                </a:moveTo>
+                <a:lnTo>
+                  <a:pt x="120000" y="0"/>
+                </a:lnTo>
+                <a:lnTo>
+                  <a:pt x="120000" y="120000"/>
+                </a:lnTo>
+                <a:lnTo>
+                  <a:pt x="0" y="120000"/>
+                </a:lnTo>
+                <a:close/>
+              </a:path>
+            </a:pathLst>
+          </a:custGeom>
+        </p:spPr>
+      </p:sp>
+    </p:spTree>
+    <p:extLst>
+      <p:ext uri="{BB962C8B-B14F-4D97-AF65-F5344CB8AC3E}">
+        <p14:creationId xmlns:p14="http://schemas.microsoft.com/office/powerpoint/2010/main" val="1777483670"/>
+      </p:ext>
+    </p:extLst>
+  </p:cSld>
+  <p:clrMapOvr>
+    <a:masterClrMapping/>
+  </p:clrMapOvr>
+</p:notes>
+</file>
+
+<file path=ppt/notesSlides/notesSlide11.xml><?xml version="1.0" encoding="utf-8"?>
+<p:notes xmlns:a="http://schemas.openxmlformats.org/drawingml/2006/main" xmlns:r="http://schemas.openxmlformats.org/officeDocument/2006/relationships" xmlns:p="http://schemas.openxmlformats.org/presentationml/2006/main" showMasterSp="0" showMasterPhAnim="0">
+  <p:cSld>
+    <p:spTree>
+      <p:nvGrpSpPr>
+        <p:cNvPr id="1" name="Shape 140"/>
+        <p:cNvGrpSpPr/>
+        <p:nvPr/>
+      </p:nvGrpSpPr>
+      <p:grpSpPr>
+        <a:xfrm>
+          <a:off x="0" y="0"/>
+          <a:ext cx="0" cy="0"/>
+          <a:chOff x="0" y="0"/>
+          <a:chExt cx="0" cy="0"/>
+        </a:xfrm>
+      </p:grpSpPr>
+      <p:sp>
+        <p:nvSpPr>
+          <p:cNvPr id="141" name="Shape 141"/>
+          <p:cNvSpPr txBox="1">
+            <a:spLocks noGrp="1"/>
+          </p:cNvSpPr>
+          <p:nvPr>
+            <p:ph type="body" idx="1"/>
+          </p:nvPr>
+        </p:nvSpPr>
+        <p:spPr>
+          <a:xfrm>
+            <a:off x="685800" y="4343400"/>
+            <a:ext cx="5486399" cy="4114800"/>
+          </a:xfrm>
+          <a:prstGeom prst="rect">
+            <a:avLst/>
+          </a:prstGeom>
+          <a:noFill/>
+          <a:ln>
+            <a:noFill/>
+          </a:ln>
+        </p:spPr>
+        <p:txBody>
+          <a:bodyPr lIns="91425" tIns="91425" rIns="91425" bIns="91425" anchor="ctr" anchorCtr="0">
+            <a:noAutofit/>
+          </a:bodyPr>
+          <a:lstStyle/>
+          <a:p>
+            <a:pPr lvl="0">
+              <a:spcBef>
+                <a:spcPts val="0"/>
+              </a:spcBef>
+              <a:buNone/>
+            </a:pPr>
+            <a:endParaRPr dirty="0"/>
+          </a:p>
+        </p:txBody>
+      </p:sp>
+      <p:sp>
+        <p:nvSpPr>
+          <p:cNvPr id="142" name="Shape 142"/>
+          <p:cNvSpPr>
+            <a:spLocks noGrp="1" noRot="1" noChangeAspect="1"/>
+          </p:cNvSpPr>
+          <p:nvPr>
+            <p:ph type="sldImg" idx="2"/>
+          </p:nvPr>
+        </p:nvSpPr>
+        <p:spPr>
+          <a:xfrm>
+            <a:off x="1143000" y="685800"/>
+            <a:ext cx="4572000" cy="3429000"/>
+          </a:xfrm>
+          <a:custGeom>
+            <a:avLst/>
+            <a:gdLst/>
+            <a:ahLst/>
+            <a:cxnLst/>
+            <a:rect l="0" t="0" r="0" b="0"/>
+            <a:pathLst>
+              <a:path w="120000" h="120000" extrusionOk="0">
+                <a:moveTo>
+                  <a:pt x="0" y="0"/>
+                </a:moveTo>
+                <a:lnTo>
+                  <a:pt x="120000" y="0"/>
+                </a:lnTo>
+                <a:lnTo>
+                  <a:pt x="120000" y="120000"/>
+                </a:lnTo>
+                <a:lnTo>
+                  <a:pt x="0" y="120000"/>
+                </a:lnTo>
+                <a:close/>
+              </a:path>
+            </a:pathLst>
+          </a:custGeom>
+        </p:spPr>
+      </p:sp>
+    </p:spTree>
+    <p:extLst>
+      <p:ext uri="{BB962C8B-B14F-4D97-AF65-F5344CB8AC3E}">
+        <p14:creationId xmlns:p14="http://schemas.microsoft.com/office/powerpoint/2010/main" val="3259809174"/>
+      </p:ext>
+    </p:extLst>
+  </p:cSld>
+  <p:clrMapOvr>
+    <a:masterClrMapping/>
+  </p:clrMapOvr>
+</p:notes>
+</file>
+
+<file path=ppt/notesSlides/notesSlide12.xml><?xml version="1.0" encoding="utf-8"?>
+<p:notes xmlns:a="http://schemas.openxmlformats.org/drawingml/2006/main" xmlns:r="http://schemas.openxmlformats.org/officeDocument/2006/relationships" xmlns:p="http://schemas.openxmlformats.org/presentationml/2006/main" showMasterSp="0" showMasterPhAnim="0">
+  <p:cSld>
+    <p:spTree>
+      <p:nvGrpSpPr>
+        <p:cNvPr id="1" name="Shape 146"/>
+        <p:cNvGrpSpPr/>
+        <p:nvPr/>
+      </p:nvGrpSpPr>
+      <p:grpSpPr>
+        <a:xfrm>
+          <a:off x="0" y="0"/>
+          <a:ext cx="0" cy="0"/>
+          <a:chOff x="0" y="0"/>
+          <a:chExt cx="0" cy="0"/>
+        </a:xfrm>
+      </p:grpSpPr>
+      <p:sp>
+        <p:nvSpPr>
+          <p:cNvPr id="147" name="Shape 147"/>
+          <p:cNvSpPr txBox="1">
+            <a:spLocks noGrp="1"/>
+          </p:cNvSpPr>
+          <p:nvPr>
+            <p:ph type="body" idx="1"/>
+          </p:nvPr>
+        </p:nvSpPr>
+        <p:spPr>
+          <a:xfrm>
+            <a:off x="685800" y="4343400"/>
+            <a:ext cx="5486399" cy="4114800"/>
+          </a:xfrm>
+          <a:prstGeom prst="rect">
+            <a:avLst/>
+          </a:prstGeom>
+          <a:noFill/>
+          <a:ln>
+            <a:noFill/>
+          </a:ln>
+        </p:spPr>
+        <p:txBody>
+          <a:bodyPr lIns="91425" tIns="91425" rIns="91425" bIns="91425" anchor="ctr" anchorCtr="0">
+            <a:noAutofit/>
+          </a:bodyPr>
+          <a:lstStyle/>
+          <a:p>
+            <a:pPr lvl="0">
+              <a:spcBef>
+                <a:spcPts val="0"/>
+              </a:spcBef>
+              <a:buNone/>
+            </a:pPr>
+            <a:endParaRPr dirty="0"/>
+          </a:p>
+        </p:txBody>
+      </p:sp>
+      <p:sp>
+        <p:nvSpPr>
+          <p:cNvPr id="148" name="Shape 148"/>
+          <p:cNvSpPr>
+            <a:spLocks noGrp="1" noRot="1" noChangeAspect="1"/>
+          </p:cNvSpPr>
+          <p:nvPr>
+            <p:ph type="sldImg" idx="2"/>
+          </p:nvPr>
+        </p:nvSpPr>
+        <p:spPr>
+          <a:xfrm>
+            <a:off x="1143000" y="685800"/>
+            <a:ext cx="4572000" cy="3429000"/>
+          </a:xfrm>
+          <a:custGeom>
+            <a:avLst/>
+            <a:gdLst/>
+            <a:ahLst/>
+            <a:cxnLst/>
+            <a:rect l="0" t="0" r="0" b="0"/>
+            <a:pathLst>
+              <a:path w="120000" h="120000" extrusionOk="0">
+                <a:moveTo>
+                  <a:pt x="0" y="0"/>
+                </a:moveTo>
+                <a:lnTo>
+                  <a:pt x="120000" y="0"/>
+                </a:lnTo>
+                <a:lnTo>
+                  <a:pt x="120000" y="120000"/>
+                </a:lnTo>
+                <a:lnTo>
+                  <a:pt x="0" y="120000"/>
+                </a:lnTo>
+                <a:close/>
+              </a:path>
+            </a:pathLst>
+          </a:custGeom>
+        </p:spPr>
+      </p:sp>
+    </p:spTree>
+    <p:extLst>
+      <p:ext uri="{BB962C8B-B14F-4D97-AF65-F5344CB8AC3E}">
+        <p14:creationId xmlns:p14="http://schemas.microsoft.com/office/powerpoint/2010/main" val="379127248"/>
+      </p:ext>
+    </p:extLst>
+  </p:cSld>
+  <p:clrMapOvr>
+    <a:masterClrMapping/>
+  </p:clrMapOvr>
+</p:notes>
+</file>
+
+<file path=ppt/notesSlides/notesSlide13.xml><?xml version="1.0" encoding="utf-8"?>
 <p:notes xmlns:a="http://schemas.openxmlformats.org/drawingml/2006/main" xmlns:r="http://schemas.openxmlformats.org/officeDocument/2006/relationships" xmlns:p="http://schemas.openxmlformats.org/presentationml/2006/main" showMasterSp="0" showMasterPhAnim="0">
   <p:cSld>
     <p:spTree>
@@ -656,7 +1010,7 @@
               </a:spcBef>
               <a:buNone/>
             </a:pPr>
-            <a:endParaRPr/>
+            <a:endParaRPr dirty="0"/>
           </a:p>
         </p:txBody>
       </p:sp>
@@ -702,6 +1056,11 @@
         </p:spPr>
       </p:sp>
     </p:spTree>
+    <p:extLst>
+      <p:ext uri="{BB962C8B-B14F-4D97-AF65-F5344CB8AC3E}">
+        <p14:creationId xmlns:p14="http://schemas.microsoft.com/office/powerpoint/2010/main" val="3373752869"/>
+      </p:ext>
+    </p:extLst>
   </p:cSld>
   <p:clrMapOvr>
     <a:masterClrMapping/>
@@ -709,12 +1068,12 @@
 </p:notes>
 </file>
 
-<file path=ppt/notesSlides/notesSlide11.xml><?xml version="1.0" encoding="utf-8"?>
+<file path=ppt/notesSlides/notesSlide14.xml><?xml version="1.0" encoding="utf-8"?>
 <p:notes xmlns:a="http://schemas.openxmlformats.org/drawingml/2006/main" xmlns:r="http://schemas.openxmlformats.org/officeDocument/2006/relationships" xmlns:p="http://schemas.openxmlformats.org/presentationml/2006/main" showMasterSp="0" showMasterPhAnim="0">
   <p:cSld>
     <p:spTree>
       <p:nvGrpSpPr>
-        <p:cNvPr id="1" name="Shape 158"/>
+        <p:cNvPr id="1" name="Shape 152"/>
         <p:cNvGrpSpPr/>
         <p:nvPr/>
       </p:nvGrpSpPr>
@@ -728,7 +1087,7 @@
       </p:grpSpPr>
       <p:sp>
         <p:nvSpPr>
-          <p:cNvPr id="159" name="Shape 159"/>
+          <p:cNvPr id="153" name="Shape 153"/>
           <p:cNvSpPr txBox="1">
             <a:spLocks noGrp="1"/>
           </p:cNvSpPr>
@@ -761,13 +1120,13 @@
               </a:spcBef>
               <a:buNone/>
             </a:pPr>
-            <a:endParaRPr/>
+            <a:endParaRPr dirty="0"/>
           </a:p>
         </p:txBody>
       </p:sp>
       <p:sp>
         <p:nvSpPr>
-          <p:cNvPr id="160" name="Shape 160"/>
+          <p:cNvPr id="154" name="Shape 154"/>
           <p:cNvSpPr>
             <a:spLocks noGrp="1" noRot="1" noChangeAspect="1"/>
           </p:cNvSpPr>
@@ -807,6 +1166,11 @@
         </p:spPr>
       </p:sp>
     </p:spTree>
+    <p:extLst>
+      <p:ext uri="{BB962C8B-B14F-4D97-AF65-F5344CB8AC3E}">
+        <p14:creationId xmlns:p14="http://schemas.microsoft.com/office/powerpoint/2010/main" val="427026265"/>
+      </p:ext>
+    </p:extLst>
   </p:cSld>
   <p:clrMapOvr>
     <a:masterClrMapping/>
@@ -814,7 +1178,7 @@
 </p:notes>
 </file>
 
-<file path=ppt/notesSlides/notesSlide12.xml><?xml version="1.0" encoding="utf-8"?>
+<file path=ppt/notesSlides/notesSlide15.xml><?xml version="1.0" encoding="utf-8"?>
 <p:notes xmlns:a="http://schemas.openxmlformats.org/drawingml/2006/main" xmlns:r="http://schemas.openxmlformats.org/officeDocument/2006/relationships" xmlns:p="http://schemas.openxmlformats.org/presentationml/2006/main" showMasterSp="0" showMasterPhAnim="0">
   <p:cSld>
     <p:spTree>
@@ -866,7 +1230,7 @@
               </a:spcBef>
               <a:buNone/>
             </a:pPr>
-            <a:endParaRPr/>
+            <a:endParaRPr dirty="0"/>
           </a:p>
         </p:txBody>
       </p:sp>
@@ -912,6 +1276,11 @@
         </p:spPr>
       </p:sp>
     </p:spTree>
+    <p:extLst>
+      <p:ext uri="{BB962C8B-B14F-4D97-AF65-F5344CB8AC3E}">
+        <p14:creationId xmlns:p14="http://schemas.microsoft.com/office/powerpoint/2010/main" val="2685974556"/>
+      </p:ext>
+    </p:extLst>
   </p:cSld>
   <p:clrMapOvr>
     <a:masterClrMapping/>
@@ -919,7 +1288,7 @@
 </p:notes>
 </file>
 
-<file path=ppt/notesSlides/notesSlide13.xml><?xml version="1.0" encoding="utf-8"?>
+<file path=ppt/notesSlides/notesSlide16.xml><?xml version="1.0" encoding="utf-8"?>
 <p:notes xmlns:a="http://schemas.openxmlformats.org/drawingml/2006/main" xmlns:r="http://schemas.openxmlformats.org/officeDocument/2006/relationships" xmlns:p="http://schemas.openxmlformats.org/presentationml/2006/main" showMasterSp="0" showMasterPhAnim="0">
   <p:cSld>
     <p:spTree>
@@ -971,7 +1340,7 @@
               </a:spcBef>
               <a:buNone/>
             </a:pPr>
-            <a:endParaRPr/>
+            <a:endParaRPr dirty="0"/>
           </a:p>
         </p:txBody>
       </p:sp>
@@ -1017,6 +1386,11 @@
         </p:spPr>
       </p:sp>
     </p:spTree>
+    <p:extLst>
+      <p:ext uri="{BB962C8B-B14F-4D97-AF65-F5344CB8AC3E}">
+        <p14:creationId xmlns:p14="http://schemas.microsoft.com/office/powerpoint/2010/main" val="2626735598"/>
+      </p:ext>
+    </p:extLst>
   </p:cSld>
   <p:clrMapOvr>
     <a:masterClrMapping/>
@@ -1024,7 +1398,7 @@
 </p:notes>
 </file>
 
-<file path=ppt/notesSlides/notesSlide14.xml><?xml version="1.0" encoding="utf-8"?>
+<file path=ppt/notesSlides/notesSlide17.xml><?xml version="1.0" encoding="utf-8"?>
 <p:notes xmlns:a="http://schemas.openxmlformats.org/drawingml/2006/main" xmlns:r="http://schemas.openxmlformats.org/officeDocument/2006/relationships" xmlns:p="http://schemas.openxmlformats.org/presentationml/2006/main" showMasterSp="0" showMasterPhAnim="0">
   <p:cSld>
     <p:spTree>
@@ -1076,7 +1450,7 @@
               </a:spcBef>
               <a:buNone/>
             </a:pPr>
-            <a:endParaRPr/>
+            <a:endParaRPr dirty="0"/>
           </a:p>
         </p:txBody>
       </p:sp>
@@ -1122,6 +1496,11 @@
         </p:spPr>
       </p:sp>
     </p:spTree>
+    <p:extLst>
+      <p:ext uri="{BB962C8B-B14F-4D97-AF65-F5344CB8AC3E}">
+        <p14:creationId xmlns:p14="http://schemas.microsoft.com/office/powerpoint/2010/main" val="3428722419"/>
+      </p:ext>
+    </p:extLst>
   </p:cSld>
   <p:clrMapOvr>
     <a:masterClrMapping/>
@@ -1129,7 +1508,7 @@
 </p:notes>
 </file>
 
-<file path=ppt/notesSlides/notesSlide15.xml><?xml version="1.0" encoding="utf-8"?>
+<file path=ppt/notesSlides/notesSlide18.xml><?xml version="1.0" encoding="utf-8"?>
 <p:notes xmlns:a="http://schemas.openxmlformats.org/drawingml/2006/main" xmlns:r="http://schemas.openxmlformats.org/officeDocument/2006/relationships" xmlns:p="http://schemas.openxmlformats.org/presentationml/2006/main" showMasterSp="0" showMasterPhAnim="0">
   <p:cSld>
     <p:spTree>
@@ -1181,7 +1560,7 @@
               </a:spcBef>
               <a:buNone/>
             </a:pPr>
-            <a:endParaRPr/>
+            <a:endParaRPr dirty="0"/>
           </a:p>
         </p:txBody>
       </p:sp>
@@ -1227,6 +1606,11 @@
         </p:spPr>
       </p:sp>
     </p:spTree>
+    <p:extLst>
+      <p:ext uri="{BB962C8B-B14F-4D97-AF65-F5344CB8AC3E}">
+        <p14:creationId xmlns:p14="http://schemas.microsoft.com/office/powerpoint/2010/main" val="2637157304"/>
+      </p:ext>
+    </p:extLst>
   </p:cSld>
   <p:clrMapOvr>
     <a:masterClrMapping/>
@@ -1286,7 +1670,7 @@
               </a:spcBef>
               <a:buNone/>
             </a:pPr>
-            <a:endParaRPr/>
+            <a:endParaRPr dirty="0"/>
           </a:p>
         </p:txBody>
       </p:sp>
@@ -1332,6 +1716,11 @@
         </p:spPr>
       </p:sp>
     </p:spTree>
+    <p:extLst>
+      <p:ext uri="{BB962C8B-B14F-4D97-AF65-F5344CB8AC3E}">
+        <p14:creationId xmlns:p14="http://schemas.microsoft.com/office/powerpoint/2010/main" val="4125687891"/>
+      </p:ext>
+    </p:extLst>
   </p:cSld>
   <p:clrMapOvr>
     <a:masterClrMapping/>
@@ -1391,7 +1780,7 @@
               </a:spcBef>
               <a:buNone/>
             </a:pPr>
-            <a:endParaRPr/>
+            <a:endParaRPr dirty="0"/>
           </a:p>
         </p:txBody>
       </p:sp>
@@ -1437,6 +1826,11 @@
         </p:spPr>
       </p:sp>
     </p:spTree>
+    <p:extLst>
+      <p:ext uri="{BB962C8B-B14F-4D97-AF65-F5344CB8AC3E}">
+        <p14:creationId xmlns:p14="http://schemas.microsoft.com/office/powerpoint/2010/main" val="1548929822"/>
+      </p:ext>
+    </p:extLst>
   </p:cSld>
   <p:clrMapOvr>
     <a:masterClrMapping/>
@@ -1445,6 +1839,116 @@
 </file>
 
 <file path=ppt/notesSlides/notesSlide4.xml><?xml version="1.0" encoding="utf-8"?>
+<p:notes xmlns:a="http://schemas.openxmlformats.org/drawingml/2006/main" xmlns:r="http://schemas.openxmlformats.org/officeDocument/2006/relationships" xmlns:p="http://schemas.openxmlformats.org/presentationml/2006/main" showMasterSp="0" showMasterPhAnim="0">
+  <p:cSld>
+    <p:spTree>
+      <p:nvGrpSpPr>
+        <p:cNvPr id="1" name="Shape 140"/>
+        <p:cNvGrpSpPr/>
+        <p:nvPr/>
+      </p:nvGrpSpPr>
+      <p:grpSpPr>
+        <a:xfrm>
+          <a:off x="0" y="0"/>
+          <a:ext cx="0" cy="0"/>
+          <a:chOff x="0" y="0"/>
+          <a:chExt cx="0" cy="0"/>
+        </a:xfrm>
+      </p:grpSpPr>
+      <p:sp>
+        <p:nvSpPr>
+          <p:cNvPr id="141" name="Shape 141"/>
+          <p:cNvSpPr txBox="1">
+            <a:spLocks noGrp="1"/>
+          </p:cNvSpPr>
+          <p:nvPr>
+            <p:ph type="body" idx="1"/>
+          </p:nvPr>
+        </p:nvSpPr>
+        <p:spPr>
+          <a:xfrm>
+            <a:off x="685800" y="4343400"/>
+            <a:ext cx="5486399" cy="4114800"/>
+          </a:xfrm>
+          <a:prstGeom prst="rect">
+            <a:avLst/>
+          </a:prstGeom>
+          <a:noFill/>
+          <a:ln>
+            <a:noFill/>
+          </a:ln>
+        </p:spPr>
+        <p:txBody>
+          <a:bodyPr lIns="91425" tIns="91425" rIns="91425" bIns="91425" anchor="ctr" anchorCtr="0">
+            <a:noAutofit/>
+          </a:bodyPr>
+          <a:lstStyle/>
+          <a:p>
+            <a:pPr lvl="0">
+              <a:spcBef>
+                <a:spcPts val="0"/>
+              </a:spcBef>
+              <a:buNone/>
+            </a:pPr>
+            <a:endParaRPr dirty="0"/>
+          </a:p>
+        </p:txBody>
+      </p:sp>
+      <p:sp>
+        <p:nvSpPr>
+          <p:cNvPr id="142" name="Shape 142"/>
+          <p:cNvSpPr>
+            <a:spLocks noGrp="1" noRot="1" noChangeAspect="1"/>
+          </p:cNvSpPr>
+          <p:nvPr>
+            <p:ph type="sldImg" idx="2"/>
+          </p:nvPr>
+        </p:nvSpPr>
+        <p:spPr>
+          <a:xfrm>
+            <a:off x="1143000" y="685800"/>
+            <a:ext cx="4572000" cy="3429000"/>
+          </a:xfrm>
+          <a:custGeom>
+            <a:avLst/>
+            <a:gdLst/>
+            <a:ahLst/>
+            <a:cxnLst/>
+            <a:rect l="0" t="0" r="0" b="0"/>
+            <a:pathLst>
+              <a:path w="120000" h="120000" extrusionOk="0">
+                <a:moveTo>
+                  <a:pt x="0" y="0"/>
+                </a:moveTo>
+                <a:lnTo>
+                  <a:pt x="120000" y="0"/>
+                </a:lnTo>
+                <a:lnTo>
+                  <a:pt x="120000" y="120000"/>
+                </a:lnTo>
+                <a:lnTo>
+                  <a:pt x="0" y="120000"/>
+                </a:lnTo>
+                <a:close/>
+              </a:path>
+            </a:pathLst>
+          </a:custGeom>
+        </p:spPr>
+      </p:sp>
+    </p:spTree>
+    <p:extLst>
+      <p:ext uri="{BB962C8B-B14F-4D97-AF65-F5344CB8AC3E}">
+        <p14:creationId xmlns:p14="http://schemas.microsoft.com/office/powerpoint/2010/main" val="2112871292"/>
+      </p:ext>
+    </p:extLst>
+  </p:cSld>
+  <p:clrMapOvr>
+    <a:masterClrMapping/>
+  </p:clrMapOvr>
+</p:notes>
+</file>
+
+<file path=ppt/notesSlides/notesSlide5.xml><?xml version="1.0" encoding="utf-8"?>
 <p:notes xmlns:a="http://schemas.openxmlformats.org/drawingml/2006/main" xmlns:r="http://schemas.openxmlformats.org/officeDocument/2006/relationships" xmlns:p="http://schemas.openxmlformats.org/presentationml/2006/main" showMasterSp="0" showMasterPhAnim="0">
   <p:cSld>
     <p:spTree>
@@ -1496,7 +2000,7 @@
               </a:spcBef>
               <a:buNone/>
             </a:pPr>
-            <a:endParaRPr/>
+            <a:endParaRPr dirty="0"/>
           </a:p>
         </p:txBody>
       </p:sp>
@@ -1542,6 +2046,11 @@
         </p:spPr>
       </p:sp>
     </p:spTree>
+    <p:extLst>
+      <p:ext uri="{BB962C8B-B14F-4D97-AF65-F5344CB8AC3E}">
+        <p14:creationId xmlns:p14="http://schemas.microsoft.com/office/powerpoint/2010/main" val="3545457789"/>
+      </p:ext>
+    </p:extLst>
   </p:cSld>
   <p:clrMapOvr>
     <a:masterClrMapping/>
@@ -1549,7 +2058,7 @@
 </p:notes>
 </file>
 
-<file path=ppt/notesSlides/notesSlide5.xml><?xml version="1.0" encoding="utf-8"?>
+<file path=ppt/notesSlides/notesSlide6.xml><?xml version="1.0" encoding="utf-8"?>
 <p:notes xmlns:a="http://schemas.openxmlformats.org/drawingml/2006/main" xmlns:r="http://schemas.openxmlformats.org/officeDocument/2006/relationships" xmlns:p="http://schemas.openxmlformats.org/presentationml/2006/main" showMasterSp="0" showMasterPhAnim="0">
   <p:cSld>
     <p:spTree>
@@ -1601,7 +2110,7 @@
               </a:spcBef>
               <a:buNone/>
             </a:pPr>
-            <a:endParaRPr/>
+            <a:endParaRPr dirty="0"/>
           </a:p>
         </p:txBody>
       </p:sp>
@@ -1647,111 +2156,11 @@
         </p:spPr>
       </p:sp>
     </p:spTree>
-  </p:cSld>
-  <p:clrMapOvr>
-    <a:masterClrMapping/>
-  </p:clrMapOvr>
-</p:notes>
-</file>
-
-<file path=ppt/notesSlides/notesSlide6.xml><?xml version="1.0" encoding="utf-8"?>
-<p:notes xmlns:a="http://schemas.openxmlformats.org/drawingml/2006/main" xmlns:r="http://schemas.openxmlformats.org/officeDocument/2006/relationships" xmlns:p="http://schemas.openxmlformats.org/presentationml/2006/main" showMasterSp="0" showMasterPhAnim="0">
-  <p:cSld>
-    <p:spTree>
-      <p:nvGrpSpPr>
-        <p:cNvPr id="1" name="Shape 140"/>
-        <p:cNvGrpSpPr/>
-        <p:nvPr/>
-      </p:nvGrpSpPr>
-      <p:grpSpPr>
-        <a:xfrm>
-          <a:off x="0" y="0"/>
-          <a:ext cx="0" cy="0"/>
-          <a:chOff x="0" y="0"/>
-          <a:chExt cx="0" cy="0"/>
-        </a:xfrm>
-      </p:grpSpPr>
-      <p:sp>
-        <p:nvSpPr>
-          <p:cNvPr id="141" name="Shape 141"/>
-          <p:cNvSpPr txBox="1">
-            <a:spLocks noGrp="1"/>
-          </p:cNvSpPr>
-          <p:nvPr>
-            <p:ph type="body" idx="1"/>
-          </p:nvPr>
-        </p:nvSpPr>
-        <p:spPr>
-          <a:xfrm>
-            <a:off x="685800" y="4343400"/>
-            <a:ext cx="5486399" cy="4114800"/>
-          </a:xfrm>
-          <a:prstGeom prst="rect">
-            <a:avLst/>
-          </a:prstGeom>
-          <a:noFill/>
-          <a:ln>
-            <a:noFill/>
-          </a:ln>
-        </p:spPr>
-        <p:txBody>
-          <a:bodyPr lIns="91425" tIns="91425" rIns="91425" bIns="91425" anchor="ctr" anchorCtr="0">
-            <a:noAutofit/>
-          </a:bodyPr>
-          <a:lstStyle/>
-          <a:p>
-            <a:pPr lvl="0">
-              <a:spcBef>
-                <a:spcPts val="0"/>
-              </a:spcBef>
-              <a:buNone/>
-            </a:pPr>
-            <a:endParaRPr/>
-          </a:p>
-        </p:txBody>
-      </p:sp>
-      <p:sp>
-        <p:nvSpPr>
-          <p:cNvPr id="142" name="Shape 142"/>
-          <p:cNvSpPr>
-            <a:spLocks noGrp="1" noRot="1" noChangeAspect="1"/>
-          </p:cNvSpPr>
-          <p:nvPr>
-            <p:ph type="sldImg" idx="2"/>
-          </p:nvPr>
-        </p:nvSpPr>
-        <p:spPr>
-          <a:xfrm>
-            <a:off x="1143000" y="685800"/>
-            <a:ext cx="4572000" cy="3429000"/>
-          </a:xfrm>
-          <a:custGeom>
-            <a:avLst/>
-            <a:gdLst/>
-            <a:ahLst/>
-            <a:cxnLst/>
-            <a:rect l="0" t="0" r="0" b="0"/>
-            <a:pathLst>
-              <a:path w="120000" h="120000" extrusionOk="0">
-                <a:moveTo>
-                  <a:pt x="0" y="0"/>
-                </a:moveTo>
-                <a:lnTo>
-                  <a:pt x="120000" y="0"/>
-                </a:lnTo>
-                <a:lnTo>
-                  <a:pt x="120000" y="120000"/>
-                </a:lnTo>
-                <a:lnTo>
-                  <a:pt x="0" y="120000"/>
-                </a:lnTo>
-                <a:close/>
-              </a:path>
-            </a:pathLst>
-          </a:custGeom>
-        </p:spPr>
-      </p:sp>
-    </p:spTree>
+    <p:extLst>
+      <p:ext uri="{BB962C8B-B14F-4D97-AF65-F5344CB8AC3E}">
+        <p14:creationId xmlns:p14="http://schemas.microsoft.com/office/powerpoint/2010/main" val="1897723480"/>
+      </p:ext>
+    </p:extLst>
   </p:cSld>
   <p:clrMapOvr>
     <a:masterClrMapping/>
@@ -1811,7 +2220,7 @@
               </a:spcBef>
               <a:buNone/>
             </a:pPr>
-            <a:endParaRPr/>
+            <a:endParaRPr dirty="0"/>
           </a:p>
         </p:txBody>
       </p:sp>
@@ -1857,6 +2266,11 @@
         </p:spPr>
       </p:sp>
     </p:spTree>
+    <p:extLst>
+      <p:ext uri="{BB962C8B-B14F-4D97-AF65-F5344CB8AC3E}">
+        <p14:creationId xmlns:p14="http://schemas.microsoft.com/office/powerpoint/2010/main" val="750243607"/>
+      </p:ext>
+    </p:extLst>
   </p:cSld>
   <p:clrMapOvr>
     <a:masterClrMapping/>
@@ -1916,7 +2330,7 @@
               </a:spcBef>
               <a:buNone/>
             </a:pPr>
-            <a:endParaRPr/>
+            <a:endParaRPr dirty="0"/>
           </a:p>
         </p:txBody>
       </p:sp>
@@ -1962,6 +2376,11 @@
         </p:spPr>
       </p:sp>
     </p:spTree>
+    <p:extLst>
+      <p:ext uri="{BB962C8B-B14F-4D97-AF65-F5344CB8AC3E}">
+        <p14:creationId xmlns:p14="http://schemas.microsoft.com/office/powerpoint/2010/main" val="1777483670"/>
+      </p:ext>
+    </p:extLst>
   </p:cSld>
   <p:clrMapOvr>
     <a:masterClrMapping/>
@@ -1974,7 +2393,7 @@
   <p:cSld>
     <p:spTree>
       <p:nvGrpSpPr>
-        <p:cNvPr id="1" name="Shape 146"/>
+        <p:cNvPr id="1" name="Shape 140"/>
         <p:cNvGrpSpPr/>
         <p:nvPr/>
       </p:nvGrpSpPr>
@@ -1988,7 +2407,7 @@
       </p:grpSpPr>
       <p:sp>
         <p:nvSpPr>
-          <p:cNvPr id="147" name="Shape 147"/>
+          <p:cNvPr id="141" name="Shape 141"/>
           <p:cNvSpPr txBox="1">
             <a:spLocks noGrp="1"/>
           </p:cNvSpPr>
@@ -2021,13 +2440,13 @@
               </a:spcBef>
               <a:buNone/>
             </a:pPr>
-            <a:endParaRPr/>
+            <a:endParaRPr dirty="0"/>
           </a:p>
         </p:txBody>
       </p:sp>
       <p:sp>
         <p:nvSpPr>
-          <p:cNvPr id="148" name="Shape 148"/>
+          <p:cNvPr id="142" name="Shape 142"/>
           <p:cNvSpPr>
             <a:spLocks noGrp="1" noRot="1" noChangeAspect="1"/>
           </p:cNvSpPr>
@@ -2067,6 +2486,11 @@
         </p:spPr>
       </p:sp>
     </p:spTree>
+    <p:extLst>
+      <p:ext uri="{BB962C8B-B14F-4D97-AF65-F5344CB8AC3E}">
+        <p14:creationId xmlns:p14="http://schemas.microsoft.com/office/powerpoint/2010/main" val="1777483670"/>
+      </p:ext>
+    </p:extLst>
   </p:cSld>
   <p:clrMapOvr>
     <a:masterClrMapping/>
@@ -3329,7 +3753,7 @@
             </a:lvl9pPr>
           </a:lstStyle>
           <a:p>
-            <a:endParaRPr/>
+            <a:endParaRPr dirty="0"/>
           </a:p>
         </p:txBody>
       </p:sp>
@@ -3540,7 +3964,7 @@
             </a:lvl9pPr>
           </a:lstStyle>
           <a:p>
-            <a:endParaRPr/>
+            <a:endParaRPr dirty="0"/>
           </a:p>
         </p:txBody>
       </p:sp>
@@ -3751,7 +4175,7 @@
             </a:lvl9pPr>
           </a:lstStyle>
           <a:p>
-            <a:endParaRPr/>
+            <a:endParaRPr dirty="0"/>
           </a:p>
         </p:txBody>
       </p:sp>
@@ -3962,7 +4386,7 @@
             </a:lvl9pPr>
           </a:lstStyle>
           <a:p>
-            <a:endParaRPr/>
+            <a:endParaRPr dirty="0"/>
           </a:p>
         </p:txBody>
       </p:sp>
@@ -4307,7 +4731,7 @@
             </a:lvl9pPr>
           </a:lstStyle>
           <a:p>
-            <a:endParaRPr/>
+            <a:endParaRPr dirty="0"/>
           </a:p>
         </p:txBody>
       </p:sp>
@@ -4518,7 +4942,7 @@
             </a:lvl9pPr>
           </a:lstStyle>
           <a:p>
-            <a:endParaRPr/>
+            <a:endParaRPr dirty="0"/>
           </a:p>
         </p:txBody>
       </p:sp>
@@ -4729,7 +5153,7 @@
             </a:lvl9pPr>
           </a:lstStyle>
           <a:p>
-            <a:endParaRPr/>
+            <a:endParaRPr dirty="0"/>
           </a:p>
         </p:txBody>
       </p:sp>
@@ -4940,7 +5364,7 @@
             </a:lvl9pPr>
           </a:lstStyle>
           <a:p>
-            <a:endParaRPr/>
+            <a:endParaRPr dirty="0"/>
           </a:p>
         </p:txBody>
       </p:sp>
@@ -5151,7 +5575,7 @@
             </a:lvl9pPr>
           </a:lstStyle>
           <a:p>
-            <a:endParaRPr/>
+            <a:endParaRPr dirty="0"/>
           </a:p>
         </p:txBody>
       </p:sp>
@@ -5362,7 +5786,7 @@
             </a:lvl9pPr>
           </a:lstStyle>
           <a:p>
-            <a:endParaRPr/>
+            <a:endParaRPr dirty="0"/>
           </a:p>
         </p:txBody>
       </p:sp>
@@ -5573,7 +5997,7 @@
             </a:lvl9pPr>
           </a:lstStyle>
           <a:p>
-            <a:endParaRPr/>
+            <a:endParaRPr dirty="0"/>
           </a:p>
         </p:txBody>
       </p:sp>
@@ -5784,7 +6208,7 @@
             </a:lvl9pPr>
           </a:lstStyle>
           <a:p>
-            <a:endParaRPr/>
+            <a:endParaRPr dirty="0"/>
           </a:p>
         </p:txBody>
       </p:sp>
@@ -5995,7 +6419,7 @@
             </a:lvl9pPr>
           </a:lstStyle>
           <a:p>
-            <a:endParaRPr/>
+            <a:endParaRPr dirty="0"/>
           </a:p>
         </p:txBody>
       </p:sp>
@@ -8779,7 +9203,7 @@
             </a:lvl9pPr>
           </a:lstStyle>
           <a:p>
-            <a:endParaRPr/>
+            <a:endParaRPr dirty="0"/>
           </a:p>
         </p:txBody>
       </p:sp>
@@ -8990,7 +9414,7 @@
             </a:lvl9pPr>
           </a:lstStyle>
           <a:p>
-            <a:endParaRPr/>
+            <a:endParaRPr dirty="0"/>
           </a:p>
         </p:txBody>
       </p:sp>
@@ -9201,7 +9625,7 @@
             </a:lvl9pPr>
           </a:lstStyle>
           <a:p>
-            <a:endParaRPr/>
+            <a:endParaRPr dirty="0"/>
           </a:p>
         </p:txBody>
       </p:sp>
@@ -9412,7 +9836,7 @@
             </a:lvl9pPr>
           </a:lstStyle>
           <a:p>
-            <a:endParaRPr/>
+            <a:endParaRPr dirty="0"/>
           </a:p>
         </p:txBody>
       </p:sp>
@@ -9755,7 +10179,7 @@
             </a:lvl9pPr>
           </a:lstStyle>
           <a:p>
-            <a:endParaRPr/>
+            <a:endParaRPr dirty="0"/>
           </a:p>
         </p:txBody>
       </p:sp>
@@ -9966,7 +10390,7 @@
             </a:lvl9pPr>
           </a:lstStyle>
           <a:p>
-            <a:endParaRPr/>
+            <a:endParaRPr dirty="0"/>
           </a:p>
         </p:txBody>
       </p:sp>
@@ -10177,7 +10601,7 @@
             </a:lvl9pPr>
           </a:lstStyle>
           <a:p>
-            <a:endParaRPr/>
+            <a:endParaRPr dirty="0"/>
           </a:p>
         </p:txBody>
       </p:sp>
@@ -10388,7 +10812,7 @@
             </a:lvl9pPr>
           </a:lstStyle>
           <a:p>
-            <a:endParaRPr/>
+            <a:endParaRPr dirty="0"/>
           </a:p>
         </p:txBody>
       </p:sp>
@@ -10599,7 +11023,7 @@
             </a:lvl9pPr>
           </a:lstStyle>
           <a:p>
-            <a:endParaRPr/>
+            <a:endParaRPr dirty="0"/>
           </a:p>
         </p:txBody>
       </p:sp>
@@ -10810,7 +11234,7 @@
             </a:lvl9pPr>
           </a:lstStyle>
           <a:p>
-            <a:endParaRPr/>
+            <a:endParaRPr dirty="0"/>
           </a:p>
         </p:txBody>
       </p:sp>
@@ -11021,7 +11445,7 @@
             </a:lvl9pPr>
           </a:lstStyle>
           <a:p>
-            <a:endParaRPr/>
+            <a:endParaRPr dirty="0"/>
           </a:p>
         </p:txBody>
       </p:sp>
@@ -11232,7 +11656,7 @@
             </a:lvl9pPr>
           </a:lstStyle>
           <a:p>
-            <a:endParaRPr/>
+            <a:endParaRPr dirty="0"/>
           </a:p>
         </p:txBody>
       </p:sp>
@@ -11443,7 +11867,7 @@
             </a:lvl9pPr>
           </a:lstStyle>
           <a:p>
-            <a:endParaRPr/>
+            <a:endParaRPr dirty="0"/>
           </a:p>
         </p:txBody>
       </p:sp>
@@ -13448,7 +13872,7 @@
             </a:lvl9pPr>
           </a:lstStyle>
           <a:p>
-            <a:endParaRPr/>
+            <a:endParaRPr dirty="0"/>
           </a:p>
         </p:txBody>
       </p:sp>
@@ -13615,7 +14039,7 @@
             </a:lvl9pPr>
           </a:lstStyle>
           <a:p>
-            <a:endParaRPr/>
+            <a:endParaRPr dirty="0"/>
           </a:p>
         </p:txBody>
       </p:sp>
@@ -13667,7 +14091,7 @@
               </a:rPr>
               <a:t>‹#›</a:t>
             </a:fld>
-            <a:endParaRPr lang="en-US" sz="1200" b="0" i="0" u="none" strike="noStrike" cap="none">
+            <a:endParaRPr lang="en-US" sz="1200" b="0" i="0" u="none" strike="noStrike" cap="none" dirty="0">
               <a:solidFill>
                 <a:srgbClr val="888888"/>
               </a:solidFill>
@@ -19201,6 +19625,29 @@
               </a:rPr>
               <a:t>TRAVELS </a:t>
             </a:r>
+            <a:br>
+              <a:rPr lang="en-US" sz="4400" b="1" i="0" u="none" strike="noStrike" cap="none" dirty="0" smtClean="0">
+                <a:solidFill>
+                  <a:schemeClr val="lt1"/>
+                </a:solidFill>
+                <a:latin typeface="Calibri"/>
+                <a:ea typeface="Calibri"/>
+                <a:cs typeface="Calibri"/>
+                <a:sym typeface="Calibri"/>
+              </a:rPr>
+            </a:br>
+            <a:r>
+              <a:rPr lang="en-US" sz="1800" b="1" i="0" u="none" strike="noStrike" cap="none" dirty="0" smtClean="0">
+                <a:solidFill>
+                  <a:schemeClr val="lt1"/>
+                </a:solidFill>
+                <a:latin typeface="Calibri"/>
+                <a:ea typeface="Calibri"/>
+                <a:cs typeface="Calibri"/>
+                <a:sym typeface="Calibri"/>
+              </a:rPr>
+              <a:t>POPULATION </a:t>
+            </a:r>
             <a:r>
               <a:rPr lang="en-US" sz="1800" b="1" i="0" u="none" strike="noStrike" cap="none" dirty="0">
                 <a:solidFill>
@@ -19211,7 +19658,7 @@
                 <a:cs typeface="Calibri"/>
                 <a:sym typeface="Calibri"/>
               </a:rPr>
-              <a:t>POPULATION HEALTH DOMAIN</a:t>
+              <a:t>HEALTH DOMAIN</a:t>
             </a:r>
           </a:p>
         </p:txBody>
@@ -19229,7 +19676,7 @@
         <p:spPr>
           <a:xfrm>
             <a:off x="3725330" y="4275666"/>
-            <a:ext cx="5096934" cy="1202267"/>
+            <a:ext cx="5096934" cy="1401803"/>
           </a:xfrm>
           <a:prstGeom prst="rect">
             <a:avLst/>
@@ -19263,7 +19710,7 @@
               <a:buNone/>
             </a:pPr>
             <a:r>
-              <a:rPr lang="en-US" sz="1600" b="0" i="0" u="none" strike="noStrike" cap="none">
+              <a:rPr lang="en-US" sz="1600" b="0" i="0" u="none" strike="noStrike" cap="none" dirty="0">
                 <a:solidFill>
                   <a:schemeClr val="lt1"/>
                 </a:solidFill>
@@ -19291,7 +19738,7 @@
               <a:buNone/>
             </a:pPr>
             <a:r>
-              <a:rPr lang="en-US" sz="1200" b="0" i="0" u="none" strike="noStrike" cap="none">
+              <a:rPr lang="en-US" sz="1200" b="0" i="0" u="none" strike="noStrike" cap="none" dirty="0">
                 <a:solidFill>
                   <a:schemeClr val="lt1"/>
                 </a:solidFill>
@@ -19300,7 +19747,83 @@
                 <a:cs typeface="Calibri"/>
                 <a:sym typeface="Calibri"/>
               </a:rPr>
-              <a:t>EDDIE FLAISLER, NOA NADLER, JOHN GADBOIS, FORREST BRAZZEAL, RAVI RAINA </a:t>
+              <a:t>EDDIE FLAISLER, NOA NADLER, JOHN GADBOIS</a:t>
+            </a:r>
+            <a:r>
+              <a:rPr lang="en-US" sz="1200" b="0" i="0" u="none" strike="noStrike" cap="none" dirty="0" smtClean="0">
+                <a:solidFill>
+                  <a:schemeClr val="lt1"/>
+                </a:solidFill>
+                <a:latin typeface="Calibri"/>
+                <a:ea typeface="Calibri"/>
+                <a:cs typeface="Calibri"/>
+                <a:sym typeface="Calibri"/>
+              </a:rPr>
+              <a:t>,</a:t>
+            </a:r>
+          </a:p>
+          <a:p>
+            <a:pPr marL="0" marR="0" lvl="0" indent="0" algn="l" rtl="0">
+              <a:lnSpc>
+                <a:spcPct val="233333"/>
+              </a:lnSpc>
+              <a:spcBef>
+                <a:spcPts val="240"/>
+              </a:spcBef>
+              <a:buClr>
+                <a:schemeClr val="lt1"/>
+              </a:buClr>
+              <a:buSzPct val="25000"/>
+              <a:buFont typeface="Arial"/>
+              <a:buNone/>
+            </a:pPr>
+            <a:r>
+              <a:rPr lang="en-US" sz="1200" b="0" i="0" u="none" strike="noStrike" cap="none" dirty="0" smtClean="0">
+                <a:solidFill>
+                  <a:schemeClr val="lt1"/>
+                </a:solidFill>
+                <a:latin typeface="Calibri"/>
+                <a:ea typeface="Calibri"/>
+                <a:cs typeface="Calibri"/>
+                <a:sym typeface="Calibri"/>
+              </a:rPr>
+              <a:t> </a:t>
+            </a:r>
+            <a:r>
+              <a:rPr lang="en-US" sz="1200" b="0" i="0" u="none" strike="noStrike" cap="none" dirty="0">
+                <a:solidFill>
+                  <a:schemeClr val="lt1"/>
+                </a:solidFill>
+                <a:latin typeface="Calibri"/>
+                <a:ea typeface="Calibri"/>
+                <a:cs typeface="Calibri"/>
+                <a:sym typeface="Calibri"/>
+              </a:rPr>
+              <a:t>FORREST </a:t>
+            </a:r>
+            <a:r>
+              <a:rPr lang="en-US" sz="1200" b="0" i="0" u="none" strike="noStrike" cap="none" dirty="0" smtClean="0">
+                <a:solidFill>
+                  <a:schemeClr val="lt1"/>
+                </a:solidFill>
+                <a:latin typeface="Calibri"/>
+                <a:ea typeface="Calibri"/>
+                <a:cs typeface="Calibri"/>
+                <a:sym typeface="Calibri"/>
+              </a:rPr>
+              <a:t>BRAZEAL</a:t>
+            </a:r>
+            <a:r>
+              <a:rPr lang="en-US" sz="1200" b="0" i="0" u="none" strike="noStrike" cap="none" dirty="0">
+                <a:solidFill>
+                  <a:schemeClr val="lt1"/>
+                </a:solidFill>
+                <a:latin typeface="Calibri"/>
+                <a:ea typeface="Calibri"/>
+                <a:cs typeface="Calibri"/>
+                <a:sym typeface="Calibri"/>
+              </a:rPr>
+              <a:t>, RAVI RAINA </a:t>
             </a:r>
           </a:p>
         </p:txBody>
@@ -19340,10 +19863,1306 @@
   <p:transition xmlns:p14="http://schemas.microsoft.com/office/powerpoint/2010/main" spd="slow">
     <p:cut/>
   </p:transition>
+  <p:timing>
+    <p:tnLst>
+      <p:par>
+        <p:cTn xmlns:p14="http://schemas.microsoft.com/office/powerpoint/2010/main" id="1" dur="indefinite" restart="never" nodeType="tmRoot"/>
+      </p:par>
+    </p:tnLst>
+  </p:timing>
 </p:sld>
 </file>
 
 <file path=ppt/slides/slide10.xml><?xml version="1.0" encoding="utf-8"?>
+<p:sld xmlns:a="http://schemas.openxmlformats.org/drawingml/2006/main" xmlns:r="http://schemas.openxmlformats.org/officeDocument/2006/relationships" xmlns:p="http://schemas.openxmlformats.org/presentationml/2006/main">
+  <p:cSld>
+    <p:spTree>
+      <p:nvGrpSpPr>
+        <p:cNvPr id="1" name="Shape 143"/>
+        <p:cNvGrpSpPr/>
+        <p:nvPr/>
+      </p:nvGrpSpPr>
+      <p:grpSpPr>
+        <a:xfrm>
+          <a:off x="0" y="0"/>
+          <a:ext cx="0" cy="0"/>
+          <a:chOff x="0" y="0"/>
+          <a:chExt cx="0" cy="0"/>
+        </a:xfrm>
+      </p:grpSpPr>
+      <p:sp>
+        <p:nvSpPr>
+          <p:cNvPr id="144" name="Shape 144"/>
+          <p:cNvSpPr txBox="1">
+            <a:spLocks noGrp="1"/>
+          </p:cNvSpPr>
+          <p:nvPr>
+            <p:ph type="body" idx="1"/>
+          </p:nvPr>
+        </p:nvSpPr>
+        <p:spPr>
+          <a:xfrm>
+            <a:off x="0" y="999067"/>
+            <a:ext cx="9143998" cy="5164664"/>
+          </a:xfrm>
+          <a:prstGeom prst="rect">
+            <a:avLst/>
+          </a:prstGeom>
+          <a:noFill/>
+          <a:ln>
+            <a:noFill/>
+          </a:ln>
+        </p:spPr>
+        <p:txBody>
+          <a:bodyPr lIns="274300" tIns="45700" rIns="274300" bIns="45700" anchor="t" anchorCtr="0">
+            <a:noAutofit/>
+          </a:bodyPr>
+          <a:lstStyle/>
+          <a:p>
+            <a:pPr marL="311150" lvl="1" indent="0">
+              <a:spcBef>
+                <a:spcPts val="1080"/>
+              </a:spcBef>
+              <a:spcAft>
+                <a:spcPts val="0"/>
+              </a:spcAft>
+              <a:buSzPct val="25000"/>
+              <a:buNone/>
+            </a:pPr>
+            <a:endParaRPr sz="2400" b="0" i="0" u="none" strike="noStrike" cap="none" dirty="0">
+              <a:solidFill>
+                <a:schemeClr val="lt1"/>
+              </a:solidFill>
+              <a:latin typeface="Calibri"/>
+              <a:ea typeface="Calibri"/>
+              <a:cs typeface="Calibri"/>
+              <a:sym typeface="Calibri"/>
+            </a:endParaRPr>
+          </a:p>
+          <a:p>
+            <a:pPr marL="0" marR="0" lvl="0" indent="0" algn="l" rtl="0">
+              <a:spcBef>
+                <a:spcPts val="1080"/>
+              </a:spcBef>
+              <a:spcAft>
+                <a:spcPts val="0"/>
+              </a:spcAft>
+              <a:buClr>
+                <a:schemeClr val="lt1"/>
+              </a:buClr>
+              <a:buSzPct val="25000"/>
+              <a:buFont typeface="Arial"/>
+              <a:buNone/>
+            </a:pPr>
+            <a:endParaRPr sz="2400" b="0" i="0" u="none" strike="noStrike" cap="none" dirty="0">
+              <a:solidFill>
+                <a:schemeClr val="lt1"/>
+              </a:solidFill>
+              <a:latin typeface="Calibri"/>
+              <a:ea typeface="Calibri"/>
+              <a:cs typeface="Calibri"/>
+              <a:sym typeface="Calibri"/>
+            </a:endParaRPr>
+          </a:p>
+          <a:p>
+            <a:pPr marL="0" marR="0" lvl="0" indent="0" algn="l" rtl="0">
+              <a:spcBef>
+                <a:spcPts val="1080"/>
+              </a:spcBef>
+              <a:spcAft>
+                <a:spcPts val="0"/>
+              </a:spcAft>
+              <a:buClr>
+                <a:schemeClr val="lt1"/>
+              </a:buClr>
+              <a:buSzPct val="25000"/>
+              <a:buFont typeface="Arial"/>
+              <a:buNone/>
+            </a:pPr>
+            <a:endParaRPr sz="2400" b="0" i="0" u="none" strike="noStrike" cap="none" dirty="0">
+              <a:solidFill>
+                <a:schemeClr val="lt1"/>
+              </a:solidFill>
+              <a:latin typeface="Calibri"/>
+              <a:ea typeface="Calibri"/>
+              <a:cs typeface="Calibri"/>
+              <a:sym typeface="Calibri"/>
+            </a:endParaRPr>
+          </a:p>
+          <a:p>
+            <a:pPr marL="0" marR="0" lvl="0" indent="0" algn="l" rtl="0">
+              <a:spcBef>
+                <a:spcPts val="1080"/>
+              </a:spcBef>
+              <a:spcAft>
+                <a:spcPts val="0"/>
+              </a:spcAft>
+              <a:buClr>
+                <a:schemeClr val="lt1"/>
+              </a:buClr>
+              <a:buSzPct val="25000"/>
+              <a:buFont typeface="Arial"/>
+              <a:buNone/>
+            </a:pPr>
+            <a:endParaRPr sz="2400" b="0" i="0" u="none" strike="noStrike" cap="none" dirty="0">
+              <a:solidFill>
+                <a:schemeClr val="lt1"/>
+              </a:solidFill>
+              <a:latin typeface="Calibri"/>
+              <a:ea typeface="Calibri"/>
+              <a:cs typeface="Calibri"/>
+              <a:sym typeface="Calibri"/>
+            </a:endParaRPr>
+          </a:p>
+          <a:p>
+            <a:pPr marL="0" marR="0" lvl="0" indent="0" algn="l" rtl="0">
+              <a:spcBef>
+                <a:spcPts val="1080"/>
+              </a:spcBef>
+              <a:spcAft>
+                <a:spcPts val="0"/>
+              </a:spcAft>
+              <a:buClr>
+                <a:schemeClr val="lt1"/>
+              </a:buClr>
+              <a:buSzPct val="25000"/>
+              <a:buFont typeface="Arial"/>
+              <a:buNone/>
+            </a:pPr>
+            <a:endParaRPr sz="2400" b="0" i="0" u="none" strike="noStrike" cap="none" dirty="0">
+              <a:solidFill>
+                <a:schemeClr val="lt1"/>
+              </a:solidFill>
+              <a:latin typeface="Calibri"/>
+              <a:ea typeface="Calibri"/>
+              <a:cs typeface="Calibri"/>
+              <a:sym typeface="Calibri"/>
+            </a:endParaRPr>
+          </a:p>
+          <a:p>
+            <a:pPr marL="0" marR="0" lvl="0" indent="0" algn="l" rtl="0">
+              <a:spcBef>
+                <a:spcPts val="1080"/>
+              </a:spcBef>
+              <a:spcAft>
+                <a:spcPts val="0"/>
+              </a:spcAft>
+              <a:buClr>
+                <a:schemeClr val="lt1"/>
+              </a:buClr>
+              <a:buSzPct val="25000"/>
+              <a:buFont typeface="Arial"/>
+              <a:buNone/>
+            </a:pPr>
+            <a:endParaRPr sz="2400" b="0" i="0" u="none" strike="noStrike" cap="none" dirty="0">
+              <a:solidFill>
+                <a:schemeClr val="lt1"/>
+              </a:solidFill>
+              <a:latin typeface="Calibri"/>
+              <a:ea typeface="Calibri"/>
+              <a:cs typeface="Calibri"/>
+              <a:sym typeface="Calibri"/>
+            </a:endParaRPr>
+          </a:p>
+        </p:txBody>
+      </p:sp>
+      <p:sp>
+        <p:nvSpPr>
+          <p:cNvPr id="145" name="Shape 145"/>
+          <p:cNvSpPr txBox="1">
+            <a:spLocks noGrp="1"/>
+          </p:cNvSpPr>
+          <p:nvPr>
+            <p:ph type="title"/>
+          </p:nvPr>
+        </p:nvSpPr>
+        <p:spPr>
+          <a:xfrm>
+            <a:off x="0" y="0"/>
+            <a:ext cx="9144000" cy="991351"/>
+          </a:xfrm>
+          <a:prstGeom prst="rect">
+            <a:avLst/>
+          </a:prstGeom>
+          <a:noFill/>
+          <a:ln>
+            <a:noFill/>
+          </a:ln>
+        </p:spPr>
+        <p:txBody>
+          <a:bodyPr lIns="274300" tIns="45700" rIns="91425" bIns="45700" anchor="ctr" anchorCtr="0">
+            <a:noAutofit/>
+          </a:bodyPr>
+          <a:lstStyle/>
+          <a:p>
+            <a:pPr marL="0" marR="0" lvl="0" indent="0" algn="ctr" rtl="0">
+              <a:spcBef>
+                <a:spcPts val="0"/>
+              </a:spcBef>
+              <a:buClr>
+                <a:srgbClr val="EEB211"/>
+              </a:buClr>
+              <a:buSzPct val="25000"/>
+              <a:buFont typeface="Calibri"/>
+              <a:buNone/>
+            </a:pPr>
+            <a:r>
+              <a:rPr lang="en-US" sz="2400" b="0" i="0" u="none" strike="noStrike" cap="none" dirty="0">
+                <a:solidFill>
+                  <a:srgbClr val="EEB211"/>
+                </a:solidFill>
+                <a:latin typeface="Calibri"/>
+                <a:ea typeface="Calibri"/>
+                <a:cs typeface="Calibri"/>
+                <a:sym typeface="Calibri"/>
+              </a:rPr>
+              <a:t> </a:t>
+            </a:r>
+            <a:r>
+              <a:rPr lang="en-US" sz="2400" b="0" i="0" u="none" strike="noStrike" cap="none" dirty="0" smtClean="0">
+                <a:solidFill>
+                  <a:srgbClr val="EEB211"/>
+                </a:solidFill>
+                <a:latin typeface="Calibri"/>
+                <a:ea typeface="Calibri"/>
+                <a:cs typeface="Calibri"/>
+                <a:sym typeface="Calibri"/>
+              </a:rPr>
+              <a:t>RESEARCH – SURVEY RESULTS</a:t>
+            </a:r>
+            <a:endParaRPr lang="en-US" sz="2400" b="0" i="0" u="none" strike="noStrike" cap="none" dirty="0">
+              <a:solidFill>
+                <a:srgbClr val="EEB211"/>
+              </a:solidFill>
+              <a:latin typeface="Calibri"/>
+              <a:ea typeface="Calibri"/>
+              <a:cs typeface="Calibri"/>
+              <a:sym typeface="Calibri"/>
+            </a:endParaRPr>
+          </a:p>
+        </p:txBody>
+      </p:sp>
+      <p:pic>
+        <p:nvPicPr>
+          <p:cNvPr id="2" name="Picture 1"/>
+          <p:cNvPicPr>
+            <a:picLocks noChangeAspect="1"/>
+          </p:cNvPicPr>
+          <p:nvPr/>
+        </p:nvPicPr>
+        <p:blipFill>
+          <a:blip r:embed="rId3"/>
+          <a:stretch>
+            <a:fillRect/>
+          </a:stretch>
+        </p:blipFill>
+        <p:spPr>
+          <a:xfrm>
+            <a:off x="1269999" y="999067"/>
+            <a:ext cx="6640371" cy="2570536"/>
+          </a:xfrm>
+          <a:prstGeom prst="rect">
+            <a:avLst/>
+          </a:prstGeom>
+        </p:spPr>
+      </p:pic>
+      <p:pic>
+        <p:nvPicPr>
+          <p:cNvPr id="3" name="Picture 2"/>
+          <p:cNvPicPr>
+            <a:picLocks noChangeAspect="1"/>
+          </p:cNvPicPr>
+          <p:nvPr/>
+        </p:nvPicPr>
+        <p:blipFill>
+          <a:blip r:embed="rId4"/>
+          <a:stretch>
+            <a:fillRect/>
+          </a:stretch>
+        </p:blipFill>
+        <p:spPr>
+          <a:xfrm>
+            <a:off x="1269999" y="3452118"/>
+            <a:ext cx="6640371" cy="2757950"/>
+          </a:xfrm>
+          <a:prstGeom prst="rect">
+            <a:avLst/>
+          </a:prstGeom>
+        </p:spPr>
+      </p:pic>
+    </p:spTree>
+    <p:extLst>
+      <p:ext uri="{BB962C8B-B14F-4D97-AF65-F5344CB8AC3E}">
+        <p14:creationId xmlns:p14="http://schemas.microsoft.com/office/powerpoint/2010/main" val="2238840957"/>
+      </p:ext>
+    </p:extLst>
+  </p:cSld>
+  <p:clrMapOvr>
+    <a:masterClrMapping/>
+  </p:clrMapOvr>
+  <p:transition xmlns:p14="http://schemas.microsoft.com/office/powerpoint/2010/main" spd="slow">
+    <p:cut/>
+  </p:transition>
+</p:sld>
+</file>
+
+<file path=ppt/slides/slide11.xml><?xml version="1.0" encoding="utf-8"?>
+<p:sld xmlns:a="http://schemas.openxmlformats.org/drawingml/2006/main" xmlns:r="http://schemas.openxmlformats.org/officeDocument/2006/relationships" xmlns:p="http://schemas.openxmlformats.org/presentationml/2006/main">
+  <p:cSld>
+    <p:spTree>
+      <p:nvGrpSpPr>
+        <p:cNvPr id="1" name="Shape 143"/>
+        <p:cNvGrpSpPr/>
+        <p:nvPr/>
+      </p:nvGrpSpPr>
+      <p:grpSpPr>
+        <a:xfrm>
+          <a:off x="0" y="0"/>
+          <a:ext cx="0" cy="0"/>
+          <a:chOff x="0" y="0"/>
+          <a:chExt cx="0" cy="0"/>
+        </a:xfrm>
+      </p:grpSpPr>
+      <p:sp>
+        <p:nvSpPr>
+          <p:cNvPr id="144" name="Shape 144"/>
+          <p:cNvSpPr txBox="1">
+            <a:spLocks noGrp="1"/>
+          </p:cNvSpPr>
+          <p:nvPr>
+            <p:ph type="body" idx="1"/>
+          </p:nvPr>
+        </p:nvSpPr>
+        <p:spPr>
+          <a:xfrm>
+            <a:off x="0" y="999067"/>
+            <a:ext cx="9143998" cy="5164664"/>
+          </a:xfrm>
+          <a:prstGeom prst="rect">
+            <a:avLst/>
+          </a:prstGeom>
+          <a:noFill/>
+          <a:ln>
+            <a:noFill/>
+          </a:ln>
+        </p:spPr>
+        <p:txBody>
+          <a:bodyPr lIns="274300" tIns="45700" rIns="274300" bIns="45700" anchor="t" anchorCtr="0">
+            <a:noAutofit/>
+          </a:bodyPr>
+          <a:lstStyle/>
+          <a:p>
+            <a:pPr marL="0" marR="0" lvl="0" indent="0" algn="l" rtl="0">
+              <a:spcBef>
+                <a:spcPts val="1080"/>
+              </a:spcBef>
+              <a:spcAft>
+                <a:spcPts val="0"/>
+              </a:spcAft>
+              <a:buClr>
+                <a:schemeClr val="lt1"/>
+              </a:buClr>
+              <a:buSzPct val="25000"/>
+              <a:buFont typeface="Arial"/>
+              <a:buNone/>
+            </a:pPr>
+            <a:r>
+              <a:rPr lang="en-US" sz="2400" b="0" i="0" u="none" strike="noStrike" cap="none" dirty="0" smtClean="0">
+                <a:solidFill>
+                  <a:schemeClr val="lt1"/>
+                </a:solidFill>
+                <a:latin typeface="Calibri"/>
+                <a:ea typeface="Calibri"/>
+                <a:cs typeface="Calibri"/>
+                <a:sym typeface="Calibri"/>
+              </a:rPr>
+              <a:t>Research Databases</a:t>
+            </a:r>
+          </a:p>
+          <a:p>
+            <a:pPr lvl="1">
+              <a:spcBef>
+                <a:spcPts val="1080"/>
+              </a:spcBef>
+              <a:spcAft>
+                <a:spcPts val="0"/>
+              </a:spcAft>
+              <a:buSzPct val="25000"/>
+            </a:pPr>
+            <a:r>
+              <a:rPr lang="en-US" dirty="0"/>
+              <a:t>CDC's Traveler Health database </a:t>
+            </a:r>
+            <a:r>
+              <a:rPr lang="en-US" dirty="0" smtClean="0"/>
+              <a:t> - Primary </a:t>
+            </a:r>
+            <a:r>
+              <a:rPr lang="en-US" dirty="0"/>
+              <a:t>source for our vaccination </a:t>
+            </a:r>
+            <a:r>
+              <a:rPr lang="en-US" dirty="0" smtClean="0"/>
+              <a:t>list</a:t>
+            </a:r>
+          </a:p>
+          <a:p>
+            <a:pPr lvl="1">
+              <a:spcBef>
+                <a:spcPts val="1080"/>
+              </a:spcBef>
+              <a:spcAft>
+                <a:spcPts val="0"/>
+              </a:spcAft>
+              <a:buSzPct val="25000"/>
+            </a:pPr>
+            <a:r>
+              <a:rPr lang="en-US" dirty="0"/>
+              <a:t>Data.gov </a:t>
+            </a:r>
+            <a:r>
+              <a:rPr lang="en-US" dirty="0" smtClean="0"/>
+              <a:t>- Provides </a:t>
+            </a:r>
+            <a:r>
+              <a:rPr lang="en-US" dirty="0"/>
+              <a:t>a wide variety of datasets of open government </a:t>
+            </a:r>
+            <a:r>
+              <a:rPr lang="en-US" dirty="0" smtClean="0"/>
+              <a:t>data</a:t>
+            </a:r>
+          </a:p>
+          <a:p>
+            <a:pPr lvl="1">
+              <a:spcBef>
+                <a:spcPts val="1080"/>
+              </a:spcBef>
+              <a:spcAft>
+                <a:spcPts val="0"/>
+              </a:spcAft>
+              <a:buSzPct val="25000"/>
+            </a:pPr>
+            <a:r>
+              <a:rPr lang="en-US" dirty="0"/>
+              <a:t>FHIR </a:t>
+            </a:r>
+            <a:r>
+              <a:rPr lang="en-US" dirty="0" smtClean="0"/>
+              <a:t>– Will </a:t>
+            </a:r>
+            <a:r>
+              <a:rPr lang="en-US" dirty="0"/>
+              <a:t>be used to pull the current vaccinations for a </a:t>
+            </a:r>
+            <a:r>
+              <a:rPr lang="en-US" dirty="0" smtClean="0"/>
+              <a:t>patient</a:t>
+            </a:r>
+          </a:p>
+          <a:p>
+            <a:pPr lvl="1">
+              <a:spcBef>
+                <a:spcPts val="1080"/>
+              </a:spcBef>
+              <a:spcAft>
+                <a:spcPts val="0"/>
+              </a:spcAft>
+              <a:buSzPct val="25000"/>
+            </a:pPr>
+            <a:r>
+              <a:rPr lang="en-US" dirty="0"/>
+              <a:t>WHO </a:t>
+            </a:r>
+            <a:r>
+              <a:rPr lang="en-US" dirty="0" smtClean="0"/>
+              <a:t>–  Provides </a:t>
+            </a:r>
+            <a:r>
+              <a:rPr lang="en-US" dirty="0"/>
+              <a:t>country health profiles </a:t>
+            </a:r>
+            <a:r>
+              <a:rPr lang="en-US" dirty="0" smtClean="0"/>
+              <a:t>including </a:t>
+            </a:r>
+            <a:r>
+              <a:rPr lang="en-US" dirty="0"/>
+              <a:t>statistics of key </a:t>
+            </a:r>
+            <a:r>
+              <a:rPr lang="en-US" dirty="0" smtClean="0"/>
+              <a:t>      infectious diseases</a:t>
+            </a:r>
+          </a:p>
+          <a:p>
+            <a:pPr lvl="1">
+              <a:spcBef>
+                <a:spcPts val="1080"/>
+              </a:spcBef>
+              <a:spcAft>
+                <a:spcPts val="0"/>
+              </a:spcAft>
+              <a:buSzPct val="25000"/>
+            </a:pPr>
+            <a:r>
+              <a:rPr lang="en-US" b="0" i="0" u="none" strike="noStrike" cap="none" dirty="0" smtClean="0">
+                <a:solidFill>
+                  <a:schemeClr val="lt1"/>
+                </a:solidFill>
+                <a:latin typeface="Calibri"/>
+                <a:ea typeface="Calibri"/>
+                <a:cs typeface="Calibri"/>
+                <a:sym typeface="Calibri"/>
+              </a:rPr>
+              <a:t>CIA Factbook - P</a:t>
+            </a:r>
+            <a:r>
+              <a:rPr lang="en-US" dirty="0" smtClean="0"/>
+              <a:t>rovides </a:t>
+            </a:r>
+            <a:r>
+              <a:rPr lang="en-US" dirty="0"/>
+              <a:t>a breakdown of the currently active </a:t>
+            </a:r>
+            <a:r>
+              <a:rPr lang="en-US" dirty="0" smtClean="0"/>
+              <a:t>infectious </a:t>
+            </a:r>
+            <a:r>
+              <a:rPr lang="en-US" dirty="0"/>
+              <a:t>diseases </a:t>
+            </a:r>
+            <a:endParaRPr lang="en-US" dirty="0" smtClean="0"/>
+          </a:p>
+          <a:p>
+            <a:pPr lvl="1">
+              <a:spcBef>
+                <a:spcPts val="1080"/>
+              </a:spcBef>
+              <a:spcAft>
+                <a:spcPts val="0"/>
+              </a:spcAft>
+              <a:buSzPct val="25000"/>
+            </a:pPr>
+            <a:r>
+              <a:rPr lang="en-US" dirty="0" smtClean="0"/>
+              <a:t>NORS - Considering </a:t>
+            </a:r>
+            <a:r>
+              <a:rPr lang="en-US" dirty="0"/>
+              <a:t>the use of NORS to provide information on active outbreaks in the </a:t>
+            </a:r>
+            <a:r>
+              <a:rPr lang="en-US" dirty="0" smtClean="0"/>
+              <a:t>USA </a:t>
+            </a:r>
+            <a:r>
+              <a:rPr lang="en-US" dirty="0"/>
+              <a:t>particularly food and water born diseases</a:t>
+            </a:r>
+            <a:endParaRPr lang="en-US" b="0" i="0" u="none" strike="noStrike" cap="none" dirty="0">
+              <a:solidFill>
+                <a:schemeClr val="lt1"/>
+              </a:solidFill>
+              <a:latin typeface="Calibri"/>
+              <a:ea typeface="Calibri"/>
+              <a:cs typeface="Calibri"/>
+              <a:sym typeface="Calibri"/>
+            </a:endParaRPr>
+          </a:p>
+          <a:p>
+            <a:pPr marL="0" marR="0" lvl="0" indent="0" algn="l" rtl="0">
+              <a:spcBef>
+                <a:spcPts val="1080"/>
+              </a:spcBef>
+              <a:spcAft>
+                <a:spcPts val="0"/>
+              </a:spcAft>
+              <a:buClr>
+                <a:schemeClr val="lt1"/>
+              </a:buClr>
+              <a:buSzPct val="25000"/>
+              <a:buFont typeface="Arial"/>
+              <a:buNone/>
+            </a:pPr>
+            <a:endParaRPr sz="2400" b="0" i="0" u="none" strike="noStrike" cap="none" dirty="0">
+              <a:solidFill>
+                <a:schemeClr val="lt1"/>
+              </a:solidFill>
+              <a:latin typeface="Calibri"/>
+              <a:ea typeface="Calibri"/>
+              <a:cs typeface="Calibri"/>
+              <a:sym typeface="Calibri"/>
+            </a:endParaRPr>
+          </a:p>
+          <a:p>
+            <a:pPr marL="0" marR="0" lvl="0" indent="0" algn="l" rtl="0">
+              <a:spcBef>
+                <a:spcPts val="1080"/>
+              </a:spcBef>
+              <a:spcAft>
+                <a:spcPts val="0"/>
+              </a:spcAft>
+              <a:buClr>
+                <a:schemeClr val="lt1"/>
+              </a:buClr>
+              <a:buSzPct val="25000"/>
+              <a:buFont typeface="Arial"/>
+              <a:buNone/>
+            </a:pPr>
+            <a:endParaRPr sz="2400" b="0" i="0" u="none" strike="noStrike" cap="none" dirty="0">
+              <a:solidFill>
+                <a:schemeClr val="lt1"/>
+              </a:solidFill>
+              <a:latin typeface="Calibri"/>
+              <a:ea typeface="Calibri"/>
+              <a:cs typeface="Calibri"/>
+              <a:sym typeface="Calibri"/>
+            </a:endParaRPr>
+          </a:p>
+          <a:p>
+            <a:pPr marL="0" marR="0" lvl="0" indent="0" algn="l" rtl="0">
+              <a:spcBef>
+                <a:spcPts val="1080"/>
+              </a:spcBef>
+              <a:spcAft>
+                <a:spcPts val="0"/>
+              </a:spcAft>
+              <a:buClr>
+                <a:schemeClr val="lt1"/>
+              </a:buClr>
+              <a:buSzPct val="25000"/>
+              <a:buFont typeface="Arial"/>
+              <a:buNone/>
+            </a:pPr>
+            <a:endParaRPr sz="2400" b="0" i="0" u="none" strike="noStrike" cap="none" dirty="0">
+              <a:solidFill>
+                <a:schemeClr val="lt1"/>
+              </a:solidFill>
+              <a:latin typeface="Calibri"/>
+              <a:ea typeface="Calibri"/>
+              <a:cs typeface="Calibri"/>
+              <a:sym typeface="Calibri"/>
+            </a:endParaRPr>
+          </a:p>
+          <a:p>
+            <a:pPr marL="0" marR="0" lvl="0" indent="0" algn="l" rtl="0">
+              <a:spcBef>
+                <a:spcPts val="1080"/>
+              </a:spcBef>
+              <a:spcAft>
+                <a:spcPts val="0"/>
+              </a:spcAft>
+              <a:buClr>
+                <a:schemeClr val="lt1"/>
+              </a:buClr>
+              <a:buSzPct val="25000"/>
+              <a:buFont typeface="Arial"/>
+              <a:buNone/>
+            </a:pPr>
+            <a:endParaRPr sz="2400" b="0" i="0" u="none" strike="noStrike" cap="none" dirty="0">
+              <a:solidFill>
+                <a:schemeClr val="lt1"/>
+              </a:solidFill>
+              <a:latin typeface="Calibri"/>
+              <a:ea typeface="Calibri"/>
+              <a:cs typeface="Calibri"/>
+              <a:sym typeface="Calibri"/>
+            </a:endParaRPr>
+          </a:p>
+          <a:p>
+            <a:pPr marL="0" marR="0" lvl="0" indent="0" algn="l" rtl="0">
+              <a:spcBef>
+                <a:spcPts val="1080"/>
+              </a:spcBef>
+              <a:spcAft>
+                <a:spcPts val="0"/>
+              </a:spcAft>
+              <a:buClr>
+                <a:schemeClr val="lt1"/>
+              </a:buClr>
+              <a:buSzPct val="25000"/>
+              <a:buFont typeface="Arial"/>
+              <a:buNone/>
+            </a:pPr>
+            <a:endParaRPr sz="2400" b="0" i="0" u="none" strike="noStrike" cap="none" dirty="0">
+              <a:solidFill>
+                <a:schemeClr val="lt1"/>
+              </a:solidFill>
+              <a:latin typeface="Calibri"/>
+              <a:ea typeface="Calibri"/>
+              <a:cs typeface="Calibri"/>
+              <a:sym typeface="Calibri"/>
+            </a:endParaRPr>
+          </a:p>
+        </p:txBody>
+      </p:sp>
+      <p:sp>
+        <p:nvSpPr>
+          <p:cNvPr id="145" name="Shape 145"/>
+          <p:cNvSpPr txBox="1">
+            <a:spLocks noGrp="1"/>
+          </p:cNvSpPr>
+          <p:nvPr>
+            <p:ph type="title"/>
+          </p:nvPr>
+        </p:nvSpPr>
+        <p:spPr>
+          <a:xfrm>
+            <a:off x="0" y="0"/>
+            <a:ext cx="9144000" cy="991351"/>
+          </a:xfrm>
+          <a:prstGeom prst="rect">
+            <a:avLst/>
+          </a:prstGeom>
+          <a:noFill/>
+          <a:ln>
+            <a:noFill/>
+          </a:ln>
+        </p:spPr>
+        <p:txBody>
+          <a:bodyPr lIns="274300" tIns="45700" rIns="91425" bIns="45700" anchor="ctr" anchorCtr="0">
+            <a:noAutofit/>
+          </a:bodyPr>
+          <a:lstStyle/>
+          <a:p>
+            <a:pPr marL="0" marR="0" lvl="0" indent="0" algn="ctr" rtl="0">
+              <a:spcBef>
+                <a:spcPts val="0"/>
+              </a:spcBef>
+              <a:buClr>
+                <a:srgbClr val="EEB211"/>
+              </a:buClr>
+              <a:buSzPct val="25000"/>
+              <a:buFont typeface="Calibri"/>
+              <a:buNone/>
+            </a:pPr>
+            <a:r>
+              <a:rPr lang="en-US" sz="2400" b="0" i="0" u="none" strike="noStrike" cap="none" dirty="0">
+                <a:solidFill>
+                  <a:srgbClr val="EEB211"/>
+                </a:solidFill>
+                <a:latin typeface="Calibri"/>
+                <a:ea typeface="Calibri"/>
+                <a:cs typeface="Calibri"/>
+                <a:sym typeface="Calibri"/>
+              </a:rPr>
+              <a:t> </a:t>
+            </a:r>
+            <a:r>
+              <a:rPr lang="en-US" sz="2400" b="0" i="0" u="none" strike="noStrike" cap="none" dirty="0" smtClean="0">
+                <a:solidFill>
+                  <a:srgbClr val="EEB211"/>
+                </a:solidFill>
+                <a:latin typeface="Calibri"/>
+                <a:ea typeface="Calibri"/>
+                <a:cs typeface="Calibri"/>
+                <a:sym typeface="Calibri"/>
+              </a:rPr>
+              <a:t>RESEARCH</a:t>
+            </a:r>
+            <a:endParaRPr lang="en-US" sz="2400" b="0" i="0" u="none" strike="noStrike" cap="none" dirty="0">
+              <a:solidFill>
+                <a:srgbClr val="EEB211"/>
+              </a:solidFill>
+              <a:latin typeface="Calibri"/>
+              <a:ea typeface="Calibri"/>
+              <a:cs typeface="Calibri"/>
+              <a:sym typeface="Calibri"/>
+            </a:endParaRPr>
+          </a:p>
+        </p:txBody>
+      </p:sp>
+    </p:spTree>
+    <p:extLst>
+      <p:ext uri="{BB962C8B-B14F-4D97-AF65-F5344CB8AC3E}">
+        <p14:creationId xmlns:p14="http://schemas.microsoft.com/office/powerpoint/2010/main" val="336176331"/>
+      </p:ext>
+    </p:extLst>
+  </p:cSld>
+  <p:clrMapOvr>
+    <a:masterClrMapping/>
+  </p:clrMapOvr>
+  <p:transition xmlns:p14="http://schemas.microsoft.com/office/powerpoint/2010/main" spd="slow">
+    <p:cut/>
+  </p:transition>
+</p:sld>
+</file>
+
+<file path=ppt/slides/slide12.xml><?xml version="1.0" encoding="utf-8"?>
+<p:sld xmlns:a="http://schemas.openxmlformats.org/drawingml/2006/main" xmlns:r="http://schemas.openxmlformats.org/officeDocument/2006/relationships" xmlns:p="http://schemas.openxmlformats.org/presentationml/2006/main">
+  <p:cSld>
+    <p:spTree>
+      <p:nvGrpSpPr>
+        <p:cNvPr id="1" name="Shape 149"/>
+        <p:cNvGrpSpPr/>
+        <p:nvPr/>
+      </p:nvGrpSpPr>
+      <p:grpSpPr>
+        <a:xfrm>
+          <a:off x="0" y="0"/>
+          <a:ext cx="0" cy="0"/>
+          <a:chOff x="0" y="0"/>
+          <a:chExt cx="0" cy="0"/>
+        </a:xfrm>
+      </p:grpSpPr>
+      <p:sp>
+        <p:nvSpPr>
+          <p:cNvPr id="150" name="Shape 150"/>
+          <p:cNvSpPr txBox="1">
+            <a:spLocks noGrp="1"/>
+          </p:cNvSpPr>
+          <p:nvPr>
+            <p:ph type="body" idx="1"/>
+          </p:nvPr>
+        </p:nvSpPr>
+        <p:spPr>
+          <a:xfrm>
+            <a:off x="0" y="818866"/>
+            <a:ext cx="9143998" cy="5344865"/>
+          </a:xfrm>
+          <a:prstGeom prst="rect">
+            <a:avLst/>
+          </a:prstGeom>
+          <a:noFill/>
+          <a:ln>
+            <a:noFill/>
+          </a:ln>
+        </p:spPr>
+        <p:txBody>
+          <a:bodyPr lIns="274300" tIns="45700" rIns="274300" bIns="45700" anchor="t" anchorCtr="0">
+            <a:noAutofit/>
+          </a:bodyPr>
+          <a:lstStyle/>
+          <a:p>
+            <a:pPr marL="0" marR="0" lvl="0" indent="0" algn="l" rtl="0">
+              <a:spcBef>
+                <a:spcPts val="0"/>
+              </a:spcBef>
+              <a:spcAft>
+                <a:spcPts val="0"/>
+              </a:spcAft>
+              <a:buClr>
+                <a:schemeClr val="lt1"/>
+              </a:buClr>
+              <a:buSzPct val="25000"/>
+              <a:buFont typeface="Arial"/>
+              <a:buNone/>
+            </a:pPr>
+            <a:r>
+              <a:rPr lang="en-US" sz="2400" b="0" i="0" u="none" strike="noStrike" cap="none" dirty="0" smtClean="0">
+                <a:solidFill>
+                  <a:schemeClr val="lt1"/>
+                </a:solidFill>
+                <a:latin typeface="Calibri"/>
+                <a:ea typeface="Calibri"/>
+                <a:cs typeface="Calibri"/>
+                <a:sym typeface="Calibri"/>
+              </a:rPr>
+              <a:t>Problem Description</a:t>
+            </a:r>
+          </a:p>
+          <a:p>
+            <a:pPr marL="0" marR="0" lvl="0" indent="0" algn="l" rtl="0">
+              <a:spcBef>
+                <a:spcPts val="1080"/>
+              </a:spcBef>
+              <a:spcAft>
+                <a:spcPts val="0"/>
+              </a:spcAft>
+              <a:buClr>
+                <a:schemeClr val="lt1"/>
+              </a:buClr>
+              <a:buSzPct val="100000"/>
+              <a:buFont typeface="Arial"/>
+              <a:buChar char="•"/>
+            </a:pPr>
+            <a:r>
+              <a:rPr lang="en-US" sz="2400" b="0" i="0" u="none" strike="noStrike" cap="none" dirty="0">
+                <a:solidFill>
+                  <a:schemeClr val="lt1"/>
+                </a:solidFill>
+                <a:latin typeface="Calibri"/>
+                <a:ea typeface="Calibri"/>
+                <a:cs typeface="Calibri"/>
+                <a:sym typeface="Calibri"/>
+              </a:rPr>
+              <a:t> </a:t>
+            </a:r>
+            <a:r>
+              <a:rPr lang="en-US" sz="2100" b="0" i="0" u="none" strike="noStrike" cap="none" dirty="0" smtClean="0">
+                <a:solidFill>
+                  <a:schemeClr val="lt1"/>
+                </a:solidFill>
+                <a:latin typeface="Calibri"/>
+                <a:ea typeface="Calibri"/>
+                <a:cs typeface="Calibri"/>
+                <a:sym typeface="Calibri"/>
+              </a:rPr>
+              <a:t>Travelers that look for health information about their destination have to reach out to different sources and spend a lot of time researching</a:t>
+            </a:r>
+          </a:p>
+          <a:p>
+            <a:pPr marL="0" marR="0" lvl="0" indent="0" algn="l" rtl="0">
+              <a:spcBef>
+                <a:spcPts val="1080"/>
+              </a:spcBef>
+              <a:spcAft>
+                <a:spcPts val="0"/>
+              </a:spcAft>
+              <a:buClr>
+                <a:schemeClr val="lt1"/>
+              </a:buClr>
+              <a:buSzPct val="100000"/>
+              <a:buFont typeface="Arial"/>
+              <a:buChar char="•"/>
+            </a:pPr>
+            <a:r>
+              <a:rPr lang="en-US" sz="2100" b="0" i="0" u="none" strike="noStrike" cap="none" dirty="0" smtClean="0">
+                <a:solidFill>
+                  <a:schemeClr val="lt1"/>
+                </a:solidFill>
+                <a:latin typeface="Calibri"/>
+                <a:ea typeface="Calibri"/>
+                <a:cs typeface="Calibri"/>
+                <a:sym typeface="Calibri"/>
+              </a:rPr>
+              <a:t> Travelers often have cultural and/or language barriers and therefore are not aware of health hazards around them</a:t>
+            </a:r>
+          </a:p>
+          <a:p>
+            <a:pPr marL="0" marR="0" lvl="0" indent="0" algn="l" rtl="0">
+              <a:spcBef>
+                <a:spcPts val="1080"/>
+              </a:spcBef>
+              <a:spcAft>
+                <a:spcPts val="0"/>
+              </a:spcAft>
+              <a:buClr>
+                <a:schemeClr val="lt1"/>
+              </a:buClr>
+              <a:buSzPct val="25000"/>
+              <a:buFont typeface="Arial"/>
+              <a:buNone/>
+            </a:pPr>
+            <a:endParaRPr sz="2400" b="0" i="0" u="none" strike="noStrike" cap="none" dirty="0" smtClean="0">
+              <a:solidFill>
+                <a:schemeClr val="lt1"/>
+              </a:solidFill>
+              <a:latin typeface="Calibri"/>
+              <a:ea typeface="Calibri"/>
+              <a:cs typeface="Calibri"/>
+              <a:sym typeface="Calibri"/>
+            </a:endParaRPr>
+          </a:p>
+          <a:p>
+            <a:pPr marL="0" marR="0" lvl="0" indent="0" algn="l" rtl="0">
+              <a:spcBef>
+                <a:spcPts val="1080"/>
+              </a:spcBef>
+              <a:spcAft>
+                <a:spcPts val="0"/>
+              </a:spcAft>
+              <a:buClr>
+                <a:schemeClr val="lt1"/>
+              </a:buClr>
+              <a:buSzPct val="25000"/>
+              <a:buFont typeface="Arial"/>
+              <a:buNone/>
+            </a:pPr>
+            <a:r>
+              <a:rPr lang="en-US" sz="2400" b="0" i="0" u="none" strike="noStrike" cap="none" dirty="0" smtClean="0">
+                <a:solidFill>
+                  <a:schemeClr val="lt1"/>
+                </a:solidFill>
+                <a:latin typeface="Calibri"/>
+                <a:ea typeface="Calibri"/>
+                <a:cs typeface="Calibri"/>
+                <a:sym typeface="Calibri"/>
+              </a:rPr>
+              <a:t>Intended </a:t>
+            </a:r>
+            <a:r>
+              <a:rPr lang="en-US" sz="2400" b="0" i="0" u="none" strike="noStrike" cap="none" dirty="0">
+                <a:solidFill>
+                  <a:schemeClr val="lt1"/>
+                </a:solidFill>
+                <a:latin typeface="Calibri"/>
+                <a:ea typeface="Calibri"/>
+                <a:cs typeface="Calibri"/>
+                <a:sym typeface="Calibri"/>
+              </a:rPr>
+              <a:t>Users </a:t>
+            </a:r>
+          </a:p>
+          <a:p>
+            <a:pPr marL="0" marR="0" lvl="0" indent="0" algn="l" rtl="0">
+              <a:spcBef>
+                <a:spcPts val="1080"/>
+              </a:spcBef>
+              <a:spcAft>
+                <a:spcPts val="0"/>
+              </a:spcAft>
+              <a:buClr>
+                <a:schemeClr val="lt1"/>
+              </a:buClr>
+              <a:buSzPct val="100000"/>
+              <a:buFont typeface="Arial"/>
+              <a:buChar char="•"/>
+            </a:pPr>
+            <a:r>
+              <a:rPr lang="en-US" sz="2400" b="0" i="0" u="none" strike="noStrike" cap="none" dirty="0">
+                <a:solidFill>
+                  <a:schemeClr val="lt1"/>
+                </a:solidFill>
+                <a:latin typeface="Calibri"/>
+                <a:ea typeface="Calibri"/>
+                <a:cs typeface="Calibri"/>
+                <a:sym typeface="Calibri"/>
+              </a:rPr>
+              <a:t> </a:t>
+            </a:r>
+            <a:r>
+              <a:rPr lang="en-US" sz="2100" b="0" i="0" u="none" strike="noStrike" cap="none" dirty="0">
+                <a:solidFill>
+                  <a:schemeClr val="lt1"/>
+                </a:solidFill>
+                <a:sym typeface="Calibri"/>
+              </a:rPr>
+              <a:t>Travelers, either for business or leisure</a:t>
+            </a:r>
+          </a:p>
+          <a:p>
+            <a:pPr marL="0" marR="0" lvl="0" indent="0" algn="l" rtl="0">
+              <a:spcBef>
+                <a:spcPts val="1080"/>
+              </a:spcBef>
+              <a:spcAft>
+                <a:spcPts val="0"/>
+              </a:spcAft>
+              <a:buClr>
+                <a:schemeClr val="lt1"/>
+              </a:buClr>
+              <a:buSzPct val="100000"/>
+              <a:buFont typeface="Arial"/>
+              <a:buChar char="•"/>
+            </a:pPr>
+            <a:r>
+              <a:rPr lang="en-US" sz="2100" b="0" i="0" u="none" strike="noStrike" cap="none" dirty="0">
+                <a:solidFill>
+                  <a:schemeClr val="lt1"/>
+                </a:solidFill>
+                <a:sym typeface="Calibri"/>
+              </a:rPr>
+              <a:t> Travel/Tourist Agencies</a:t>
+            </a:r>
+          </a:p>
+          <a:p>
+            <a:pPr marL="0" marR="0" lvl="0" indent="0" algn="l" rtl="0">
+              <a:spcBef>
+                <a:spcPts val="1080"/>
+              </a:spcBef>
+              <a:spcAft>
+                <a:spcPts val="0"/>
+              </a:spcAft>
+              <a:buClr>
+                <a:schemeClr val="lt1"/>
+              </a:buClr>
+              <a:buSzPct val="100000"/>
+              <a:buFont typeface="Arial"/>
+              <a:buChar char="•"/>
+            </a:pPr>
+            <a:r>
+              <a:rPr lang="en-US" sz="2100" b="0" i="0" u="none" strike="noStrike" cap="none" dirty="0">
+                <a:solidFill>
+                  <a:schemeClr val="lt1"/>
+                </a:solidFill>
+                <a:sym typeface="Calibri"/>
+              </a:rPr>
+              <a:t> Government </a:t>
+            </a:r>
+            <a:r>
+              <a:rPr lang="en-US" sz="2100" b="0" i="0" u="none" strike="noStrike" cap="none" dirty="0" smtClean="0">
+                <a:solidFill>
+                  <a:schemeClr val="lt1"/>
+                </a:solidFill>
+                <a:sym typeface="Calibri"/>
+              </a:rPr>
+              <a:t>Bodies ( e.g. </a:t>
+            </a:r>
+            <a:r>
+              <a:rPr lang="en-US" sz="2100" dirty="0" smtClean="0"/>
+              <a:t>Dept.</a:t>
+            </a:r>
+            <a:r>
+              <a:rPr lang="en-US" sz="2100" b="0" i="0" u="none" strike="noStrike" cap="none" dirty="0" smtClean="0">
+                <a:solidFill>
+                  <a:schemeClr val="lt1"/>
+                </a:solidFill>
+                <a:sym typeface="Calibri"/>
+              </a:rPr>
+              <a:t> of Tourism/Travel)</a:t>
+            </a:r>
+            <a:endParaRPr lang="en-US" sz="2100" b="0" i="0" u="none" strike="noStrike" cap="none" dirty="0">
+              <a:solidFill>
+                <a:schemeClr val="lt1"/>
+              </a:solidFill>
+              <a:sym typeface="Calibri"/>
+            </a:endParaRPr>
+          </a:p>
+          <a:p>
+            <a:pPr marL="0" marR="0" lvl="0" indent="0" algn="l" rtl="0">
+              <a:spcBef>
+                <a:spcPts val="1080"/>
+              </a:spcBef>
+              <a:spcAft>
+                <a:spcPts val="0"/>
+              </a:spcAft>
+              <a:buClr>
+                <a:schemeClr val="lt1"/>
+              </a:buClr>
+              <a:buSzPct val="100000"/>
+              <a:buFont typeface="Arial"/>
+              <a:buChar char="•"/>
+            </a:pPr>
+            <a:r>
+              <a:rPr lang="en-US" sz="2100" b="0" i="0" u="none" strike="noStrike" cap="none" dirty="0">
+                <a:solidFill>
+                  <a:schemeClr val="lt1"/>
+                </a:solidFill>
+                <a:sym typeface="Calibri"/>
+              </a:rPr>
+              <a:t> Civic Institutions </a:t>
+            </a:r>
+            <a:r>
+              <a:rPr lang="en-US" sz="2100" b="0" i="0" u="none" strike="noStrike" cap="none" dirty="0" smtClean="0">
+                <a:solidFill>
+                  <a:schemeClr val="lt1"/>
+                </a:solidFill>
+                <a:sym typeface="Calibri"/>
+              </a:rPr>
+              <a:t>( e.g. Town municipal corporations)</a:t>
+            </a:r>
+          </a:p>
+          <a:p>
+            <a:pPr marL="0" marR="0" lvl="0" indent="0" algn="l" rtl="0">
+              <a:spcBef>
+                <a:spcPts val="1080"/>
+              </a:spcBef>
+              <a:spcAft>
+                <a:spcPts val="0"/>
+              </a:spcAft>
+              <a:buClr>
+                <a:schemeClr val="lt1"/>
+              </a:buClr>
+              <a:buSzPct val="25000"/>
+              <a:buFont typeface="Arial"/>
+              <a:buNone/>
+            </a:pPr>
+            <a:endParaRPr sz="2400" b="0" i="0" u="none" strike="noStrike" cap="none" dirty="0">
+              <a:solidFill>
+                <a:schemeClr val="lt1"/>
+              </a:solidFill>
+              <a:latin typeface="Calibri"/>
+              <a:ea typeface="Calibri"/>
+              <a:cs typeface="Calibri"/>
+              <a:sym typeface="Calibri"/>
+            </a:endParaRPr>
+          </a:p>
+        </p:txBody>
+      </p:sp>
+      <p:sp>
+        <p:nvSpPr>
+          <p:cNvPr id="151" name="Shape 151"/>
+          <p:cNvSpPr txBox="1">
+            <a:spLocks noGrp="1"/>
+          </p:cNvSpPr>
+          <p:nvPr>
+            <p:ph type="title"/>
+          </p:nvPr>
+        </p:nvSpPr>
+        <p:spPr>
+          <a:xfrm>
+            <a:off x="0" y="0"/>
+            <a:ext cx="9144000" cy="991351"/>
+          </a:xfrm>
+          <a:prstGeom prst="rect">
+            <a:avLst/>
+          </a:prstGeom>
+          <a:noFill/>
+          <a:ln>
+            <a:noFill/>
+          </a:ln>
+        </p:spPr>
+        <p:txBody>
+          <a:bodyPr lIns="274300" tIns="45700" rIns="91425" bIns="45700" anchor="ctr" anchorCtr="0">
+            <a:noAutofit/>
+          </a:bodyPr>
+          <a:lstStyle/>
+          <a:p>
+            <a:pPr marL="0" marR="0" lvl="0" indent="0" algn="ctr" rtl="0">
+              <a:spcBef>
+                <a:spcPts val="0"/>
+              </a:spcBef>
+              <a:buClr>
+                <a:srgbClr val="EEB211"/>
+              </a:buClr>
+              <a:buSzPct val="25000"/>
+              <a:buFont typeface="Calibri"/>
+              <a:buNone/>
+            </a:pPr>
+            <a:r>
+              <a:rPr lang="en-US" sz="2400" b="0" i="0" u="none" strike="noStrike" cap="none" dirty="0">
+                <a:solidFill>
+                  <a:srgbClr val="EEB211"/>
+                </a:solidFill>
+                <a:latin typeface="Calibri"/>
+                <a:ea typeface="Calibri"/>
+                <a:cs typeface="Calibri"/>
+                <a:sym typeface="Calibri"/>
+              </a:rPr>
+              <a:t> </a:t>
+            </a:r>
+            <a:r>
+              <a:rPr lang="en-US" sz="2400" b="0" i="0" u="none" strike="noStrike" cap="none" dirty="0" smtClean="0">
+                <a:solidFill>
+                  <a:srgbClr val="EEB211"/>
+                </a:solidFill>
+                <a:latin typeface="Calibri"/>
+                <a:ea typeface="Calibri"/>
+                <a:cs typeface="Calibri"/>
+                <a:sym typeface="Calibri"/>
+              </a:rPr>
+              <a:t>BUSINESS </a:t>
+            </a:r>
+            <a:r>
+              <a:rPr lang="en-US" sz="2400" b="0" i="0" u="none" strike="noStrike" cap="none" dirty="0">
+                <a:solidFill>
+                  <a:srgbClr val="EEB211"/>
+                </a:solidFill>
+                <a:latin typeface="Calibri"/>
+                <a:ea typeface="Calibri"/>
+                <a:cs typeface="Calibri"/>
+                <a:sym typeface="Calibri"/>
+              </a:rPr>
+              <a:t>CASE</a:t>
+            </a:r>
+          </a:p>
+        </p:txBody>
+      </p:sp>
+    </p:spTree>
+  </p:cSld>
+  <p:clrMapOvr>
+    <a:masterClrMapping/>
+  </p:clrMapOvr>
+  <p:transition xmlns:p14="http://schemas.microsoft.com/office/powerpoint/2010/main" spd="slow">
+    <p:cut/>
+  </p:transition>
+</p:sld>
+</file>
+
+<file path=ppt/slides/slide13.xml><?xml version="1.0" encoding="utf-8"?>
 <p:sld xmlns:a="http://schemas.openxmlformats.org/drawingml/2006/main" xmlns:r="http://schemas.openxmlformats.org/officeDocument/2006/relationships" xmlns:p="http://schemas.openxmlformats.org/presentationml/2006/main">
   <p:cSld>
     <p:spTree>
@@ -19404,7 +21223,7 @@
               <a:buNone/>
             </a:pPr>
             <a:r>
-              <a:rPr lang="en-US" sz="2000" b="0" i="0" u="none" strike="noStrike" cap="none" dirty="0">
+              <a:rPr lang="en-US" b="0" i="0" u="none" strike="noStrike" cap="none" dirty="0">
                 <a:solidFill>
                   <a:schemeClr val="lt1"/>
                 </a:solidFill>
@@ -19417,17 +21236,118 @@
             </a:r>
           </a:p>
           <a:p>
-            <a:pPr marL="0" marR="0" lvl="0" indent="0" algn="l" rtl="0">
+            <a:pPr lvl="1">
               <a:spcBef>
                 <a:spcPts val="960"/>
               </a:spcBef>
               <a:spcAft>
                 <a:spcPts val="0"/>
               </a:spcAft>
-              <a:buClr>
-                <a:schemeClr val="lt1"/>
-              </a:buClr>
-              <a:buSzPct val="100000"/>
+              <a:buFont typeface="Arial"/>
+              <a:buChar char="•"/>
+            </a:pPr>
+            <a:r>
+              <a:rPr lang="en-US" sz="2000" dirty="0" smtClean="0"/>
+              <a:t>Concise </a:t>
+            </a:r>
+            <a:r>
+              <a:rPr lang="en-US" sz="2000" dirty="0"/>
+              <a:t>vaccination information makes sure the users are getting just what they need</a:t>
+            </a:r>
+            <a:endParaRPr lang="en-US" sz="2000" b="0" i="0" u="none" strike="noStrike" cap="none" dirty="0" smtClean="0">
+              <a:solidFill>
+                <a:schemeClr val="lt1"/>
+              </a:solidFill>
+              <a:sym typeface="Calibri"/>
+            </a:endParaRPr>
+          </a:p>
+          <a:p>
+            <a:pPr lvl="1">
+              <a:spcBef>
+                <a:spcPts val="960"/>
+              </a:spcBef>
+              <a:spcAft>
+                <a:spcPts val="0"/>
+              </a:spcAft>
+              <a:buFont typeface="Arial"/>
+              <a:buChar char="•"/>
+            </a:pPr>
+            <a:r>
+              <a:rPr lang="en-US" sz="2000" dirty="0"/>
+              <a:t>One-stop shop for all of the user's </a:t>
+            </a:r>
+            <a:r>
+              <a:rPr lang="en-US" sz="2000" dirty="0" smtClean="0"/>
+              <a:t>location-specific </a:t>
+            </a:r>
+            <a:r>
+              <a:rPr lang="en-US" sz="2000" dirty="0"/>
+              <a:t>health needs. No "homework" </a:t>
+            </a:r>
+            <a:r>
+              <a:rPr lang="en-US" sz="2000" dirty="0" smtClean="0"/>
+              <a:t>needed</a:t>
+            </a:r>
+          </a:p>
+          <a:p>
+            <a:pPr lvl="1">
+              <a:spcBef>
+                <a:spcPts val="960"/>
+              </a:spcBef>
+              <a:spcAft>
+                <a:spcPts val="0"/>
+              </a:spcAft>
+              <a:buFont typeface="Arial"/>
+              <a:buChar char="•"/>
+            </a:pPr>
+            <a:r>
+              <a:rPr lang="en-US" sz="2000" b="0" i="0" u="none" strike="noStrike" cap="none" dirty="0" smtClean="0">
+                <a:solidFill>
+                  <a:schemeClr val="lt1"/>
+                </a:solidFill>
+                <a:sym typeface="Calibri"/>
+              </a:rPr>
+              <a:t> </a:t>
+            </a:r>
+            <a:r>
+              <a:rPr lang="en-US" sz="2000" dirty="0"/>
+              <a:t>Online check list helps the user organize his\her health-related preparation before the </a:t>
+            </a:r>
+            <a:r>
+              <a:rPr lang="en-US" sz="2000" dirty="0" smtClean="0"/>
+              <a:t>trip</a:t>
+            </a:r>
+          </a:p>
+          <a:p>
+            <a:pPr lvl="1">
+              <a:spcBef>
+                <a:spcPts val="960"/>
+              </a:spcBef>
+              <a:spcAft>
+                <a:spcPts val="0"/>
+              </a:spcAft>
+              <a:buFont typeface="Arial"/>
+              <a:buChar char="•"/>
+            </a:pPr>
+            <a:r>
+              <a:rPr lang="en-US" sz="2000" dirty="0"/>
+              <a:t>Simple and clear guidelines help the user protect his\her health while on the trip</a:t>
+            </a:r>
+            <a:endParaRPr lang="en-US" sz="2000" b="0" i="0" u="none" strike="noStrike" cap="none" dirty="0">
+              <a:solidFill>
+                <a:schemeClr val="lt1"/>
+              </a:solidFill>
+              <a:sym typeface="Calibri"/>
+            </a:endParaRPr>
+          </a:p>
+          <a:p>
+            <a:pPr lvl="1">
+              <a:spcBef>
+                <a:spcPts val="960"/>
+              </a:spcBef>
+              <a:spcAft>
+                <a:spcPts val="0"/>
+              </a:spcAft>
               <a:buFont typeface="Arial"/>
               <a:buChar char="•"/>
             </a:pPr>
@@ -19436,81 +21356,19 @@
                 <a:solidFill>
                   <a:schemeClr val="lt1"/>
                 </a:solidFill>
-                <a:latin typeface="Calibri"/>
-                <a:ea typeface="Calibri"/>
-                <a:cs typeface="Calibri"/>
-                <a:sym typeface="Calibri"/>
-              </a:rPr>
-              <a:t> Users save valuable research time by getting access to a singular and comprehensive source of information about the health conditions in their destination</a:t>
-            </a:r>
-          </a:p>
-          <a:p>
-            <a:pPr marL="0" marR="0" lvl="0" indent="0" algn="l" rtl="0">
-              <a:spcBef>
-                <a:spcPts val="960"/>
-              </a:spcBef>
-              <a:spcAft>
-                <a:spcPts val="0"/>
-              </a:spcAft>
-              <a:buClr>
-                <a:schemeClr val="lt1"/>
-              </a:buClr>
-              <a:buSzPct val="100000"/>
-              <a:buFont typeface="Arial"/>
-              <a:buChar char="•"/>
-            </a:pPr>
-            <a:r>
-              <a:rPr lang="en-US" sz="2000" b="0" i="0" u="none" strike="noStrike" cap="none" dirty="0">
-                <a:solidFill>
-                  <a:schemeClr val="lt1"/>
-                </a:solidFill>
-                <a:latin typeface="Calibri"/>
-                <a:ea typeface="Calibri"/>
-                <a:cs typeface="Calibri"/>
-                <a:sym typeface="Calibri"/>
-              </a:rPr>
-              <a:t> Users get a list of necessary vaccines and off-the-shelf medicine they should pack based on their destination</a:t>
-            </a:r>
-          </a:p>
-          <a:p>
-            <a:pPr marL="0" marR="0" lvl="0" indent="0" algn="l" rtl="0">
-              <a:spcBef>
-                <a:spcPts val="960"/>
-              </a:spcBef>
-              <a:spcAft>
-                <a:spcPts val="0"/>
-              </a:spcAft>
-              <a:buClr>
-                <a:schemeClr val="lt1"/>
-              </a:buClr>
-              <a:buSzPct val="100000"/>
-              <a:buFont typeface="Arial"/>
-              <a:buChar char="•"/>
-            </a:pPr>
-            <a:r>
-              <a:rPr lang="en-US" sz="2000" b="0" i="0" u="none" strike="noStrike" cap="none" dirty="0">
-                <a:solidFill>
-                  <a:schemeClr val="lt1"/>
-                </a:solidFill>
-                <a:latin typeface="Calibri"/>
-                <a:ea typeface="Calibri"/>
-                <a:cs typeface="Calibri"/>
                 <a:sym typeface="Calibri"/>
               </a:rPr>
               <a:t> Users get real time warnings about health hazards around them</a:t>
             </a:r>
           </a:p>
           <a:p>
-            <a:pPr marL="0" marR="0" lvl="0" indent="0" algn="l" rtl="0">
+            <a:pPr lvl="1" indent="0">
               <a:spcBef>
                 <a:spcPts val="960"/>
               </a:spcBef>
               <a:spcAft>
                 <a:spcPts val="0"/>
               </a:spcAft>
-              <a:buClr>
-                <a:schemeClr val="lt1"/>
-              </a:buClr>
               <a:buSzPct val="25000"/>
               <a:buFont typeface="Arial"/>
               <a:buNone/>
@@ -19519,150 +21377,6 @@
               <a:solidFill>
                 <a:schemeClr val="lt1"/>
               </a:solidFill>
-              <a:latin typeface="Calibri"/>
-              <a:ea typeface="Calibri"/>
-              <a:cs typeface="Calibri"/>
-              <a:sym typeface="Calibri"/>
-            </a:endParaRPr>
-          </a:p>
-          <a:p>
-            <a:pPr marL="0" marR="0" lvl="0" indent="0" algn="l" rtl="0">
-              <a:spcBef>
-                <a:spcPts val="960"/>
-              </a:spcBef>
-              <a:spcAft>
-                <a:spcPts val="0"/>
-              </a:spcAft>
-              <a:buClr>
-                <a:schemeClr val="lt1"/>
-              </a:buClr>
-              <a:buSzPct val="25000"/>
-              <a:buFont typeface="Arial"/>
-              <a:buNone/>
-            </a:pPr>
-            <a:r>
-              <a:rPr lang="en-US" sz="2000" b="0" i="0" u="none" strike="noStrike" cap="none" dirty="0">
-                <a:solidFill>
-                  <a:schemeClr val="lt1"/>
-                </a:solidFill>
-                <a:latin typeface="Calibri"/>
-                <a:ea typeface="Calibri"/>
-                <a:cs typeface="Calibri"/>
-                <a:sym typeface="Calibri"/>
-              </a:rPr>
-              <a:t>Benefits to Non Users</a:t>
-            </a:r>
-          </a:p>
-          <a:p>
-            <a:pPr marL="0" marR="0" lvl="0" indent="0" algn="l" rtl="0">
-              <a:spcBef>
-                <a:spcPts val="960"/>
-              </a:spcBef>
-              <a:spcAft>
-                <a:spcPts val="0"/>
-              </a:spcAft>
-              <a:buClr>
-                <a:schemeClr val="lt1"/>
-              </a:buClr>
-              <a:buSzPct val="100000"/>
-              <a:buFont typeface="Arial"/>
-              <a:buChar char="•"/>
-            </a:pPr>
-            <a:r>
-              <a:rPr lang="en-US" sz="2000" b="0" i="0" u="none" strike="noStrike" cap="none" dirty="0">
-                <a:solidFill>
-                  <a:schemeClr val="lt1"/>
-                </a:solidFill>
-                <a:latin typeface="Calibri"/>
-                <a:ea typeface="Calibri"/>
-                <a:cs typeface="Calibri"/>
-                <a:sym typeface="Calibri"/>
-              </a:rPr>
-              <a:t> Travelers that are informed of an outbreak and avoid visiting the infected area help in limit the spread of the disease</a:t>
-            </a:r>
-          </a:p>
-          <a:p>
-            <a:pPr marL="0" marR="0" lvl="0" indent="0" algn="l" rtl="0">
-              <a:spcBef>
-                <a:spcPts val="960"/>
-              </a:spcBef>
-              <a:spcAft>
-                <a:spcPts val="0"/>
-              </a:spcAft>
-              <a:buClr>
-                <a:schemeClr val="lt1"/>
-              </a:buClr>
-              <a:buSzPct val="100000"/>
-              <a:buFont typeface="Arial"/>
-              <a:buChar char="•"/>
-            </a:pPr>
-            <a:r>
-              <a:rPr lang="en-US" sz="2000" b="0" i="0" u="none" strike="noStrike" cap="none" dirty="0">
-                <a:solidFill>
-                  <a:schemeClr val="lt1"/>
-                </a:solidFill>
-                <a:latin typeface="Calibri"/>
-                <a:ea typeface="Calibri"/>
-                <a:cs typeface="Calibri"/>
-                <a:sym typeface="Calibri"/>
-              </a:rPr>
-              <a:t> Travelers using </a:t>
-            </a:r>
-            <a:r>
-              <a:rPr lang="en-US" sz="2000" b="0" i="0" u="none" strike="noStrike" cap="none" dirty="0" err="1" smtClean="0">
-                <a:solidFill>
-                  <a:schemeClr val="lt1"/>
-                </a:solidFill>
-                <a:latin typeface="Calibri"/>
-                <a:ea typeface="Calibri"/>
-                <a:cs typeface="Calibri"/>
-                <a:sym typeface="Calibri"/>
-              </a:rPr>
-              <a:t>SafeTravels</a:t>
-            </a:r>
-            <a:r>
-              <a:rPr lang="en-US" sz="2000" b="0" i="0" u="none" strike="noStrike" cap="none" dirty="0" smtClean="0">
-                <a:solidFill>
-                  <a:schemeClr val="lt1"/>
-                </a:solidFill>
-                <a:latin typeface="Calibri"/>
-                <a:ea typeface="Calibri"/>
-                <a:cs typeface="Calibri"/>
-                <a:sym typeface="Calibri"/>
-              </a:rPr>
-              <a:t> </a:t>
-            </a:r>
-            <a:r>
-              <a:rPr lang="en-US" sz="2000" b="0" i="0" u="none" strike="noStrike" cap="none" dirty="0">
-                <a:solidFill>
-                  <a:schemeClr val="lt1"/>
-                </a:solidFill>
-                <a:latin typeface="Calibri"/>
-                <a:ea typeface="Calibri"/>
-                <a:cs typeface="Calibri"/>
-                <a:sym typeface="Calibri"/>
-              </a:rPr>
-              <a:t>are able to warn locals about approaching diseases and share tips they learn from the app about treatment and how to prevent </a:t>
-            </a:r>
-            <a:r>
-              <a:rPr lang="en-US" sz="2000" b="0" i="0" u="none" strike="noStrike" cap="none" dirty="0" smtClean="0">
-                <a:solidFill>
-                  <a:schemeClr val="lt1"/>
-                </a:solidFill>
-                <a:latin typeface="Calibri"/>
-                <a:ea typeface="Calibri"/>
-                <a:cs typeface="Calibri"/>
-                <a:sym typeface="Calibri"/>
-              </a:rPr>
-              <a:t>contagion</a:t>
-            </a:r>
-            <a:endParaRPr lang="en-US" sz="2000" b="0" i="0" u="none" strike="noStrike" cap="none" dirty="0">
-              <a:solidFill>
-                <a:schemeClr val="lt1"/>
-              </a:solidFill>
-              <a:latin typeface="Calibri"/>
-              <a:ea typeface="Calibri"/>
-              <a:cs typeface="Calibri"/>
               <a:sym typeface="Calibri"/>
             </a:endParaRPr>
           </a:p>
@@ -19746,12 +21460,12 @@
 </p:sld>
 </file>
 
-<file path=ppt/slides/slide11.xml><?xml version="1.0" encoding="utf-8"?>
+<file path=ppt/slides/slide14.xml><?xml version="1.0" encoding="utf-8"?>
 <p:sld xmlns:a="http://schemas.openxmlformats.org/drawingml/2006/main" xmlns:r="http://schemas.openxmlformats.org/officeDocument/2006/relationships" xmlns:p="http://schemas.openxmlformats.org/presentationml/2006/main">
   <p:cSld>
     <p:spTree>
       <p:nvGrpSpPr>
-        <p:cNvPr id="1" name="Shape 161"/>
+        <p:cNvPr id="1" name="Shape 155"/>
         <p:cNvGrpSpPr/>
         <p:nvPr/>
       </p:nvGrpSpPr>
@@ -19765,7 +21479,7 @@
       </p:grpSpPr>
       <p:sp>
         <p:nvSpPr>
-          <p:cNvPr id="162" name="Shape 162"/>
+          <p:cNvPr id="156" name="Shape 156"/>
           <p:cNvSpPr txBox="1">
             <a:spLocks noGrp="1"/>
           </p:cNvSpPr>
@@ -19794,7 +21508,7 @@
           <a:p>
             <a:pPr marL="0" marR="0" lvl="0" indent="0" algn="l" rtl="0">
               <a:spcBef>
-                <a:spcPts val="0"/>
+                <a:spcPts val="960"/>
               </a:spcBef>
               <a:spcAft>
                 <a:spcPts val="0"/>
@@ -19807,7 +21521,7 @@
               <a:buNone/>
             </a:pPr>
             <a:r>
-              <a:rPr lang="en-US" sz="2400" b="0" i="0" u="none" strike="noStrike" cap="none">
+              <a:rPr lang="en-US" b="0" i="0" u="none" strike="noStrike" cap="none" dirty="0" smtClean="0">
                 <a:solidFill>
                   <a:schemeClr val="lt1"/>
                 </a:solidFill>
@@ -19816,134 +21530,123 @@
                 <a:cs typeface="Calibri"/>
                 <a:sym typeface="Calibri"/>
               </a:rPr>
-              <a:t>Solution</a:t>
+              <a:t>Benefits </a:t>
+            </a:r>
+            <a:r>
+              <a:rPr lang="en-US" b="0" i="0" u="none" strike="noStrike" cap="none" dirty="0">
+                <a:solidFill>
+                  <a:schemeClr val="lt1"/>
+                </a:solidFill>
+                <a:latin typeface="Calibri"/>
+                <a:ea typeface="Calibri"/>
+                <a:cs typeface="Calibri"/>
+                <a:sym typeface="Calibri"/>
+              </a:rPr>
+              <a:t>to Non Users</a:t>
             </a:r>
           </a:p>
           <a:p>
-            <a:pPr marL="0" marR="0" lvl="0" indent="0" algn="l" rtl="0">
-              <a:spcBef>
-                <a:spcPts val="1080"/>
+            <a:pPr lvl="1">
+              <a:spcBef>
+                <a:spcPts val="960"/>
               </a:spcBef>
               <a:spcAft>
                 <a:spcPts val="0"/>
               </a:spcAft>
-              <a:buClr>
-                <a:schemeClr val="lt1"/>
-              </a:buClr>
-              <a:buSzPct val="25000"/>
-              <a:buFont typeface="Arial"/>
-              <a:buNone/>
+              <a:buFont typeface="Arial"/>
+              <a:buChar char="•"/>
             </a:pPr>
             <a:r>
-              <a:rPr lang="en-US" sz="2400" b="0" i="0" u="none" strike="noStrike" cap="none">
-                <a:solidFill>
-                  <a:schemeClr val="lt1"/>
-                </a:solidFill>
-                <a:latin typeface="Calibri"/>
-                <a:ea typeface="Calibri"/>
-                <a:cs typeface="Calibri"/>
-                <a:sym typeface="Calibri"/>
-              </a:rPr>
-              <a:t>Revenue Stream</a:t>
+              <a:rPr lang="en-US" sz="1700" dirty="0"/>
+              <a:t> </a:t>
+            </a:r>
+            <a:r>
+              <a:rPr lang="en-US" sz="2000" dirty="0"/>
+              <a:t>Travelers that are informed of an outbreak in a certain area and avoid visiting this area help in not spreading the disease in their future destinations</a:t>
+            </a:r>
+            <a:r>
+              <a:rPr lang="en-US" sz="2000" dirty="0" smtClean="0"/>
+              <a:t>.</a:t>
             </a:r>
           </a:p>
           <a:p>
-            <a:pPr marL="0" marR="0" lvl="0" indent="0" algn="l" rtl="0">
-              <a:spcBef>
-                <a:spcPts val="1080"/>
+            <a:pPr lvl="1">
+              <a:spcBef>
+                <a:spcPts val="960"/>
               </a:spcBef>
               <a:spcAft>
                 <a:spcPts val="0"/>
               </a:spcAft>
-              <a:buClr>
-                <a:schemeClr val="lt1"/>
-              </a:buClr>
-              <a:buSzPct val="25000"/>
-              <a:buFont typeface="Arial"/>
-              <a:buNone/>
+              <a:buFont typeface="Arial"/>
+              <a:buChar char="•"/>
             </a:pPr>
-            <a:endParaRPr sz="2400" b="0" i="0" u="none" strike="noStrike" cap="none">
-              <a:solidFill>
-                <a:schemeClr val="lt1"/>
-              </a:solidFill>
-              <a:latin typeface="Calibri"/>
-              <a:ea typeface="Calibri"/>
-              <a:cs typeface="Calibri"/>
-              <a:sym typeface="Calibri"/>
-            </a:endParaRPr>
+            <a:endParaRPr lang="en-US" sz="2000" dirty="0"/>
           </a:p>
           <a:p>
-            <a:pPr marL="0" marR="0" lvl="0" indent="0" algn="l" rtl="0">
-              <a:spcBef>
-                <a:spcPts val="1080"/>
+            <a:pPr lvl="1">
+              <a:spcBef>
+                <a:spcPts val="960"/>
               </a:spcBef>
               <a:spcAft>
                 <a:spcPts val="0"/>
               </a:spcAft>
-              <a:buClr>
-                <a:schemeClr val="lt1"/>
-              </a:buClr>
-              <a:buSzPct val="25000"/>
-              <a:buFont typeface="Arial"/>
-              <a:buNone/>
+              <a:buFont typeface="Arial"/>
+              <a:buChar char="•"/>
             </a:pPr>
-            <a:endParaRPr sz="2400" b="0" i="0" u="none" strike="noStrike" cap="none">
-              <a:solidFill>
-                <a:schemeClr val="lt1"/>
-              </a:solidFill>
-              <a:latin typeface="Calibri"/>
-              <a:ea typeface="Calibri"/>
-              <a:cs typeface="Calibri"/>
-              <a:sym typeface="Calibri"/>
-            </a:endParaRPr>
+            <a:r>
+              <a:rPr lang="en-US" sz="2000" dirty="0" smtClean="0"/>
+              <a:t>Mitigating </a:t>
+            </a:r>
+            <a:r>
+              <a:rPr lang="en-US" sz="2000" dirty="0"/>
+              <a:t>chances of infection in travelers also means mitigating these chances for the people who come in contact with these tourists, especially after they return home. </a:t>
+            </a:r>
+            <a:endParaRPr lang="en-US" sz="2000" dirty="0" smtClean="0"/>
           </a:p>
           <a:p>
-            <a:pPr marL="0" marR="0" lvl="0" indent="0" algn="l" rtl="0">
-              <a:spcBef>
-                <a:spcPts val="1080"/>
+            <a:pPr lvl="1">
+              <a:spcBef>
+                <a:spcPts val="960"/>
               </a:spcBef>
               <a:spcAft>
                 <a:spcPts val="0"/>
               </a:spcAft>
-              <a:buClr>
-                <a:schemeClr val="lt1"/>
-              </a:buClr>
-              <a:buSzPct val="25000"/>
-              <a:buFont typeface="Arial"/>
-              <a:buNone/>
+              <a:buFont typeface="Arial"/>
+              <a:buChar char="•"/>
             </a:pPr>
-            <a:endParaRPr sz="2400" b="0" i="0" u="none" strike="noStrike" cap="none">
-              <a:solidFill>
-                <a:schemeClr val="lt1"/>
-              </a:solidFill>
-              <a:latin typeface="Calibri"/>
-              <a:ea typeface="Calibri"/>
-              <a:cs typeface="Calibri"/>
-              <a:sym typeface="Calibri"/>
-            </a:endParaRPr>
+            <a:endParaRPr lang="en-US" sz="2000" dirty="0" smtClean="0"/>
           </a:p>
           <a:p>
-            <a:pPr marL="0" marR="0" lvl="0" indent="0" algn="l" rtl="0">
-              <a:spcBef>
-                <a:spcPts val="1080"/>
+            <a:pPr lvl="1">
+              <a:spcBef>
+                <a:spcPts val="960"/>
               </a:spcBef>
               <a:spcAft>
                 <a:spcPts val="0"/>
               </a:spcAft>
-              <a:buClr>
-                <a:schemeClr val="lt1"/>
-              </a:buClr>
-              <a:buSzPct val="25000"/>
-              <a:buFont typeface="Arial"/>
-              <a:buNone/>
+              <a:buFont typeface="Arial"/>
+              <a:buChar char="•"/>
             </a:pPr>
-            <a:endParaRPr sz="2400" b="0" i="0" u="none" strike="noStrike" cap="none">
+            <a:r>
+              <a:rPr lang="en-US" sz="2000" dirty="0" smtClean="0"/>
+              <a:t>Healthier </a:t>
+            </a:r>
+            <a:r>
+              <a:rPr lang="en-US" sz="2000" dirty="0"/>
+              <a:t>returning travelers save treatment time and money </a:t>
+            </a:r>
+            <a:r>
+              <a:rPr lang="en-US" sz="2000" dirty="0" smtClean="0"/>
+              <a:t>to health </a:t>
+            </a:r>
+            <a:r>
+              <a:rPr lang="en-US" sz="2000" dirty="0"/>
+              <a:t>organizations.</a:t>
+            </a:r>
+            <a:endParaRPr lang="en-US" sz="2000" b="0" i="0" u="none" strike="noStrike" cap="none" dirty="0">
               <a:solidFill>
                 <a:schemeClr val="lt1"/>
               </a:solidFill>
-              <a:latin typeface="Calibri"/>
-              <a:ea typeface="Calibri"/>
-              <a:cs typeface="Calibri"/>
               <a:sym typeface="Calibri"/>
             </a:endParaRPr>
           </a:p>
@@ -19951,7 +21654,7 @@
       </p:sp>
       <p:sp>
         <p:nvSpPr>
-          <p:cNvPr id="163" name="Shape 163"/>
+          <p:cNvPr id="157" name="Shape 157"/>
           <p:cNvSpPr txBox="1">
             <a:spLocks noGrp="1"/>
           </p:cNvSpPr>
@@ -20017,6 +21720,11 @@
         </p:txBody>
       </p:sp>
     </p:spTree>
+    <p:extLst>
+      <p:ext uri="{BB962C8B-B14F-4D97-AF65-F5344CB8AC3E}">
+        <p14:creationId xmlns:p14="http://schemas.microsoft.com/office/powerpoint/2010/main" val="4043325861"/>
+      </p:ext>
+    </p:extLst>
   </p:cSld>
   <p:clrMapOvr>
     <a:masterClrMapping/>
@@ -20027,7 +21735,7 @@
 </p:sld>
 </file>
 
-<file path=ppt/slides/slide12.xml><?xml version="1.0" encoding="utf-8"?>
+<file path=ppt/slides/slide15.xml><?xml version="1.0" encoding="utf-8"?>
 <p:sld xmlns:a="http://schemas.openxmlformats.org/drawingml/2006/main" xmlns:r="http://schemas.openxmlformats.org/officeDocument/2006/relationships" xmlns:p="http://schemas.openxmlformats.org/presentationml/2006/main">
   <p:cSld>
     <p:spTree>
@@ -20088,7 +21796,7 @@
               <a:buNone/>
             </a:pPr>
             <a:r>
-              <a:rPr lang="en-US" sz="2400" b="0" i="0" u="none" strike="noStrike" cap="none">
+              <a:rPr lang="en-US" sz="2400" b="0" i="0" u="none" strike="noStrike" cap="none" dirty="0">
                 <a:solidFill>
                   <a:schemeClr val="lt1"/>
                 </a:solidFill>
@@ -20115,7 +21823,7 @@
               <a:buFont typeface="Arial"/>
               <a:buNone/>
             </a:pPr>
-            <a:endParaRPr sz="2400" b="0" i="0" u="none" strike="noStrike" cap="none">
+            <a:endParaRPr sz="2400" b="0" i="0" u="none" strike="noStrike" cap="none" dirty="0">
               <a:solidFill>
                 <a:schemeClr val="lt1"/>
               </a:solidFill>
@@ -20141,7 +21849,7 @@
               <a:buChar char="•"/>
             </a:pPr>
             <a:r>
-              <a:rPr lang="en-US" sz="2400" b="0" i="0" u="none" strike="noStrike" cap="none">
+              <a:rPr lang="en-US" sz="2400" b="0" i="0" u="none" strike="noStrike" cap="none" dirty="0">
                 <a:solidFill>
                   <a:schemeClr val="lt1"/>
                 </a:solidFill>
@@ -20169,7 +21877,7 @@
               <a:buChar char="•"/>
             </a:pPr>
             <a:r>
-              <a:rPr lang="en-US" sz="2400" b="0" i="0" u="none" strike="noStrike" cap="none">
+              <a:rPr lang="en-US" sz="2400" b="0" i="0" u="none" strike="noStrike" cap="none" dirty="0">
                 <a:solidFill>
                   <a:schemeClr val="lt1"/>
                 </a:solidFill>
@@ -20178,26 +21886,10 @@
                 <a:cs typeface="Calibri"/>
                 <a:sym typeface="Calibri"/>
               </a:rPr>
-              <a:t> Development Lead - </a:t>
+              <a:t> Development Lead </a:t>
             </a:r>
-          </a:p>
-          <a:p>
-            <a:pPr marL="0" marR="0" lvl="0" indent="0" algn="l" rtl="0">
-              <a:spcBef>
-                <a:spcPts val="1080"/>
-              </a:spcBef>
-              <a:spcAft>
-                <a:spcPts val="0"/>
-              </a:spcAft>
-              <a:buClr>
-                <a:schemeClr val="lt1"/>
-              </a:buClr>
-              <a:buSzPct val="100000"/>
-              <a:buFont typeface="Arial"/>
-              <a:buChar char="•"/>
-            </a:pPr>
             <a:r>
-              <a:rPr lang="en-US" sz="2400" b="0" i="0" u="none" strike="noStrike" cap="none">
+              <a:rPr lang="en-US" sz="2400" b="0" i="0" u="none" strike="noStrike" cap="none" dirty="0" smtClean="0">
                 <a:solidFill>
                   <a:schemeClr val="lt1"/>
                 </a:solidFill>
@@ -20206,109 +21898,9 @@
                 <a:cs typeface="Calibri"/>
                 <a:sym typeface="Calibri"/>
               </a:rPr>
-              <a:t> Documentation Lead - </a:t>
+              <a:t>– John Gadbois</a:t>
             </a:r>
-          </a:p>
-          <a:p>
-            <a:pPr marL="0" marR="0" lvl="0" indent="0" algn="l" rtl="0">
-              <a:spcBef>
-                <a:spcPts val="1080"/>
-              </a:spcBef>
-              <a:spcAft>
-                <a:spcPts val="0"/>
-              </a:spcAft>
-              <a:buClr>
-                <a:schemeClr val="lt1"/>
-              </a:buClr>
-              <a:buSzPct val="100000"/>
-              <a:buFont typeface="Arial"/>
-              <a:buChar char="•"/>
-            </a:pPr>
-            <a:r>
-              <a:rPr lang="en-US" sz="2400" b="0" i="0" u="none" strike="noStrike" cap="none">
-                <a:solidFill>
-                  <a:schemeClr val="lt1"/>
-                </a:solidFill>
-                <a:latin typeface="Calibri"/>
-                <a:ea typeface="Calibri"/>
-                <a:cs typeface="Calibri"/>
-                <a:sym typeface="Calibri"/>
-              </a:rPr>
-              <a:t> QA Manager - </a:t>
-            </a:r>
-          </a:p>
-          <a:p>
-            <a:pPr marL="0" marR="0" lvl="0" indent="0" algn="l" rtl="0">
-              <a:spcBef>
-                <a:spcPts val="1080"/>
-              </a:spcBef>
-              <a:spcAft>
-                <a:spcPts val="0"/>
-              </a:spcAft>
-              <a:buClr>
-                <a:schemeClr val="lt1"/>
-              </a:buClr>
-              <a:buSzPct val="100000"/>
-              <a:buFont typeface="Arial"/>
-              <a:buChar char="•"/>
-            </a:pPr>
-            <a:r>
-              <a:rPr lang="en-US" sz="2400" b="0" i="0" u="none" strike="noStrike" cap="none">
-                <a:solidFill>
-                  <a:schemeClr val="lt1"/>
-                </a:solidFill>
-                <a:latin typeface="Calibri"/>
-                <a:ea typeface="Calibri"/>
-                <a:cs typeface="Calibri"/>
-                <a:sym typeface="Calibri"/>
-              </a:rPr>
-              <a:t> Developers - All</a:t>
-            </a:r>
-          </a:p>
-          <a:p>
-            <a:pPr marL="0" marR="0" lvl="0" indent="0" algn="l" rtl="0">
-              <a:spcBef>
-                <a:spcPts val="1080"/>
-              </a:spcBef>
-              <a:spcAft>
-                <a:spcPts val="0"/>
-              </a:spcAft>
-              <a:buClr>
-                <a:schemeClr val="lt1"/>
-              </a:buClr>
-              <a:buSzPct val="100000"/>
-              <a:buFont typeface="Arial"/>
-              <a:buChar char="•"/>
-            </a:pPr>
-            <a:r>
-              <a:rPr lang="en-US" sz="2400" b="0" i="0" u="none" strike="noStrike" cap="none">
-                <a:solidFill>
-                  <a:schemeClr val="lt1"/>
-                </a:solidFill>
-                <a:latin typeface="Calibri"/>
-                <a:ea typeface="Calibri"/>
-                <a:cs typeface="Calibri"/>
-                <a:sym typeface="Calibri"/>
-              </a:rPr>
-              <a:t> Testers - All</a:t>
-            </a:r>
-          </a:p>
-          <a:p>
-            <a:pPr marL="0" marR="0" lvl="0" indent="0" algn="l" rtl="0">
-              <a:spcBef>
-                <a:spcPts val="1080"/>
-              </a:spcBef>
-              <a:spcAft>
-                <a:spcPts val="0"/>
-              </a:spcAft>
-              <a:buClr>
-                <a:schemeClr val="lt1"/>
-              </a:buClr>
-              <a:buSzPct val="25000"/>
-              <a:buFont typeface="Arial"/>
-              <a:buNone/>
-            </a:pPr>
-            <a:endParaRPr sz="2400" b="0" i="0" u="none" strike="noStrike" cap="none">
+            <a:endParaRPr lang="en-US" sz="2400" b="0" i="0" u="none" strike="noStrike" cap="none" dirty="0">
               <a:solidFill>
                 <a:schemeClr val="lt1"/>
               </a:solidFill>
@@ -20329,11 +21921,39 @@
               <a:buClr>
                 <a:schemeClr val="lt1"/>
               </a:buClr>
-              <a:buSzPct val="25000"/>
-              <a:buFont typeface="Arial"/>
-              <a:buNone/>
+              <a:buSzPct val="100000"/>
+              <a:buFont typeface="Arial"/>
+              <a:buChar char="•"/>
             </a:pPr>
-            <a:endParaRPr sz="2400" b="0" i="0" u="none" strike="noStrike" cap="none">
+            <a:r>
+              <a:rPr lang="en-US" sz="2400" b="0" i="0" u="none" strike="noStrike" cap="none" dirty="0">
+                <a:solidFill>
+                  <a:schemeClr val="lt1"/>
+                </a:solidFill>
+                <a:latin typeface="Calibri"/>
+                <a:ea typeface="Calibri"/>
+                <a:cs typeface="Calibri"/>
+                <a:sym typeface="Calibri"/>
+              </a:rPr>
+              <a:t> Documentation Lead </a:t>
+            </a:r>
+            <a:r>
+              <a:rPr lang="en-US" sz="2400" b="0" i="0" u="none" strike="noStrike" cap="none" dirty="0" smtClean="0">
+                <a:solidFill>
+                  <a:schemeClr val="lt1"/>
+                </a:solidFill>
+                <a:latin typeface="Calibri"/>
+                <a:ea typeface="Calibri"/>
+                <a:cs typeface="Calibri"/>
+                <a:sym typeface="Calibri"/>
+              </a:rPr>
+              <a:t>– </a:t>
+            </a:r>
+            <a:r>
+              <a:rPr lang="en-US" dirty="0" smtClean="0"/>
+              <a:t>Ravi Raina</a:t>
+            </a:r>
+            <a:endParaRPr lang="en-US" sz="2400" b="0" i="0" u="none" strike="noStrike" cap="none" dirty="0">
               <a:solidFill>
                 <a:schemeClr val="lt1"/>
               </a:solidFill>
@@ -20354,11 +21974,55 @@
               <a:buClr>
                 <a:schemeClr val="lt1"/>
               </a:buClr>
-              <a:buSzPct val="25000"/>
-              <a:buFont typeface="Arial"/>
-              <a:buNone/>
+              <a:buSzPct val="100000"/>
+              <a:buFont typeface="Arial"/>
+              <a:buChar char="•"/>
             </a:pPr>
-            <a:endParaRPr sz="2400" b="0" i="0" u="none" strike="noStrike" cap="none">
+            <a:r>
+              <a:rPr lang="en-US" sz="2400" b="0" i="0" u="none" strike="noStrike" cap="none" dirty="0">
+                <a:solidFill>
+                  <a:schemeClr val="lt1"/>
+                </a:solidFill>
+                <a:latin typeface="Calibri"/>
+                <a:ea typeface="Calibri"/>
+                <a:cs typeface="Calibri"/>
+                <a:sym typeface="Calibri"/>
+              </a:rPr>
+              <a:t> QA Manager </a:t>
+            </a:r>
+            <a:r>
+              <a:rPr lang="en-US" sz="2400" b="0" i="0" u="none" strike="noStrike" cap="none" dirty="0" smtClean="0">
+                <a:solidFill>
+                  <a:schemeClr val="lt1"/>
+                </a:solidFill>
+                <a:latin typeface="Calibri"/>
+                <a:ea typeface="Calibri"/>
+                <a:cs typeface="Calibri"/>
+                <a:sym typeface="Calibri"/>
+              </a:rPr>
+              <a:t>– Noa Nadler</a:t>
+            </a:r>
+          </a:p>
+          <a:p>
+            <a:pPr marL="0" marR="0" lvl="0" indent="0" algn="l" rtl="0">
+              <a:spcBef>
+                <a:spcPts val="1080"/>
+              </a:spcBef>
+              <a:spcAft>
+                <a:spcPts val="0"/>
+              </a:spcAft>
+              <a:buClr>
+                <a:schemeClr val="lt1"/>
+              </a:buClr>
+              <a:buSzPct val="100000"/>
+              <a:buFont typeface="Arial"/>
+              <a:buChar char="•"/>
+            </a:pPr>
+            <a:r>
+              <a:rPr lang="en-US" dirty="0" smtClean="0"/>
+              <a:t> Principal Architect – Forrest Brazeal</a:t>
+            </a:r>
+            <a:endParaRPr lang="en-US" sz="2400" b="0" i="0" u="none" strike="noStrike" cap="none" dirty="0">
               <a:solidFill>
                 <a:schemeClr val="lt1"/>
               </a:solidFill>
@@ -20379,11 +22043,142 @@
               <a:buClr>
                 <a:schemeClr val="lt1"/>
               </a:buClr>
+              <a:buSzPct val="100000"/>
+              <a:buFont typeface="Arial"/>
+              <a:buChar char="•"/>
+            </a:pPr>
+            <a:r>
+              <a:rPr lang="en-US" sz="2400" b="0" i="0" u="none" strike="noStrike" cap="none" dirty="0">
+                <a:solidFill>
+                  <a:schemeClr val="lt1"/>
+                </a:solidFill>
+                <a:latin typeface="Calibri"/>
+                <a:ea typeface="Calibri"/>
+                <a:cs typeface="Calibri"/>
+                <a:sym typeface="Calibri"/>
+              </a:rPr>
+              <a:t> Developers - All</a:t>
+            </a:r>
+          </a:p>
+          <a:p>
+            <a:pPr marL="0" marR="0" lvl="0" indent="0" algn="l" rtl="0">
+              <a:spcBef>
+                <a:spcPts val="1080"/>
+              </a:spcBef>
+              <a:spcAft>
+                <a:spcPts val="0"/>
+              </a:spcAft>
+              <a:buClr>
+                <a:schemeClr val="lt1"/>
+              </a:buClr>
+              <a:buSzPct val="100000"/>
+              <a:buFont typeface="Arial"/>
+              <a:buChar char="•"/>
+            </a:pPr>
+            <a:r>
+              <a:rPr lang="en-US" sz="2400" b="0" i="0" u="none" strike="noStrike" cap="none" dirty="0">
+                <a:solidFill>
+                  <a:schemeClr val="lt1"/>
+                </a:solidFill>
+                <a:latin typeface="Calibri"/>
+                <a:ea typeface="Calibri"/>
+                <a:cs typeface="Calibri"/>
+                <a:sym typeface="Calibri"/>
+              </a:rPr>
+              <a:t> Testers - All</a:t>
+            </a:r>
+          </a:p>
+          <a:p>
+            <a:pPr marL="0" marR="0" lvl="0" indent="0" algn="l" rtl="0">
+              <a:spcBef>
+                <a:spcPts val="1080"/>
+              </a:spcBef>
+              <a:spcAft>
+                <a:spcPts val="0"/>
+              </a:spcAft>
+              <a:buClr>
+                <a:schemeClr val="lt1"/>
+              </a:buClr>
               <a:buSzPct val="25000"/>
               <a:buFont typeface="Arial"/>
               <a:buNone/>
             </a:pPr>
-            <a:endParaRPr sz="2400" b="0" i="0" u="none" strike="noStrike" cap="none">
+            <a:endParaRPr sz="2400" b="0" i="0" u="none" strike="noStrike" cap="none" dirty="0">
+              <a:solidFill>
+                <a:schemeClr val="lt1"/>
+              </a:solidFill>
+              <a:latin typeface="Calibri"/>
+              <a:ea typeface="Calibri"/>
+              <a:cs typeface="Calibri"/>
+              <a:sym typeface="Calibri"/>
+            </a:endParaRPr>
+          </a:p>
+          <a:p>
+            <a:pPr marL="0" marR="0" lvl="0" indent="0" algn="l" rtl="0">
+              <a:spcBef>
+                <a:spcPts val="1080"/>
+              </a:spcBef>
+              <a:spcAft>
+                <a:spcPts val="0"/>
+              </a:spcAft>
+              <a:buClr>
+                <a:schemeClr val="lt1"/>
+              </a:buClr>
+              <a:buSzPct val="25000"/>
+              <a:buFont typeface="Arial"/>
+              <a:buNone/>
+            </a:pPr>
+            <a:endParaRPr sz="2400" b="0" i="0" u="none" strike="noStrike" cap="none" dirty="0">
+              <a:solidFill>
+                <a:schemeClr val="lt1"/>
+              </a:solidFill>
+              <a:latin typeface="Calibri"/>
+              <a:ea typeface="Calibri"/>
+              <a:cs typeface="Calibri"/>
+              <a:sym typeface="Calibri"/>
+            </a:endParaRPr>
+          </a:p>
+          <a:p>
+            <a:pPr marL="0" marR="0" lvl="0" indent="0" algn="l" rtl="0">
+              <a:spcBef>
+                <a:spcPts val="1080"/>
+              </a:spcBef>
+              <a:spcAft>
+                <a:spcPts val="0"/>
+              </a:spcAft>
+              <a:buClr>
+                <a:schemeClr val="lt1"/>
+              </a:buClr>
+              <a:buSzPct val="25000"/>
+              <a:buFont typeface="Arial"/>
+              <a:buNone/>
+            </a:pPr>
+            <a:endParaRPr sz="2400" b="0" i="0" u="none" strike="noStrike" cap="none" dirty="0">
+              <a:solidFill>
+                <a:schemeClr val="lt1"/>
+              </a:solidFill>
+              <a:latin typeface="Calibri"/>
+              <a:ea typeface="Calibri"/>
+              <a:cs typeface="Calibri"/>
+              <a:sym typeface="Calibri"/>
+            </a:endParaRPr>
+          </a:p>
+          <a:p>
+            <a:pPr marL="0" marR="0" lvl="0" indent="0" algn="l" rtl="0">
+              <a:spcBef>
+                <a:spcPts val="1080"/>
+              </a:spcBef>
+              <a:spcAft>
+                <a:spcPts val="0"/>
+              </a:spcAft>
+              <a:buClr>
+                <a:schemeClr val="lt1"/>
+              </a:buClr>
+              <a:buSzPct val="25000"/>
+              <a:buFont typeface="Arial"/>
+              <a:buNone/>
+            </a:pPr>
+            <a:endParaRPr sz="2400" b="0" i="0" u="none" strike="noStrike" cap="none" dirty="0">
               <a:solidFill>
                 <a:schemeClr val="lt1"/>
               </a:solidFill>
@@ -20473,7 +22268,7 @@
 </p:sld>
 </file>
 
-<file path=ppt/slides/slide13.xml><?xml version="1.0" encoding="utf-8"?>
+<file path=ppt/slides/slide16.xml><?xml version="1.0" encoding="utf-8"?>
 <p:sld xmlns:a="http://schemas.openxmlformats.org/drawingml/2006/main" xmlns:r="http://schemas.openxmlformats.org/officeDocument/2006/relationships" xmlns:p="http://schemas.openxmlformats.org/presentationml/2006/main">
   <p:cSld>
     <p:spTree>
@@ -20534,7 +22329,7 @@
               <a:buNone/>
             </a:pPr>
             <a:r>
-              <a:rPr lang="en-US" sz="2400" b="0" i="0" u="none" strike="noStrike" cap="none">
+              <a:rPr lang="en-US" sz="2400" b="0" i="0" u="none" strike="noStrike" cap="none" dirty="0">
                 <a:solidFill>
                   <a:schemeClr val="lt1"/>
                 </a:solidFill>
@@ -20561,7 +22356,7 @@
               <a:buFont typeface="Arial"/>
               <a:buNone/>
             </a:pPr>
-            <a:endParaRPr sz="2400" b="0" i="0" u="none" strike="noStrike" cap="none">
+            <a:endParaRPr sz="2400" b="0" i="0" u="none" strike="noStrike" cap="none" dirty="0">
               <a:solidFill>
                 <a:schemeClr val="lt1"/>
               </a:solidFill>
@@ -20587,7 +22382,7 @@
               <a:buNone/>
             </a:pPr>
             <a:r>
-              <a:rPr lang="en-US" sz="2400" b="0" i="0" u="none" strike="noStrike" cap="none">
+              <a:rPr lang="en-US" sz="2400" b="0" i="0" u="none" strike="noStrike" cap="none" dirty="0">
                 <a:solidFill>
                   <a:schemeClr val="lt1"/>
                 </a:solidFill>
@@ -20614,7 +22409,7 @@
               <a:buFont typeface="Arial"/>
               <a:buNone/>
             </a:pPr>
-            <a:endParaRPr sz="2400" b="0" i="0" u="none" strike="noStrike" cap="none">
+            <a:endParaRPr sz="2400" b="0" i="0" u="none" strike="noStrike" cap="none" dirty="0">
               <a:solidFill>
                 <a:schemeClr val="lt1"/>
               </a:solidFill>
@@ -20639,7 +22434,7 @@
               <a:buFont typeface="Arial"/>
               <a:buNone/>
             </a:pPr>
-            <a:endParaRPr sz="2400" b="0" i="0" u="none" strike="noStrike" cap="none">
+            <a:endParaRPr sz="2400" b="0" i="0" u="none" strike="noStrike" cap="none" dirty="0">
               <a:solidFill>
                 <a:schemeClr val="lt1"/>
               </a:solidFill>
@@ -20664,7 +22459,7 @@
               <a:buFont typeface="Arial"/>
               <a:buNone/>
             </a:pPr>
-            <a:endParaRPr sz="2400" b="0" i="0" u="none" strike="noStrike" cap="none">
+            <a:endParaRPr sz="2400" b="0" i="0" u="none" strike="noStrike" cap="none" dirty="0">
               <a:solidFill>
                 <a:schemeClr val="lt1"/>
               </a:solidFill>
@@ -20689,7 +22484,7 @@
               <a:buFont typeface="Arial"/>
               <a:buNone/>
             </a:pPr>
-            <a:endParaRPr sz="2400" b="0" i="0" u="none" strike="noStrike" cap="none">
+            <a:endParaRPr sz="2400" b="0" i="0" u="none" strike="noStrike" cap="none" dirty="0">
               <a:solidFill>
                 <a:schemeClr val="lt1"/>
               </a:solidFill>
@@ -20779,7 +22574,7 @@
 </p:sld>
 </file>
 
-<file path=ppt/slides/slide14.xml><?xml version="1.0" encoding="utf-8"?>
+<file path=ppt/slides/slide17.xml><?xml version="1.0" encoding="utf-8"?>
 <p:sld xmlns:a="http://schemas.openxmlformats.org/drawingml/2006/main" xmlns:r="http://schemas.openxmlformats.org/officeDocument/2006/relationships" xmlns:p="http://schemas.openxmlformats.org/presentationml/2006/main">
   <p:cSld>
     <p:spTree>
@@ -20839,7 +22634,7 @@
               <a:buFont typeface="Arial"/>
               <a:buNone/>
             </a:pPr>
-            <a:endParaRPr sz="2400" b="0" i="0" u="none" strike="noStrike" cap="none">
+            <a:endParaRPr sz="2400" b="0" i="0" u="none" strike="noStrike" cap="none" dirty="0">
               <a:solidFill>
                 <a:schemeClr val="lt1"/>
               </a:solidFill>
@@ -20864,7 +22659,7 @@
               <a:buFont typeface="Arial"/>
               <a:buNone/>
             </a:pPr>
-            <a:endParaRPr sz="2400" b="0" i="0" u="none" strike="noStrike" cap="none">
+            <a:endParaRPr sz="2400" b="0" i="0" u="none" strike="noStrike" cap="none" dirty="0">
               <a:solidFill>
                 <a:schemeClr val="lt1"/>
               </a:solidFill>
@@ -20889,7 +22684,7 @@
               <a:buFont typeface="Arial"/>
               <a:buNone/>
             </a:pPr>
-            <a:endParaRPr sz="2400" b="0" i="0" u="none" strike="noStrike" cap="none">
+            <a:endParaRPr sz="2400" b="0" i="0" u="none" strike="noStrike" cap="none" dirty="0">
               <a:solidFill>
                 <a:schemeClr val="lt1"/>
               </a:solidFill>
@@ -20914,7 +22709,7 @@
               <a:buFont typeface="Arial"/>
               <a:buNone/>
             </a:pPr>
-            <a:endParaRPr sz="2400" b="0" i="0" u="none" strike="noStrike" cap="none">
+            <a:endParaRPr sz="2400" b="0" i="0" u="none" strike="noStrike" cap="none" dirty="0">
               <a:solidFill>
                 <a:schemeClr val="lt1"/>
               </a:solidFill>
@@ -20939,7 +22734,7 @@
               <a:buFont typeface="Arial"/>
               <a:buNone/>
             </a:pPr>
-            <a:endParaRPr sz="2400" b="0" i="0" u="none" strike="noStrike" cap="none">
+            <a:endParaRPr sz="2400" b="0" i="0" u="none" strike="noStrike" cap="none" dirty="0">
               <a:solidFill>
                 <a:schemeClr val="lt1"/>
               </a:solidFill>
@@ -21041,7 +22836,7 @@
 </p:sld>
 </file>
 
-<file path=ppt/slides/slide15.xml><?xml version="1.0" encoding="utf-8"?>
+<file path=ppt/slides/slide18.xml><?xml version="1.0" encoding="utf-8"?>
 <p:sld xmlns:a="http://schemas.openxmlformats.org/drawingml/2006/main" xmlns:r="http://schemas.openxmlformats.org/officeDocument/2006/relationships" xmlns:p="http://schemas.openxmlformats.org/presentationml/2006/main">
   <p:cSld>
     <p:spTree>
@@ -21292,8 +23087,8 @@
         </p:nvSpPr>
         <p:spPr>
           <a:xfrm>
-            <a:off x="0" y="998933"/>
-            <a:ext cx="9201003" cy="5310793"/>
+            <a:off x="0" y="887105"/>
+            <a:ext cx="9201003" cy="5422622"/>
           </a:xfrm>
           <a:prstGeom prst="rect">
             <a:avLst/>
@@ -21324,7 +23119,7 @@
               <a:buNone/>
             </a:pPr>
             <a:r>
-              <a:rPr lang="en-US" sz="2400" b="0" i="0" u="none" strike="noStrike" cap="none">
+              <a:rPr lang="en-US" sz="2400" b="0" i="0" u="none" strike="noStrike" cap="none" dirty="0">
                 <a:solidFill>
                   <a:schemeClr val="lt1"/>
                 </a:solidFill>
@@ -21351,7 +23146,7 @@
               <a:buFont typeface="Arial"/>
               <a:buNone/>
             </a:pPr>
-            <a:endParaRPr sz="2400" b="0" i="0" u="none" strike="noStrike" cap="none">
+            <a:endParaRPr sz="2400" b="0" i="0" u="none" strike="noStrike" cap="none" dirty="0">
               <a:solidFill>
                 <a:schemeClr val="lt1"/>
               </a:solidFill>
@@ -21377,7 +23172,7 @@
               <a:buNone/>
             </a:pPr>
             <a:r>
-              <a:rPr lang="en-US" sz="2400" b="0" i="0" u="none" strike="noStrike" cap="none">
+              <a:rPr lang="en-US" sz="2400" b="0" i="0" u="none" strike="noStrike" cap="none" dirty="0">
                 <a:solidFill>
                   <a:schemeClr val="lt1"/>
                 </a:solidFill>
@@ -21404,7 +23199,7 @@
               <a:buFont typeface="Arial"/>
               <a:buNone/>
             </a:pPr>
-            <a:endParaRPr sz="2400" b="0" i="0" u="none" strike="noStrike" cap="none">
+            <a:endParaRPr sz="2400" b="0" i="0" u="none" strike="noStrike" cap="none" dirty="0">
               <a:solidFill>
                 <a:schemeClr val="lt1"/>
               </a:solidFill>
@@ -21430,13 +23225,11 @@
               <a:buNone/>
             </a:pPr>
             <a:r>
-              <a:rPr lang="en-US" sz="2400" b="0" i="0" u="none" strike="noStrike" cap="none">
-                <a:solidFill>
-                  <a:schemeClr val="lt1"/>
-                </a:solidFill>
-                <a:latin typeface="Calibri"/>
-                <a:ea typeface="Calibri"/>
-                <a:cs typeface="Calibri"/>
+              <a:rPr lang="en-US" sz="2400" b="0" i="0" u="none" strike="noStrike" cap="none" dirty="0">
+                <a:solidFill>
+                  <a:schemeClr val="lt1"/>
+                </a:solidFill>
+                <a:latin typeface="Roboto"/>
                 <a:sym typeface="Calibri"/>
               </a:rPr>
               <a:t>Research</a:t>
@@ -21457,7 +23250,7 @@
               <a:buFont typeface="Arial"/>
               <a:buNone/>
             </a:pPr>
-            <a:endParaRPr sz="2400" b="0" i="0" u="none" strike="noStrike" cap="none">
+            <a:endParaRPr sz="2400" b="0" i="0" u="none" strike="noStrike" cap="none" dirty="0">
               <a:solidFill>
                 <a:schemeClr val="lt1"/>
               </a:solidFill>
@@ -21483,7 +23276,7 @@
               <a:buNone/>
             </a:pPr>
             <a:r>
-              <a:rPr lang="en-US" sz="2400" b="0" i="0" u="none" strike="noStrike" cap="none">
+              <a:rPr lang="en-US" sz="2400" b="0" i="0" u="none" strike="noStrike" cap="none" dirty="0">
                 <a:solidFill>
                   <a:schemeClr val="lt1"/>
                 </a:solidFill>
@@ -21510,7 +23303,7 @@
               <a:buFont typeface="Arial"/>
               <a:buNone/>
             </a:pPr>
-            <a:endParaRPr sz="2400" b="0" i="0" u="none" strike="noStrike" cap="none">
+            <a:endParaRPr sz="2400" b="0" i="0" u="none" strike="noStrike" cap="none" dirty="0">
               <a:solidFill>
                 <a:schemeClr val="lt1"/>
               </a:solidFill>
@@ -21536,7 +23329,7 @@
               <a:buNone/>
             </a:pPr>
             <a:r>
-              <a:rPr lang="en-US" sz="2400" b="0" i="0" u="none" strike="noStrike" cap="none">
+              <a:rPr lang="en-US" sz="2400" b="0" i="0" u="none" strike="noStrike" cap="none" dirty="0">
                 <a:solidFill>
                   <a:schemeClr val="lt1"/>
                 </a:solidFill>
@@ -21545,25 +23338,21 @@
                 <a:cs typeface="Calibri"/>
                 <a:sym typeface="Calibri"/>
               </a:rPr>
-              <a:t>Project Plan</a:t>
+              <a:t>Project </a:t>
             </a:r>
-          </a:p>
-          <a:p>
-            <a:pPr marL="0" marR="0" lvl="0" indent="0" algn="l" rtl="0">
-              <a:spcBef>
-                <a:spcPts val="1080"/>
-              </a:spcBef>
-              <a:spcAft>
-                <a:spcPts val="0"/>
-              </a:spcAft>
-              <a:buClr>
-                <a:schemeClr val="lt1"/>
-              </a:buClr>
-              <a:buSzPct val="25000"/>
-              <a:buFont typeface="Arial"/>
-              <a:buNone/>
-            </a:pPr>
-            <a:endParaRPr sz="2400" b="0" i="0" u="none" strike="noStrike" cap="none">
+            <a:r>
+              <a:rPr lang="en-US" sz="2400" b="0" i="0" u="none" strike="noStrike" cap="none" dirty="0" smtClean="0">
+                <a:solidFill>
+                  <a:schemeClr val="lt1"/>
+                </a:solidFill>
+                <a:latin typeface="Calibri"/>
+                <a:ea typeface="Calibri"/>
+                <a:cs typeface="Calibri"/>
+                <a:sym typeface="Calibri"/>
+              </a:rPr>
+              <a:t>Plan</a:t>
+            </a:r>
+            <a:endParaRPr lang="en-US" sz="2400" b="0" i="0" u="none" strike="noStrike" cap="none" dirty="0">
               <a:solidFill>
                 <a:schemeClr val="lt1"/>
               </a:solidFill>
@@ -21588,35 +23377,7 @@
               <a:buFont typeface="Arial"/>
               <a:buNone/>
             </a:pPr>
-            <a:r>
-              <a:rPr lang="en-US" sz="2400" b="0" i="0" u="none" strike="noStrike" cap="none">
-                <a:solidFill>
-                  <a:schemeClr val="lt1"/>
-                </a:solidFill>
-                <a:latin typeface="Calibri"/>
-                <a:ea typeface="Calibri"/>
-                <a:cs typeface="Calibri"/>
-                <a:sym typeface="Calibri"/>
-              </a:rPr>
-              <a:t>Conclusion</a:t>
-            </a:r>
-          </a:p>
-          <a:p>
-            <a:pPr marL="0" marR="0" lvl="0" indent="0" algn="l" rtl="0">
-              <a:spcBef>
-                <a:spcPts val="1080"/>
-              </a:spcBef>
-              <a:spcAft>
-                <a:spcPts val="0"/>
-              </a:spcAft>
-              <a:buClr>
-                <a:schemeClr val="lt1"/>
-              </a:buClr>
-              <a:buSzPct val="25000"/>
-              <a:buFont typeface="Arial"/>
-              <a:buNone/>
-            </a:pPr>
-            <a:endParaRPr sz="2400" b="0" i="0" u="none" strike="noStrike" cap="none">
+            <a:endParaRPr sz="2400" b="0" i="0" u="none" strike="noStrike" cap="none" dirty="0">
               <a:solidFill>
                 <a:schemeClr val="lt1"/>
               </a:solidFill>
@@ -21641,7 +23402,35 @@
               <a:buFont typeface="Arial"/>
               <a:buNone/>
             </a:pPr>
-            <a:endParaRPr sz="2400" b="0" i="0" u="none" strike="noStrike" cap="none">
+            <a:r>
+              <a:rPr lang="en-US" sz="2400" b="0" i="0" u="none" strike="noStrike" cap="none" dirty="0">
+                <a:solidFill>
+                  <a:schemeClr val="lt1"/>
+                </a:solidFill>
+                <a:latin typeface="Calibri"/>
+                <a:ea typeface="Calibri"/>
+                <a:cs typeface="Calibri"/>
+                <a:sym typeface="Calibri"/>
+              </a:rPr>
+              <a:t>Conclusion</a:t>
+            </a:r>
+          </a:p>
+          <a:p>
+            <a:pPr marL="0" marR="0" lvl="0" indent="0" algn="l" rtl="0">
+              <a:spcBef>
+                <a:spcPts val="1080"/>
+              </a:spcBef>
+              <a:spcAft>
+                <a:spcPts val="0"/>
+              </a:spcAft>
+              <a:buClr>
+                <a:schemeClr val="lt1"/>
+              </a:buClr>
+              <a:buSzPct val="25000"/>
+              <a:buFont typeface="Arial"/>
+              <a:buNone/>
+            </a:pPr>
+            <a:endParaRPr sz="2400" b="0" i="0" u="none" strike="noStrike" cap="none" dirty="0">
               <a:solidFill>
                 <a:schemeClr val="lt1"/>
               </a:solidFill>
@@ -21666,7 +23455,32 @@
               <a:buFont typeface="Arial"/>
               <a:buNone/>
             </a:pPr>
-            <a:endParaRPr sz="2400" b="0" i="0" u="none" strike="noStrike" cap="none">
+            <a:endParaRPr sz="2400" b="0" i="0" u="none" strike="noStrike" cap="none" dirty="0">
+              <a:solidFill>
+                <a:schemeClr val="lt1"/>
+              </a:solidFill>
+              <a:latin typeface="Calibri"/>
+              <a:ea typeface="Calibri"/>
+              <a:cs typeface="Calibri"/>
+              <a:sym typeface="Calibri"/>
+            </a:endParaRPr>
+          </a:p>
+          <a:p>
+            <a:pPr marL="0" marR="0" lvl="0" indent="0" algn="l" rtl="0">
+              <a:spcBef>
+                <a:spcPts val="1080"/>
+              </a:spcBef>
+              <a:spcAft>
+                <a:spcPts val="0"/>
+              </a:spcAft>
+              <a:buClr>
+                <a:schemeClr val="lt1"/>
+              </a:buClr>
+              <a:buSzPct val="25000"/>
+              <a:buFont typeface="Arial"/>
+              <a:buNone/>
+            </a:pPr>
+            <a:endParaRPr sz="2400" b="0" i="0" u="none" strike="noStrike" cap="none" dirty="0">
               <a:solidFill>
                 <a:schemeClr val="lt1"/>
               </a:solidFill>
@@ -21841,7 +23655,7 @@
               <a:buNone/>
             </a:pPr>
             <a:r>
-              <a:rPr lang="en-US" sz="2400" b="0" i="0" u="none" strike="noStrike" cap="none">
+              <a:rPr lang="en-US" sz="2400" b="0" i="0" u="none" strike="noStrike" cap="none" dirty="0">
                 <a:solidFill>
                   <a:schemeClr val="lt1"/>
                 </a:solidFill>
@@ -21869,7 +23683,7 @@
               <a:buChar char="•"/>
             </a:pPr>
             <a:r>
-              <a:rPr lang="en-US" sz="2100" b="0" i="0" u="none" strike="noStrike" cap="none">
+              <a:rPr lang="en-US" sz="2100" b="0" i="0" u="none" strike="noStrike" cap="none" dirty="0">
                 <a:solidFill>
                   <a:schemeClr val="lt1"/>
                 </a:solidFill>
@@ -21897,7 +23711,7 @@
               <a:buChar char="•"/>
             </a:pPr>
             <a:r>
-              <a:rPr lang="en-US" sz="2100" b="0" i="0" u="none" strike="noStrike" cap="none">
+              <a:rPr lang="en-US" sz="2100" b="0" i="0" u="none" strike="noStrike" cap="none" dirty="0">
                 <a:solidFill>
                   <a:schemeClr val="lt1"/>
                 </a:solidFill>
@@ -21924,7 +23738,7 @@
               <a:buFont typeface="Arial"/>
               <a:buNone/>
             </a:pPr>
-            <a:endParaRPr sz="2400" b="0" i="0" u="none" strike="noStrike" cap="none">
+            <a:endParaRPr sz="2400" b="0" i="0" u="none" strike="noStrike" cap="none" dirty="0">
               <a:solidFill>
                 <a:schemeClr val="lt1"/>
               </a:solidFill>
@@ -21950,7 +23764,7 @@
               <a:buNone/>
             </a:pPr>
             <a:r>
-              <a:rPr lang="en-US" sz="2400" b="0" i="0" u="none" strike="noStrike" cap="none">
+              <a:rPr lang="en-US" sz="2400" b="0" i="0" u="none" strike="noStrike" cap="none" dirty="0">
                 <a:solidFill>
                   <a:schemeClr val="lt1"/>
                 </a:solidFill>
@@ -21978,7 +23792,7 @@
               <a:buChar char="•"/>
             </a:pPr>
             <a:r>
-              <a:rPr lang="en-US" sz="2100" b="0" i="0" u="none" strike="noStrike" cap="none">
+              <a:rPr lang="en-US" sz="2100" b="0" i="0" u="none" strike="noStrike" cap="none" dirty="0">
                 <a:solidFill>
                   <a:schemeClr val="lt1"/>
                 </a:solidFill>
@@ -22006,7 +23820,7 @@
               <a:buChar char="•"/>
             </a:pPr>
             <a:r>
-              <a:rPr lang="en-US" sz="2100" b="0" i="0" u="none" strike="noStrike" cap="none">
+              <a:rPr lang="en-US" sz="2100" b="0" i="0" u="none" strike="noStrike" cap="none" dirty="0">
                 <a:solidFill>
                   <a:schemeClr val="lt1"/>
                 </a:solidFill>
@@ -22033,7 +23847,7 @@
               <a:buFont typeface="Merriweather Sans"/>
               <a:buNone/>
             </a:pPr>
-            <a:endParaRPr sz="2100" b="0" i="0" u="none" strike="noStrike" cap="none">
+            <a:endParaRPr sz="2100" b="0" i="0" u="none" strike="noStrike" cap="none" dirty="0">
               <a:solidFill>
                 <a:schemeClr val="lt1"/>
               </a:solidFill>
@@ -22058,7 +23872,7 @@
               <a:buFont typeface="Arial"/>
               <a:buNone/>
             </a:pPr>
-            <a:endParaRPr sz="2400" b="0" i="0" u="none" strike="noStrike" cap="none">
+            <a:endParaRPr sz="2400" b="0" i="0" u="none" strike="noStrike" cap="none" dirty="0">
               <a:solidFill>
                 <a:schemeClr val="lt1"/>
               </a:solidFill>
@@ -22083,7 +23897,7 @@
               <a:buFont typeface="Arial"/>
               <a:buNone/>
             </a:pPr>
-            <a:endParaRPr sz="2400" b="0" i="0" u="none" strike="noStrike" cap="none">
+            <a:endParaRPr sz="2400" b="0" i="0" u="none" strike="noStrike" cap="none" dirty="0">
               <a:solidFill>
                 <a:schemeClr val="lt1"/>
               </a:solidFill>
@@ -22108,7 +23922,7 @@
               <a:buFont typeface="Arial"/>
               <a:buNone/>
             </a:pPr>
-            <a:endParaRPr sz="2400" b="0" i="0" u="none" strike="noStrike" cap="none">
+            <a:endParaRPr sz="2400" b="0" i="0" u="none" strike="noStrike" cap="none" dirty="0">
               <a:solidFill>
                 <a:schemeClr val="lt1"/>
               </a:solidFill>
@@ -22133,7 +23947,7 @@
               <a:buFont typeface="Arial"/>
               <a:buNone/>
             </a:pPr>
-            <a:endParaRPr sz="2400" b="0" i="0" u="none" strike="noStrike" cap="none">
+            <a:endParaRPr sz="2400" b="0" i="0" u="none" strike="noStrike" cap="none" dirty="0">
               <a:solidFill>
                 <a:schemeClr val="lt1"/>
               </a:solidFill>
@@ -22221,6 +24035,279 @@
 </file>
 
 <file path=ppt/slides/slide4.xml><?xml version="1.0" encoding="utf-8"?>
+<p:sld xmlns:a="http://schemas.openxmlformats.org/drawingml/2006/main" xmlns:r="http://schemas.openxmlformats.org/officeDocument/2006/relationships" xmlns:p="http://schemas.openxmlformats.org/presentationml/2006/main">
+  <p:cSld>
+    <p:spTree>
+      <p:nvGrpSpPr>
+        <p:cNvPr id="1" name="Shape 143"/>
+        <p:cNvGrpSpPr/>
+        <p:nvPr/>
+      </p:nvGrpSpPr>
+      <p:grpSpPr>
+        <a:xfrm>
+          <a:off x="0" y="0"/>
+          <a:ext cx="0" cy="0"/>
+          <a:chOff x="0" y="0"/>
+          <a:chExt cx="0" cy="0"/>
+        </a:xfrm>
+      </p:grpSpPr>
+      <p:sp>
+        <p:nvSpPr>
+          <p:cNvPr id="144" name="Shape 144"/>
+          <p:cNvSpPr txBox="1">
+            <a:spLocks noGrp="1"/>
+          </p:cNvSpPr>
+          <p:nvPr>
+            <p:ph type="body" idx="1"/>
+          </p:nvPr>
+        </p:nvSpPr>
+        <p:spPr>
+          <a:xfrm>
+            <a:off x="0" y="780608"/>
+            <a:ext cx="9143998" cy="5487565"/>
+          </a:xfrm>
+          <a:prstGeom prst="rect">
+            <a:avLst/>
+          </a:prstGeom>
+          <a:noFill/>
+          <a:ln>
+            <a:noFill/>
+          </a:ln>
+        </p:spPr>
+        <p:txBody>
+          <a:bodyPr lIns="274300" tIns="45700" rIns="274300" bIns="45700" anchor="t" anchorCtr="0">
+            <a:noAutofit/>
+          </a:bodyPr>
+          <a:lstStyle/>
+          <a:p>
+            <a:r>
+              <a:rPr lang="en-US" sz="2000" dirty="0" smtClean="0"/>
+              <a:t>Diphtheria </a:t>
+            </a:r>
+            <a:r>
+              <a:rPr lang="en-US" sz="2000" dirty="0"/>
+              <a:t>is a serious disease caused by bacteria. There are four combination vaccines used to prevent diphtheria. </a:t>
+            </a:r>
+          </a:p>
+          <a:p>
+            <a:r>
+              <a:rPr lang="en-US" sz="2000" dirty="0"/>
+              <a:t>According to GeoSentinel, the number of travelers with likely exposure to  Diphtheria ranged from less than 100 to over 1000 people in places like Mexico, South America, India, and parts of Southeast Asia. </a:t>
+            </a:r>
+          </a:p>
+          <a:p>
+            <a:pPr marL="0" marR="0" lvl="0" indent="0" algn="l" rtl="0">
+              <a:spcBef>
+                <a:spcPts val="1080"/>
+              </a:spcBef>
+              <a:spcAft>
+                <a:spcPts val="0"/>
+              </a:spcAft>
+              <a:buClr>
+                <a:schemeClr val="lt1"/>
+              </a:buClr>
+              <a:buSzPct val="25000"/>
+              <a:buFont typeface="Arial"/>
+              <a:buNone/>
+            </a:pPr>
+            <a:endParaRPr sz="2400" b="0" i="0" u="none" strike="noStrike" cap="none" dirty="0">
+              <a:solidFill>
+                <a:schemeClr val="lt1"/>
+              </a:solidFill>
+              <a:latin typeface="Calibri"/>
+              <a:ea typeface="Calibri"/>
+              <a:cs typeface="Calibri"/>
+              <a:sym typeface="Calibri"/>
+            </a:endParaRPr>
+          </a:p>
+          <a:p>
+            <a:pPr marL="0" marR="0" lvl="0" indent="0" algn="l" rtl="0">
+              <a:spcBef>
+                <a:spcPts val="1080"/>
+              </a:spcBef>
+              <a:spcAft>
+                <a:spcPts val="0"/>
+              </a:spcAft>
+              <a:buClr>
+                <a:schemeClr val="lt1"/>
+              </a:buClr>
+              <a:buSzPct val="25000"/>
+              <a:buFont typeface="Arial"/>
+              <a:buNone/>
+            </a:pPr>
+            <a:endParaRPr sz="2400" b="0" i="0" u="none" strike="noStrike" cap="none" dirty="0">
+              <a:solidFill>
+                <a:schemeClr val="lt1"/>
+              </a:solidFill>
+              <a:latin typeface="Calibri"/>
+              <a:ea typeface="Calibri"/>
+              <a:cs typeface="Calibri"/>
+              <a:sym typeface="Calibri"/>
+            </a:endParaRPr>
+          </a:p>
+          <a:p>
+            <a:pPr marL="0" marR="0" lvl="0" indent="0" algn="l" rtl="0">
+              <a:spcBef>
+                <a:spcPts val="1080"/>
+              </a:spcBef>
+              <a:spcAft>
+                <a:spcPts val="0"/>
+              </a:spcAft>
+              <a:buClr>
+                <a:schemeClr val="lt1"/>
+              </a:buClr>
+              <a:buSzPct val="25000"/>
+              <a:buFont typeface="Arial"/>
+              <a:buNone/>
+            </a:pPr>
+            <a:endParaRPr sz="2400" b="0" i="0" u="none" strike="noStrike" cap="none" dirty="0">
+              <a:solidFill>
+                <a:schemeClr val="lt1"/>
+              </a:solidFill>
+              <a:latin typeface="Calibri"/>
+              <a:ea typeface="Calibri"/>
+              <a:cs typeface="Calibri"/>
+              <a:sym typeface="Calibri"/>
+            </a:endParaRPr>
+          </a:p>
+          <a:p>
+            <a:pPr marL="0" marR="0" lvl="0" indent="0" algn="l" rtl="0">
+              <a:spcBef>
+                <a:spcPts val="1080"/>
+              </a:spcBef>
+              <a:spcAft>
+                <a:spcPts val="0"/>
+              </a:spcAft>
+              <a:buClr>
+                <a:schemeClr val="lt1"/>
+              </a:buClr>
+              <a:buSzPct val="25000"/>
+              <a:buFont typeface="Arial"/>
+              <a:buNone/>
+            </a:pPr>
+            <a:endParaRPr sz="2400" b="0" i="0" u="none" strike="noStrike" cap="none" dirty="0">
+              <a:solidFill>
+                <a:schemeClr val="lt1"/>
+              </a:solidFill>
+              <a:latin typeface="Calibri"/>
+              <a:ea typeface="Calibri"/>
+              <a:cs typeface="Calibri"/>
+              <a:sym typeface="Calibri"/>
+            </a:endParaRPr>
+          </a:p>
+        </p:txBody>
+      </p:sp>
+      <p:sp>
+        <p:nvSpPr>
+          <p:cNvPr id="145" name="Shape 145"/>
+          <p:cNvSpPr txBox="1">
+            <a:spLocks noGrp="1"/>
+          </p:cNvSpPr>
+          <p:nvPr>
+            <p:ph type="title"/>
+          </p:nvPr>
+        </p:nvSpPr>
+        <p:spPr>
+          <a:xfrm>
+            <a:off x="0" y="0"/>
+            <a:ext cx="9144000" cy="991351"/>
+          </a:xfrm>
+          <a:prstGeom prst="rect">
+            <a:avLst/>
+          </a:prstGeom>
+          <a:noFill/>
+          <a:ln>
+            <a:noFill/>
+          </a:ln>
+        </p:spPr>
+        <p:txBody>
+          <a:bodyPr lIns="274300" tIns="45700" rIns="91425" bIns="45700" anchor="ctr" anchorCtr="0">
+            <a:noAutofit/>
+          </a:bodyPr>
+          <a:lstStyle/>
+          <a:p>
+            <a:pPr marL="0" marR="0" lvl="0" indent="0" algn="ctr" rtl="0">
+              <a:spcBef>
+                <a:spcPts val="0"/>
+              </a:spcBef>
+              <a:buClr>
+                <a:srgbClr val="EEB211"/>
+              </a:buClr>
+              <a:buSzPct val="25000"/>
+              <a:buFont typeface="Calibri"/>
+              <a:buNone/>
+            </a:pPr>
+            <a:r>
+              <a:rPr lang="en-US" sz="2400" b="0" i="0" u="none" strike="noStrike" cap="none" dirty="0" smtClean="0">
+                <a:solidFill>
+                  <a:srgbClr val="EEB211"/>
+                </a:solidFill>
+                <a:latin typeface="Calibri"/>
+                <a:ea typeface="Calibri"/>
+                <a:cs typeface="Calibri"/>
+                <a:sym typeface="Calibri"/>
+              </a:rPr>
+              <a:t>EXAMPLE</a:t>
+            </a:r>
+            <a:endParaRPr lang="en-US" sz="2400" b="0" i="0" u="none" strike="noStrike" cap="none" dirty="0">
+              <a:solidFill>
+                <a:srgbClr val="EEB211"/>
+              </a:solidFill>
+              <a:latin typeface="Calibri"/>
+              <a:ea typeface="Calibri"/>
+              <a:cs typeface="Calibri"/>
+              <a:sym typeface="Calibri"/>
+            </a:endParaRPr>
+          </a:p>
+        </p:txBody>
+      </p:sp>
+      <p:pic>
+        <p:nvPicPr>
+          <p:cNvPr id="4" name="Picture 3" descr="Map1.png"/>
+          <p:cNvPicPr>
+            <a:picLocks noChangeAspect="1"/>
+          </p:cNvPicPr>
+          <p:nvPr/>
+        </p:nvPicPr>
+        <p:blipFill>
+          <a:blip r:embed="rId3">
+            <a:extLst>
+              <a:ext uri="{28A0092B-C50C-407E-A947-70E740481C1C}">
+                <a14:useLocalDpi xmlns:a14="http://schemas.microsoft.com/office/drawing/2010/main" val="0"/>
+              </a:ext>
+            </a:extLst>
+          </a:blip>
+          <a:stretch>
+            <a:fillRect/>
+          </a:stretch>
+        </p:blipFill>
+        <p:spPr>
+          <a:xfrm>
+            <a:off x="1666927" y="2590002"/>
+            <a:ext cx="5828573" cy="3518703"/>
+          </a:xfrm>
+          <a:prstGeom prst="rect">
+            <a:avLst/>
+          </a:prstGeom>
+        </p:spPr>
+      </p:pic>
+    </p:spTree>
+    <p:extLst>
+      <p:ext uri="{BB962C8B-B14F-4D97-AF65-F5344CB8AC3E}">
+        <p14:creationId xmlns:p14="http://schemas.microsoft.com/office/powerpoint/2010/main" val="1599937218"/>
+      </p:ext>
+    </p:extLst>
+  </p:cSld>
+  <p:clrMapOvr>
+    <a:masterClrMapping/>
+  </p:clrMapOvr>
+  <p:transition xmlns:p14="http://schemas.microsoft.com/office/powerpoint/2010/main" spd="slow">
+    <p:cut/>
+  </p:transition>
+</p:sld>
+</file>
+
+<file path=ppt/slides/slide5.xml><?xml version="1.0" encoding="utf-8"?>
 <p:sld xmlns:a="http://schemas.openxmlformats.org/drawingml/2006/main" xmlns:r="http://schemas.openxmlformats.org/officeDocument/2006/relationships" xmlns:p="http://schemas.openxmlformats.org/presentationml/2006/main">
   <p:cSld>
     <p:spTree>
@@ -22321,7 +24408,7 @@
               <a:t>Create a user-friendly web-based interface (</a:t>
             </a:r>
             <a:r>
-              <a:rPr lang="en-US" sz="2100" b="0" i="0" u="none" strike="noStrike" cap="none" dirty="0" err="1" smtClean="0">
+              <a:rPr lang="en-US" sz="2100" b="0" i="0" u="none" strike="noStrike" cap="none" dirty="0" smtClean="0">
                 <a:solidFill>
                   <a:schemeClr val="lt1"/>
                 </a:solidFill>
@@ -22330,74 +24417,9 @@
                 <a:cs typeface="Calibri"/>
                 <a:sym typeface="Calibri"/>
               </a:rPr>
-              <a:t>SafeTravels</a:t>
-            </a:r>
-            <a:r>
-              <a:rPr lang="en-US" sz="2100" b="0" i="0" u="none" strike="noStrike" cap="none" dirty="0" smtClean="0">
-                <a:solidFill>
-                  <a:schemeClr val="lt1"/>
-                </a:solidFill>
-                <a:latin typeface="Calibri"/>
-                <a:ea typeface="Calibri"/>
-                <a:cs typeface="Calibri"/>
-                <a:sym typeface="Calibri"/>
-              </a:rPr>
-              <a:t>) </a:t>
+              <a:t>SafeTravels) </a:t>
             </a:r>
             <a:endParaRPr lang="en-US" sz="2100" b="0" i="0" u="none" strike="noStrike" cap="none" dirty="0">
-              <a:solidFill>
-                <a:schemeClr val="lt1"/>
-              </a:solidFill>
-              <a:latin typeface="Calibri"/>
-              <a:ea typeface="Calibri"/>
-              <a:cs typeface="Calibri"/>
-              <a:sym typeface="Calibri"/>
-            </a:endParaRPr>
-          </a:p>
-          <a:p>
-            <a:pPr marL="466344" marR="0" lvl="1" indent="-288544" algn="l" rtl="0">
-              <a:spcBef>
-                <a:spcPts val="1020"/>
-              </a:spcBef>
-              <a:spcAft>
-                <a:spcPts val="0"/>
-              </a:spcAft>
-              <a:buClr>
-                <a:schemeClr val="lt1"/>
-              </a:buClr>
-              <a:buSzPct val="100000"/>
-              <a:buFont typeface="Merriweather Sans"/>
-              <a:buChar char="•"/>
-            </a:pPr>
-            <a:r>
-              <a:rPr lang="en-US" sz="2100" b="0" i="0" u="none" strike="noStrike" cap="none" dirty="0">
-                <a:solidFill>
-                  <a:schemeClr val="lt1"/>
-                </a:solidFill>
-                <a:latin typeface="Calibri"/>
-                <a:ea typeface="Calibri"/>
-                <a:cs typeface="Calibri"/>
-                <a:sym typeface="Calibri"/>
-              </a:rPr>
-              <a:t>Downloadable app on smart phone (Android ? )</a:t>
-            </a:r>
-          </a:p>
-          <a:p>
-            <a:pPr marL="0" marR="0" lvl="0" indent="0" algn="l" rtl="0">
-              <a:spcBef>
-                <a:spcPts val="1080"/>
-              </a:spcBef>
-              <a:spcAft>
-                <a:spcPts val="0"/>
-              </a:spcAft>
-              <a:buClr>
-                <a:schemeClr val="lt1"/>
-              </a:buClr>
-              <a:buSzPct val="25000"/>
-              <a:buFont typeface="Arial"/>
-              <a:buNone/>
-            </a:pPr>
-            <a:endParaRPr sz="2400" b="0" i="0" u="none" strike="noStrike" cap="none" dirty="0">
               <a:solidFill>
                 <a:schemeClr val="lt1"/>
               </a:solidFill>
@@ -22422,6 +24444,31 @@
               <a:buFont typeface="Arial"/>
               <a:buNone/>
             </a:pPr>
+            <a:endParaRPr sz="2400" b="0" i="0" u="none" strike="noStrike" cap="none" dirty="0">
+              <a:solidFill>
+                <a:schemeClr val="lt1"/>
+              </a:solidFill>
+              <a:latin typeface="Calibri"/>
+              <a:ea typeface="Calibri"/>
+              <a:cs typeface="Calibri"/>
+              <a:sym typeface="Calibri"/>
+            </a:endParaRPr>
+          </a:p>
+          <a:p>
+            <a:pPr marL="0" marR="0" lvl="0" indent="0" algn="l" rtl="0">
+              <a:spcBef>
+                <a:spcPts val="1080"/>
+              </a:spcBef>
+              <a:spcAft>
+                <a:spcPts val="0"/>
+              </a:spcAft>
+              <a:buClr>
+                <a:schemeClr val="lt1"/>
+              </a:buClr>
+              <a:buSzPct val="25000"/>
+              <a:buFont typeface="Arial"/>
+              <a:buNone/>
+            </a:pPr>
             <a:r>
               <a:rPr lang="en-US" sz="2400" b="0" i="0" u="none" strike="noStrike" cap="none" dirty="0">
                 <a:solidFill>
@@ -22432,8 +24479,45 @@
                 <a:cs typeface="Calibri"/>
                 <a:sym typeface="Calibri"/>
               </a:rPr>
-              <a:t>Technical Details</a:t>
+              <a:t>Technical </a:t>
             </a:r>
+            <a:r>
+              <a:rPr lang="en-US" sz="2400" b="0" i="0" u="none" strike="noStrike" cap="none" dirty="0" smtClean="0">
+                <a:solidFill>
+                  <a:schemeClr val="lt1"/>
+                </a:solidFill>
+                <a:latin typeface="Calibri"/>
+                <a:ea typeface="Calibri"/>
+                <a:cs typeface="Calibri"/>
+                <a:sym typeface="Calibri"/>
+              </a:rPr>
+              <a:t>Details</a:t>
+            </a:r>
+          </a:p>
+          <a:p>
+            <a:pPr marL="0" marR="0" lvl="0" indent="0" algn="l" rtl="0">
+              <a:spcBef>
+                <a:spcPts val="1080"/>
+              </a:spcBef>
+              <a:spcAft>
+                <a:spcPts val="0"/>
+              </a:spcAft>
+              <a:buClr>
+                <a:schemeClr val="lt1"/>
+              </a:buClr>
+              <a:buSzPct val="25000"/>
+              <a:buFont typeface="Arial"/>
+              <a:buNone/>
+            </a:pPr>
+            <a:endParaRPr lang="en-US" sz="2400" b="0" i="0" u="none" strike="noStrike" cap="none" dirty="0">
+              <a:solidFill>
+                <a:schemeClr val="lt1"/>
+              </a:solidFill>
+              <a:latin typeface="Calibri"/>
+              <a:ea typeface="Calibri"/>
+              <a:cs typeface="Calibri"/>
+              <a:sym typeface="Calibri"/>
+            </a:endParaRPr>
           </a:p>
           <a:p>
             <a:pPr marL="0" marR="0" lvl="0" indent="0" algn="l" rtl="0">
@@ -22615,7 +24699,7 @@
 </p:sld>
 </file>
 
-<file path=ppt/slides/slide5.xml><?xml version="1.0" encoding="utf-8"?>
+<file path=ppt/slides/slide6.xml><?xml version="1.0" encoding="utf-8"?>
 <p:sld xmlns:a="http://schemas.openxmlformats.org/drawingml/2006/main" xmlns:r="http://schemas.openxmlformats.org/officeDocument/2006/relationships" xmlns:p="http://schemas.openxmlformats.org/presentationml/2006/main">
   <p:cSld>
     <p:spTree>
@@ -22676,7 +24760,7 @@
               <a:buNone/>
             </a:pPr>
             <a:r>
-              <a:rPr lang="en-US" sz="2400" b="0" i="0" u="none" strike="noStrike" cap="none">
+              <a:rPr lang="en-US" sz="2400" b="0" i="0" u="none" strike="noStrike" cap="none" dirty="0">
                 <a:solidFill>
                   <a:schemeClr val="lt1"/>
                 </a:solidFill>
@@ -22704,7 +24788,7 @@
               <a:buChar char="•"/>
             </a:pPr>
             <a:r>
-              <a:rPr lang="en-US" sz="2100" b="0" i="0" u="none" strike="noStrike" cap="none">
+              <a:rPr lang="en-US" sz="2100" b="0" i="0" u="none" strike="noStrike" cap="none" dirty="0">
                 <a:solidFill>
                   <a:schemeClr val="lt1"/>
                 </a:solidFill>
@@ -22732,7 +24816,7 @@
               <a:buChar char="•"/>
             </a:pPr>
             <a:r>
-              <a:rPr lang="en-US" sz="2100" b="0" i="0" u="none" strike="noStrike" cap="none">
+              <a:rPr lang="en-US" sz="2100" b="0" i="0" u="none" strike="noStrike" cap="none" dirty="0">
                 <a:solidFill>
                   <a:schemeClr val="lt1"/>
                 </a:solidFill>
@@ -22741,8 +24825,29 @@
                 <a:cs typeface="Calibri"/>
                 <a:sym typeface="Calibri"/>
               </a:rPr>
-              <a:t>Recommended off-the-shelf medicine</a:t>
+              <a:t>Recommended off-the-shelf </a:t>
             </a:r>
+            <a:r>
+              <a:rPr lang="en-US" sz="2100" b="0" i="0" u="none" strike="noStrike" cap="none" dirty="0" smtClean="0">
+                <a:solidFill>
+                  <a:schemeClr val="lt1"/>
+                </a:solidFill>
+                <a:latin typeface="Calibri"/>
+                <a:ea typeface="Calibri"/>
+                <a:cs typeface="Calibri"/>
+                <a:sym typeface="Calibri"/>
+              </a:rPr>
+              <a:t>medicine that travelers should pack</a:t>
+            </a:r>
+            <a:endParaRPr lang="en-US" sz="2100" b="0" i="0" u="none" strike="noStrike" cap="none" dirty="0">
+              <a:solidFill>
+                <a:schemeClr val="lt1"/>
+              </a:solidFill>
+              <a:latin typeface="Calibri"/>
+              <a:ea typeface="Calibri"/>
+              <a:cs typeface="Calibri"/>
+              <a:sym typeface="Calibri"/>
+            </a:endParaRPr>
           </a:p>
           <a:p>
             <a:pPr marL="466344" marR="0" lvl="1" indent="-288544" algn="l" rtl="0">
@@ -22760,7 +24865,7 @@
               <a:buChar char="•"/>
             </a:pPr>
             <a:r>
-              <a:rPr lang="en-US" sz="2100" b="0" i="0" u="none" strike="noStrike" cap="none">
+              <a:rPr lang="en-US" sz="2100" b="0" i="0" u="none" strike="noStrike" cap="none" dirty="0">
                 <a:solidFill>
                   <a:schemeClr val="lt1"/>
                 </a:solidFill>
@@ -22788,7 +24893,7 @@
               <a:buChar char="•"/>
             </a:pPr>
             <a:r>
-              <a:rPr lang="en-US" sz="2100" b="0" i="0" u="none" strike="noStrike" cap="none">
+              <a:rPr lang="en-US" sz="2100" b="0" i="0" u="none" strike="noStrike" cap="none" dirty="0">
                 <a:solidFill>
                   <a:schemeClr val="lt1"/>
                 </a:solidFill>
@@ -22816,7 +24921,7 @@
               <a:buChar char="•"/>
             </a:pPr>
             <a:r>
-              <a:rPr lang="en-US" sz="2100" b="0" i="0" u="none" strike="noStrike" cap="none">
+              <a:rPr lang="en-US" sz="2100" b="0" i="0" u="none" strike="noStrike" cap="none" dirty="0">
                 <a:solidFill>
                   <a:schemeClr val="lt1"/>
                 </a:solidFill>
@@ -22825,7 +24930,31 @@
                 <a:cs typeface="Calibri"/>
                 <a:sym typeface="Calibri"/>
               </a:rPr>
-              <a:t>Real time location based push notifications with outbreak information</a:t>
+              <a:t>Real time location based push notifications </a:t>
+            </a:r>
+            <a:r>
+              <a:rPr lang="en-US" sz="2100" b="0" i="0" u="none" strike="noStrike" cap="none" dirty="0" smtClean="0">
+                <a:solidFill>
+                  <a:schemeClr val="lt1"/>
+                </a:solidFill>
+                <a:latin typeface="Calibri"/>
+                <a:ea typeface="Calibri"/>
+                <a:cs typeface="Calibri"/>
+                <a:sym typeface="Calibri"/>
+              </a:rPr>
+              <a:t>( through email  or another asynchronous device ) with </a:t>
+            </a:r>
+            <a:r>
+              <a:rPr lang="en-US" sz="2100" b="0" i="0" u="none" strike="noStrike" cap="none" dirty="0">
+                <a:solidFill>
+                  <a:schemeClr val="lt1"/>
+                </a:solidFill>
+                <a:latin typeface="Calibri"/>
+                <a:ea typeface="Calibri"/>
+                <a:cs typeface="Calibri"/>
+                <a:sym typeface="Calibri"/>
+              </a:rPr>
+              <a:t>outbreak information</a:t>
             </a:r>
           </a:p>
           <a:p>
@@ -22843,7 +24972,7 @@
               <a:buFont typeface="Arial"/>
               <a:buNone/>
             </a:pPr>
-            <a:endParaRPr sz="2400" b="0" i="0" u="none" strike="noStrike" cap="none">
+            <a:endParaRPr sz="2400" b="0" i="0" u="none" strike="noStrike" cap="none" dirty="0">
               <a:solidFill>
                 <a:schemeClr val="lt1"/>
               </a:solidFill>
@@ -22868,7 +24997,7 @@
               <a:buFont typeface="Arial"/>
               <a:buNone/>
             </a:pPr>
-            <a:endParaRPr sz="2400" b="0" i="0" u="none" strike="noStrike" cap="none">
+            <a:endParaRPr sz="2400" b="0" i="0" u="none" strike="noStrike" cap="none" dirty="0">
               <a:solidFill>
                 <a:schemeClr val="lt1"/>
               </a:solidFill>
@@ -22893,7 +25022,7 @@
               <a:buFont typeface="Arial"/>
               <a:buNone/>
             </a:pPr>
-            <a:endParaRPr sz="2400" b="0" i="0" u="none" strike="noStrike" cap="none">
+            <a:endParaRPr sz="2400" b="0" i="0" u="none" strike="noStrike" cap="none" dirty="0">
               <a:solidFill>
                 <a:schemeClr val="lt1"/>
               </a:solidFill>
@@ -22918,7 +25047,7 @@
               <a:buFont typeface="Arial"/>
               <a:buNone/>
             </a:pPr>
-            <a:endParaRPr sz="2400" b="0" i="0" u="none" strike="noStrike" cap="none">
+            <a:endParaRPr sz="2400" b="0" i="0" u="none" strike="noStrike" cap="none" dirty="0">
               <a:solidFill>
                 <a:schemeClr val="lt1"/>
               </a:solidFill>
@@ -23006,330 +25135,6 @@
               </a:rPr>
               <a:t>DESCRIPTION</a:t>
             </a:r>
-          </a:p>
-        </p:txBody>
-      </p:sp>
-    </p:spTree>
-  </p:cSld>
-  <p:clrMapOvr>
-    <a:masterClrMapping/>
-  </p:clrMapOvr>
-  <p:transition xmlns:p14="http://schemas.microsoft.com/office/powerpoint/2010/main" spd="slow">
-    <p:cut/>
-  </p:transition>
-</p:sld>
-</file>
-
-<file path=ppt/slides/slide6.xml><?xml version="1.0" encoding="utf-8"?>
-<p:sld xmlns:a="http://schemas.openxmlformats.org/drawingml/2006/main" xmlns:r="http://schemas.openxmlformats.org/officeDocument/2006/relationships" xmlns:p="http://schemas.openxmlformats.org/presentationml/2006/main">
-  <p:cSld>
-    <p:spTree>
-      <p:nvGrpSpPr>
-        <p:cNvPr id="1" name="Shape 143"/>
-        <p:cNvGrpSpPr/>
-        <p:nvPr/>
-      </p:nvGrpSpPr>
-      <p:grpSpPr>
-        <a:xfrm>
-          <a:off x="0" y="0"/>
-          <a:ext cx="0" cy="0"/>
-          <a:chOff x="0" y="0"/>
-          <a:chExt cx="0" cy="0"/>
-        </a:xfrm>
-      </p:grpSpPr>
-      <p:sp>
-        <p:nvSpPr>
-          <p:cNvPr id="144" name="Shape 144"/>
-          <p:cNvSpPr txBox="1">
-            <a:spLocks noGrp="1"/>
-          </p:cNvSpPr>
-          <p:nvPr>
-            <p:ph type="body" idx="1"/>
-          </p:nvPr>
-        </p:nvSpPr>
-        <p:spPr>
-          <a:xfrm>
-            <a:off x="0" y="999067"/>
-            <a:ext cx="9143998" cy="5164664"/>
-          </a:xfrm>
-          <a:prstGeom prst="rect">
-            <a:avLst/>
-          </a:prstGeom>
-          <a:noFill/>
-          <a:ln>
-            <a:noFill/>
-          </a:ln>
-        </p:spPr>
-        <p:txBody>
-          <a:bodyPr lIns="274300" tIns="45700" rIns="274300" bIns="45700" anchor="t" anchorCtr="0">
-            <a:noAutofit/>
-          </a:bodyPr>
-          <a:lstStyle/>
-          <a:p>
-            <a:pPr marL="0" marR="0" lvl="0" indent="0" algn="l" rtl="0">
-              <a:spcBef>
-                <a:spcPts val="0"/>
-              </a:spcBef>
-              <a:spcAft>
-                <a:spcPts val="0"/>
-              </a:spcAft>
-              <a:buClr>
-                <a:schemeClr val="lt1"/>
-              </a:buClr>
-              <a:buSzPct val="25000"/>
-              <a:buFont typeface="Arial"/>
-              <a:buNone/>
-            </a:pPr>
-            <a:r>
-              <a:rPr lang="en-US" sz="2400" b="0" i="0" u="none" strike="noStrike" cap="none" dirty="0">
-                <a:solidFill>
-                  <a:schemeClr val="lt1"/>
-                </a:solidFill>
-                <a:latin typeface="Calibri"/>
-                <a:ea typeface="Calibri"/>
-                <a:cs typeface="Calibri"/>
-                <a:sym typeface="Calibri"/>
-              </a:rPr>
-              <a:t>Market Context</a:t>
-            </a:r>
-          </a:p>
-          <a:p>
-            <a:pPr marL="342900" indent="-342900">
-              <a:spcBef>
-                <a:spcPts val="1080"/>
-              </a:spcBef>
-              <a:spcAft>
-                <a:spcPts val="0"/>
-              </a:spcAft>
-              <a:buSzPct val="25000"/>
-              <a:buFont typeface="Arial"/>
-              <a:buChar char="•"/>
-            </a:pPr>
-            <a:r>
-              <a:rPr lang="en-US" dirty="0"/>
-              <a:t>Studies show that 50%-75% of travelers in tropical and subtropical regions develop some type of health problem. Though medical attention is not required in all cases, it can cause significant suffering to the traveler and incur non-negligible medical costs for treating the developed </a:t>
-            </a:r>
-            <a:r>
-              <a:rPr lang="en-US" dirty="0" smtClean="0"/>
-              <a:t>condition.</a:t>
-            </a:r>
-          </a:p>
-          <a:p>
-            <a:pPr marL="342900" indent="-342900">
-              <a:spcBef>
-                <a:spcPts val="1080"/>
-              </a:spcBef>
-              <a:spcAft>
-                <a:spcPts val="0"/>
-              </a:spcAft>
-              <a:buSzPct val="25000"/>
-              <a:buFont typeface="Arial"/>
-              <a:buChar char="•"/>
-            </a:pPr>
-            <a:r>
-              <a:rPr lang="en-US" dirty="0" smtClean="0"/>
-              <a:t>With </a:t>
-            </a:r>
-            <a:r>
-              <a:rPr lang="en-US" dirty="0"/>
-              <a:t>American travelers the most prevalent infectious conditions are Malaria, Hepatitis A, Typhoid Fever and Traveler’s Diarrhea with or without complications. All of the above may be prevented by properly preparing for the trip. </a:t>
-            </a:r>
-          </a:p>
-          <a:p>
-            <a:pPr>
-              <a:spcBef>
-                <a:spcPts val="1080"/>
-              </a:spcBef>
-              <a:spcAft>
-                <a:spcPts val="0"/>
-              </a:spcAft>
-              <a:buSzPct val="25000"/>
-            </a:pPr>
-            <a:endParaRPr sz="3200" b="0" i="0" u="none" strike="noStrike" cap="none" dirty="0">
-              <a:solidFill>
-                <a:schemeClr val="lt1"/>
-              </a:solidFill>
-              <a:latin typeface="Calibri"/>
-              <a:ea typeface="Calibri"/>
-              <a:cs typeface="Calibri"/>
-              <a:sym typeface="Calibri"/>
-            </a:endParaRPr>
-          </a:p>
-          <a:p>
-            <a:pPr marL="0" marR="0" lvl="0" indent="0" algn="l" rtl="0">
-              <a:spcBef>
-                <a:spcPts val="1080"/>
-              </a:spcBef>
-              <a:spcAft>
-                <a:spcPts val="0"/>
-              </a:spcAft>
-              <a:buClr>
-                <a:schemeClr val="lt1"/>
-              </a:buClr>
-              <a:buSzPct val="25000"/>
-              <a:buFont typeface="Arial"/>
-              <a:buNone/>
-            </a:pPr>
-            <a:endParaRPr sz="2400" b="0" i="0" u="none" strike="noStrike" cap="none" dirty="0">
-              <a:solidFill>
-                <a:schemeClr val="lt1"/>
-              </a:solidFill>
-              <a:latin typeface="Calibri"/>
-              <a:ea typeface="Calibri"/>
-              <a:cs typeface="Calibri"/>
-              <a:sym typeface="Calibri"/>
-            </a:endParaRPr>
-          </a:p>
-          <a:p>
-            <a:pPr marL="0" marR="0" lvl="0" indent="0" algn="l" rtl="0">
-              <a:spcBef>
-                <a:spcPts val="1080"/>
-              </a:spcBef>
-              <a:spcAft>
-                <a:spcPts val="0"/>
-              </a:spcAft>
-              <a:buClr>
-                <a:schemeClr val="lt1"/>
-              </a:buClr>
-              <a:buSzPct val="25000"/>
-              <a:buFont typeface="Arial"/>
-              <a:buNone/>
-            </a:pPr>
-            <a:endParaRPr sz="2400" b="0" i="0" u="none" strike="noStrike" cap="none" dirty="0">
-              <a:solidFill>
-                <a:schemeClr val="lt1"/>
-              </a:solidFill>
-              <a:latin typeface="Calibri"/>
-              <a:ea typeface="Calibri"/>
-              <a:cs typeface="Calibri"/>
-              <a:sym typeface="Calibri"/>
-            </a:endParaRPr>
-          </a:p>
-          <a:p>
-            <a:pPr marL="0" marR="0" lvl="0" indent="0" algn="l" rtl="0">
-              <a:spcBef>
-                <a:spcPts val="1080"/>
-              </a:spcBef>
-              <a:spcAft>
-                <a:spcPts val="0"/>
-              </a:spcAft>
-              <a:buClr>
-                <a:schemeClr val="lt1"/>
-              </a:buClr>
-              <a:buSzPct val="25000"/>
-              <a:buFont typeface="Arial"/>
-              <a:buNone/>
-            </a:pPr>
-            <a:endParaRPr sz="2400" b="0" i="0" u="none" strike="noStrike" cap="none" dirty="0">
-              <a:solidFill>
-                <a:schemeClr val="lt1"/>
-              </a:solidFill>
-              <a:latin typeface="Calibri"/>
-              <a:ea typeface="Calibri"/>
-              <a:cs typeface="Calibri"/>
-              <a:sym typeface="Calibri"/>
-            </a:endParaRPr>
-          </a:p>
-          <a:p>
-            <a:pPr marL="0" marR="0" lvl="0" indent="0" algn="l" rtl="0">
-              <a:spcBef>
-                <a:spcPts val="1080"/>
-              </a:spcBef>
-              <a:spcAft>
-                <a:spcPts val="0"/>
-              </a:spcAft>
-              <a:buClr>
-                <a:schemeClr val="lt1"/>
-              </a:buClr>
-              <a:buSzPct val="25000"/>
-              <a:buFont typeface="Arial"/>
-              <a:buNone/>
-            </a:pPr>
-            <a:endParaRPr sz="2400" b="0" i="0" u="none" strike="noStrike" cap="none" dirty="0">
-              <a:solidFill>
-                <a:schemeClr val="lt1"/>
-              </a:solidFill>
-              <a:latin typeface="Calibri"/>
-              <a:ea typeface="Calibri"/>
-              <a:cs typeface="Calibri"/>
-              <a:sym typeface="Calibri"/>
-            </a:endParaRPr>
-          </a:p>
-        </p:txBody>
-      </p:sp>
-      <p:sp>
-        <p:nvSpPr>
-          <p:cNvPr id="145" name="Shape 145"/>
-          <p:cNvSpPr txBox="1">
-            <a:spLocks noGrp="1"/>
-          </p:cNvSpPr>
-          <p:nvPr>
-            <p:ph type="title"/>
-          </p:nvPr>
-        </p:nvSpPr>
-        <p:spPr>
-          <a:xfrm>
-            <a:off x="0" y="0"/>
-            <a:ext cx="9144000" cy="991351"/>
-          </a:xfrm>
-          <a:prstGeom prst="rect">
-            <a:avLst/>
-          </a:prstGeom>
-          <a:noFill/>
-          <a:ln>
-            <a:noFill/>
-          </a:ln>
-        </p:spPr>
-        <p:txBody>
-          <a:bodyPr lIns="274300" tIns="45700" rIns="91425" bIns="45700" anchor="ctr" anchorCtr="0">
-            <a:noAutofit/>
-          </a:bodyPr>
-          <a:lstStyle/>
-          <a:p>
-            <a:pPr marL="0" marR="0" lvl="0" indent="0" algn="ctr" rtl="0">
-              <a:spcBef>
-                <a:spcPts val="0"/>
-              </a:spcBef>
-              <a:buClr>
-                <a:srgbClr val="EEB211"/>
-              </a:buClr>
-              <a:buSzPct val="25000"/>
-              <a:buFont typeface="Calibri"/>
-              <a:buNone/>
-            </a:pPr>
-            <a:r>
-              <a:rPr lang="en-US" sz="2400" b="0" i="0" u="none" strike="noStrike" cap="none" dirty="0">
-                <a:solidFill>
-                  <a:srgbClr val="EEB211"/>
-                </a:solidFill>
-                <a:latin typeface="Calibri"/>
-                <a:ea typeface="Calibri"/>
-                <a:cs typeface="Calibri"/>
-                <a:sym typeface="Calibri"/>
-              </a:rPr>
-              <a:t> </a:t>
-            </a:r>
-            <a:r>
-              <a:rPr lang="en-US" sz="2400" b="0" i="0" u="none" strike="noStrike" cap="none" dirty="0" smtClean="0">
-                <a:solidFill>
-                  <a:srgbClr val="EEB211"/>
-                </a:solidFill>
-                <a:latin typeface="Calibri"/>
-                <a:ea typeface="Calibri"/>
-                <a:cs typeface="Calibri"/>
-                <a:sym typeface="Calibri"/>
-              </a:rPr>
-              <a:t>RESEARCH</a:t>
-            </a:r>
-            <a:endParaRPr lang="en-US" sz="2400" b="0" i="0" u="none" strike="noStrike" cap="none" dirty="0">
-              <a:solidFill>
-                <a:srgbClr val="EEB211"/>
-              </a:solidFill>
-              <a:latin typeface="Calibri"/>
-              <a:ea typeface="Calibri"/>
-              <a:cs typeface="Calibri"/>
-              <a:sym typeface="Calibri"/>
-            </a:endParaRPr>
           </a:p>
         </p:txBody>
       </p:sp>
@@ -23405,7 +25210,7 @@
               <a:buNone/>
             </a:pPr>
             <a:r>
-              <a:rPr lang="en-US" sz="2400" b="0" i="0" u="none" strike="noStrike" cap="none" dirty="0" smtClean="0">
+              <a:rPr lang="en-US" sz="2400" b="0" i="0" u="none" strike="noStrike" cap="none" dirty="0">
                 <a:solidFill>
                   <a:schemeClr val="lt1"/>
                 </a:solidFill>
@@ -23414,193 +25219,74 @@
                 <a:cs typeface="Calibri"/>
                 <a:sym typeface="Calibri"/>
               </a:rPr>
-              <a:t>Needs</a:t>
-            </a:r>
-            <a:endParaRPr lang="en-US" sz="2400" b="0" i="0" u="none" strike="noStrike" cap="none" dirty="0">
-              <a:solidFill>
-                <a:schemeClr val="lt1"/>
-              </a:solidFill>
-              <a:latin typeface="Calibri"/>
-              <a:ea typeface="Calibri"/>
-              <a:cs typeface="Calibri"/>
-              <a:sym typeface="Calibri"/>
-            </a:endParaRPr>
-          </a:p>
-          <a:p>
-            <a:pPr marL="0" marR="0" lvl="0" indent="0" algn="l" rtl="0">
-              <a:spcBef>
-                <a:spcPts val="1080"/>
-              </a:spcBef>
-              <a:spcAft>
-                <a:spcPts val="0"/>
-              </a:spcAft>
-              <a:buClr>
-                <a:schemeClr val="lt1"/>
-              </a:buClr>
-              <a:buSzPct val="25000"/>
-              <a:buFont typeface="Arial"/>
-              <a:buNone/>
-            </a:pPr>
-            <a:endParaRPr sz="2400" b="0" i="0" u="none" strike="noStrike" cap="none" dirty="0">
-              <a:solidFill>
-                <a:schemeClr val="lt1"/>
-              </a:solidFill>
-              <a:latin typeface="Calibri"/>
-              <a:ea typeface="Calibri"/>
-              <a:cs typeface="Calibri"/>
-              <a:sym typeface="Calibri"/>
-            </a:endParaRPr>
-          </a:p>
-          <a:p>
-            <a:pPr marL="0" marR="0" lvl="0" indent="0" algn="l" rtl="0">
-              <a:spcBef>
-                <a:spcPts val="1080"/>
-              </a:spcBef>
-              <a:spcAft>
-                <a:spcPts val="0"/>
-              </a:spcAft>
-              <a:buClr>
-                <a:schemeClr val="lt1"/>
-              </a:buClr>
-              <a:buSzPct val="25000"/>
-              <a:buFont typeface="Arial"/>
-              <a:buNone/>
-            </a:pPr>
-            <a:r>
-              <a:rPr lang="en-US" sz="2400" b="0" i="0" u="none" strike="noStrike" cap="none" dirty="0">
-                <a:solidFill>
-                  <a:schemeClr val="lt1"/>
-                </a:solidFill>
-                <a:latin typeface="Calibri"/>
-                <a:ea typeface="Calibri"/>
-                <a:cs typeface="Calibri"/>
-                <a:sym typeface="Calibri"/>
-              </a:rPr>
-              <a:t>Survey</a:t>
+              <a:t>Market Context</a:t>
             </a:r>
           </a:p>
           <a:p>
-            <a:pPr marL="0" marR="0" lvl="0" indent="0" algn="l" rtl="0">
+            <a:pPr marL="342900" indent="-342900">
               <a:spcBef>
                 <a:spcPts val="1080"/>
               </a:spcBef>
               <a:spcAft>
                 <a:spcPts val="0"/>
               </a:spcAft>
-              <a:buClr>
-                <a:schemeClr val="lt1"/>
-              </a:buClr>
               <a:buSzPct val="25000"/>
               <a:buFont typeface="Arial"/>
-              <a:buNone/>
-            </a:pPr>
-            <a:endParaRPr sz="2400" b="0" i="0" u="none" strike="noStrike" cap="none" dirty="0">
-              <a:solidFill>
-                <a:schemeClr val="lt1"/>
-              </a:solidFill>
-              <a:latin typeface="Calibri"/>
-              <a:ea typeface="Calibri"/>
-              <a:cs typeface="Calibri"/>
-              <a:sym typeface="Calibri"/>
-            </a:endParaRPr>
-          </a:p>
-          <a:p>
-            <a:pPr marL="0" marR="0" lvl="0" indent="0" algn="l" rtl="0">
-              <a:spcBef>
-                <a:spcPts val="1080"/>
-              </a:spcBef>
-              <a:spcAft>
-                <a:spcPts val="0"/>
-              </a:spcAft>
-              <a:buClr>
-                <a:schemeClr val="lt1"/>
-              </a:buClr>
-              <a:buSzPct val="25000"/>
-              <a:buFont typeface="Arial"/>
-              <a:buNone/>
+              <a:buChar char="•"/>
             </a:pPr>
             <a:r>
-              <a:rPr lang="en-US" sz="2400" b="0" i="0" u="none" strike="noStrike" cap="none" dirty="0">
-                <a:solidFill>
-                  <a:schemeClr val="lt1"/>
-                </a:solidFill>
-                <a:latin typeface="Calibri"/>
-                <a:ea typeface="Calibri"/>
-                <a:cs typeface="Calibri"/>
-                <a:sym typeface="Calibri"/>
-              </a:rPr>
-              <a:t>Interview</a:t>
+              <a:rPr lang="en-US" sz="2100" dirty="0"/>
+              <a:t>Studies show that 50%-75% of travelers in tropical and subtropical regions develop some type of health problem. Though medical attention is not required in all cases, it can cause significant suffering to the traveler and incur non-negligible medical costs for treating the developed </a:t>
+            </a:r>
+            <a:r>
+              <a:rPr lang="en-US" sz="2100" dirty="0" smtClean="0"/>
+              <a:t>condition.</a:t>
             </a:r>
           </a:p>
           <a:p>
-            <a:pPr marL="0" marR="0" lvl="0" indent="0" algn="l" rtl="0">
+            <a:pPr>
               <a:spcBef>
                 <a:spcPts val="1080"/>
               </a:spcBef>
               <a:spcAft>
                 <a:spcPts val="0"/>
               </a:spcAft>
-              <a:buClr>
-                <a:schemeClr val="lt1"/>
-              </a:buClr>
               <a:buSzPct val="25000"/>
-              <a:buFont typeface="Arial"/>
-              <a:buNone/>
             </a:pPr>
-            <a:endParaRPr sz="2400" b="0" i="0" u="none" strike="noStrike" cap="none" dirty="0">
-              <a:solidFill>
-                <a:schemeClr val="lt1"/>
-              </a:solidFill>
-              <a:latin typeface="Calibri"/>
-              <a:ea typeface="Calibri"/>
-              <a:cs typeface="Calibri"/>
-              <a:sym typeface="Calibri"/>
-            </a:endParaRPr>
+            <a:endParaRPr lang="en-US" sz="2100" dirty="0" smtClean="0"/>
           </a:p>
           <a:p>
-            <a:pPr marL="0" marR="0" lvl="0" indent="0" algn="l" rtl="0">
+            <a:pPr marL="342900" indent="-342900">
               <a:spcBef>
                 <a:spcPts val="1080"/>
               </a:spcBef>
               <a:spcAft>
                 <a:spcPts val="0"/>
               </a:spcAft>
-              <a:buClr>
-                <a:schemeClr val="lt1"/>
-              </a:buClr>
               <a:buSzPct val="25000"/>
               <a:buFont typeface="Arial"/>
-              <a:buNone/>
+              <a:buChar char="•"/>
             </a:pPr>
             <a:r>
-              <a:rPr lang="en-US" sz="2400" b="0" i="0" u="none" strike="noStrike" cap="none" dirty="0">
-                <a:solidFill>
-                  <a:schemeClr val="lt1"/>
-                </a:solidFill>
-                <a:latin typeface="Calibri"/>
-                <a:ea typeface="Calibri"/>
-                <a:cs typeface="Calibri"/>
-                <a:sym typeface="Calibri"/>
-              </a:rPr>
-              <a:t>Email</a:t>
+              <a:rPr lang="en-US" sz="2100" dirty="0" smtClean="0"/>
+              <a:t>With </a:t>
+            </a:r>
+            <a:r>
+              <a:rPr lang="en-US" sz="2100" dirty="0"/>
+              <a:t>American travelers the most prevalent infectious conditions are Malaria, Hepatitis A, Typhoid Fever and Traveler’s Diarrhea with or without complications. All of the above may be prevented by properly preparing for the trip. </a:t>
             </a:r>
           </a:p>
           <a:p>
-            <a:pPr marL="0" marR="0" lvl="0" indent="0" algn="l" rtl="0">
+            <a:pPr>
               <a:spcBef>
                 <a:spcPts val="1080"/>
               </a:spcBef>
               <a:spcAft>
                 <a:spcPts val="0"/>
               </a:spcAft>
-              <a:buClr>
-                <a:schemeClr val="lt1"/>
-              </a:buClr>
               <a:buSzPct val="25000"/>
-              <a:buFont typeface="Arial"/>
-              <a:buNone/>
             </a:pPr>
-            <a:endParaRPr sz="2400" b="0" i="0" u="none" strike="noStrike" cap="none" dirty="0">
+            <a:endParaRPr sz="3200" b="0" i="0" u="none" strike="noStrike" cap="none" dirty="0">
               <a:solidFill>
                 <a:schemeClr val="lt1"/>
               </a:solidFill>
@@ -23789,11 +25475,6 @@
         </p:txBody>
       </p:sp>
     </p:spTree>
-    <p:extLst>
-      <p:ext uri="{BB962C8B-B14F-4D97-AF65-F5344CB8AC3E}">
-        <p14:creationId xmlns:p14="http://schemas.microsoft.com/office/powerpoint/2010/main" val="2296033662"/>
-      </p:ext>
-    </p:extLst>
   </p:cSld>
   <p:clrMapOvr>
     <a:masterClrMapping/>
@@ -23833,8 +25514,8 @@
         </p:nvSpPr>
         <p:spPr>
           <a:xfrm>
-            <a:off x="0" y="780608"/>
-            <a:ext cx="9143998" cy="5487565"/>
+            <a:off x="0" y="999067"/>
+            <a:ext cx="9143998" cy="5164664"/>
           </a:xfrm>
           <a:prstGeom prst="rect">
             <a:avLst/>
@@ -23850,28 +25531,136 @@
           </a:bodyPr>
           <a:lstStyle/>
           <a:p>
+            <a:pPr marL="0" marR="0" lvl="0" indent="0" algn="l" rtl="0">
+              <a:spcBef>
+                <a:spcPts val="0"/>
+              </a:spcBef>
+              <a:spcAft>
+                <a:spcPts val="0"/>
+              </a:spcAft>
+              <a:buClr>
+                <a:schemeClr val="lt1"/>
+              </a:buClr>
+              <a:buSzPct val="25000"/>
+              <a:buFont typeface="Arial"/>
+              <a:buNone/>
+            </a:pPr>
             <a:r>
-              <a:rPr lang="en-US" sz="2000" dirty="0" smtClean="0"/>
-              <a:t>Diphtheria </a:t>
-            </a:r>
-            <a:r>
-              <a:rPr lang="en-US" sz="2000" dirty="0"/>
-              <a:t>is a serious disease caused by bacteria. There are four combination vaccines used to prevent diphtheria. </a:t>
+              <a:rPr lang="en-US" sz="2400" b="0" i="0" u="none" strike="noStrike" cap="none" dirty="0" smtClean="0">
+                <a:solidFill>
+                  <a:schemeClr val="lt1"/>
+                </a:solidFill>
+                <a:latin typeface="Calibri"/>
+                <a:ea typeface="Calibri"/>
+                <a:cs typeface="Calibri"/>
+                <a:sym typeface="Calibri"/>
+              </a:rPr>
+              <a:t>Needs</a:t>
             </a:r>
           </a:p>
           <a:p>
+            <a:pPr lvl="1">
+              <a:spcBef>
+                <a:spcPts val="1080"/>
+              </a:spcBef>
+              <a:spcAft>
+                <a:spcPts val="0"/>
+              </a:spcAft>
+              <a:buSzPct val="25000"/>
+            </a:pPr>
             <a:r>
-              <a:rPr lang="en-US" sz="2000" dirty="0"/>
-              <a:t>According to </a:t>
+              <a:rPr lang="en-US" dirty="0" smtClean="0"/>
+              <a:t>Need </a:t>
             </a:r>
             <a:r>
-              <a:rPr lang="en-US" sz="2000" dirty="0" err="1"/>
-              <a:t>GeoSentinel</a:t>
+              <a:rPr lang="en-US" dirty="0"/>
+              <a:t>for a destination </a:t>
             </a:r>
             <a:r>
-              <a:rPr lang="en-US" sz="2000" dirty="0"/>
-              <a:t>, the number of travelers with likely exposure to  Diphtheria ranged from less than 100 to over 1000 people in places like Mexico, South America, India, and parts of Southeast Asia. </a:t>
+              <a:rPr lang="en-US" dirty="0" smtClean="0"/>
+              <a:t>based, comprehensive </a:t>
             </a:r>
+            <a:r>
+              <a:rPr lang="en-US" dirty="0"/>
+              <a:t>source of information that travelers can turn to in a fast and efficient </a:t>
+            </a:r>
+            <a:r>
+              <a:rPr lang="en-US" dirty="0" smtClean="0"/>
+              <a:t>manner</a:t>
+            </a:r>
+          </a:p>
+          <a:p>
+            <a:pPr lvl="1">
+              <a:spcBef>
+                <a:spcPts val="1080"/>
+              </a:spcBef>
+              <a:spcAft>
+                <a:spcPts val="0"/>
+              </a:spcAft>
+              <a:buSzPct val="25000"/>
+            </a:pPr>
+            <a:r>
+              <a:rPr lang="en-US" dirty="0"/>
+              <a:t>Since travelers might have </a:t>
+            </a:r>
+            <a:r>
+              <a:rPr lang="en-US" dirty="0" smtClean="0"/>
+              <a:t>cultural </a:t>
+            </a:r>
+            <a:r>
+              <a:rPr lang="en-US" dirty="0"/>
+              <a:t>or </a:t>
+            </a:r>
+            <a:r>
+              <a:rPr lang="en-US" dirty="0" smtClean="0"/>
+              <a:t>language barriers </a:t>
+            </a:r>
+            <a:r>
+              <a:rPr lang="en-US" dirty="0"/>
+              <a:t>they should take proactive steps </a:t>
+            </a:r>
+            <a:r>
+              <a:rPr lang="en-US" dirty="0" smtClean="0"/>
+              <a:t>to ensure they </a:t>
+            </a:r>
+            <a:r>
+              <a:rPr lang="en-US" dirty="0"/>
+              <a:t>are aware of health hazards </a:t>
+            </a:r>
+            <a:endParaRPr sz="2400" b="0" i="0" u="none" strike="noStrike" cap="none" dirty="0">
+              <a:solidFill>
+                <a:schemeClr val="lt1"/>
+              </a:solidFill>
+              <a:latin typeface="Calibri"/>
+              <a:ea typeface="Calibri"/>
+              <a:cs typeface="Calibri"/>
+              <a:sym typeface="Calibri"/>
+            </a:endParaRPr>
+          </a:p>
+          <a:p>
+            <a:pPr marL="0" marR="0" lvl="0" indent="0" algn="l" rtl="0">
+              <a:spcBef>
+                <a:spcPts val="1080"/>
+              </a:spcBef>
+              <a:spcAft>
+                <a:spcPts val="0"/>
+              </a:spcAft>
+              <a:buClr>
+                <a:schemeClr val="lt1"/>
+              </a:buClr>
+              <a:buSzPct val="25000"/>
+              <a:buFont typeface="Arial"/>
+              <a:buNone/>
+            </a:pPr>
+            <a:endParaRPr sz="2400" b="0" i="0" u="none" strike="noStrike" cap="none" dirty="0">
+              <a:solidFill>
+                <a:schemeClr val="lt1"/>
+              </a:solidFill>
+              <a:latin typeface="Calibri"/>
+              <a:ea typeface="Calibri"/>
+              <a:cs typeface="Calibri"/>
+              <a:sym typeface="Calibri"/>
+            </a:endParaRPr>
           </a:p>
           <a:p>
             <a:pPr marL="0" marR="0" lvl="0" indent="0" algn="l" rtl="0">
@@ -24037,7 +25826,7 @@
                 <a:cs typeface="Calibri"/>
                 <a:sym typeface="Calibri"/>
               </a:rPr>
-              <a:t>RESEARCH - EXAMPLE</a:t>
+              <a:t>RESEARCH</a:t>
             </a:r>
             <a:endParaRPr lang="en-US" sz="2400" b="0" i="0" u="none" strike="noStrike" cap="none" dirty="0">
               <a:solidFill>
@@ -24051,40 +25840,10 @@
           </a:p>
         </p:txBody>
       </p:sp>
-      <p:pic>
-        <p:nvPicPr>
-          <p:cNvPr id="4" name="Picture 3" descr="Map1.png"/>
-          <p:cNvPicPr>
-            <a:picLocks noChangeAspect="1"/>
-          </p:cNvPicPr>
-          <p:nvPr/>
-        </p:nvPicPr>
-        <p:blipFill>
-          <a:blip r:embed="rId3">
-            <a:extLst>
-              <a:ext uri="{28A0092B-C50C-407E-A947-70E740481C1C}">
-                <a14:useLocalDpi xmlns:a14="http://schemas.microsoft.com/office/drawing/2010/main" val="0"/>
-              </a:ext>
-            </a:extLst>
-          </a:blip>
-          <a:stretch>
-            <a:fillRect/>
-          </a:stretch>
-        </p:blipFill>
-        <p:spPr>
-          <a:xfrm>
-            <a:off x="1666927" y="2590002"/>
-            <a:ext cx="5828573" cy="3518703"/>
-          </a:xfrm>
-          <a:prstGeom prst="rect">
-            <a:avLst/>
-          </a:prstGeom>
-        </p:spPr>
-      </p:pic>
     </p:spTree>
     <p:extLst>
       <p:ext uri="{BB962C8B-B14F-4D97-AF65-F5344CB8AC3E}">
-        <p14:creationId xmlns:p14="http://schemas.microsoft.com/office/powerpoint/2010/main" val="4132822571"/>
+        <p14:creationId xmlns:p14="http://schemas.microsoft.com/office/powerpoint/2010/main" val="2296033662"/>
       </p:ext>
     </p:extLst>
   </p:cSld>
@@ -24102,7 +25861,7 @@
   <p:cSld>
     <p:spTree>
       <p:nvGrpSpPr>
-        <p:cNvPr id="1" name="Shape 149"/>
+        <p:cNvPr id="1" name="Shape 143"/>
         <p:cNvGrpSpPr/>
         <p:nvPr/>
       </p:nvGrpSpPr>
@@ -24116,7 +25875,7 @@
       </p:grpSpPr>
       <p:sp>
         <p:nvSpPr>
-          <p:cNvPr id="150" name="Shape 150"/>
+          <p:cNvPr id="144" name="Shape 144"/>
           <p:cNvSpPr txBox="1">
             <a:spLocks noGrp="1"/>
           </p:cNvSpPr>
@@ -24126,8 +25885,8 @@
         </p:nvSpPr>
         <p:spPr>
           <a:xfrm>
-            <a:off x="0" y="999067"/>
-            <a:ext cx="9143998" cy="5164664"/>
+            <a:off x="0" y="801384"/>
+            <a:ext cx="9143998" cy="5362347"/>
           </a:xfrm>
           <a:prstGeom prst="rect">
             <a:avLst/>
@@ -24143,105 +25902,46 @@
           </a:bodyPr>
           <a:lstStyle/>
           <a:p>
-            <a:pPr marL="0" marR="0" lvl="0" indent="0" algn="l" rtl="0">
-              <a:spcBef>
-                <a:spcPts val="0"/>
+            <a:pPr marL="311150" lvl="1" indent="0" algn="ctr">
+              <a:spcBef>
+                <a:spcPts val="1080"/>
               </a:spcBef>
               <a:spcAft>
                 <a:spcPts val="0"/>
               </a:spcAft>
-              <a:buClr>
-                <a:schemeClr val="lt1"/>
-              </a:buClr>
               <a:buSzPct val="25000"/>
-              <a:buFont typeface="Arial"/>
               <a:buNone/>
             </a:pPr>
             <a:r>
-              <a:rPr lang="en-US" sz="2400" b="0" i="0" u="none" strike="noStrike" cap="none">
-                <a:solidFill>
-                  <a:schemeClr val="lt1"/>
-                </a:solidFill>
-                <a:latin typeface="Calibri"/>
-                <a:ea typeface="Calibri"/>
-                <a:cs typeface="Calibri"/>
-                <a:sym typeface="Calibri"/>
-              </a:rPr>
-              <a:t>Problem Description</a:t>
+              <a:rPr lang="en-US" sz="1800" dirty="0" smtClean="0"/>
+              <a:t>Survey</a:t>
             </a:r>
+            <a:r>
+              <a:rPr lang="en-US" sz="1800" dirty="0"/>
+              <a:t>: </a:t>
+            </a:r>
+            <a:r>
+              <a:rPr lang="en-US" sz="1800" dirty="0" smtClean="0"/>
+              <a:t>http</a:t>
+            </a:r>
+            <a:r>
+              <a:rPr lang="en-US" sz="1800" dirty="0"/>
+              <a:t>://goo.gl/forms/LLjb84tBuA </a:t>
+            </a:r>
+            <a:endParaRPr lang="en-US" sz="1800" dirty="0" smtClean="0"/>
           </a:p>
           <a:p>
-            <a:pPr marL="0" marR="0" lvl="0" indent="0" algn="l" rtl="0">
+            <a:pPr marL="311150" lvl="1" indent="0">
               <a:spcBef>
                 <a:spcPts val="1080"/>
               </a:spcBef>
               <a:spcAft>
                 <a:spcPts val="0"/>
               </a:spcAft>
-              <a:buClr>
-                <a:schemeClr val="lt1"/>
-              </a:buClr>
-              <a:buSzPct val="100000"/>
-              <a:buFont typeface="Arial"/>
-              <a:buChar char="•"/>
+              <a:buSzPct val="25000"/>
+              <a:buNone/>
             </a:pPr>
-            <a:r>
-              <a:rPr lang="en-US" sz="2400" b="0" i="0" u="none" strike="noStrike" cap="none">
-                <a:solidFill>
-                  <a:schemeClr val="lt1"/>
-                </a:solidFill>
-                <a:latin typeface="Calibri"/>
-                <a:ea typeface="Calibri"/>
-                <a:cs typeface="Calibri"/>
-                <a:sym typeface="Calibri"/>
-              </a:rPr>
-              <a:t> Travelers that look for health information about their destination have to reach out to different sources and spend a lot of time researching</a:t>
-            </a:r>
-          </a:p>
-          <a:p>
-            <a:pPr marL="0" marR="0" lvl="0" indent="0" algn="l" rtl="0">
-              <a:spcBef>
-                <a:spcPts val="1080"/>
-              </a:spcBef>
-              <a:spcAft>
-                <a:spcPts val="0"/>
-              </a:spcAft>
-              <a:buClr>
-                <a:schemeClr val="lt1"/>
-              </a:buClr>
-              <a:buSzPct val="100000"/>
-              <a:buFont typeface="Arial"/>
-              <a:buChar char="•"/>
-            </a:pPr>
-            <a:r>
-              <a:rPr lang="en-US" sz="2400" b="0" i="0" u="none" strike="noStrike" cap="none">
-                <a:solidFill>
-                  <a:schemeClr val="lt1"/>
-                </a:solidFill>
-                <a:latin typeface="Calibri"/>
-                <a:ea typeface="Calibri"/>
-                <a:cs typeface="Calibri"/>
-                <a:sym typeface="Calibri"/>
-              </a:rPr>
-              <a:t> Travelers often have cultural and/or language barriers and therefore are not aware of health hazards around them</a:t>
-            </a:r>
-          </a:p>
-          <a:p>
-            <a:pPr marL="0" marR="0" lvl="0" indent="0" algn="l" rtl="0">
-              <a:spcBef>
-                <a:spcPts val="1080"/>
-              </a:spcBef>
-              <a:spcAft>
-                <a:spcPts val="0"/>
-              </a:spcAft>
-              <a:buClr>
-                <a:schemeClr val="lt1"/>
-              </a:buClr>
-              <a:buSzPct val="25000"/>
-              <a:buFont typeface="Arial"/>
-              <a:buNone/>
-            </a:pPr>
-            <a:endParaRPr sz="2400" b="0" i="0" u="none" strike="noStrike" cap="none">
+            <a:endParaRPr sz="2400" b="0" i="0" u="none" strike="noStrike" cap="none" dirty="0">
               <a:solidFill>
                 <a:schemeClr val="lt1"/>
               </a:solidFill>
@@ -24266,18 +25966,15 @@
               <a:buFont typeface="Arial"/>
               <a:buNone/>
             </a:pPr>
-            <a:r>
-              <a:rPr lang="en-US" sz="2400" b="0" i="0" u="none" strike="noStrike" cap="none">
-                <a:solidFill>
-                  <a:schemeClr val="lt1"/>
-                </a:solidFill>
-                <a:latin typeface="Calibri"/>
-                <a:ea typeface="Calibri"/>
-                <a:cs typeface="Calibri"/>
-                <a:sym typeface="Calibri"/>
-              </a:rPr>
-              <a:t>Intended Users </a:t>
-            </a:r>
+            <a:endParaRPr sz="2400" b="0" i="0" u="none" strike="noStrike" cap="none" dirty="0">
+              <a:solidFill>
+                <a:schemeClr val="lt1"/>
+              </a:solidFill>
+              <a:latin typeface="Calibri"/>
+              <a:ea typeface="Calibri"/>
+              <a:cs typeface="Calibri"/>
+              <a:sym typeface="Calibri"/>
+            </a:endParaRPr>
           </a:p>
           <a:p>
             <a:pPr marL="0" marR="0" lvl="0" indent="0" algn="l" rtl="0">
@@ -24290,22 +25987,19 @@
               <a:buClr>
                 <a:schemeClr val="lt1"/>
               </a:buClr>
-              <a:buSzPct val="100000"/>
-              <a:buFont typeface="Arial"/>
-              <a:buChar char="•"/>
+              <a:buSzPct val="25000"/>
+              <a:buFont typeface="Arial"/>
+              <a:buNone/>
             </a:pPr>
-            <a:r>
-              <a:rPr lang="en-US" sz="2400" b="0" i="0" u="none" strike="noStrike" cap="none">
-                <a:solidFill>
-                  <a:schemeClr val="lt1"/>
-                </a:solidFill>
-                <a:latin typeface="Calibri"/>
-                <a:ea typeface="Calibri"/>
-                <a:cs typeface="Calibri"/>
-                <a:sym typeface="Calibri"/>
-              </a:rPr>
-              <a:t> Travelers, either for business or leisure</a:t>
-            </a:r>
+            <a:endParaRPr sz="2400" b="0" i="0" u="none" strike="noStrike" cap="none" dirty="0">
+              <a:solidFill>
+                <a:schemeClr val="lt1"/>
+              </a:solidFill>
+              <a:latin typeface="Calibri"/>
+              <a:ea typeface="Calibri"/>
+              <a:cs typeface="Calibri"/>
+              <a:sym typeface="Calibri"/>
+            </a:endParaRPr>
           </a:p>
           <a:p>
             <a:pPr marL="0" marR="0" lvl="0" indent="0" algn="l" rtl="0">
@@ -24318,22 +26012,19 @@
               <a:buClr>
                 <a:schemeClr val="lt1"/>
               </a:buClr>
-              <a:buSzPct val="100000"/>
-              <a:buFont typeface="Arial"/>
-              <a:buChar char="•"/>
+              <a:buSzPct val="25000"/>
+              <a:buFont typeface="Arial"/>
+              <a:buNone/>
             </a:pPr>
-            <a:r>
-              <a:rPr lang="en-US" sz="2400" b="0" i="0" u="none" strike="noStrike" cap="none">
-                <a:solidFill>
-                  <a:schemeClr val="lt1"/>
-                </a:solidFill>
-                <a:latin typeface="Calibri"/>
-                <a:ea typeface="Calibri"/>
-                <a:cs typeface="Calibri"/>
-                <a:sym typeface="Calibri"/>
-              </a:rPr>
-              <a:t> Travel/Tourist Agencies</a:t>
-            </a:r>
+            <a:endParaRPr sz="2400" b="0" i="0" u="none" strike="noStrike" cap="none" dirty="0">
+              <a:solidFill>
+                <a:schemeClr val="lt1"/>
+              </a:solidFill>
+              <a:latin typeface="Calibri"/>
+              <a:ea typeface="Calibri"/>
+              <a:cs typeface="Calibri"/>
+              <a:sym typeface="Calibri"/>
+            </a:endParaRPr>
           </a:p>
           <a:p>
             <a:pPr marL="0" marR="0" lvl="0" indent="0" algn="l" rtl="0">
@@ -24346,22 +26037,19 @@
               <a:buClr>
                 <a:schemeClr val="lt1"/>
               </a:buClr>
-              <a:buSzPct val="100000"/>
-              <a:buFont typeface="Arial"/>
-              <a:buChar char="•"/>
+              <a:buSzPct val="25000"/>
+              <a:buFont typeface="Arial"/>
+              <a:buNone/>
             </a:pPr>
-            <a:r>
-              <a:rPr lang="en-US" sz="2400" b="0" i="0" u="none" strike="noStrike" cap="none">
-                <a:solidFill>
-                  <a:schemeClr val="lt1"/>
-                </a:solidFill>
-                <a:latin typeface="Calibri"/>
-                <a:ea typeface="Calibri"/>
-                <a:cs typeface="Calibri"/>
-                <a:sym typeface="Calibri"/>
-              </a:rPr>
-              <a:t> Government Bodies</a:t>
-            </a:r>
+            <a:endParaRPr sz="2400" b="0" i="0" u="none" strike="noStrike" cap="none" dirty="0">
+              <a:solidFill>
+                <a:schemeClr val="lt1"/>
+              </a:solidFill>
+              <a:latin typeface="Calibri"/>
+              <a:ea typeface="Calibri"/>
+              <a:cs typeface="Calibri"/>
+              <a:sym typeface="Calibri"/>
+            </a:endParaRPr>
           </a:p>
           <a:p>
             <a:pPr marL="0" marR="0" lvl="0" indent="0" algn="l" rtl="0">
@@ -24374,39 +26062,11 @@
               <a:buClr>
                 <a:schemeClr val="lt1"/>
               </a:buClr>
-              <a:buSzPct val="100000"/>
-              <a:buFont typeface="Arial"/>
-              <a:buChar char="•"/>
+              <a:buSzPct val="25000"/>
+              <a:buFont typeface="Arial"/>
+              <a:buNone/>
             </a:pPr>
-            <a:r>
-              <a:rPr lang="en-US" sz="2400" b="0" i="0" u="none" strike="noStrike" cap="none">
-                <a:solidFill>
-                  <a:schemeClr val="lt1"/>
-                </a:solidFill>
-                <a:latin typeface="Calibri"/>
-                <a:ea typeface="Calibri"/>
-                <a:cs typeface="Calibri"/>
-                <a:sym typeface="Calibri"/>
-              </a:rPr>
-              <a:t> Civic Institutions Benefits to Users</a:t>
-            </a:r>
-          </a:p>
-          <a:p>
-            <a:pPr marL="0" marR="0" lvl="0" indent="0" algn="l" rtl="0">
-              <a:spcBef>
-                <a:spcPts val="1080"/>
-              </a:spcBef>
-              <a:spcAft>
-                <a:spcPts val="0"/>
-              </a:spcAft>
-              <a:buClr>
-                <a:schemeClr val="lt1"/>
-              </a:buClr>
-              <a:buSzPct val="25000"/>
-              <a:buFont typeface="Arial"/>
-              <a:buNone/>
-            </a:pPr>
-            <a:endParaRPr sz="2400" b="0" i="0" u="none" strike="noStrike" cap="none">
+            <a:endParaRPr sz="2400" b="0" i="0" u="none" strike="noStrike" cap="none" dirty="0">
               <a:solidFill>
                 <a:schemeClr val="lt1"/>
               </a:solidFill>
@@ -24420,7 +26080,7 @@
       </p:sp>
       <p:sp>
         <p:nvSpPr>
-          <p:cNvPr id="151" name="Shape 151"/>
+          <p:cNvPr id="145" name="Shape 145"/>
           <p:cNvSpPr txBox="1">
             <a:spLocks noGrp="1"/>
           </p:cNvSpPr>
@@ -24480,24 +26140,50 @@
                 <a:cs typeface="Calibri"/>
                 <a:sym typeface="Calibri"/>
               </a:rPr>
-              <a:t>BUSINESS </a:t>
+              <a:t>RESEARCH – SURVEY RESULTS</a:t>
             </a:r>
-            <a:r>
-              <a:rPr lang="en-US" sz="2400" b="0" i="0" u="none" strike="noStrike" cap="none" dirty="0">
-                <a:solidFill>
-                  <a:srgbClr val="EEB211"/>
-                </a:solidFill>
-                <a:latin typeface="Calibri"/>
-                <a:ea typeface="Calibri"/>
-                <a:cs typeface="Calibri"/>
-                <a:sym typeface="Calibri"/>
-              </a:rPr>
-              <a:t>CASE</a:t>
-            </a:r>
+            <a:endParaRPr lang="en-US" sz="2400" b="0" i="0" u="none" strike="noStrike" cap="none" dirty="0">
+              <a:solidFill>
+                <a:srgbClr val="EEB211"/>
+              </a:solidFill>
+              <a:latin typeface="Calibri"/>
+              <a:ea typeface="Calibri"/>
+              <a:cs typeface="Calibri"/>
+              <a:sym typeface="Calibri"/>
+            </a:endParaRPr>
           </a:p>
         </p:txBody>
       </p:sp>
+      <p:pic>
+        <p:nvPicPr>
+          <p:cNvPr id="5" name="Picture 4"/>
+          <p:cNvPicPr>
+            <a:picLocks noChangeAspect="1"/>
+          </p:cNvPicPr>
+          <p:nvPr/>
+        </p:nvPicPr>
+        <p:blipFill>
+          <a:blip r:embed="rId3"/>
+          <a:stretch>
+            <a:fillRect/>
+          </a:stretch>
+        </p:blipFill>
+        <p:spPr>
+          <a:xfrm>
+            <a:off x="1307909" y="1195912"/>
+            <a:ext cx="6471443" cy="5113447"/>
+          </a:xfrm>
+          <a:prstGeom prst="rect">
+            <a:avLst/>
+          </a:prstGeom>
+        </p:spPr>
+      </p:pic>
     </p:spTree>
+    <p:extLst>
+      <p:ext uri="{BB962C8B-B14F-4D97-AF65-F5344CB8AC3E}">
+        <p14:creationId xmlns:p14="http://schemas.microsoft.com/office/powerpoint/2010/main" val="4016748279"/>
+      </p:ext>
+    </p:extLst>
   </p:cSld>
   <p:clrMapOvr>
     <a:masterClrMapping/>

--- a/Deliverable1/Docs/TopicPresentation.pptx
+++ b/Deliverable1/Docs/TopicPresentation.pptx
@@ -239,7 +239,7 @@
   </p:defaultTextStyle>
   <p:extLst>
     <p:ext uri="{EFAFB233-063F-42B5-8137-9DF3F51BA10A}">
-      <p15:sldGuideLst xmlns:p15="http://schemas.microsoft.com/office/powerpoint/2012/main" xmlns="">
+      <p15:sldGuideLst xmlns="" xmlns:p15="http://schemas.microsoft.com/office/powerpoint/2012/main">
         <p15:guide id="1" orient="horz" pos="2160">
           <p15:clr>
             <a:srgbClr val="A4A3A4"/>
@@ -22825,6 +22825,54 @@
           </a:p>
         </p:txBody>
       </p:sp>
+      <p:pic>
+        <p:nvPicPr>
+          <p:cNvPr id="3" name="Picture 2"/>
+          <p:cNvPicPr>
+            <a:picLocks noChangeAspect="1"/>
+          </p:cNvPicPr>
+          <p:nvPr/>
+        </p:nvPicPr>
+        <p:blipFill>
+          <a:blip r:embed="rId3"/>
+          <a:stretch>
+            <a:fillRect/>
+          </a:stretch>
+        </p:blipFill>
+        <p:spPr>
+          <a:xfrm>
+            <a:off x="0" y="2971286"/>
+            <a:ext cx="9144000" cy="3336125"/>
+          </a:xfrm>
+          <a:prstGeom prst="rect">
+            <a:avLst/>
+          </a:prstGeom>
+        </p:spPr>
+      </p:pic>
+      <p:pic>
+        <p:nvPicPr>
+          <p:cNvPr id="4" name="Picture 3"/>
+          <p:cNvPicPr>
+            <a:picLocks noChangeAspect="1"/>
+          </p:cNvPicPr>
+          <p:nvPr/>
+        </p:nvPicPr>
+        <p:blipFill>
+          <a:blip r:embed="rId4"/>
+          <a:stretch>
+            <a:fillRect/>
+          </a:stretch>
+        </p:blipFill>
+        <p:spPr>
+          <a:xfrm>
+            <a:off x="-2" y="991351"/>
+            <a:ext cx="9144000" cy="2045849"/>
+          </a:xfrm>
+          <a:prstGeom prst="rect">
+            <a:avLst/>
+          </a:prstGeom>
+        </p:spPr>
+      </p:pic>
     </p:spTree>
   </p:cSld>
   <p:clrMapOvr>

--- a/Deliverable1/Docs/TopicPresentation.pptx
+++ b/Deliverable1/Docs/TopicPresentation.pptx
@@ -35,6 +35,15 @@
   </p:sldIdLst>
   <p:sldSz cx="9144000" cy="6858000" type="screen4x3"/>
   <p:notesSz cx="6858000" cy="9144000"/>
+  <p:embeddedFontLst>
+    <p:embeddedFont>
+      <p:font typeface="Calibri" panose="020F0502020204030204" pitchFamily="34" charset="0"/>
+      <p:regular r:id="rId27"/>
+      <p:bold r:id="rId28"/>
+      <p:italic r:id="rId29"/>
+      <p:boldItalic r:id="rId30"/>
+    </p:embeddedFont>
+  </p:embeddedFontLst>
   <p:defaultTextStyle>
     <a:defPPr marR="0" lvl="0" algn="l" rtl="0">
       <a:lnSpc>
@@ -239,7 +248,7 @@
   </p:defaultTextStyle>
   <p:extLst>
     <p:ext uri="{EFAFB233-063F-42B5-8137-9DF3F51BA10A}">
-      <p15:sldGuideLst xmlns="" xmlns:p15="http://schemas.microsoft.com/office/powerpoint/2012/main">
+      <p15:sldGuideLst xmlns:p15="http://schemas.microsoft.com/office/powerpoint/2012/main">
         <p15:guide id="1" orient="horz" pos="2160">
           <p15:clr>
             <a:srgbClr val="A4A3A4"/>
@@ -19860,13 +19869,13 @@
   <p:clrMapOvr>
     <a:masterClrMapping/>
   </p:clrMapOvr>
-  <p:transition xmlns:p14="http://schemas.microsoft.com/office/powerpoint/2010/main" spd="slow">
+  <p:transition spd="slow">
     <p:cut/>
   </p:transition>
   <p:timing>
     <p:tnLst>
       <p:par>
-        <p:cTn xmlns:p14="http://schemas.microsoft.com/office/powerpoint/2010/main" id="1" dur="indefinite" restart="never" nodeType="tmRoot"/>
+        <p:cTn id="1" dur="indefinite" restart="never" nodeType="tmRoot"/>
       </p:par>
     </p:tnLst>
   </p:timing>
@@ -20200,7 +20209,7 @@
   <p:clrMapOvr>
     <a:masterClrMapping/>
   </p:clrMapOvr>
-  <p:transition xmlns:p14="http://schemas.microsoft.com/office/powerpoint/2010/main" spd="slow">
+  <p:transition spd="slow">
     <p:cut/>
   </p:transition>
 </p:sld>
@@ -20684,7 +20693,7 @@
   <p:clrMapOvr>
     <a:masterClrMapping/>
   </p:clrMapOvr>
-  <p:transition xmlns:p14="http://schemas.microsoft.com/office/powerpoint/2010/main" spd="slow">
+  <p:transition spd="slow">
     <p:cut/>
   </p:transition>
 </p:sld>
@@ -21156,7 +21165,7 @@
   <p:clrMapOvr>
     <a:masterClrMapping/>
   </p:clrMapOvr>
-  <p:transition xmlns:p14="http://schemas.microsoft.com/office/powerpoint/2010/main" spd="slow">
+  <p:transition spd="slow">
     <p:cut/>
   </p:transition>
 </p:sld>
@@ -21454,7 +21463,7 @@
   <p:clrMapOvr>
     <a:masterClrMapping/>
   </p:clrMapOvr>
-  <p:transition xmlns:p14="http://schemas.microsoft.com/office/powerpoint/2010/main" spd="slow">
+  <p:transition spd="slow">
     <p:cut/>
   </p:transition>
 </p:sld>
@@ -21729,7 +21738,7 @@
   <p:clrMapOvr>
     <a:masterClrMapping/>
   </p:clrMapOvr>
-  <p:transition xmlns:p14="http://schemas.microsoft.com/office/powerpoint/2010/main" spd="slow">
+  <p:transition spd="slow">
     <p:cut/>
   </p:transition>
 </p:sld>
@@ -22262,7 +22271,7 @@
   <p:clrMapOvr>
     <a:masterClrMapping/>
   </p:clrMapOvr>
-  <p:transition xmlns:p14="http://schemas.microsoft.com/office/powerpoint/2010/main" spd="slow">
+  <p:transition spd="slow">
     <p:cut/>
   </p:transition>
 </p:sld>
@@ -22568,7 +22577,7 @@
   <p:clrMapOvr>
     <a:masterClrMapping/>
   </p:clrMapOvr>
-  <p:transition xmlns:p14="http://schemas.microsoft.com/office/powerpoint/2010/main" spd="slow">
+  <p:transition spd="slow">
     <p:cut/>
   </p:transition>
 </p:sld>
@@ -22878,7 +22887,7 @@
   <p:clrMapOvr>
     <a:masterClrMapping/>
   </p:clrMapOvr>
-  <p:transition xmlns:p14="http://schemas.microsoft.com/office/powerpoint/2010/main" spd="slow">
+  <p:transition spd="slow">
     <p:cut/>
   </p:transition>
 </p:sld>
@@ -23100,7 +23109,7 @@
   <p:clrMapOvr>
     <a:masterClrMapping/>
   </p:clrMapOvr>
-  <p:transition xmlns:p14="http://schemas.microsoft.com/office/powerpoint/2010/main" spd="slow">
+  <p:transition spd="slow">
     <p:cut/>
   </p:transition>
 </p:sld>
@@ -23636,7 +23645,7 @@
   <p:clrMapOvr>
     <a:masterClrMapping/>
   </p:clrMapOvr>
-  <p:transition xmlns:p14="http://schemas.microsoft.com/office/powerpoint/2010/main" spd="slow">
+  <p:transition spd="slow">
     <p:cut/>
   </p:transition>
 </p:sld>
@@ -24076,7 +24085,7 @@
   <p:clrMapOvr>
     <a:masterClrMapping/>
   </p:clrMapOvr>
-  <p:transition xmlns:p14="http://schemas.microsoft.com/office/powerpoint/2010/main" spd="slow">
+  <p:transition spd="slow">
     <p:cut/>
   </p:transition>
 </p:sld>
@@ -24349,7 +24358,7 @@
   <p:clrMapOvr>
     <a:masterClrMapping/>
   </p:clrMapOvr>
-  <p:transition xmlns:p14="http://schemas.microsoft.com/office/powerpoint/2010/main" spd="slow">
+  <p:transition spd="slow">
     <p:cut/>
   </p:transition>
 </p:sld>
@@ -24741,7 +24750,7 @@
   <p:clrMapOvr>
     <a:masterClrMapping/>
   </p:clrMapOvr>
-  <p:transition xmlns:p14="http://schemas.microsoft.com/office/powerpoint/2010/main" spd="slow">
+  <p:transition spd="slow">
     <p:cut/>
   </p:transition>
 </p:sld>
@@ -25191,7 +25200,7 @@
   <p:clrMapOvr>
     <a:masterClrMapping/>
   </p:clrMapOvr>
-  <p:transition xmlns:p14="http://schemas.microsoft.com/office/powerpoint/2010/main" spd="slow">
+  <p:transition spd="slow">
     <p:cut/>
   </p:transition>
 </p:sld>
@@ -25226,8 +25235,8 @@
         </p:nvSpPr>
         <p:spPr>
           <a:xfrm>
-            <a:off x="0" y="999067"/>
-            <a:ext cx="9143998" cy="5164664"/>
+            <a:off x="0" y="991351"/>
+            <a:ext cx="9143998" cy="5172380"/>
           </a:xfrm>
           <a:prstGeom prst="rect">
             <a:avLst/>
@@ -25527,7 +25536,7 @@
   <p:clrMapOvr>
     <a:masterClrMapping/>
   </p:clrMapOvr>
-  <p:transition xmlns:p14="http://schemas.microsoft.com/office/powerpoint/2010/main" spd="slow">
+  <p:transition spd="slow">
     <p:cut/>
   </p:transition>
 </p:sld>
@@ -25898,7 +25907,7 @@
   <p:clrMapOvr>
     <a:masterClrMapping/>
   </p:clrMapOvr>
-  <p:transition xmlns:p14="http://schemas.microsoft.com/office/powerpoint/2010/main" spd="slow">
+  <p:transition spd="slow">
     <p:cut/>
   </p:transition>
 </p:sld>
@@ -26236,7 +26245,7 @@
   <p:clrMapOvr>
     <a:masterClrMapping/>
   </p:clrMapOvr>
-  <p:transition xmlns:p14="http://schemas.microsoft.com/office/powerpoint/2010/main" spd="slow">
+  <p:transition spd="slow">
     <p:cut/>
   </p:transition>
 </p:sld>

--- a/Deliverable1/Docs/TopicPresentation.pptx
+++ b/Deliverable1/Docs/TopicPresentation.pptx
@@ -11,37 +11,38 @@
     <p:sldMasterId id="2147483669" r:id="rId7"/>
   </p:sldMasterIdLst>
   <p:notesMasterIdLst>
-    <p:notesMasterId r:id="rId26"/>
+    <p:notesMasterId r:id="rId27"/>
   </p:notesMasterIdLst>
   <p:sldIdLst>
     <p:sldId id="256" r:id="rId8"/>
     <p:sldId id="257" r:id="rId9"/>
     <p:sldId id="258" r:id="rId10"/>
-    <p:sldId id="274" r:id="rId11"/>
-    <p:sldId id="259" r:id="rId12"/>
-    <p:sldId id="260" r:id="rId13"/>
-    <p:sldId id="261" r:id="rId14"/>
-    <p:sldId id="270" r:id="rId15"/>
-    <p:sldId id="275" r:id="rId16"/>
-    <p:sldId id="276" r:id="rId17"/>
-    <p:sldId id="272" r:id="rId18"/>
-    <p:sldId id="262" r:id="rId19"/>
-    <p:sldId id="263" r:id="rId20"/>
-    <p:sldId id="273" r:id="rId21"/>
-    <p:sldId id="265" r:id="rId22"/>
-    <p:sldId id="266" r:id="rId23"/>
-    <p:sldId id="267" r:id="rId24"/>
-    <p:sldId id="268" r:id="rId25"/>
+    <p:sldId id="277" r:id="rId11"/>
+    <p:sldId id="274" r:id="rId12"/>
+    <p:sldId id="259" r:id="rId13"/>
+    <p:sldId id="260" r:id="rId14"/>
+    <p:sldId id="261" r:id="rId15"/>
+    <p:sldId id="270" r:id="rId16"/>
+    <p:sldId id="275" r:id="rId17"/>
+    <p:sldId id="276" r:id="rId18"/>
+    <p:sldId id="272" r:id="rId19"/>
+    <p:sldId id="262" r:id="rId20"/>
+    <p:sldId id="263" r:id="rId21"/>
+    <p:sldId id="273" r:id="rId22"/>
+    <p:sldId id="265" r:id="rId23"/>
+    <p:sldId id="266" r:id="rId24"/>
+    <p:sldId id="267" r:id="rId25"/>
+    <p:sldId id="268" r:id="rId26"/>
   </p:sldIdLst>
   <p:sldSz cx="9144000" cy="6858000" type="screen4x3"/>
   <p:notesSz cx="6858000" cy="9144000"/>
   <p:embeddedFontLst>
     <p:embeddedFont>
       <p:font typeface="Calibri" panose="020F0502020204030204" pitchFamily="34" charset="0"/>
-      <p:regular r:id="rId27"/>
-      <p:bold r:id="rId28"/>
-      <p:italic r:id="rId29"/>
-      <p:boldItalic r:id="rId30"/>
+      <p:regular r:id="rId28"/>
+      <p:bold r:id="rId29"/>
+      <p:italic r:id="rId30"/>
+      <p:boldItalic r:id="rId31"/>
     </p:embeddedFont>
   </p:embeddedFontLst>
   <p:defaultTextStyle>
@@ -847,6 +848,116 @@
     </p:spTree>
     <p:extLst>
       <p:ext uri="{BB962C8B-B14F-4D97-AF65-F5344CB8AC3E}">
+        <p14:creationId xmlns:p14="http://schemas.microsoft.com/office/powerpoint/2010/main" val="1777483670"/>
+      </p:ext>
+    </p:extLst>
+  </p:cSld>
+  <p:clrMapOvr>
+    <a:masterClrMapping/>
+  </p:clrMapOvr>
+</p:notes>
+</file>
+
+<file path=ppt/notesSlides/notesSlide12.xml><?xml version="1.0" encoding="utf-8"?>
+<p:notes xmlns:a="http://schemas.openxmlformats.org/drawingml/2006/main" xmlns:r="http://schemas.openxmlformats.org/officeDocument/2006/relationships" xmlns:p="http://schemas.openxmlformats.org/presentationml/2006/main" showMasterSp="0" showMasterPhAnim="0">
+  <p:cSld>
+    <p:spTree>
+      <p:nvGrpSpPr>
+        <p:cNvPr id="1" name="Shape 140"/>
+        <p:cNvGrpSpPr/>
+        <p:nvPr/>
+      </p:nvGrpSpPr>
+      <p:grpSpPr>
+        <a:xfrm>
+          <a:off x="0" y="0"/>
+          <a:ext cx="0" cy="0"/>
+          <a:chOff x="0" y="0"/>
+          <a:chExt cx="0" cy="0"/>
+        </a:xfrm>
+      </p:grpSpPr>
+      <p:sp>
+        <p:nvSpPr>
+          <p:cNvPr id="141" name="Shape 141"/>
+          <p:cNvSpPr txBox="1">
+            <a:spLocks noGrp="1"/>
+          </p:cNvSpPr>
+          <p:nvPr>
+            <p:ph type="body" idx="1"/>
+          </p:nvPr>
+        </p:nvSpPr>
+        <p:spPr>
+          <a:xfrm>
+            <a:off x="685800" y="4343400"/>
+            <a:ext cx="5486399" cy="4114800"/>
+          </a:xfrm>
+          <a:prstGeom prst="rect">
+            <a:avLst/>
+          </a:prstGeom>
+          <a:noFill/>
+          <a:ln>
+            <a:noFill/>
+          </a:ln>
+        </p:spPr>
+        <p:txBody>
+          <a:bodyPr lIns="91425" tIns="91425" rIns="91425" bIns="91425" anchor="ctr" anchorCtr="0">
+            <a:noAutofit/>
+          </a:bodyPr>
+          <a:lstStyle/>
+          <a:p>
+            <a:pPr lvl="0">
+              <a:spcBef>
+                <a:spcPts val="0"/>
+              </a:spcBef>
+              <a:buNone/>
+            </a:pPr>
+            <a:endParaRPr dirty="0"/>
+          </a:p>
+        </p:txBody>
+      </p:sp>
+      <p:sp>
+        <p:nvSpPr>
+          <p:cNvPr id="142" name="Shape 142"/>
+          <p:cNvSpPr>
+            <a:spLocks noGrp="1" noRot="1" noChangeAspect="1"/>
+          </p:cNvSpPr>
+          <p:nvPr>
+            <p:ph type="sldImg" idx="2"/>
+          </p:nvPr>
+        </p:nvSpPr>
+        <p:spPr>
+          <a:xfrm>
+            <a:off x="1143000" y="685800"/>
+            <a:ext cx="4572000" cy="3429000"/>
+          </a:xfrm>
+          <a:custGeom>
+            <a:avLst/>
+            <a:gdLst/>
+            <a:ahLst/>
+            <a:cxnLst/>
+            <a:rect l="0" t="0" r="0" b="0"/>
+            <a:pathLst>
+              <a:path w="120000" h="120000" extrusionOk="0">
+                <a:moveTo>
+                  <a:pt x="0" y="0"/>
+                </a:moveTo>
+                <a:lnTo>
+                  <a:pt x="120000" y="0"/>
+                </a:lnTo>
+                <a:lnTo>
+                  <a:pt x="120000" y="120000"/>
+                </a:lnTo>
+                <a:lnTo>
+                  <a:pt x="0" y="120000"/>
+                </a:lnTo>
+                <a:close/>
+              </a:path>
+            </a:pathLst>
+          </a:custGeom>
+        </p:spPr>
+      </p:sp>
+    </p:spTree>
+    <p:extLst>
+      <p:ext uri="{BB962C8B-B14F-4D97-AF65-F5344CB8AC3E}">
         <p14:creationId xmlns:p14="http://schemas.microsoft.com/office/powerpoint/2010/main" val="3259809174"/>
       </p:ext>
     </p:extLst>
@@ -857,7 +968,7 @@
 </p:notes>
 </file>
 
-<file path=ppt/notesSlides/notesSlide12.xml><?xml version="1.0" encoding="utf-8"?>
+<file path=ppt/notesSlides/notesSlide13.xml><?xml version="1.0" encoding="utf-8"?>
 <p:notes xmlns:a="http://schemas.openxmlformats.org/drawingml/2006/main" xmlns:r="http://schemas.openxmlformats.org/officeDocument/2006/relationships" xmlns:p="http://schemas.openxmlformats.org/presentationml/2006/main" showMasterSp="0" showMasterPhAnim="0">
   <p:cSld>
     <p:spTree>
@@ -967,7 +1078,7 @@
 </p:notes>
 </file>
 
-<file path=ppt/notesSlides/notesSlide13.xml><?xml version="1.0" encoding="utf-8"?>
+<file path=ppt/notesSlides/notesSlide14.xml><?xml version="1.0" encoding="utf-8"?>
 <p:notes xmlns:a="http://schemas.openxmlformats.org/drawingml/2006/main" xmlns:r="http://schemas.openxmlformats.org/officeDocument/2006/relationships" xmlns:p="http://schemas.openxmlformats.org/presentationml/2006/main" showMasterSp="0" showMasterPhAnim="0">
   <p:cSld>
     <p:spTree>
@@ -1077,7 +1188,7 @@
 </p:notes>
 </file>
 
-<file path=ppt/notesSlides/notesSlide14.xml><?xml version="1.0" encoding="utf-8"?>
+<file path=ppt/notesSlides/notesSlide15.xml><?xml version="1.0" encoding="utf-8"?>
 <p:notes xmlns:a="http://schemas.openxmlformats.org/drawingml/2006/main" xmlns:r="http://schemas.openxmlformats.org/officeDocument/2006/relationships" xmlns:p="http://schemas.openxmlformats.org/presentationml/2006/main" showMasterSp="0" showMasterPhAnim="0">
   <p:cSld>
     <p:spTree>
@@ -1187,7 +1298,7 @@
 </p:notes>
 </file>
 
-<file path=ppt/notesSlides/notesSlide15.xml><?xml version="1.0" encoding="utf-8"?>
+<file path=ppt/notesSlides/notesSlide16.xml><?xml version="1.0" encoding="utf-8"?>
 <p:notes xmlns:a="http://schemas.openxmlformats.org/drawingml/2006/main" xmlns:r="http://schemas.openxmlformats.org/officeDocument/2006/relationships" xmlns:p="http://schemas.openxmlformats.org/presentationml/2006/main" showMasterSp="0" showMasterPhAnim="0">
   <p:cSld>
     <p:spTree>
@@ -1297,7 +1408,7 @@
 </p:notes>
 </file>
 
-<file path=ppt/notesSlides/notesSlide16.xml><?xml version="1.0" encoding="utf-8"?>
+<file path=ppt/notesSlides/notesSlide17.xml><?xml version="1.0" encoding="utf-8"?>
 <p:notes xmlns:a="http://schemas.openxmlformats.org/drawingml/2006/main" xmlns:r="http://schemas.openxmlformats.org/officeDocument/2006/relationships" xmlns:p="http://schemas.openxmlformats.org/presentationml/2006/main" showMasterSp="0" showMasterPhAnim="0">
   <p:cSld>
     <p:spTree>
@@ -1407,7 +1518,7 @@
 </p:notes>
 </file>
 
-<file path=ppt/notesSlides/notesSlide17.xml><?xml version="1.0" encoding="utf-8"?>
+<file path=ppt/notesSlides/notesSlide18.xml><?xml version="1.0" encoding="utf-8"?>
 <p:notes xmlns:a="http://schemas.openxmlformats.org/drawingml/2006/main" xmlns:r="http://schemas.openxmlformats.org/officeDocument/2006/relationships" xmlns:p="http://schemas.openxmlformats.org/presentationml/2006/main" showMasterSp="0" showMasterPhAnim="0">
   <p:cSld>
     <p:spTree>
@@ -1517,7 +1628,7 @@
 </p:notes>
 </file>
 
-<file path=ppt/notesSlides/notesSlide18.xml><?xml version="1.0" encoding="utf-8"?>
+<file path=ppt/notesSlides/notesSlide19.xml><?xml version="1.0" encoding="utf-8"?>
 <p:notes xmlns:a="http://schemas.openxmlformats.org/drawingml/2006/main" xmlns:r="http://schemas.openxmlformats.org/officeDocument/2006/relationships" xmlns:p="http://schemas.openxmlformats.org/presentationml/2006/main" showMasterSp="0" showMasterPhAnim="0">
   <p:cSld>
     <p:spTree>
@@ -1852,6 +1963,116 @@
   <p:cSld>
     <p:spTree>
       <p:nvGrpSpPr>
+        <p:cNvPr id="1" name="Shape 122"/>
+        <p:cNvGrpSpPr/>
+        <p:nvPr/>
+      </p:nvGrpSpPr>
+      <p:grpSpPr>
+        <a:xfrm>
+          <a:off x="0" y="0"/>
+          <a:ext cx="0" cy="0"/>
+          <a:chOff x="0" y="0"/>
+          <a:chExt cx="0" cy="0"/>
+        </a:xfrm>
+      </p:grpSpPr>
+      <p:sp>
+        <p:nvSpPr>
+          <p:cNvPr id="123" name="Shape 123"/>
+          <p:cNvSpPr txBox="1">
+            <a:spLocks noGrp="1"/>
+          </p:cNvSpPr>
+          <p:nvPr>
+            <p:ph type="body" idx="1"/>
+          </p:nvPr>
+        </p:nvSpPr>
+        <p:spPr>
+          <a:xfrm>
+            <a:off x="685800" y="4343400"/>
+            <a:ext cx="5486399" cy="4114800"/>
+          </a:xfrm>
+          <a:prstGeom prst="rect">
+            <a:avLst/>
+          </a:prstGeom>
+          <a:noFill/>
+          <a:ln>
+            <a:noFill/>
+          </a:ln>
+        </p:spPr>
+        <p:txBody>
+          <a:bodyPr lIns="91425" tIns="91425" rIns="91425" bIns="91425" anchor="ctr" anchorCtr="0">
+            <a:noAutofit/>
+          </a:bodyPr>
+          <a:lstStyle/>
+          <a:p>
+            <a:pPr lvl="0">
+              <a:spcBef>
+                <a:spcPts val="0"/>
+              </a:spcBef>
+              <a:buNone/>
+            </a:pPr>
+            <a:endParaRPr dirty="0"/>
+          </a:p>
+        </p:txBody>
+      </p:sp>
+      <p:sp>
+        <p:nvSpPr>
+          <p:cNvPr id="124" name="Shape 124"/>
+          <p:cNvSpPr>
+            <a:spLocks noGrp="1" noRot="1" noChangeAspect="1"/>
+          </p:cNvSpPr>
+          <p:nvPr>
+            <p:ph type="sldImg" idx="2"/>
+          </p:nvPr>
+        </p:nvSpPr>
+        <p:spPr>
+          <a:xfrm>
+            <a:off x="1143000" y="685800"/>
+            <a:ext cx="4572000" cy="3429000"/>
+          </a:xfrm>
+          <a:custGeom>
+            <a:avLst/>
+            <a:gdLst/>
+            <a:ahLst/>
+            <a:cxnLst/>
+            <a:rect l="0" t="0" r="0" b="0"/>
+            <a:pathLst>
+              <a:path w="120000" h="120000" extrusionOk="0">
+                <a:moveTo>
+                  <a:pt x="0" y="0"/>
+                </a:moveTo>
+                <a:lnTo>
+                  <a:pt x="120000" y="0"/>
+                </a:lnTo>
+                <a:lnTo>
+                  <a:pt x="120000" y="120000"/>
+                </a:lnTo>
+                <a:lnTo>
+                  <a:pt x="0" y="120000"/>
+                </a:lnTo>
+                <a:close/>
+              </a:path>
+            </a:pathLst>
+          </a:custGeom>
+        </p:spPr>
+      </p:sp>
+    </p:spTree>
+    <p:extLst>
+      <p:ext uri="{BB962C8B-B14F-4D97-AF65-F5344CB8AC3E}">
+        <p14:creationId xmlns:p14="http://schemas.microsoft.com/office/powerpoint/2010/main" val="760192486"/>
+      </p:ext>
+    </p:extLst>
+  </p:cSld>
+  <p:clrMapOvr>
+    <a:masterClrMapping/>
+  </p:clrMapOvr>
+</p:notes>
+</file>
+
+<file path=ppt/notesSlides/notesSlide5.xml><?xml version="1.0" encoding="utf-8"?>
+<p:notes xmlns:a="http://schemas.openxmlformats.org/drawingml/2006/main" xmlns:r="http://schemas.openxmlformats.org/officeDocument/2006/relationships" xmlns:p="http://schemas.openxmlformats.org/presentationml/2006/main" showMasterSp="0" showMasterPhAnim="0">
+  <p:cSld>
+    <p:spTree>
+      <p:nvGrpSpPr>
         <p:cNvPr id="1" name="Shape 140"/>
         <p:cNvGrpSpPr/>
         <p:nvPr/>
@@ -1957,7 +2178,7 @@
 </p:notes>
 </file>
 
-<file path=ppt/notesSlides/notesSlide5.xml><?xml version="1.0" encoding="utf-8"?>
+<file path=ppt/notesSlides/notesSlide6.xml><?xml version="1.0" encoding="utf-8"?>
 <p:notes xmlns:a="http://schemas.openxmlformats.org/drawingml/2006/main" xmlns:r="http://schemas.openxmlformats.org/officeDocument/2006/relationships" xmlns:p="http://schemas.openxmlformats.org/presentationml/2006/main" showMasterSp="0" showMasterPhAnim="0">
   <p:cSld>
     <p:spTree>
@@ -2067,7 +2288,7 @@
 </p:notes>
 </file>
 
-<file path=ppt/notesSlides/notesSlide6.xml><?xml version="1.0" encoding="utf-8"?>
+<file path=ppt/notesSlides/notesSlide7.xml><?xml version="1.0" encoding="utf-8"?>
 <p:notes xmlns:a="http://schemas.openxmlformats.org/drawingml/2006/main" xmlns:r="http://schemas.openxmlformats.org/officeDocument/2006/relationships" xmlns:p="http://schemas.openxmlformats.org/presentationml/2006/main" showMasterSp="0" showMasterPhAnim="0">
   <p:cSld>
     <p:spTree>
@@ -2177,7 +2398,7 @@
 </p:notes>
 </file>
 
-<file path=ppt/notesSlides/notesSlide7.xml><?xml version="1.0" encoding="utf-8"?>
+<file path=ppt/notesSlides/notesSlide8.xml><?xml version="1.0" encoding="utf-8"?>
 <p:notes xmlns:a="http://schemas.openxmlformats.org/drawingml/2006/main" xmlns:r="http://schemas.openxmlformats.org/officeDocument/2006/relationships" xmlns:p="http://schemas.openxmlformats.org/presentationml/2006/main" showMasterSp="0" showMasterPhAnim="0">
   <p:cSld>
     <p:spTree>
@@ -2278,116 +2499,6 @@
     <p:extLst>
       <p:ext uri="{BB962C8B-B14F-4D97-AF65-F5344CB8AC3E}">
         <p14:creationId xmlns:p14="http://schemas.microsoft.com/office/powerpoint/2010/main" val="750243607"/>
-      </p:ext>
-    </p:extLst>
-  </p:cSld>
-  <p:clrMapOvr>
-    <a:masterClrMapping/>
-  </p:clrMapOvr>
-</p:notes>
-</file>
-
-<file path=ppt/notesSlides/notesSlide8.xml><?xml version="1.0" encoding="utf-8"?>
-<p:notes xmlns:a="http://schemas.openxmlformats.org/drawingml/2006/main" xmlns:r="http://schemas.openxmlformats.org/officeDocument/2006/relationships" xmlns:p="http://schemas.openxmlformats.org/presentationml/2006/main" showMasterSp="0" showMasterPhAnim="0">
-  <p:cSld>
-    <p:spTree>
-      <p:nvGrpSpPr>
-        <p:cNvPr id="1" name="Shape 140"/>
-        <p:cNvGrpSpPr/>
-        <p:nvPr/>
-      </p:nvGrpSpPr>
-      <p:grpSpPr>
-        <a:xfrm>
-          <a:off x="0" y="0"/>
-          <a:ext cx="0" cy="0"/>
-          <a:chOff x="0" y="0"/>
-          <a:chExt cx="0" cy="0"/>
-        </a:xfrm>
-      </p:grpSpPr>
-      <p:sp>
-        <p:nvSpPr>
-          <p:cNvPr id="141" name="Shape 141"/>
-          <p:cNvSpPr txBox="1">
-            <a:spLocks noGrp="1"/>
-          </p:cNvSpPr>
-          <p:nvPr>
-            <p:ph type="body" idx="1"/>
-          </p:nvPr>
-        </p:nvSpPr>
-        <p:spPr>
-          <a:xfrm>
-            <a:off x="685800" y="4343400"/>
-            <a:ext cx="5486399" cy="4114800"/>
-          </a:xfrm>
-          <a:prstGeom prst="rect">
-            <a:avLst/>
-          </a:prstGeom>
-          <a:noFill/>
-          <a:ln>
-            <a:noFill/>
-          </a:ln>
-        </p:spPr>
-        <p:txBody>
-          <a:bodyPr lIns="91425" tIns="91425" rIns="91425" bIns="91425" anchor="ctr" anchorCtr="0">
-            <a:noAutofit/>
-          </a:bodyPr>
-          <a:lstStyle/>
-          <a:p>
-            <a:pPr lvl="0">
-              <a:spcBef>
-                <a:spcPts val="0"/>
-              </a:spcBef>
-              <a:buNone/>
-            </a:pPr>
-            <a:endParaRPr dirty="0"/>
-          </a:p>
-        </p:txBody>
-      </p:sp>
-      <p:sp>
-        <p:nvSpPr>
-          <p:cNvPr id="142" name="Shape 142"/>
-          <p:cNvSpPr>
-            <a:spLocks noGrp="1" noRot="1" noChangeAspect="1"/>
-          </p:cNvSpPr>
-          <p:nvPr>
-            <p:ph type="sldImg" idx="2"/>
-          </p:nvPr>
-        </p:nvSpPr>
-        <p:spPr>
-          <a:xfrm>
-            <a:off x="1143000" y="685800"/>
-            <a:ext cx="4572000" cy="3429000"/>
-          </a:xfrm>
-          <a:custGeom>
-            <a:avLst/>
-            <a:gdLst/>
-            <a:ahLst/>
-            <a:cxnLst/>
-            <a:rect l="0" t="0" r="0" b="0"/>
-            <a:pathLst>
-              <a:path w="120000" h="120000" extrusionOk="0">
-                <a:moveTo>
-                  <a:pt x="0" y="0"/>
-                </a:moveTo>
-                <a:lnTo>
-                  <a:pt x="120000" y="0"/>
-                </a:lnTo>
-                <a:lnTo>
-                  <a:pt x="120000" y="120000"/>
-                </a:lnTo>
-                <a:lnTo>
-                  <a:pt x="0" y="120000"/>
-                </a:lnTo>
-                <a:close/>
-              </a:path>
-            </a:pathLst>
-          </a:custGeom>
-        </p:spPr>
-      </p:sp>
-    </p:spTree>
-    <p:extLst>
-      <p:ext uri="{BB962C8B-B14F-4D97-AF65-F5344CB8AC3E}">
-        <p14:creationId xmlns:p14="http://schemas.microsoft.com/office/powerpoint/2010/main" val="1777483670"/>
       </p:ext>
     </p:extLst>
   </p:cSld>
@@ -19911,6 +20022,351 @@
         </p:nvSpPr>
         <p:spPr>
           <a:xfrm>
+            <a:off x="0" y="801384"/>
+            <a:ext cx="9143998" cy="5362347"/>
+          </a:xfrm>
+          <a:prstGeom prst="rect">
+            <a:avLst/>
+          </a:prstGeom>
+          <a:noFill/>
+          <a:ln>
+            <a:noFill/>
+          </a:ln>
+        </p:spPr>
+        <p:txBody>
+          <a:bodyPr lIns="274300" tIns="45700" rIns="274300" bIns="45700" anchor="t" anchorCtr="0">
+            <a:noAutofit/>
+          </a:bodyPr>
+          <a:lstStyle/>
+          <a:p>
+            <a:pPr marL="311150" lvl="1" indent="0" algn="ctr">
+              <a:spcBef>
+                <a:spcPts val="1080"/>
+              </a:spcBef>
+              <a:spcAft>
+                <a:spcPts val="0"/>
+              </a:spcAft>
+              <a:buSzPct val="25000"/>
+              <a:buNone/>
+            </a:pPr>
+            <a:r>
+              <a:rPr lang="en-US" sz="1800" dirty="0" smtClean="0"/>
+              <a:t>Survey</a:t>
+            </a:r>
+            <a:r>
+              <a:rPr lang="en-US" sz="1800" dirty="0"/>
+              <a:t>: </a:t>
+            </a:r>
+            <a:r>
+              <a:rPr lang="en-US" sz="1800" dirty="0" smtClean="0"/>
+              <a:t>http</a:t>
+            </a:r>
+            <a:r>
+              <a:rPr lang="en-US" sz="1800" dirty="0"/>
+              <a:t>://goo.gl/forms/LLjb84tBuA </a:t>
+            </a:r>
+            <a:endParaRPr lang="en-US" sz="1800" dirty="0" smtClean="0"/>
+          </a:p>
+          <a:p>
+            <a:pPr marL="311150" lvl="1" indent="0">
+              <a:spcBef>
+                <a:spcPts val="1080"/>
+              </a:spcBef>
+              <a:spcAft>
+                <a:spcPts val="0"/>
+              </a:spcAft>
+              <a:buSzPct val="25000"/>
+              <a:buNone/>
+            </a:pPr>
+            <a:endParaRPr sz="2400" b="0" i="0" u="none" strike="noStrike" cap="none" dirty="0">
+              <a:solidFill>
+                <a:schemeClr val="lt1"/>
+              </a:solidFill>
+              <a:latin typeface="Calibri"/>
+              <a:ea typeface="Calibri"/>
+              <a:cs typeface="Calibri"/>
+              <a:sym typeface="Calibri"/>
+            </a:endParaRPr>
+          </a:p>
+          <a:p>
+            <a:pPr marL="0" marR="0" lvl="0" indent="0" algn="l" rtl="0">
+              <a:spcBef>
+                <a:spcPts val="1080"/>
+              </a:spcBef>
+              <a:spcAft>
+                <a:spcPts val="0"/>
+              </a:spcAft>
+              <a:buClr>
+                <a:schemeClr val="lt1"/>
+              </a:buClr>
+              <a:buSzPct val="25000"/>
+              <a:buFont typeface="Arial"/>
+              <a:buNone/>
+            </a:pPr>
+            <a:endParaRPr sz="2400" b="0" i="0" u="none" strike="noStrike" cap="none" dirty="0">
+              <a:solidFill>
+                <a:schemeClr val="lt1"/>
+              </a:solidFill>
+              <a:latin typeface="Calibri"/>
+              <a:ea typeface="Calibri"/>
+              <a:cs typeface="Calibri"/>
+              <a:sym typeface="Calibri"/>
+            </a:endParaRPr>
+          </a:p>
+          <a:p>
+            <a:pPr marL="0" marR="0" lvl="0" indent="0" algn="l" rtl="0">
+              <a:spcBef>
+                <a:spcPts val="1080"/>
+              </a:spcBef>
+              <a:spcAft>
+                <a:spcPts val="0"/>
+              </a:spcAft>
+              <a:buClr>
+                <a:schemeClr val="lt1"/>
+              </a:buClr>
+              <a:buSzPct val="25000"/>
+              <a:buFont typeface="Arial"/>
+              <a:buNone/>
+            </a:pPr>
+            <a:endParaRPr sz="2400" b="0" i="0" u="none" strike="noStrike" cap="none" dirty="0">
+              <a:solidFill>
+                <a:schemeClr val="lt1"/>
+              </a:solidFill>
+              <a:latin typeface="Calibri"/>
+              <a:ea typeface="Calibri"/>
+              <a:cs typeface="Calibri"/>
+              <a:sym typeface="Calibri"/>
+            </a:endParaRPr>
+          </a:p>
+          <a:p>
+            <a:pPr marL="0" marR="0" lvl="0" indent="0" algn="l" rtl="0">
+              <a:spcBef>
+                <a:spcPts val="1080"/>
+              </a:spcBef>
+              <a:spcAft>
+                <a:spcPts val="0"/>
+              </a:spcAft>
+              <a:buClr>
+                <a:schemeClr val="lt1"/>
+              </a:buClr>
+              <a:buSzPct val="25000"/>
+              <a:buFont typeface="Arial"/>
+              <a:buNone/>
+            </a:pPr>
+            <a:endParaRPr sz="2400" b="0" i="0" u="none" strike="noStrike" cap="none" dirty="0">
+              <a:solidFill>
+                <a:schemeClr val="lt1"/>
+              </a:solidFill>
+              <a:latin typeface="Calibri"/>
+              <a:ea typeface="Calibri"/>
+              <a:cs typeface="Calibri"/>
+              <a:sym typeface="Calibri"/>
+            </a:endParaRPr>
+          </a:p>
+          <a:p>
+            <a:pPr marL="0" marR="0" lvl="0" indent="0" algn="l" rtl="0">
+              <a:spcBef>
+                <a:spcPts val="1080"/>
+              </a:spcBef>
+              <a:spcAft>
+                <a:spcPts val="0"/>
+              </a:spcAft>
+              <a:buClr>
+                <a:schemeClr val="lt1"/>
+              </a:buClr>
+              <a:buSzPct val="25000"/>
+              <a:buFont typeface="Arial"/>
+              <a:buNone/>
+            </a:pPr>
+            <a:endParaRPr sz="2400" b="0" i="0" u="none" strike="noStrike" cap="none" dirty="0">
+              <a:solidFill>
+                <a:schemeClr val="lt1"/>
+              </a:solidFill>
+              <a:latin typeface="Calibri"/>
+              <a:ea typeface="Calibri"/>
+              <a:cs typeface="Calibri"/>
+              <a:sym typeface="Calibri"/>
+            </a:endParaRPr>
+          </a:p>
+          <a:p>
+            <a:pPr marL="0" marR="0" lvl="0" indent="0" algn="l" rtl="0">
+              <a:spcBef>
+                <a:spcPts val="1080"/>
+              </a:spcBef>
+              <a:spcAft>
+                <a:spcPts val="0"/>
+              </a:spcAft>
+              <a:buClr>
+                <a:schemeClr val="lt1"/>
+              </a:buClr>
+              <a:buSzPct val="25000"/>
+              <a:buFont typeface="Arial"/>
+              <a:buNone/>
+            </a:pPr>
+            <a:endParaRPr sz="2400" b="0" i="0" u="none" strike="noStrike" cap="none" dirty="0">
+              <a:solidFill>
+                <a:schemeClr val="lt1"/>
+              </a:solidFill>
+              <a:latin typeface="Calibri"/>
+              <a:ea typeface="Calibri"/>
+              <a:cs typeface="Calibri"/>
+              <a:sym typeface="Calibri"/>
+            </a:endParaRPr>
+          </a:p>
+        </p:txBody>
+      </p:sp>
+      <p:sp>
+        <p:nvSpPr>
+          <p:cNvPr id="145" name="Shape 145"/>
+          <p:cNvSpPr txBox="1">
+            <a:spLocks noGrp="1"/>
+          </p:cNvSpPr>
+          <p:nvPr>
+            <p:ph type="title"/>
+          </p:nvPr>
+        </p:nvSpPr>
+        <p:spPr>
+          <a:xfrm>
+            <a:off x="0" y="0"/>
+            <a:ext cx="9144000" cy="991351"/>
+          </a:xfrm>
+          <a:prstGeom prst="rect">
+            <a:avLst/>
+          </a:prstGeom>
+          <a:noFill/>
+          <a:ln>
+            <a:noFill/>
+          </a:ln>
+        </p:spPr>
+        <p:txBody>
+          <a:bodyPr lIns="274300" tIns="45700" rIns="91425" bIns="45700" anchor="ctr" anchorCtr="0">
+            <a:noAutofit/>
+          </a:bodyPr>
+          <a:lstStyle/>
+          <a:p>
+            <a:pPr marL="0" marR="0" lvl="0" indent="0" algn="ctr" rtl="0">
+              <a:spcBef>
+                <a:spcPts val="0"/>
+              </a:spcBef>
+              <a:buClr>
+                <a:srgbClr val="EEB211"/>
+              </a:buClr>
+              <a:buSzPct val="25000"/>
+              <a:buFont typeface="Calibri"/>
+              <a:buNone/>
+            </a:pPr>
+            <a:r>
+              <a:rPr lang="en-US" sz="2400" b="0" i="0" u="none" strike="noStrike" cap="none" dirty="0">
+                <a:solidFill>
+                  <a:srgbClr val="EEB211"/>
+                </a:solidFill>
+                <a:latin typeface="Calibri"/>
+                <a:ea typeface="Calibri"/>
+                <a:cs typeface="Calibri"/>
+                <a:sym typeface="Calibri"/>
+              </a:rPr>
+              <a:t> </a:t>
+            </a:r>
+            <a:r>
+              <a:rPr lang="en-US" sz="2400" b="0" i="0" u="none" strike="noStrike" cap="none" dirty="0" smtClean="0">
+                <a:solidFill>
+                  <a:srgbClr val="EEB211"/>
+                </a:solidFill>
+                <a:latin typeface="Calibri"/>
+                <a:ea typeface="Calibri"/>
+                <a:cs typeface="Calibri"/>
+                <a:sym typeface="Calibri"/>
+              </a:rPr>
+              <a:t>RESEARCH – SURVEY RESULTS</a:t>
+            </a:r>
+            <a:endParaRPr lang="en-US" sz="2400" b="0" i="0" u="none" strike="noStrike" cap="none" dirty="0">
+              <a:solidFill>
+                <a:srgbClr val="EEB211"/>
+              </a:solidFill>
+              <a:latin typeface="Calibri"/>
+              <a:ea typeface="Calibri"/>
+              <a:cs typeface="Calibri"/>
+              <a:sym typeface="Calibri"/>
+            </a:endParaRPr>
+          </a:p>
+        </p:txBody>
+      </p:sp>
+      <p:pic>
+        <p:nvPicPr>
+          <p:cNvPr id="5" name="Picture 4"/>
+          <p:cNvPicPr>
+            <a:picLocks noChangeAspect="1"/>
+          </p:cNvPicPr>
+          <p:nvPr/>
+        </p:nvPicPr>
+        <p:blipFill>
+          <a:blip r:embed="rId3"/>
+          <a:stretch>
+            <a:fillRect/>
+          </a:stretch>
+        </p:blipFill>
+        <p:spPr>
+          <a:xfrm>
+            <a:off x="1307909" y="1195912"/>
+            <a:ext cx="6471443" cy="5113447"/>
+          </a:xfrm>
+          <a:prstGeom prst="rect">
+            <a:avLst/>
+          </a:prstGeom>
+        </p:spPr>
+      </p:pic>
+    </p:spTree>
+    <p:extLst>
+      <p:ext uri="{BB962C8B-B14F-4D97-AF65-F5344CB8AC3E}">
+        <p14:creationId xmlns:p14="http://schemas.microsoft.com/office/powerpoint/2010/main" val="4016748279"/>
+      </p:ext>
+    </p:extLst>
+  </p:cSld>
+  <p:clrMapOvr>
+    <a:masterClrMapping/>
+  </p:clrMapOvr>
+  <p:transition spd="slow">
+    <p:cut/>
+  </p:transition>
+  <p:timing>
+    <p:tnLst>
+      <p:par>
+        <p:cTn id="1" dur="indefinite" restart="never" nodeType="tmRoot"/>
+      </p:par>
+    </p:tnLst>
+  </p:timing>
+</p:sld>
+</file>
+
+<file path=ppt/slides/slide11.xml><?xml version="1.0" encoding="utf-8"?>
+<p:sld xmlns:a="http://schemas.openxmlformats.org/drawingml/2006/main" xmlns:r="http://schemas.openxmlformats.org/officeDocument/2006/relationships" xmlns:p="http://schemas.openxmlformats.org/presentationml/2006/main">
+  <p:cSld>
+    <p:spTree>
+      <p:nvGrpSpPr>
+        <p:cNvPr id="1" name="Shape 143"/>
+        <p:cNvGrpSpPr/>
+        <p:nvPr/>
+      </p:nvGrpSpPr>
+      <p:grpSpPr>
+        <a:xfrm>
+          <a:off x="0" y="0"/>
+          <a:ext cx="0" cy="0"/>
+          <a:chOff x="0" y="0"/>
+          <a:chExt cx="0" cy="0"/>
+        </a:xfrm>
+      </p:grpSpPr>
+      <p:sp>
+        <p:nvSpPr>
+          <p:cNvPr id="144" name="Shape 144"/>
+          <p:cNvSpPr txBox="1">
+            <a:spLocks noGrp="1"/>
+          </p:cNvSpPr>
+          <p:nvPr>
+            <p:ph type="body" idx="1"/>
+          </p:nvPr>
+        </p:nvSpPr>
+        <p:spPr>
+          <a:xfrm>
             <a:off x="0" y="999067"/>
             <a:ext cx="9143998" cy="5164664"/>
           </a:xfrm>
@@ -20212,10 +20668,17 @@
   <p:transition spd="slow">
     <p:cut/>
   </p:transition>
+  <p:timing>
+    <p:tnLst>
+      <p:par>
+        <p:cTn id="1" dur="indefinite" restart="never" nodeType="tmRoot"/>
+      </p:par>
+    </p:tnLst>
+  </p:timing>
 </p:sld>
 </file>
 
-<file path=ppt/slides/slide11.xml><?xml version="1.0" encoding="utf-8"?>
+<file path=ppt/slides/slide12.xml><?xml version="1.0" encoding="utf-8"?>
 <p:sld xmlns:a="http://schemas.openxmlformats.org/drawingml/2006/main" xmlns:r="http://schemas.openxmlformats.org/officeDocument/2006/relationships" xmlns:p="http://schemas.openxmlformats.org/presentationml/2006/main">
   <p:cSld>
     <p:spTree>
@@ -20696,10 +21159,17 @@
   <p:transition spd="slow">
     <p:cut/>
   </p:transition>
+  <p:timing>
+    <p:tnLst>
+      <p:par>
+        <p:cTn id="1" dur="indefinite" restart="never" nodeType="tmRoot"/>
+      </p:par>
+    </p:tnLst>
+  </p:timing>
 </p:sld>
 </file>
 
-<file path=ppt/slides/slide12.xml><?xml version="1.0" encoding="utf-8"?>
+<file path=ppt/slides/slide13.xml><?xml version="1.0" encoding="utf-8"?>
 <p:sld xmlns:a="http://schemas.openxmlformats.org/drawingml/2006/main" xmlns:r="http://schemas.openxmlformats.org/officeDocument/2006/relationships" xmlns:p="http://schemas.openxmlformats.org/presentationml/2006/main">
   <p:cSld>
     <p:spTree>
@@ -21168,304 +21638,13 @@
   <p:transition spd="slow">
     <p:cut/>
   </p:transition>
-</p:sld>
-</file>
-
-<file path=ppt/slides/slide13.xml><?xml version="1.0" encoding="utf-8"?>
-<p:sld xmlns:a="http://schemas.openxmlformats.org/drawingml/2006/main" xmlns:r="http://schemas.openxmlformats.org/officeDocument/2006/relationships" xmlns:p="http://schemas.openxmlformats.org/presentationml/2006/main">
-  <p:cSld>
-    <p:spTree>
-      <p:nvGrpSpPr>
-        <p:cNvPr id="1" name="Shape 155"/>
-        <p:cNvGrpSpPr/>
-        <p:nvPr/>
-      </p:nvGrpSpPr>
-      <p:grpSpPr>
-        <a:xfrm>
-          <a:off x="0" y="0"/>
-          <a:ext cx="0" cy="0"/>
-          <a:chOff x="0" y="0"/>
-          <a:chExt cx="0" cy="0"/>
-        </a:xfrm>
-      </p:grpSpPr>
-      <p:sp>
-        <p:nvSpPr>
-          <p:cNvPr id="156" name="Shape 156"/>
-          <p:cNvSpPr txBox="1">
-            <a:spLocks noGrp="1"/>
-          </p:cNvSpPr>
-          <p:nvPr>
-            <p:ph type="body" idx="1"/>
-          </p:nvPr>
-        </p:nvSpPr>
-        <p:spPr>
-          <a:xfrm>
-            <a:off x="0" y="999067"/>
-            <a:ext cx="9143998" cy="5164664"/>
-          </a:xfrm>
-          <a:prstGeom prst="rect">
-            <a:avLst/>
-          </a:prstGeom>
-          <a:noFill/>
-          <a:ln>
-            <a:noFill/>
-          </a:ln>
-        </p:spPr>
-        <p:txBody>
-          <a:bodyPr lIns="274300" tIns="45700" rIns="274300" bIns="45700" anchor="t" anchorCtr="0">
-            <a:noAutofit/>
-          </a:bodyPr>
-          <a:lstStyle/>
-          <a:p>
-            <a:pPr marL="0" marR="0" lvl="0" indent="0" algn="l" rtl="0">
-              <a:spcBef>
-                <a:spcPts val="0"/>
-              </a:spcBef>
-              <a:spcAft>
-                <a:spcPts val="0"/>
-              </a:spcAft>
-              <a:buClr>
-                <a:schemeClr val="lt1"/>
-              </a:buClr>
-              <a:buSzPct val="25000"/>
-              <a:buFont typeface="Arial"/>
-              <a:buNone/>
-            </a:pPr>
-            <a:r>
-              <a:rPr lang="en-US" b="0" i="0" u="none" strike="noStrike" cap="none" dirty="0">
-                <a:solidFill>
-                  <a:schemeClr val="lt1"/>
-                </a:solidFill>
-                <a:latin typeface="Calibri"/>
-                <a:ea typeface="Calibri"/>
-                <a:cs typeface="Calibri"/>
-                <a:sym typeface="Calibri"/>
-              </a:rPr>
-              <a:t>Benefits to Users</a:t>
-            </a:r>
-          </a:p>
-          <a:p>
-            <a:pPr lvl="1">
-              <a:spcBef>
-                <a:spcPts val="960"/>
-              </a:spcBef>
-              <a:spcAft>
-                <a:spcPts val="0"/>
-              </a:spcAft>
-              <a:buFont typeface="Arial"/>
-              <a:buChar char="•"/>
-            </a:pPr>
-            <a:r>
-              <a:rPr lang="en-US" sz="2000" dirty="0" smtClean="0"/>
-              <a:t>Concise </a:t>
-            </a:r>
-            <a:r>
-              <a:rPr lang="en-US" sz="2000" dirty="0"/>
-              <a:t>vaccination information makes sure the users are getting just what they need</a:t>
-            </a:r>
-            <a:endParaRPr lang="en-US" sz="2000" b="0" i="0" u="none" strike="noStrike" cap="none" dirty="0" smtClean="0">
-              <a:solidFill>
-                <a:schemeClr val="lt1"/>
-              </a:solidFill>
-              <a:sym typeface="Calibri"/>
-            </a:endParaRPr>
-          </a:p>
-          <a:p>
-            <a:pPr lvl="1">
-              <a:spcBef>
-                <a:spcPts val="960"/>
-              </a:spcBef>
-              <a:spcAft>
-                <a:spcPts val="0"/>
-              </a:spcAft>
-              <a:buFont typeface="Arial"/>
-              <a:buChar char="•"/>
-            </a:pPr>
-            <a:r>
-              <a:rPr lang="en-US" sz="2000" dirty="0"/>
-              <a:t>One-stop shop for all of the user's </a:t>
-            </a:r>
-            <a:r>
-              <a:rPr lang="en-US" sz="2000" dirty="0" smtClean="0"/>
-              <a:t>location-specific </a:t>
-            </a:r>
-            <a:r>
-              <a:rPr lang="en-US" sz="2000" dirty="0"/>
-              <a:t>health needs. No "homework" </a:t>
-            </a:r>
-            <a:r>
-              <a:rPr lang="en-US" sz="2000" dirty="0" smtClean="0"/>
-              <a:t>needed</a:t>
-            </a:r>
-          </a:p>
-          <a:p>
-            <a:pPr lvl="1">
-              <a:spcBef>
-                <a:spcPts val="960"/>
-              </a:spcBef>
-              <a:spcAft>
-                <a:spcPts val="0"/>
-              </a:spcAft>
-              <a:buFont typeface="Arial"/>
-              <a:buChar char="•"/>
-            </a:pPr>
-            <a:r>
-              <a:rPr lang="en-US" sz="2000" b="0" i="0" u="none" strike="noStrike" cap="none" dirty="0" smtClean="0">
-                <a:solidFill>
-                  <a:schemeClr val="lt1"/>
-                </a:solidFill>
-                <a:sym typeface="Calibri"/>
-              </a:rPr>
-              <a:t> </a:t>
-            </a:r>
-            <a:r>
-              <a:rPr lang="en-US" sz="2000" dirty="0"/>
-              <a:t>Online check list helps the user organize his\her health-related preparation before the </a:t>
-            </a:r>
-            <a:r>
-              <a:rPr lang="en-US" sz="2000" dirty="0" smtClean="0"/>
-              <a:t>trip</a:t>
-            </a:r>
-          </a:p>
-          <a:p>
-            <a:pPr lvl="1">
-              <a:spcBef>
-                <a:spcPts val="960"/>
-              </a:spcBef>
-              <a:spcAft>
-                <a:spcPts val="0"/>
-              </a:spcAft>
-              <a:buFont typeface="Arial"/>
-              <a:buChar char="•"/>
-            </a:pPr>
-            <a:r>
-              <a:rPr lang="en-US" sz="2000" dirty="0"/>
-              <a:t>Simple and clear guidelines help the user protect his\her health while on the trip</a:t>
-            </a:r>
-            <a:endParaRPr lang="en-US" sz="2000" b="0" i="0" u="none" strike="noStrike" cap="none" dirty="0">
-              <a:solidFill>
-                <a:schemeClr val="lt1"/>
-              </a:solidFill>
-              <a:sym typeface="Calibri"/>
-            </a:endParaRPr>
-          </a:p>
-          <a:p>
-            <a:pPr lvl="1">
-              <a:spcBef>
-                <a:spcPts val="960"/>
-              </a:spcBef>
-              <a:spcAft>
-                <a:spcPts val="0"/>
-              </a:spcAft>
-              <a:buFont typeface="Arial"/>
-              <a:buChar char="•"/>
-            </a:pPr>
-            <a:r>
-              <a:rPr lang="en-US" sz="2000" b="0" i="0" u="none" strike="noStrike" cap="none" dirty="0">
-                <a:solidFill>
-                  <a:schemeClr val="lt1"/>
-                </a:solidFill>
-                <a:sym typeface="Calibri"/>
-              </a:rPr>
-              <a:t> Users get real time warnings about health hazards around them</a:t>
-            </a:r>
-          </a:p>
-          <a:p>
-            <a:pPr lvl="1" indent="0">
-              <a:spcBef>
-                <a:spcPts val="960"/>
-              </a:spcBef>
-              <a:spcAft>
-                <a:spcPts val="0"/>
-              </a:spcAft>
-              <a:buSzPct val="25000"/>
-              <a:buFont typeface="Arial"/>
-              <a:buNone/>
-            </a:pPr>
-            <a:endParaRPr sz="2000" b="0" i="0" u="none" strike="noStrike" cap="none" dirty="0">
-              <a:solidFill>
-                <a:schemeClr val="lt1"/>
-              </a:solidFill>
-              <a:sym typeface="Calibri"/>
-            </a:endParaRPr>
-          </a:p>
-        </p:txBody>
-      </p:sp>
-      <p:sp>
-        <p:nvSpPr>
-          <p:cNvPr id="157" name="Shape 157"/>
-          <p:cNvSpPr txBox="1">
-            <a:spLocks noGrp="1"/>
-          </p:cNvSpPr>
-          <p:nvPr>
-            <p:ph type="title"/>
-          </p:nvPr>
-        </p:nvSpPr>
-        <p:spPr>
-          <a:xfrm>
-            <a:off x="0" y="0"/>
-            <a:ext cx="9144000" cy="991351"/>
-          </a:xfrm>
-          <a:prstGeom prst="rect">
-            <a:avLst/>
-          </a:prstGeom>
-          <a:noFill/>
-          <a:ln>
-            <a:noFill/>
-          </a:ln>
-        </p:spPr>
-        <p:txBody>
-          <a:bodyPr lIns="274300" tIns="45700" rIns="91425" bIns="45700" anchor="ctr" anchorCtr="0">
-            <a:noAutofit/>
-          </a:bodyPr>
-          <a:lstStyle/>
-          <a:p>
-            <a:pPr marL="0" marR="0" lvl="0" indent="0" algn="ctr" rtl="0">
-              <a:spcBef>
-                <a:spcPts val="0"/>
-              </a:spcBef>
-              <a:buClr>
-                <a:srgbClr val="EEB211"/>
-              </a:buClr>
-              <a:buSzPct val="25000"/>
-              <a:buFont typeface="Calibri"/>
-              <a:buNone/>
-            </a:pPr>
-            <a:r>
-              <a:rPr lang="en-US" sz="2400" b="0" i="0" u="none" strike="noStrike" cap="none" dirty="0" smtClean="0">
-                <a:solidFill>
-                  <a:srgbClr val="EEB211"/>
-                </a:solidFill>
-                <a:latin typeface="Calibri"/>
-                <a:ea typeface="Calibri"/>
-                <a:cs typeface="Calibri"/>
-                <a:sym typeface="Calibri"/>
-              </a:rPr>
-              <a:t>BUSINESS </a:t>
-            </a:r>
-            <a:r>
-              <a:rPr lang="en-US" sz="2400" b="0" i="0" u="none" strike="noStrike" cap="none" dirty="0">
-                <a:solidFill>
-                  <a:srgbClr val="EEB211"/>
-                </a:solidFill>
-                <a:latin typeface="Calibri"/>
-                <a:ea typeface="Calibri"/>
-                <a:cs typeface="Calibri"/>
-                <a:sym typeface="Calibri"/>
-              </a:rPr>
-              <a:t>CASE</a:t>
-            </a:r>
-          </a:p>
-        </p:txBody>
-      </p:sp>
-    </p:spTree>
-  </p:cSld>
-  <p:clrMapOvr>
-    <a:masterClrMapping/>
-  </p:clrMapOvr>
-  <p:transition spd="slow">
-    <p:cut/>
-  </p:transition>
+  <p:timing>
+    <p:tnLst>
+      <p:par>
+        <p:cTn id="1" dur="indefinite" restart="never" nodeType="tmRoot"/>
+      </p:par>
+    </p:tnLst>
+  </p:timing>
 </p:sld>
 </file>
 
@@ -21517,7 +21696,7 @@
           <a:p>
             <a:pPr marL="0" marR="0" lvl="0" indent="0" algn="l" rtl="0">
               <a:spcBef>
-                <a:spcPts val="960"/>
+                <a:spcPts val="0"/>
               </a:spcBef>
               <a:spcAft>
                 <a:spcPts val="0"/>
@@ -21530,7 +21709,7 @@
               <a:buNone/>
             </a:pPr>
             <a:r>
-              <a:rPr lang="en-US" b="0" i="0" u="none" strike="noStrike" cap="none" dirty="0" smtClean="0">
+              <a:rPr lang="en-US" b="0" i="0" u="none" strike="noStrike" cap="none" dirty="0">
                 <a:solidFill>
                   <a:schemeClr val="lt1"/>
                 </a:solidFill>
@@ -21539,19 +21718,7 @@
                 <a:cs typeface="Calibri"/>
                 <a:sym typeface="Calibri"/>
               </a:rPr>
-              <a:t>Benefits </a:t>
-            </a:r>
-            <a:r>
-              <a:rPr lang="en-US" b="0" i="0" u="none" strike="noStrike" cap="none" dirty="0">
-                <a:solidFill>
-                  <a:schemeClr val="lt1"/>
-                </a:solidFill>
-                <a:latin typeface="Calibri"/>
-                <a:ea typeface="Calibri"/>
-                <a:cs typeface="Calibri"/>
-                <a:sym typeface="Calibri"/>
-              </a:rPr>
-              <a:t>to Non Users</a:t>
+              <a:t>Benefits to Users</a:t>
             </a:r>
           </a:p>
           <a:p>
@@ -21566,16 +21733,46 @@
               <a:buChar char="•"/>
             </a:pPr>
             <a:r>
-              <a:rPr lang="en-US" sz="1700" dirty="0"/>
-              <a:t> </a:t>
+              <a:rPr lang="en-US" sz="2000" dirty="0" smtClean="0"/>
+              <a:t>Concise </a:t>
             </a:r>
             <a:r>
               <a:rPr lang="en-US" sz="2000" dirty="0"/>
-              <a:t>Travelers that are informed of an outbreak in a certain area and avoid visiting this area help in not spreading the disease in their future destinations</a:t>
+              <a:t>vaccination information makes sure the users are getting just what they need</a:t>
+            </a:r>
+            <a:endParaRPr lang="en-US" sz="2000" b="0" i="0" u="none" strike="noStrike" cap="none" dirty="0" smtClean="0">
+              <a:solidFill>
+                <a:schemeClr val="lt1"/>
+              </a:solidFill>
+              <a:sym typeface="Calibri"/>
+            </a:endParaRPr>
+          </a:p>
+          <a:p>
+            <a:pPr lvl="1">
+              <a:spcBef>
+                <a:spcPts val="960"/>
+              </a:spcBef>
+              <a:spcAft>
+                <a:spcPts val="0"/>
+              </a:spcAft>
+              <a:buFont typeface="Arial"/>
+              <a:buChar char="•"/>
+            </a:pPr>
+            <a:r>
+              <a:rPr lang="en-US" sz="2000" dirty="0"/>
+              <a:t>One-stop shop for all of the user's </a:t>
             </a:r>
             <a:r>
               <a:rPr lang="en-US" sz="2000" dirty="0" smtClean="0"/>
-              <a:t>.</a:t>
+              <a:t>location-specific </a:t>
+            </a:r>
+            <a:r>
+              <a:rPr lang="en-US" sz="2000" dirty="0"/>
+              <a:t>health needs. No "homework" </a:t>
+            </a:r>
+            <a:r>
+              <a:rPr lang="en-US" sz="2000" dirty="0" smtClean="0"/>
+              <a:t>needed</a:t>
             </a:r>
           </a:p>
           <a:p>
@@ -21589,7 +21786,23 @@
               <a:buFont typeface="Arial"/>
               <a:buChar char="•"/>
             </a:pPr>
-            <a:endParaRPr lang="en-US" sz="2000" dirty="0"/>
+            <a:r>
+              <a:rPr lang="en-US" sz="2000" b="0" i="0" u="none" strike="noStrike" cap="none" dirty="0" smtClean="0">
+                <a:solidFill>
+                  <a:schemeClr val="lt1"/>
+                </a:solidFill>
+                <a:sym typeface="Calibri"/>
+              </a:rPr>
+              <a:t> </a:t>
+            </a:r>
+            <a:r>
+              <a:rPr lang="en-US" sz="2000" dirty="0"/>
+              <a:t>Online check list helps the user organize his\her health-related preparation before the </a:t>
+            </a:r>
+            <a:r>
+              <a:rPr lang="en-US" sz="2000" dirty="0" smtClean="0"/>
+              <a:t>trip</a:t>
+            </a:r>
           </a:p>
           <a:p>
             <a:pPr lvl="1">
@@ -21603,14 +21816,15 @@
               <a:buChar char="•"/>
             </a:pPr>
             <a:r>
-              <a:rPr lang="en-US" sz="2000" dirty="0" smtClean="0"/>
-              <a:t>Mitigating </a:t>
+              <a:rPr lang="en-US" sz="2000" dirty="0"/>
+              <a:t>Simple and clear guidelines help the user protect his\her health while on the trip</a:t>
             </a:r>
-            <a:r>
-              <a:rPr lang="en-US" sz="2000" dirty="0"/>
-              <a:t>chances of infection in travelers also means mitigating these chances for the people who come in contact with these tourists, especially after they return home. </a:t>
-            </a:r>
-            <a:endParaRPr lang="en-US" sz="2000" dirty="0" smtClean="0"/>
+            <a:endParaRPr lang="en-US" sz="2000" b="0" i="0" u="none" strike="noStrike" cap="none" dirty="0">
+              <a:solidFill>
+                <a:schemeClr val="lt1"/>
+              </a:solidFill>
+              <a:sym typeface="Calibri"/>
+            </a:endParaRPr>
           </a:p>
           <a:p>
             <a:pPr lvl="1">
@@ -21623,36 +21837,29 @@
               <a:buFont typeface="Arial"/>
               <a:buChar char="•"/>
             </a:pPr>
-            <a:endParaRPr lang="en-US" sz="2000" dirty="0" smtClean="0"/>
+            <a:r>
+              <a:rPr lang="en-US" sz="2000" b="0" i="0" u="none" strike="noStrike" cap="none" dirty="0">
+                <a:solidFill>
+                  <a:schemeClr val="lt1"/>
+                </a:solidFill>
+                <a:sym typeface="Calibri"/>
+              </a:rPr>
+              <a:t> Users get real time warnings about health hazards around them</a:t>
+            </a:r>
           </a:p>
           <a:p>
-            <a:pPr lvl="1">
+            <a:pPr lvl="1" indent="0">
               <a:spcBef>
                 <a:spcPts val="960"/>
               </a:spcBef>
               <a:spcAft>
                 <a:spcPts val="0"/>
               </a:spcAft>
-              <a:buFont typeface="Arial"/>
-              <a:buChar char="•"/>
+              <a:buSzPct val="25000"/>
+              <a:buFont typeface="Arial"/>
+              <a:buNone/>
             </a:pPr>
-            <a:r>
-              <a:rPr lang="en-US" sz="2000" dirty="0" smtClean="0"/>
-              <a:t>Healthier </a:t>
-            </a:r>
-            <a:r>
-              <a:rPr lang="en-US" sz="2000" dirty="0"/>
-              <a:t>returning travelers save treatment time and money </a:t>
-            </a:r>
-            <a:r>
-              <a:rPr lang="en-US" sz="2000" dirty="0" smtClean="0"/>
-              <a:t>to health </a:t>
-            </a:r>
-            <a:r>
-              <a:rPr lang="en-US" sz="2000" dirty="0"/>
-              <a:t>organizations.</a:t>
-            </a:r>
-            <a:endParaRPr lang="en-US" sz="2000" b="0" i="0" u="none" strike="noStrike" cap="none" dirty="0">
+            <a:endParaRPr sz="2000" b="0" i="0" u="none" strike="noStrike" cap="none" dirty="0">
               <a:solidFill>
                 <a:schemeClr val="lt1"/>
               </a:solidFill>
@@ -21729,6 +21936,283 @@
         </p:txBody>
       </p:sp>
     </p:spTree>
+  </p:cSld>
+  <p:clrMapOvr>
+    <a:masterClrMapping/>
+  </p:clrMapOvr>
+  <p:transition spd="slow">
+    <p:cut/>
+  </p:transition>
+  <p:timing>
+    <p:tnLst>
+      <p:par>
+        <p:cTn id="1" dur="indefinite" restart="never" nodeType="tmRoot"/>
+      </p:par>
+    </p:tnLst>
+  </p:timing>
+</p:sld>
+</file>
+
+<file path=ppt/slides/slide15.xml><?xml version="1.0" encoding="utf-8"?>
+<p:sld xmlns:a="http://schemas.openxmlformats.org/drawingml/2006/main" xmlns:r="http://schemas.openxmlformats.org/officeDocument/2006/relationships" xmlns:p="http://schemas.openxmlformats.org/presentationml/2006/main">
+  <p:cSld>
+    <p:spTree>
+      <p:nvGrpSpPr>
+        <p:cNvPr id="1" name="Shape 155"/>
+        <p:cNvGrpSpPr/>
+        <p:nvPr/>
+      </p:nvGrpSpPr>
+      <p:grpSpPr>
+        <a:xfrm>
+          <a:off x="0" y="0"/>
+          <a:ext cx="0" cy="0"/>
+          <a:chOff x="0" y="0"/>
+          <a:chExt cx="0" cy="0"/>
+        </a:xfrm>
+      </p:grpSpPr>
+      <p:sp>
+        <p:nvSpPr>
+          <p:cNvPr id="156" name="Shape 156"/>
+          <p:cNvSpPr txBox="1">
+            <a:spLocks noGrp="1"/>
+          </p:cNvSpPr>
+          <p:nvPr>
+            <p:ph type="body" idx="1"/>
+          </p:nvPr>
+        </p:nvSpPr>
+        <p:spPr>
+          <a:xfrm>
+            <a:off x="0" y="999067"/>
+            <a:ext cx="9143998" cy="5164664"/>
+          </a:xfrm>
+          <a:prstGeom prst="rect">
+            <a:avLst/>
+          </a:prstGeom>
+          <a:noFill/>
+          <a:ln>
+            <a:noFill/>
+          </a:ln>
+        </p:spPr>
+        <p:txBody>
+          <a:bodyPr lIns="274300" tIns="45700" rIns="274300" bIns="45700" anchor="t" anchorCtr="0">
+            <a:noAutofit/>
+          </a:bodyPr>
+          <a:lstStyle/>
+          <a:p>
+            <a:pPr marL="0" marR="0" lvl="0" indent="0" algn="l" rtl="0">
+              <a:spcBef>
+                <a:spcPts val="960"/>
+              </a:spcBef>
+              <a:spcAft>
+                <a:spcPts val="0"/>
+              </a:spcAft>
+              <a:buClr>
+                <a:schemeClr val="lt1"/>
+              </a:buClr>
+              <a:buSzPct val="25000"/>
+              <a:buFont typeface="Arial"/>
+              <a:buNone/>
+            </a:pPr>
+            <a:r>
+              <a:rPr lang="en-US" b="0" i="0" u="none" strike="noStrike" cap="none" dirty="0" smtClean="0">
+                <a:solidFill>
+                  <a:schemeClr val="lt1"/>
+                </a:solidFill>
+                <a:latin typeface="Calibri"/>
+                <a:ea typeface="Calibri"/>
+                <a:cs typeface="Calibri"/>
+                <a:sym typeface="Calibri"/>
+              </a:rPr>
+              <a:t>Benefits </a:t>
+            </a:r>
+            <a:r>
+              <a:rPr lang="en-US" b="0" i="0" u="none" strike="noStrike" cap="none" dirty="0">
+                <a:solidFill>
+                  <a:schemeClr val="lt1"/>
+                </a:solidFill>
+                <a:latin typeface="Calibri"/>
+                <a:ea typeface="Calibri"/>
+                <a:cs typeface="Calibri"/>
+                <a:sym typeface="Calibri"/>
+              </a:rPr>
+              <a:t>to Non Users</a:t>
+            </a:r>
+          </a:p>
+          <a:p>
+            <a:pPr lvl="1">
+              <a:spcBef>
+                <a:spcPts val="960"/>
+              </a:spcBef>
+              <a:spcAft>
+                <a:spcPts val="0"/>
+              </a:spcAft>
+              <a:buFont typeface="Arial"/>
+              <a:buChar char="•"/>
+            </a:pPr>
+            <a:r>
+              <a:rPr lang="en-US" sz="1700" dirty="0"/>
+              <a:t> </a:t>
+            </a:r>
+            <a:r>
+              <a:rPr lang="en-US" sz="2000" dirty="0"/>
+              <a:t>Travelers that are informed of an outbreak in a certain area and avoid visiting this area help in not spreading the disease in their future destinations</a:t>
+            </a:r>
+            <a:r>
+              <a:rPr lang="en-US" sz="2000" dirty="0" smtClean="0"/>
+              <a:t>.</a:t>
+            </a:r>
+          </a:p>
+          <a:p>
+            <a:pPr lvl="1">
+              <a:spcBef>
+                <a:spcPts val="960"/>
+              </a:spcBef>
+              <a:spcAft>
+                <a:spcPts val="0"/>
+              </a:spcAft>
+              <a:buFont typeface="Arial"/>
+              <a:buChar char="•"/>
+            </a:pPr>
+            <a:endParaRPr lang="en-US" sz="2000" dirty="0"/>
+          </a:p>
+          <a:p>
+            <a:pPr lvl="1">
+              <a:spcBef>
+                <a:spcPts val="960"/>
+              </a:spcBef>
+              <a:spcAft>
+                <a:spcPts val="0"/>
+              </a:spcAft>
+              <a:buFont typeface="Arial"/>
+              <a:buChar char="•"/>
+            </a:pPr>
+            <a:r>
+              <a:rPr lang="en-US" sz="2000" dirty="0" smtClean="0"/>
+              <a:t>Mitigating </a:t>
+            </a:r>
+            <a:r>
+              <a:rPr lang="en-US" sz="2000" dirty="0"/>
+              <a:t>chances of infection in travelers also means mitigating these chances for the people who come in contact with these tourists, especially after they return home. </a:t>
+            </a:r>
+            <a:endParaRPr lang="en-US" sz="2000" dirty="0" smtClean="0"/>
+          </a:p>
+          <a:p>
+            <a:pPr lvl="1">
+              <a:spcBef>
+                <a:spcPts val="960"/>
+              </a:spcBef>
+              <a:spcAft>
+                <a:spcPts val="0"/>
+              </a:spcAft>
+              <a:buFont typeface="Arial"/>
+              <a:buChar char="•"/>
+            </a:pPr>
+            <a:endParaRPr lang="en-US" sz="2000" dirty="0" smtClean="0"/>
+          </a:p>
+          <a:p>
+            <a:pPr lvl="1">
+              <a:spcBef>
+                <a:spcPts val="960"/>
+              </a:spcBef>
+              <a:spcAft>
+                <a:spcPts val="0"/>
+              </a:spcAft>
+              <a:buFont typeface="Arial"/>
+              <a:buChar char="•"/>
+            </a:pPr>
+            <a:r>
+              <a:rPr lang="en-US" sz="2000" dirty="0" smtClean="0"/>
+              <a:t>Healthier </a:t>
+            </a:r>
+            <a:r>
+              <a:rPr lang="en-US" sz="2000" dirty="0"/>
+              <a:t>returning travelers save treatment time and money </a:t>
+            </a:r>
+            <a:r>
+              <a:rPr lang="en-US" sz="2000" dirty="0" smtClean="0"/>
+              <a:t>to health </a:t>
+            </a:r>
+            <a:r>
+              <a:rPr lang="en-US" sz="2000" dirty="0"/>
+              <a:t>organizations.</a:t>
+            </a:r>
+            <a:endParaRPr lang="en-US" sz="2000" b="0" i="0" u="none" strike="noStrike" cap="none" dirty="0">
+              <a:solidFill>
+                <a:schemeClr val="lt1"/>
+              </a:solidFill>
+              <a:sym typeface="Calibri"/>
+            </a:endParaRPr>
+          </a:p>
+        </p:txBody>
+      </p:sp>
+      <p:sp>
+        <p:nvSpPr>
+          <p:cNvPr id="157" name="Shape 157"/>
+          <p:cNvSpPr txBox="1">
+            <a:spLocks noGrp="1"/>
+          </p:cNvSpPr>
+          <p:nvPr>
+            <p:ph type="title"/>
+          </p:nvPr>
+        </p:nvSpPr>
+        <p:spPr>
+          <a:xfrm>
+            <a:off x="0" y="0"/>
+            <a:ext cx="9144000" cy="991351"/>
+          </a:xfrm>
+          <a:prstGeom prst="rect">
+            <a:avLst/>
+          </a:prstGeom>
+          <a:noFill/>
+          <a:ln>
+            <a:noFill/>
+          </a:ln>
+        </p:spPr>
+        <p:txBody>
+          <a:bodyPr lIns="274300" tIns="45700" rIns="91425" bIns="45700" anchor="ctr" anchorCtr="0">
+            <a:noAutofit/>
+          </a:bodyPr>
+          <a:lstStyle/>
+          <a:p>
+            <a:pPr marL="0" marR="0" lvl="0" indent="0" algn="ctr" rtl="0">
+              <a:spcBef>
+                <a:spcPts val="0"/>
+              </a:spcBef>
+              <a:buClr>
+                <a:srgbClr val="EEB211"/>
+              </a:buClr>
+              <a:buSzPct val="25000"/>
+              <a:buFont typeface="Calibri"/>
+              <a:buNone/>
+            </a:pPr>
+            <a:r>
+              <a:rPr lang="en-US" sz="2400" b="0" i="0" u="none" strike="noStrike" cap="none" dirty="0" smtClean="0">
+                <a:solidFill>
+                  <a:srgbClr val="EEB211"/>
+                </a:solidFill>
+                <a:latin typeface="Calibri"/>
+                <a:ea typeface="Calibri"/>
+                <a:cs typeface="Calibri"/>
+                <a:sym typeface="Calibri"/>
+              </a:rPr>
+              <a:t>BUSINESS </a:t>
+            </a:r>
+            <a:r>
+              <a:rPr lang="en-US" sz="2400" b="0" i="0" u="none" strike="noStrike" cap="none" dirty="0">
+                <a:solidFill>
+                  <a:srgbClr val="EEB211"/>
+                </a:solidFill>
+                <a:latin typeface="Calibri"/>
+                <a:ea typeface="Calibri"/>
+                <a:cs typeface="Calibri"/>
+                <a:sym typeface="Calibri"/>
+              </a:rPr>
+              <a:t>CASE</a:t>
+            </a:r>
+          </a:p>
+        </p:txBody>
+      </p:sp>
+    </p:spTree>
     <p:extLst>
       <p:ext uri="{BB962C8B-B14F-4D97-AF65-F5344CB8AC3E}">
         <p14:creationId xmlns:p14="http://schemas.microsoft.com/office/powerpoint/2010/main" val="4043325861"/>
@@ -21741,10 +22225,17 @@
   <p:transition spd="slow">
     <p:cut/>
   </p:transition>
+  <p:timing>
+    <p:tnLst>
+      <p:par>
+        <p:cTn id="1" dur="indefinite" restart="never" nodeType="tmRoot"/>
+      </p:par>
+    </p:tnLst>
+  </p:timing>
 </p:sld>
 </file>
 
-<file path=ppt/slides/slide15.xml><?xml version="1.0" encoding="utf-8"?>
+<file path=ppt/slides/slide16.xml><?xml version="1.0" encoding="utf-8"?>
 <p:sld xmlns:a="http://schemas.openxmlformats.org/drawingml/2006/main" xmlns:r="http://schemas.openxmlformats.org/officeDocument/2006/relationships" xmlns:p="http://schemas.openxmlformats.org/presentationml/2006/main">
   <p:cSld>
     <p:spTree>
@@ -22274,10 +22765,17 @@
   <p:transition spd="slow">
     <p:cut/>
   </p:transition>
+  <p:timing>
+    <p:tnLst>
+      <p:par>
+        <p:cTn id="1" dur="indefinite" restart="never" nodeType="tmRoot"/>
+      </p:par>
+    </p:tnLst>
+  </p:timing>
 </p:sld>
 </file>
 
-<file path=ppt/slides/slide16.xml><?xml version="1.0" encoding="utf-8"?>
+<file path=ppt/slides/slide17.xml><?xml version="1.0" encoding="utf-8"?>
 <p:sld xmlns:a="http://schemas.openxmlformats.org/drawingml/2006/main" xmlns:r="http://schemas.openxmlformats.org/officeDocument/2006/relationships" xmlns:p="http://schemas.openxmlformats.org/presentationml/2006/main">
   <p:cSld>
     <p:spTree>
@@ -22580,10 +23078,17 @@
   <p:transition spd="slow">
     <p:cut/>
   </p:transition>
+  <p:timing>
+    <p:tnLst>
+      <p:par>
+        <p:cTn id="1" dur="indefinite" restart="never" nodeType="tmRoot"/>
+      </p:par>
+    </p:tnLst>
+  </p:timing>
 </p:sld>
 </file>
 
-<file path=ppt/slides/slide17.xml><?xml version="1.0" encoding="utf-8"?>
+<file path=ppt/slides/slide18.xml><?xml version="1.0" encoding="utf-8"?>
 <p:sld xmlns:a="http://schemas.openxmlformats.org/drawingml/2006/main" xmlns:r="http://schemas.openxmlformats.org/officeDocument/2006/relationships" xmlns:p="http://schemas.openxmlformats.org/presentationml/2006/main">
   <p:cSld>
     <p:spTree>
@@ -22890,10 +23395,17 @@
   <p:transition spd="slow">
     <p:cut/>
   </p:transition>
+  <p:timing>
+    <p:tnLst>
+      <p:par>
+        <p:cTn id="1" dur="indefinite" restart="never" nodeType="tmRoot"/>
+      </p:par>
+    </p:tnLst>
+  </p:timing>
 </p:sld>
 </file>
 
-<file path=ppt/slides/slide18.xml><?xml version="1.0" encoding="utf-8"?>
+<file path=ppt/slides/slide19.xml><?xml version="1.0" encoding="utf-8"?>
 <p:sld xmlns:a="http://schemas.openxmlformats.org/drawingml/2006/main" xmlns:r="http://schemas.openxmlformats.org/officeDocument/2006/relationships" xmlns:p="http://schemas.openxmlformats.org/presentationml/2006/main">
   <p:cSld>
     <p:spTree>
@@ -23112,6 +23624,13 @@
   <p:transition spd="slow">
     <p:cut/>
   </p:transition>
+  <p:timing>
+    <p:tnLst>
+      <p:par>
+        <p:cTn id="1" dur="indefinite" restart="never" nodeType="tmRoot"/>
+      </p:par>
+    </p:tnLst>
+  </p:timing>
 </p:sld>
 </file>
 
@@ -23648,6 +24167,13 @@
   <p:transition spd="slow">
     <p:cut/>
   </p:transition>
+  <p:timing>
+    <p:tnLst>
+      <p:par>
+        <p:cTn id="1" dur="indefinite" restart="never" nodeType="tmRoot"/>
+      </p:par>
+    </p:tnLst>
+  </p:timing>
 </p:sld>
 </file>
 
@@ -23740,13 +24266,10 @@
               <a:buChar char="•"/>
             </a:pPr>
             <a:r>
-              <a:rPr lang="en-US" sz="2100" b="0" i="0" u="none" strike="noStrike" cap="none" dirty="0">
-                <a:solidFill>
-                  <a:schemeClr val="lt1"/>
-                </a:solidFill>
-                <a:latin typeface="Calibri"/>
-                <a:ea typeface="Calibri"/>
-                <a:cs typeface="Calibri"/>
+              <a:rPr lang="en-US" sz="2000" b="0" i="0" u="none" strike="noStrike" cap="none" dirty="0">
+                <a:solidFill>
+                  <a:schemeClr val="lt1"/>
+                </a:solidFill>
                 <a:sym typeface="Calibri"/>
               </a:rPr>
               <a:t>Almost by definition, traveling abroad increases exposure to infectious diseases</a:t>
@@ -23768,149 +24291,79 @@
               <a:buChar char="•"/>
             </a:pPr>
             <a:r>
-              <a:rPr lang="en-US" sz="2100" b="0" i="0" u="none" strike="noStrike" cap="none" dirty="0">
-                <a:solidFill>
-                  <a:schemeClr val="lt1"/>
-                </a:solidFill>
-                <a:latin typeface="Calibri"/>
-                <a:ea typeface="Calibri"/>
-                <a:cs typeface="Calibri"/>
+              <a:rPr lang="en-US" sz="2000" b="0" i="0" u="none" strike="noStrike" cap="none" dirty="0">
+                <a:solidFill>
+                  <a:schemeClr val="lt1"/>
+                </a:solidFill>
                 <a:sym typeface="Calibri"/>
               </a:rPr>
-              <a:t> Risk for such exposure is even greater for travelers in underdeveloped countries, which lack public hygiene infrastructure</a:t>
+              <a:t> Risk for such exposure is even greater for travelers in underdeveloped countries, which lack public hygiene </a:t>
+            </a:r>
+            <a:r>
+              <a:rPr lang="en-US" sz="2000" b="0" i="0" u="none" strike="noStrike" cap="none" dirty="0" smtClean="0">
+                <a:solidFill>
+                  <a:schemeClr val="lt1"/>
+                </a:solidFill>
+                <a:sym typeface="Calibri"/>
+              </a:rPr>
+              <a:t>infrastructure</a:t>
             </a:r>
           </a:p>
           <a:p>
-            <a:pPr marL="0" marR="0" lvl="0" indent="0" algn="l" rtl="0">
-              <a:spcBef>
-                <a:spcPts val="1080"/>
+            <a:pPr lvl="1" indent="-288544">
+              <a:spcBef>
+                <a:spcPts val="1020"/>
               </a:spcBef>
               <a:spcAft>
                 <a:spcPts val="0"/>
               </a:spcAft>
-              <a:buClr>
-                <a:schemeClr val="lt1"/>
-              </a:buClr>
-              <a:buSzPct val="25000"/>
-              <a:buFont typeface="Arial"/>
-              <a:buNone/>
-            </a:pPr>
-            <a:endParaRPr sz="2400" b="0" i="0" u="none" strike="noStrike" cap="none" dirty="0">
-              <a:solidFill>
-                <a:schemeClr val="lt1"/>
-              </a:solidFill>
-              <a:latin typeface="Calibri"/>
-              <a:ea typeface="Calibri"/>
-              <a:cs typeface="Calibri"/>
-              <a:sym typeface="Calibri"/>
-            </a:endParaRPr>
-          </a:p>
-          <a:p>
-            <a:pPr marL="0" marR="0" lvl="0" indent="0" algn="l" rtl="0">
-              <a:spcBef>
-                <a:spcPts val="1080"/>
-              </a:spcBef>
-              <a:spcAft>
-                <a:spcPts val="0"/>
-              </a:spcAft>
-              <a:buClr>
-                <a:schemeClr val="lt1"/>
-              </a:buClr>
-              <a:buSzPct val="25000"/>
-              <a:buFont typeface="Arial"/>
-              <a:buNone/>
             </a:pPr>
             <a:r>
-              <a:rPr lang="en-US" sz="2400" b="0" i="0" u="none" strike="noStrike" cap="none" dirty="0">
-                <a:solidFill>
-                  <a:schemeClr val="lt1"/>
-                </a:solidFill>
-                <a:latin typeface="Calibri"/>
-                <a:ea typeface="Calibri"/>
-                <a:cs typeface="Calibri"/>
-                <a:sym typeface="Calibri"/>
-              </a:rPr>
-              <a:t> Project Scope</a:t>
+              <a:rPr lang="en-US" sz="2000" dirty="0"/>
+              <a:t>These diseases may be viral or bacterial, foodborne or waterborne, dangerous only to certain people or to every traveler. </a:t>
+            </a:r>
+            <a:r>
+              <a:rPr lang="en-US" sz="2000" dirty="0" smtClean="0"/>
+              <a:t> </a:t>
             </a:r>
           </a:p>
           <a:p>
-            <a:pPr marL="466344" marR="0" lvl="1" indent="-288544" algn="l" rtl="0">
-              <a:spcBef>
-                <a:spcPts val="1020"/>
+            <a:pPr lvl="0">
+              <a:spcBef>
+                <a:spcPts val="1080"/>
               </a:spcBef>
               <a:spcAft>
                 <a:spcPts val="0"/>
               </a:spcAft>
-              <a:buClr>
-                <a:schemeClr val="lt1"/>
-              </a:buClr>
-              <a:buSzPct val="100000"/>
-              <a:buFont typeface="Merriweather Sans"/>
-              <a:buChar char="•"/>
+              <a:buSzPct val="25000"/>
             </a:pPr>
             <a:r>
-              <a:rPr lang="en-US" sz="2100" b="0" i="0" u="none" strike="noStrike" cap="none" dirty="0">
-                <a:solidFill>
-                  <a:schemeClr val="lt1"/>
-                </a:solidFill>
-                <a:latin typeface="Calibri"/>
-                <a:ea typeface="Calibri"/>
-                <a:cs typeface="Calibri"/>
-                <a:sym typeface="Calibri"/>
-              </a:rPr>
-              <a:t>Push region-specific known conditions or outbreaks to the end user</a:t>
+              <a:rPr lang="en-US" dirty="0" smtClean="0"/>
+              <a:t>Specific Example</a:t>
             </a:r>
           </a:p>
           <a:p>
-            <a:pPr marL="466344" marR="0" lvl="1" indent="-288544" algn="l" rtl="0">
-              <a:spcBef>
-                <a:spcPts val="1020"/>
+            <a:pPr lvl="1">
+              <a:spcBef>
+                <a:spcPts val="1080"/>
               </a:spcBef>
               <a:spcAft>
                 <a:spcPts val="0"/>
               </a:spcAft>
-              <a:buClr>
-                <a:schemeClr val="lt1"/>
-              </a:buClr>
-              <a:buSzPct val="100000"/>
-              <a:buFont typeface="Merriweather Sans"/>
-              <a:buChar char="•"/>
+              <a:buSzPct val="25000"/>
             </a:pPr>
             <a:r>
-              <a:rPr lang="en-US" sz="2100" b="0" i="0" u="none" strike="noStrike" cap="none" dirty="0">
-                <a:solidFill>
-                  <a:schemeClr val="lt1"/>
-                </a:solidFill>
-                <a:latin typeface="Calibri"/>
-                <a:ea typeface="Calibri"/>
-                <a:cs typeface="Calibri"/>
-                <a:sym typeface="Calibri"/>
-              </a:rPr>
-              <a:t>Make customized recommendations about preventing and possibly treating these diseases</a:t>
+              <a:rPr lang="en-US" sz="2000" dirty="0" smtClean="0"/>
+              <a:t>The </a:t>
             </a:r>
-          </a:p>
-          <a:p>
-            <a:pPr marL="466344" marR="0" lvl="1" indent="-288544" algn="l" rtl="0">
-              <a:spcBef>
-                <a:spcPts val="1020"/>
-              </a:spcBef>
-              <a:spcAft>
-                <a:spcPts val="0"/>
-              </a:spcAft>
-              <a:buClr>
-                <a:schemeClr val="lt1"/>
-              </a:buClr>
-              <a:buSzPct val="100000"/>
-              <a:buFont typeface="Merriweather Sans"/>
-              <a:buNone/>
-            </a:pPr>
-            <a:endParaRPr sz="2100" b="0" i="0" u="none" strike="noStrike" cap="none" dirty="0">
+            <a:r>
+              <a:rPr lang="en-US" sz="2000" dirty="0"/>
+              <a:t>Zika virus is currently much in the news. This virus causes birth defects, so it is of particular concern to pregnant women. The virus is spreading rapidly throughout a number of countries by transmission methods that are still being discovered. Travelers need to know what geographical areas are at risk, what kind of human contact transmits the virus and the status of potential vaccines or treatments. </a:t>
+            </a:r>
+            <a:endParaRPr sz="2000" b="0" i="0" u="none" strike="noStrike" cap="none" dirty="0">
               <a:solidFill>
                 <a:schemeClr val="lt1"/>
               </a:solidFill>
-              <a:latin typeface="Calibri"/>
-              <a:ea typeface="Calibri"/>
-              <a:cs typeface="Calibri"/>
               <a:sym typeface="Calibri"/>
             </a:endParaRPr>
           </a:p>
@@ -24088,10 +24541,482 @@
   <p:transition spd="slow">
     <p:cut/>
   </p:transition>
+  <p:timing>
+    <p:tnLst>
+      <p:par>
+        <p:cTn id="1" dur="indefinite" restart="never" nodeType="tmRoot"/>
+      </p:par>
+    </p:tnLst>
+  </p:timing>
 </p:sld>
 </file>
 
 <file path=ppt/slides/slide4.xml><?xml version="1.0" encoding="utf-8"?>
+<p:sld xmlns:a="http://schemas.openxmlformats.org/drawingml/2006/main" xmlns:r="http://schemas.openxmlformats.org/officeDocument/2006/relationships" xmlns:p="http://schemas.openxmlformats.org/presentationml/2006/main">
+  <p:cSld>
+    <p:spTree>
+      <p:nvGrpSpPr>
+        <p:cNvPr id="1" name="Shape 125"/>
+        <p:cNvGrpSpPr/>
+        <p:nvPr/>
+      </p:nvGrpSpPr>
+      <p:grpSpPr>
+        <a:xfrm>
+          <a:off x="0" y="0"/>
+          <a:ext cx="0" cy="0"/>
+          <a:chOff x="0" y="0"/>
+          <a:chExt cx="0" cy="0"/>
+        </a:xfrm>
+      </p:grpSpPr>
+      <p:sp>
+        <p:nvSpPr>
+          <p:cNvPr id="126" name="Shape 126"/>
+          <p:cNvSpPr txBox="1">
+            <a:spLocks noGrp="1"/>
+          </p:cNvSpPr>
+          <p:nvPr>
+            <p:ph type="body" idx="1"/>
+          </p:nvPr>
+        </p:nvSpPr>
+        <p:spPr>
+          <a:xfrm>
+            <a:off x="0" y="999067"/>
+            <a:ext cx="9143998" cy="5164664"/>
+          </a:xfrm>
+          <a:prstGeom prst="rect">
+            <a:avLst/>
+          </a:prstGeom>
+          <a:noFill/>
+          <a:ln>
+            <a:noFill/>
+          </a:ln>
+        </p:spPr>
+        <p:txBody>
+          <a:bodyPr lIns="274300" tIns="45700" rIns="274300" bIns="45700" anchor="t" anchorCtr="0">
+            <a:noAutofit/>
+          </a:bodyPr>
+          <a:lstStyle/>
+          <a:p>
+            <a:pPr marL="0" marR="0" lvl="0" indent="0" algn="l" rtl="0">
+              <a:spcBef>
+                <a:spcPts val="0"/>
+              </a:spcBef>
+              <a:spcAft>
+                <a:spcPts val="0"/>
+              </a:spcAft>
+              <a:buClr>
+                <a:schemeClr val="lt1"/>
+              </a:buClr>
+              <a:buSzPct val="25000"/>
+              <a:buFont typeface="Arial"/>
+              <a:buNone/>
+            </a:pPr>
+            <a:r>
+              <a:rPr lang="en-US" sz="2400" b="0" i="0" u="none" strike="noStrike" cap="none" dirty="0" smtClean="0">
+                <a:solidFill>
+                  <a:schemeClr val="lt1"/>
+                </a:solidFill>
+                <a:latin typeface="Calibri"/>
+                <a:ea typeface="Calibri"/>
+                <a:cs typeface="Calibri"/>
+                <a:sym typeface="Calibri"/>
+              </a:rPr>
+              <a:t>Options</a:t>
+            </a:r>
+            <a:endParaRPr lang="en-US" sz="2400" b="0" i="0" u="none" strike="noStrike" cap="none" dirty="0">
+              <a:solidFill>
+                <a:schemeClr val="lt1"/>
+              </a:solidFill>
+              <a:latin typeface="Calibri"/>
+              <a:ea typeface="Calibri"/>
+              <a:cs typeface="Calibri"/>
+              <a:sym typeface="Calibri"/>
+            </a:endParaRPr>
+          </a:p>
+          <a:p>
+            <a:pPr marL="520700" lvl="1" indent="-342900">
+              <a:spcBef>
+                <a:spcPts val="1020"/>
+              </a:spcBef>
+              <a:spcAft>
+                <a:spcPts val="0"/>
+              </a:spcAft>
+            </a:pPr>
+            <a:r>
+              <a:rPr lang="en-US" dirty="0"/>
+              <a:t>There are at least three possible ways to deal with travel-related health dangers: </a:t>
+            </a:r>
+            <a:endParaRPr lang="en-US" dirty="0"/>
+          </a:p>
+          <a:p>
+            <a:pPr lvl="2" indent="-288544">
+              <a:spcBef>
+                <a:spcPts val="1020"/>
+              </a:spcBef>
+              <a:spcAft>
+                <a:spcPts val="0"/>
+              </a:spcAft>
+            </a:pPr>
+            <a:r>
+              <a:rPr lang="en-US" dirty="0" smtClean="0"/>
+              <a:t> </a:t>
+            </a:r>
+            <a:r>
+              <a:rPr lang="en-US" sz="1800" dirty="0"/>
+              <a:t>Don’t travel anywhere! (Let’s agree that this is not the best solution) </a:t>
+            </a:r>
+            <a:endParaRPr lang="en-US" sz="1800" dirty="0" smtClean="0"/>
+          </a:p>
+          <a:p>
+            <a:pPr lvl="2" indent="-288544">
+              <a:spcBef>
+                <a:spcPts val="1020"/>
+              </a:spcBef>
+              <a:spcAft>
+                <a:spcPts val="0"/>
+              </a:spcAft>
+            </a:pPr>
+            <a:r>
+              <a:rPr lang="en-US" sz="1800" dirty="0" smtClean="0"/>
+              <a:t>Travel </a:t>
+            </a:r>
+            <a:r>
+              <a:rPr lang="en-US" sz="1800" dirty="0"/>
+              <a:t>blindly and hope for the best. </a:t>
+            </a:r>
+            <a:r>
+              <a:rPr lang="en-US" sz="1800" dirty="0" smtClean="0"/>
+              <a:t>( doesn’t </a:t>
+            </a:r>
+            <a:r>
+              <a:rPr lang="en-US" sz="1800" dirty="0"/>
+              <a:t>seem like a great idea either) </a:t>
+            </a:r>
+            <a:endParaRPr lang="en-US" sz="1800" dirty="0" smtClean="0"/>
+          </a:p>
+          <a:p>
+            <a:pPr lvl="2" indent="-288544">
+              <a:spcBef>
+                <a:spcPts val="1020"/>
+              </a:spcBef>
+              <a:spcAft>
+                <a:spcPts val="0"/>
+              </a:spcAft>
+            </a:pPr>
+            <a:r>
+              <a:rPr lang="en-US" sz="1800" dirty="0" smtClean="0"/>
+              <a:t> </a:t>
+            </a:r>
+            <a:r>
+              <a:rPr lang="en-US" sz="1800" dirty="0"/>
+              <a:t>Take necessary precautions to ensure a safe trip. The last option is clearly superior, but with so many potential dangers, how can a traveler stay informed and prepared? </a:t>
+            </a:r>
+            <a:endParaRPr sz="1800" b="0" i="0" u="none" strike="noStrike" cap="none" dirty="0">
+              <a:solidFill>
+                <a:schemeClr val="lt1"/>
+              </a:solidFill>
+              <a:sym typeface="Calibri"/>
+            </a:endParaRPr>
+          </a:p>
+          <a:p>
+            <a:pPr marL="0" marR="0" lvl="0" indent="0" algn="l" rtl="0">
+              <a:spcBef>
+                <a:spcPts val="1080"/>
+              </a:spcBef>
+              <a:spcAft>
+                <a:spcPts val="0"/>
+              </a:spcAft>
+              <a:buClr>
+                <a:schemeClr val="lt1"/>
+              </a:buClr>
+              <a:buSzPct val="25000"/>
+              <a:buFont typeface="Arial"/>
+              <a:buNone/>
+            </a:pPr>
+            <a:r>
+              <a:rPr lang="en-US" sz="2400" b="0" i="0" u="none" strike="noStrike" cap="none" dirty="0">
+                <a:solidFill>
+                  <a:schemeClr val="lt1"/>
+                </a:solidFill>
+                <a:latin typeface="Calibri"/>
+                <a:ea typeface="Calibri"/>
+                <a:cs typeface="Calibri"/>
+                <a:sym typeface="Calibri"/>
+              </a:rPr>
+              <a:t> Project Scope</a:t>
+            </a:r>
+          </a:p>
+          <a:p>
+            <a:pPr marL="466344" marR="0" lvl="1" indent="-288544" algn="l" rtl="0">
+              <a:spcBef>
+                <a:spcPts val="1020"/>
+              </a:spcBef>
+              <a:spcAft>
+                <a:spcPts val="0"/>
+              </a:spcAft>
+              <a:buClr>
+                <a:schemeClr val="lt1"/>
+              </a:buClr>
+              <a:buSzPct val="100000"/>
+              <a:buFont typeface="Merriweather Sans"/>
+              <a:buChar char="•"/>
+            </a:pPr>
+            <a:r>
+              <a:rPr lang="en-US" sz="2100" b="0" i="0" u="none" strike="noStrike" cap="none" dirty="0">
+                <a:solidFill>
+                  <a:schemeClr val="lt1"/>
+                </a:solidFill>
+                <a:latin typeface="Calibri"/>
+                <a:ea typeface="Calibri"/>
+                <a:cs typeface="Calibri"/>
+                <a:sym typeface="Calibri"/>
+              </a:rPr>
+              <a:t>Push region-specific known conditions or outbreaks to the end user</a:t>
+            </a:r>
+          </a:p>
+          <a:p>
+            <a:pPr marL="466344" marR="0" lvl="1" indent="-288544" algn="l" rtl="0">
+              <a:spcBef>
+                <a:spcPts val="1020"/>
+              </a:spcBef>
+              <a:spcAft>
+                <a:spcPts val="0"/>
+              </a:spcAft>
+              <a:buClr>
+                <a:schemeClr val="lt1"/>
+              </a:buClr>
+              <a:buSzPct val="100000"/>
+              <a:buFont typeface="Merriweather Sans"/>
+              <a:buChar char="•"/>
+            </a:pPr>
+            <a:r>
+              <a:rPr lang="en-US" sz="2100" b="0" i="0" u="none" strike="noStrike" cap="none" dirty="0">
+                <a:solidFill>
+                  <a:schemeClr val="lt1"/>
+                </a:solidFill>
+                <a:latin typeface="Calibri"/>
+                <a:ea typeface="Calibri"/>
+                <a:cs typeface="Calibri"/>
+                <a:sym typeface="Calibri"/>
+              </a:rPr>
+              <a:t>Make customized recommendations about preventing and possibly treating these diseases</a:t>
+            </a:r>
+          </a:p>
+          <a:p>
+            <a:pPr marL="466344" marR="0" lvl="1" indent="-288544" algn="l" rtl="0">
+              <a:spcBef>
+                <a:spcPts val="1020"/>
+              </a:spcBef>
+              <a:spcAft>
+                <a:spcPts val="0"/>
+              </a:spcAft>
+              <a:buClr>
+                <a:schemeClr val="lt1"/>
+              </a:buClr>
+              <a:buSzPct val="100000"/>
+              <a:buFont typeface="Merriweather Sans"/>
+              <a:buNone/>
+            </a:pPr>
+            <a:endParaRPr sz="2100" b="0" i="0" u="none" strike="noStrike" cap="none" dirty="0">
+              <a:solidFill>
+                <a:schemeClr val="lt1"/>
+              </a:solidFill>
+              <a:latin typeface="Calibri"/>
+              <a:ea typeface="Calibri"/>
+              <a:cs typeface="Calibri"/>
+              <a:sym typeface="Calibri"/>
+            </a:endParaRPr>
+          </a:p>
+          <a:p>
+            <a:pPr marL="0" marR="0" lvl="0" indent="0" algn="l" rtl="0">
+              <a:spcBef>
+                <a:spcPts val="1080"/>
+              </a:spcBef>
+              <a:spcAft>
+                <a:spcPts val="0"/>
+              </a:spcAft>
+              <a:buClr>
+                <a:schemeClr val="lt1"/>
+              </a:buClr>
+              <a:buSzPct val="25000"/>
+              <a:buFont typeface="Arial"/>
+              <a:buNone/>
+            </a:pPr>
+            <a:endParaRPr sz="2400" b="0" i="0" u="none" strike="noStrike" cap="none" dirty="0">
+              <a:solidFill>
+                <a:schemeClr val="lt1"/>
+              </a:solidFill>
+              <a:latin typeface="Calibri"/>
+              <a:ea typeface="Calibri"/>
+              <a:cs typeface="Calibri"/>
+              <a:sym typeface="Calibri"/>
+            </a:endParaRPr>
+          </a:p>
+          <a:p>
+            <a:pPr marL="0" marR="0" lvl="0" indent="0" algn="l" rtl="0">
+              <a:spcBef>
+                <a:spcPts val="1080"/>
+              </a:spcBef>
+              <a:spcAft>
+                <a:spcPts val="0"/>
+              </a:spcAft>
+              <a:buClr>
+                <a:schemeClr val="lt1"/>
+              </a:buClr>
+              <a:buSzPct val="25000"/>
+              <a:buFont typeface="Arial"/>
+              <a:buNone/>
+            </a:pPr>
+            <a:endParaRPr sz="2400" b="0" i="0" u="none" strike="noStrike" cap="none" dirty="0">
+              <a:solidFill>
+                <a:schemeClr val="lt1"/>
+              </a:solidFill>
+              <a:latin typeface="Calibri"/>
+              <a:ea typeface="Calibri"/>
+              <a:cs typeface="Calibri"/>
+              <a:sym typeface="Calibri"/>
+            </a:endParaRPr>
+          </a:p>
+          <a:p>
+            <a:pPr marL="0" marR="0" lvl="0" indent="0" algn="l" rtl="0">
+              <a:spcBef>
+                <a:spcPts val="1080"/>
+              </a:spcBef>
+              <a:spcAft>
+                <a:spcPts val="0"/>
+              </a:spcAft>
+              <a:buClr>
+                <a:schemeClr val="lt1"/>
+              </a:buClr>
+              <a:buSzPct val="25000"/>
+              <a:buFont typeface="Arial"/>
+              <a:buNone/>
+            </a:pPr>
+            <a:endParaRPr sz="2400" b="0" i="0" u="none" strike="noStrike" cap="none" dirty="0">
+              <a:solidFill>
+                <a:schemeClr val="lt1"/>
+              </a:solidFill>
+              <a:latin typeface="Calibri"/>
+              <a:ea typeface="Calibri"/>
+              <a:cs typeface="Calibri"/>
+              <a:sym typeface="Calibri"/>
+            </a:endParaRPr>
+          </a:p>
+          <a:p>
+            <a:pPr marL="0" marR="0" lvl="0" indent="0" algn="l" rtl="0">
+              <a:spcBef>
+                <a:spcPts val="1080"/>
+              </a:spcBef>
+              <a:spcAft>
+                <a:spcPts val="0"/>
+              </a:spcAft>
+              <a:buClr>
+                <a:schemeClr val="lt1"/>
+              </a:buClr>
+              <a:buSzPct val="25000"/>
+              <a:buFont typeface="Arial"/>
+              <a:buNone/>
+            </a:pPr>
+            <a:endParaRPr sz="2400" b="0" i="0" u="none" strike="noStrike" cap="none" dirty="0">
+              <a:solidFill>
+                <a:schemeClr val="lt1"/>
+              </a:solidFill>
+              <a:latin typeface="Calibri"/>
+              <a:ea typeface="Calibri"/>
+              <a:cs typeface="Calibri"/>
+              <a:sym typeface="Calibri"/>
+            </a:endParaRPr>
+          </a:p>
+        </p:txBody>
+      </p:sp>
+      <p:sp>
+        <p:nvSpPr>
+          <p:cNvPr id="127" name="Shape 127"/>
+          <p:cNvSpPr txBox="1">
+            <a:spLocks noGrp="1"/>
+          </p:cNvSpPr>
+          <p:nvPr>
+            <p:ph type="title"/>
+          </p:nvPr>
+        </p:nvSpPr>
+        <p:spPr>
+          <a:xfrm>
+            <a:off x="0" y="0"/>
+            <a:ext cx="9144000" cy="991351"/>
+          </a:xfrm>
+          <a:prstGeom prst="rect">
+            <a:avLst/>
+          </a:prstGeom>
+          <a:noFill/>
+          <a:ln>
+            <a:noFill/>
+          </a:ln>
+        </p:spPr>
+        <p:txBody>
+          <a:bodyPr lIns="274300" tIns="45700" rIns="91425" bIns="45700" anchor="ctr" anchorCtr="0">
+            <a:noAutofit/>
+          </a:bodyPr>
+          <a:lstStyle/>
+          <a:p>
+            <a:pPr marL="0" marR="0" lvl="0" indent="0" algn="ctr" rtl="0">
+              <a:spcBef>
+                <a:spcPts val="0"/>
+              </a:spcBef>
+              <a:buClr>
+                <a:srgbClr val="EEB211"/>
+              </a:buClr>
+              <a:buSzPct val="25000"/>
+              <a:buFont typeface="Calibri"/>
+              <a:buNone/>
+            </a:pPr>
+            <a:r>
+              <a:rPr lang="en-US" sz="2400" b="0" i="0" u="none" strike="noStrike" cap="none" dirty="0" smtClean="0">
+                <a:solidFill>
+                  <a:srgbClr val="EEB211"/>
+                </a:solidFill>
+                <a:latin typeface="Calibri"/>
+                <a:ea typeface="Calibri"/>
+                <a:cs typeface="Calibri"/>
+                <a:sym typeface="Calibri"/>
+              </a:rPr>
+              <a:t>INTRODUCTION</a:t>
+            </a:r>
+            <a:endParaRPr lang="en-US" sz="2400" b="0" i="0" u="none" strike="noStrike" cap="none" dirty="0">
+              <a:solidFill>
+                <a:srgbClr val="EEB211"/>
+              </a:solidFill>
+              <a:latin typeface="Calibri"/>
+              <a:ea typeface="Calibri"/>
+              <a:cs typeface="Calibri"/>
+              <a:sym typeface="Calibri"/>
+            </a:endParaRPr>
+          </a:p>
+        </p:txBody>
+      </p:sp>
+    </p:spTree>
+    <p:extLst>
+      <p:ext uri="{BB962C8B-B14F-4D97-AF65-F5344CB8AC3E}">
+        <p14:creationId xmlns:p14="http://schemas.microsoft.com/office/powerpoint/2010/main" val="1240815480"/>
+      </p:ext>
+    </p:extLst>
+  </p:cSld>
+  <p:clrMapOvr>
+    <a:masterClrMapping/>
+  </p:clrMapOvr>
+  <p:transition spd="slow">
+    <p:cut/>
+  </p:transition>
+  <p:timing>
+    <p:tnLst>
+      <p:par>
+        <p:cTn id="1" dur="indefinite" restart="never" nodeType="tmRoot"/>
+      </p:par>
+    </p:tnLst>
+  </p:timing>
+</p:sld>
+</file>
+
+<file path=ppt/slides/slide5.xml><?xml version="1.0" encoding="utf-8"?>
 <p:sld xmlns:a="http://schemas.openxmlformats.org/drawingml/2006/main" xmlns:r="http://schemas.openxmlformats.org/officeDocument/2006/relationships" xmlns:p="http://schemas.openxmlformats.org/presentationml/2006/main">
   <p:cSld>
     <p:spTree>
@@ -24361,10 +25286,17 @@
   <p:transition spd="slow">
     <p:cut/>
   </p:transition>
+  <p:timing>
+    <p:tnLst>
+      <p:par>
+        <p:cTn id="1" dur="indefinite" restart="never" nodeType="tmRoot"/>
+      </p:par>
+    </p:tnLst>
+  </p:timing>
 </p:sld>
 </file>
 
-<file path=ppt/slides/slide5.xml><?xml version="1.0" encoding="utf-8"?>
+<file path=ppt/slides/slide6.xml><?xml version="1.0" encoding="utf-8"?>
 <p:sld xmlns:a="http://schemas.openxmlformats.org/drawingml/2006/main" xmlns:r="http://schemas.openxmlformats.org/officeDocument/2006/relationships" xmlns:p="http://schemas.openxmlformats.org/presentationml/2006/main">
   <p:cSld>
     <p:spTree>
@@ -24438,45 +25370,27 @@
             </a:r>
           </a:p>
           <a:p>
-            <a:pPr marL="466344" marR="0" lvl="1" indent="-288544" algn="l" rtl="0">
+            <a:pPr lvl="1" indent="-288544">
               <a:spcBef>
                 <a:spcPts val="1020"/>
               </a:spcBef>
               <a:spcAft>
                 <a:spcPts val="0"/>
               </a:spcAft>
-              <a:buClr>
-                <a:schemeClr val="lt1"/>
-              </a:buClr>
-              <a:buSzPct val="100000"/>
-              <a:buFont typeface="Merriweather Sans"/>
-              <a:buChar char="•"/>
             </a:pPr>
             <a:r>
-              <a:rPr lang="en-US" sz="2100" b="0" i="0" u="none" strike="noStrike" cap="none" dirty="0">
-                <a:solidFill>
-                  <a:schemeClr val="lt1"/>
-                </a:solidFill>
-                <a:latin typeface="Calibri"/>
-                <a:ea typeface="Calibri"/>
-                <a:cs typeface="Calibri"/>
-                <a:sym typeface="Calibri"/>
-              </a:rPr>
-              <a:t>Create a user-friendly web-based interface (</a:t>
+              <a:rPr lang="en-US" dirty="0"/>
+              <a:t>"</a:t>
             </a:r>
             <a:r>
-              <a:rPr lang="en-US" sz="2100" b="0" i="0" u="none" strike="noStrike" cap="none" dirty="0" smtClean="0">
-                <a:solidFill>
-                  <a:schemeClr val="lt1"/>
-                </a:solidFill>
-                <a:latin typeface="Calibri"/>
-                <a:ea typeface="Calibri"/>
-                <a:cs typeface="Calibri"/>
-                <a:sym typeface="Calibri"/>
-              </a:rPr>
-              <a:t>SafeTravels) </a:t>
+              <a:rPr lang="en-US" dirty="0" smtClean="0"/>
+              <a:t>SafeTravels", </a:t>
             </a:r>
-            <a:endParaRPr lang="en-US" sz="2100" b="0" i="0" u="none" strike="noStrike" cap="none" dirty="0">
+            <a:r>
+              <a:rPr lang="en-US" dirty="0"/>
+              <a:t>our proposed web application project, attempts to address the previously raised population health concerns by harnessing the power of health informatics. By integrating with existing data standards like FHIR and outbreak information from organizations like the CDC, we will provide customized recommendations for prospective travelers seeking to ensure a safe and healthy trip. </a:t>
+            </a:r>
+            <a:endParaRPr sz="2400" b="0" i="0" u="none" strike="noStrike" cap="none" dirty="0">
               <a:solidFill>
                 <a:schemeClr val="lt1"/>
               </a:solidFill>
@@ -24485,71 +25399,6 @@
               <a:cs typeface="Calibri"/>
               <a:sym typeface="Calibri"/>
             </a:endParaRPr>
-          </a:p>
-          <a:p>
-            <a:pPr marL="0" marR="0" lvl="0" indent="0" algn="l" rtl="0">
-              <a:spcBef>
-                <a:spcPts val="1080"/>
-              </a:spcBef>
-              <a:spcAft>
-                <a:spcPts val="0"/>
-              </a:spcAft>
-              <a:buClr>
-                <a:schemeClr val="lt1"/>
-              </a:buClr>
-              <a:buSzPct val="25000"/>
-              <a:buFont typeface="Arial"/>
-              <a:buNone/>
-            </a:pPr>
-            <a:endParaRPr sz="2400" b="0" i="0" u="none" strike="noStrike" cap="none" dirty="0">
-              <a:solidFill>
-                <a:schemeClr val="lt1"/>
-              </a:solidFill>
-              <a:latin typeface="Calibri"/>
-              <a:ea typeface="Calibri"/>
-              <a:cs typeface="Calibri"/>
-              <a:sym typeface="Calibri"/>
-            </a:endParaRPr>
-          </a:p>
-          <a:p>
-            <a:pPr marL="0" marR="0" lvl="0" indent="0" algn="l" rtl="0">
-              <a:spcBef>
-                <a:spcPts val="1080"/>
-              </a:spcBef>
-              <a:spcAft>
-                <a:spcPts val="0"/>
-              </a:spcAft>
-              <a:buClr>
-                <a:schemeClr val="lt1"/>
-              </a:buClr>
-              <a:buSzPct val="25000"/>
-              <a:buFont typeface="Arial"/>
-              <a:buNone/>
-            </a:pPr>
-            <a:r>
-              <a:rPr lang="en-US" sz="2400" b="0" i="0" u="none" strike="noStrike" cap="none" dirty="0">
-                <a:solidFill>
-                  <a:schemeClr val="lt1"/>
-                </a:solidFill>
-                <a:latin typeface="Calibri"/>
-                <a:ea typeface="Calibri"/>
-                <a:cs typeface="Calibri"/>
-                <a:sym typeface="Calibri"/>
-              </a:rPr>
-              <a:t>Technical </a:t>
-            </a:r>
-            <a:r>
-              <a:rPr lang="en-US" sz="2400" b="0" i="0" u="none" strike="noStrike" cap="none" dirty="0" smtClean="0">
-                <a:solidFill>
-                  <a:schemeClr val="lt1"/>
-                </a:solidFill>
-                <a:latin typeface="Calibri"/>
-                <a:ea typeface="Calibri"/>
-                <a:cs typeface="Calibri"/>
-                <a:sym typeface="Calibri"/>
-              </a:rPr>
-              <a:t>Details</a:t>
-            </a:r>
           </a:p>
           <a:p>
             <a:pPr marL="0" marR="0" lvl="0" indent="0" algn="l" rtl="0">
@@ -24753,10 +25602,17 @@
   <p:transition spd="slow">
     <p:cut/>
   </p:transition>
+  <p:timing>
+    <p:tnLst>
+      <p:par>
+        <p:cTn id="1" dur="indefinite" restart="never" nodeType="tmRoot"/>
+      </p:par>
+    </p:tnLst>
+  </p:timing>
 </p:sld>
 </file>
 
-<file path=ppt/slides/slide6.xml><?xml version="1.0" encoding="utf-8"?>
+<file path=ppt/slides/slide7.xml><?xml version="1.0" encoding="utf-8"?>
 <p:sld xmlns:a="http://schemas.openxmlformats.org/drawingml/2006/main" xmlns:r="http://schemas.openxmlformats.org/officeDocument/2006/relationships" xmlns:p="http://schemas.openxmlformats.org/presentationml/2006/main">
   <p:cSld>
     <p:spTree>
@@ -25203,10 +26059,17 @@
   <p:transition spd="slow">
     <p:cut/>
   </p:transition>
+  <p:timing>
+    <p:tnLst>
+      <p:par>
+        <p:cTn id="1" dur="indefinite" restart="never" nodeType="tmRoot"/>
+      </p:par>
+    </p:tnLst>
+  </p:timing>
 </p:sld>
 </file>
 
-<file path=ppt/slides/slide7.xml><?xml version="1.0" encoding="utf-8"?>
+<file path=ppt/slides/slide8.xml><?xml version="1.0" encoding="utf-8"?>
 <p:sld xmlns:a="http://schemas.openxmlformats.org/drawingml/2006/main" xmlns:r="http://schemas.openxmlformats.org/officeDocument/2006/relationships" xmlns:p="http://schemas.openxmlformats.org/presentationml/2006/main">
   <p:cSld>
     <p:spTree>
@@ -25539,10 +26402,17 @@
   <p:transition spd="slow">
     <p:cut/>
   </p:transition>
+  <p:timing>
+    <p:tnLst>
+      <p:par>
+        <p:cTn id="1" dur="indefinite" restart="never" nodeType="tmRoot"/>
+      </p:par>
+    </p:tnLst>
+  </p:timing>
 </p:sld>
 </file>
 
-<file path=ppt/slides/slide8.xml><?xml version="1.0" encoding="utf-8"?>
+<file path=ppt/slides/slide9.xml><?xml version="1.0" encoding="utf-8"?>
 <p:sld xmlns:a="http://schemas.openxmlformats.org/drawingml/2006/main" xmlns:r="http://schemas.openxmlformats.org/officeDocument/2006/relationships" xmlns:p="http://schemas.openxmlformats.org/presentationml/2006/main">
   <p:cSld>
     <p:spTree>
@@ -25626,24 +26496,12 @@
               <a:buSzPct val="25000"/>
             </a:pPr>
             <a:r>
-              <a:rPr lang="en-US" dirty="0" smtClean="0"/>
-              <a:t>Need </a:t>
-            </a:r>
-            <a:r>
               <a:rPr lang="en-US" dirty="0"/>
-              <a:t>for a destination </a:t>
+              <a:t>There is a need for a destination based and comprehensive source of information that travelers can turn to in a fast and efficient manner. </a:t>
             </a:r>
             <a:r>
               <a:rPr lang="en-US" dirty="0" smtClean="0"/>
-              <a:t>based, comprehensive </a:t>
-            </a:r>
-            <a:r>
-              <a:rPr lang="en-US" dirty="0"/>
-              <a:t>source of information that travelers can turn to in a fast and efficient </a:t>
-            </a:r>
-            <a:r>
-              <a:rPr lang="en-US" dirty="0" smtClean="0"/>
-              <a:t>manner</a:t>
+              <a:t>– </a:t>
             </a:r>
           </a:p>
           <a:p>
@@ -25656,59 +26514,26 @@
               </a:spcAft>
               <a:buSzPct val="25000"/>
             </a:pPr>
-            <a:r>
-              <a:rPr lang="en-US" dirty="0"/>
-              <a:t>Since travelers might have </a:t>
-            </a:r>
+            <a:endParaRPr lang="en-US" dirty="0"/>
+          </a:p>
+          <a:p>
+            <a:pPr lvl="1">
+              <a:spcBef>
+                <a:spcPts val="1080"/>
+              </a:spcBef>
+              <a:spcAft>
+                <a:spcPts val="0"/>
+              </a:spcAft>
+              <a:buSzPct val="25000"/>
+            </a:pPr>
             <a:r>
               <a:rPr lang="en-US" dirty="0" smtClean="0"/>
-              <a:t>cultural </a:t>
+              <a:t>Since </a:t>
             </a:r>
             <a:r>
               <a:rPr lang="en-US" dirty="0"/>
-              <a:t>or </a:t>
+              <a:t>travelers might have a cultural or a language barrier they should take proactive steps in making sure they are aware of health hazards in their destination</a:t>
             </a:r>
-            <a:r>
-              <a:rPr lang="en-US" dirty="0" smtClean="0"/>
-              <a:t>language barriers </a:t>
-            </a:r>
-            <a:r>
-              <a:rPr lang="en-US" dirty="0"/>
-              <a:t>they should take proactive steps </a:t>
-            </a:r>
-            <a:r>
-              <a:rPr lang="en-US" dirty="0" smtClean="0"/>
-              <a:t>to ensure they </a:t>
-            </a:r>
-            <a:r>
-              <a:rPr lang="en-US" dirty="0"/>
-              <a:t>are aware of health hazards </a:t>
-            </a:r>
-            <a:endParaRPr sz="2400" b="0" i="0" u="none" strike="noStrike" cap="none" dirty="0">
-              <a:solidFill>
-                <a:schemeClr val="lt1"/>
-              </a:solidFill>
-              <a:latin typeface="Calibri"/>
-              <a:ea typeface="Calibri"/>
-              <a:cs typeface="Calibri"/>
-              <a:sym typeface="Calibri"/>
-            </a:endParaRPr>
-          </a:p>
-          <a:p>
-            <a:pPr marL="0" marR="0" lvl="0" indent="0" algn="l" rtl="0">
-              <a:spcBef>
-                <a:spcPts val="1080"/>
-              </a:spcBef>
-              <a:spcAft>
-                <a:spcPts val="0"/>
-              </a:spcAft>
-              <a:buClr>
-                <a:schemeClr val="lt1"/>
-              </a:buClr>
-              <a:buSzPct val="25000"/>
-              <a:buFont typeface="Arial"/>
-              <a:buNone/>
-            </a:pPr>
             <a:endParaRPr sz="2400" b="0" i="0" u="none" strike="noStrike" cap="none" dirty="0">
               <a:solidFill>
                 <a:schemeClr val="lt1"/>
@@ -25910,344 +26735,13 @@
   <p:transition spd="slow">
     <p:cut/>
   </p:transition>
-</p:sld>
-</file>
-
-<file path=ppt/slides/slide9.xml><?xml version="1.0" encoding="utf-8"?>
-<p:sld xmlns:a="http://schemas.openxmlformats.org/drawingml/2006/main" xmlns:r="http://schemas.openxmlformats.org/officeDocument/2006/relationships" xmlns:p="http://schemas.openxmlformats.org/presentationml/2006/main">
-  <p:cSld>
-    <p:spTree>
-      <p:nvGrpSpPr>
-        <p:cNvPr id="1" name="Shape 143"/>
-        <p:cNvGrpSpPr/>
-        <p:nvPr/>
-      </p:nvGrpSpPr>
-      <p:grpSpPr>
-        <a:xfrm>
-          <a:off x="0" y="0"/>
-          <a:ext cx="0" cy="0"/>
-          <a:chOff x="0" y="0"/>
-          <a:chExt cx="0" cy="0"/>
-        </a:xfrm>
-      </p:grpSpPr>
-      <p:sp>
-        <p:nvSpPr>
-          <p:cNvPr id="144" name="Shape 144"/>
-          <p:cNvSpPr txBox="1">
-            <a:spLocks noGrp="1"/>
-          </p:cNvSpPr>
-          <p:nvPr>
-            <p:ph type="body" idx="1"/>
-          </p:nvPr>
-        </p:nvSpPr>
-        <p:spPr>
-          <a:xfrm>
-            <a:off x="0" y="801384"/>
-            <a:ext cx="9143998" cy="5362347"/>
-          </a:xfrm>
-          <a:prstGeom prst="rect">
-            <a:avLst/>
-          </a:prstGeom>
-          <a:noFill/>
-          <a:ln>
-            <a:noFill/>
-          </a:ln>
-        </p:spPr>
-        <p:txBody>
-          <a:bodyPr lIns="274300" tIns="45700" rIns="274300" bIns="45700" anchor="t" anchorCtr="0">
-            <a:noAutofit/>
-          </a:bodyPr>
-          <a:lstStyle/>
-          <a:p>
-            <a:pPr marL="311150" lvl="1" indent="0" algn="ctr">
-              <a:spcBef>
-                <a:spcPts val="1080"/>
-              </a:spcBef>
-              <a:spcAft>
-                <a:spcPts val="0"/>
-              </a:spcAft>
-              <a:buSzPct val="25000"/>
-              <a:buNone/>
-            </a:pPr>
-            <a:r>
-              <a:rPr lang="en-US" sz="1800" dirty="0" smtClean="0"/>
-              <a:t>Survey</a:t>
-            </a:r>
-            <a:r>
-              <a:rPr lang="en-US" sz="1800" dirty="0"/>
-              <a:t>: </a:t>
-            </a:r>
-            <a:r>
-              <a:rPr lang="en-US" sz="1800" dirty="0" smtClean="0"/>
-              <a:t>http</a:t>
-            </a:r>
-            <a:r>
-              <a:rPr lang="en-US" sz="1800" dirty="0"/>
-              <a:t>://goo.gl/forms/LLjb84tBuA </a:t>
-            </a:r>
-            <a:endParaRPr lang="en-US" sz="1800" dirty="0" smtClean="0"/>
-          </a:p>
-          <a:p>
-            <a:pPr marL="311150" lvl="1" indent="0">
-              <a:spcBef>
-                <a:spcPts val="1080"/>
-              </a:spcBef>
-              <a:spcAft>
-                <a:spcPts val="0"/>
-              </a:spcAft>
-              <a:buSzPct val="25000"/>
-              <a:buNone/>
-            </a:pPr>
-            <a:endParaRPr sz="2400" b="0" i="0" u="none" strike="noStrike" cap="none" dirty="0">
-              <a:solidFill>
-                <a:schemeClr val="lt1"/>
-              </a:solidFill>
-              <a:latin typeface="Calibri"/>
-              <a:ea typeface="Calibri"/>
-              <a:cs typeface="Calibri"/>
-              <a:sym typeface="Calibri"/>
-            </a:endParaRPr>
-          </a:p>
-          <a:p>
-            <a:pPr marL="0" marR="0" lvl="0" indent="0" algn="l" rtl="0">
-              <a:spcBef>
-                <a:spcPts val="1080"/>
-              </a:spcBef>
-              <a:spcAft>
-                <a:spcPts val="0"/>
-              </a:spcAft>
-              <a:buClr>
-                <a:schemeClr val="lt1"/>
-              </a:buClr>
-              <a:buSzPct val="25000"/>
-              <a:buFont typeface="Arial"/>
-              <a:buNone/>
-            </a:pPr>
-            <a:endParaRPr sz="2400" b="0" i="0" u="none" strike="noStrike" cap="none" dirty="0">
-              <a:solidFill>
-                <a:schemeClr val="lt1"/>
-              </a:solidFill>
-              <a:latin typeface="Calibri"/>
-              <a:ea typeface="Calibri"/>
-              <a:cs typeface="Calibri"/>
-              <a:sym typeface="Calibri"/>
-            </a:endParaRPr>
-          </a:p>
-          <a:p>
-            <a:pPr marL="0" marR="0" lvl="0" indent="0" algn="l" rtl="0">
-              <a:spcBef>
-                <a:spcPts val="1080"/>
-              </a:spcBef>
-              <a:spcAft>
-                <a:spcPts val="0"/>
-              </a:spcAft>
-              <a:buClr>
-                <a:schemeClr val="lt1"/>
-              </a:buClr>
-              <a:buSzPct val="25000"/>
-              <a:buFont typeface="Arial"/>
-              <a:buNone/>
-            </a:pPr>
-            <a:endParaRPr sz="2400" b="0" i="0" u="none" strike="noStrike" cap="none" dirty="0">
-              <a:solidFill>
-                <a:schemeClr val="lt1"/>
-              </a:solidFill>
-              <a:latin typeface="Calibri"/>
-              <a:ea typeface="Calibri"/>
-              <a:cs typeface="Calibri"/>
-              <a:sym typeface="Calibri"/>
-            </a:endParaRPr>
-          </a:p>
-          <a:p>
-            <a:pPr marL="0" marR="0" lvl="0" indent="0" algn="l" rtl="0">
-              <a:spcBef>
-                <a:spcPts val="1080"/>
-              </a:spcBef>
-              <a:spcAft>
-                <a:spcPts val="0"/>
-              </a:spcAft>
-              <a:buClr>
-                <a:schemeClr val="lt1"/>
-              </a:buClr>
-              <a:buSzPct val="25000"/>
-              <a:buFont typeface="Arial"/>
-              <a:buNone/>
-            </a:pPr>
-            <a:endParaRPr sz="2400" b="0" i="0" u="none" strike="noStrike" cap="none" dirty="0">
-              <a:solidFill>
-                <a:schemeClr val="lt1"/>
-              </a:solidFill>
-              <a:latin typeface="Calibri"/>
-              <a:ea typeface="Calibri"/>
-              <a:cs typeface="Calibri"/>
-              <a:sym typeface="Calibri"/>
-            </a:endParaRPr>
-          </a:p>
-          <a:p>
-            <a:pPr marL="0" marR="0" lvl="0" indent="0" algn="l" rtl="0">
-              <a:spcBef>
-                <a:spcPts val="1080"/>
-              </a:spcBef>
-              <a:spcAft>
-                <a:spcPts val="0"/>
-              </a:spcAft>
-              <a:buClr>
-                <a:schemeClr val="lt1"/>
-              </a:buClr>
-              <a:buSzPct val="25000"/>
-              <a:buFont typeface="Arial"/>
-              <a:buNone/>
-            </a:pPr>
-            <a:endParaRPr sz="2400" b="0" i="0" u="none" strike="noStrike" cap="none" dirty="0">
-              <a:solidFill>
-                <a:schemeClr val="lt1"/>
-              </a:solidFill>
-              <a:latin typeface="Calibri"/>
-              <a:ea typeface="Calibri"/>
-              <a:cs typeface="Calibri"/>
-              <a:sym typeface="Calibri"/>
-            </a:endParaRPr>
-          </a:p>
-          <a:p>
-            <a:pPr marL="0" marR="0" lvl="0" indent="0" algn="l" rtl="0">
-              <a:spcBef>
-                <a:spcPts val="1080"/>
-              </a:spcBef>
-              <a:spcAft>
-                <a:spcPts val="0"/>
-              </a:spcAft>
-              <a:buClr>
-                <a:schemeClr val="lt1"/>
-              </a:buClr>
-              <a:buSzPct val="25000"/>
-              <a:buFont typeface="Arial"/>
-              <a:buNone/>
-            </a:pPr>
-            <a:endParaRPr sz="2400" b="0" i="0" u="none" strike="noStrike" cap="none" dirty="0">
-              <a:solidFill>
-                <a:schemeClr val="lt1"/>
-              </a:solidFill>
-              <a:latin typeface="Calibri"/>
-              <a:ea typeface="Calibri"/>
-              <a:cs typeface="Calibri"/>
-              <a:sym typeface="Calibri"/>
-            </a:endParaRPr>
-          </a:p>
-        </p:txBody>
-      </p:sp>
-      <p:sp>
-        <p:nvSpPr>
-          <p:cNvPr id="145" name="Shape 145"/>
-          <p:cNvSpPr txBox="1">
-            <a:spLocks noGrp="1"/>
-          </p:cNvSpPr>
-          <p:nvPr>
-            <p:ph type="title"/>
-          </p:nvPr>
-        </p:nvSpPr>
-        <p:spPr>
-          <a:xfrm>
-            <a:off x="0" y="0"/>
-            <a:ext cx="9144000" cy="991351"/>
-          </a:xfrm>
-          <a:prstGeom prst="rect">
-            <a:avLst/>
-          </a:prstGeom>
-          <a:noFill/>
-          <a:ln>
-            <a:noFill/>
-          </a:ln>
-        </p:spPr>
-        <p:txBody>
-          <a:bodyPr lIns="274300" tIns="45700" rIns="91425" bIns="45700" anchor="ctr" anchorCtr="0">
-            <a:noAutofit/>
-          </a:bodyPr>
-          <a:lstStyle/>
-          <a:p>
-            <a:pPr marL="0" marR="0" lvl="0" indent="0" algn="ctr" rtl="0">
-              <a:spcBef>
-                <a:spcPts val="0"/>
-              </a:spcBef>
-              <a:buClr>
-                <a:srgbClr val="EEB211"/>
-              </a:buClr>
-              <a:buSzPct val="25000"/>
-              <a:buFont typeface="Calibri"/>
-              <a:buNone/>
-            </a:pPr>
-            <a:r>
-              <a:rPr lang="en-US" sz="2400" b="0" i="0" u="none" strike="noStrike" cap="none" dirty="0">
-                <a:solidFill>
-                  <a:srgbClr val="EEB211"/>
-                </a:solidFill>
-                <a:latin typeface="Calibri"/>
-                <a:ea typeface="Calibri"/>
-                <a:cs typeface="Calibri"/>
-                <a:sym typeface="Calibri"/>
-              </a:rPr>
-              <a:t> </a:t>
-            </a:r>
-            <a:r>
-              <a:rPr lang="en-US" sz="2400" b="0" i="0" u="none" strike="noStrike" cap="none" dirty="0" smtClean="0">
-                <a:solidFill>
-                  <a:srgbClr val="EEB211"/>
-                </a:solidFill>
-                <a:latin typeface="Calibri"/>
-                <a:ea typeface="Calibri"/>
-                <a:cs typeface="Calibri"/>
-                <a:sym typeface="Calibri"/>
-              </a:rPr>
-              <a:t>RESEARCH – SURVEY RESULTS</a:t>
-            </a:r>
-            <a:endParaRPr lang="en-US" sz="2400" b="0" i="0" u="none" strike="noStrike" cap="none" dirty="0">
-              <a:solidFill>
-                <a:srgbClr val="EEB211"/>
-              </a:solidFill>
-              <a:latin typeface="Calibri"/>
-              <a:ea typeface="Calibri"/>
-              <a:cs typeface="Calibri"/>
-              <a:sym typeface="Calibri"/>
-            </a:endParaRPr>
-          </a:p>
-        </p:txBody>
-      </p:sp>
-      <p:pic>
-        <p:nvPicPr>
-          <p:cNvPr id="5" name="Picture 4"/>
-          <p:cNvPicPr>
-            <a:picLocks noChangeAspect="1"/>
-          </p:cNvPicPr>
-          <p:nvPr/>
-        </p:nvPicPr>
-        <p:blipFill>
-          <a:blip r:embed="rId3"/>
-          <a:stretch>
-            <a:fillRect/>
-          </a:stretch>
-        </p:blipFill>
-        <p:spPr>
-          <a:xfrm>
-            <a:off x="1307909" y="1195912"/>
-            <a:ext cx="6471443" cy="5113447"/>
-          </a:xfrm>
-          <a:prstGeom prst="rect">
-            <a:avLst/>
-          </a:prstGeom>
-        </p:spPr>
-      </p:pic>
-    </p:spTree>
-    <p:extLst>
-      <p:ext uri="{BB962C8B-B14F-4D97-AF65-F5344CB8AC3E}">
-        <p14:creationId xmlns:p14="http://schemas.microsoft.com/office/powerpoint/2010/main" val="4016748279"/>
-      </p:ext>
-    </p:extLst>
-  </p:cSld>
-  <p:clrMapOvr>
-    <a:masterClrMapping/>
-  </p:clrMapOvr>
-  <p:transition spd="slow">
-    <p:cut/>
-  </p:transition>
+  <p:timing>
+    <p:tnLst>
+      <p:par>
+        <p:cTn id="1" dur="indefinite" restart="never" nodeType="tmRoot"/>
+      </p:par>
+    </p:tnLst>
+  </p:timing>
 </p:sld>
 </file>
 

--- a/Deliverable1/Docs/TopicPresentation.pptx
+++ b/Deliverable1/Docs/TopicPresentation.pptx
@@ -36,15 +36,6 @@
   </p:sldIdLst>
   <p:sldSz cx="9144000" cy="6858000" type="screen4x3"/>
   <p:notesSz cx="6858000" cy="9144000"/>
-  <p:embeddedFontLst>
-    <p:embeddedFont>
-      <p:font typeface="Calibri" panose="020F0502020204030204" pitchFamily="34" charset="0"/>
-      <p:regular r:id="rId28"/>
-      <p:bold r:id="rId29"/>
-      <p:italic r:id="rId30"/>
-      <p:boldItalic r:id="rId31"/>
-    </p:embeddedFont>
-  </p:embeddedFontLst>
   <p:defaultTextStyle>
     <a:defPPr marR="0" lvl="0" algn="l" rtl="0">
       <a:lnSpc>
@@ -249,7 +240,7 @@
   </p:defaultTextStyle>
   <p:extLst>
     <p:ext uri="{EFAFB233-063F-42B5-8137-9DF3F51BA10A}">
-      <p15:sldGuideLst xmlns:p15="http://schemas.microsoft.com/office/powerpoint/2012/main">
+      <p15:sldGuideLst xmlns:p15="http://schemas.microsoft.com/office/powerpoint/2012/main" xmlns="">
         <p15:guide id="1" orient="horz" pos="2160">
           <p15:clr>
             <a:srgbClr val="A4A3A4"/>
@@ -19980,13 +19971,13 @@
   <p:clrMapOvr>
     <a:masterClrMapping/>
   </p:clrMapOvr>
-  <p:transition spd="slow">
+  <p:transition xmlns:p14="http://schemas.microsoft.com/office/powerpoint/2010/main" spd="slow">
     <p:cut/>
   </p:transition>
   <p:timing>
     <p:tnLst>
       <p:par>
-        <p:cTn id="1" dur="indefinite" restart="never" nodeType="tmRoot"/>
+        <p:cTn xmlns:p14="http://schemas.microsoft.com/office/powerpoint/2010/main" id="1" dur="indefinite" restart="never" nodeType="tmRoot"/>
       </p:par>
     </p:tnLst>
   </p:timing>
@@ -20325,13 +20316,13 @@
   <p:clrMapOvr>
     <a:masterClrMapping/>
   </p:clrMapOvr>
-  <p:transition spd="slow">
+  <p:transition xmlns:p14="http://schemas.microsoft.com/office/powerpoint/2010/main" spd="slow">
     <p:cut/>
   </p:transition>
   <p:timing>
     <p:tnLst>
       <p:par>
-        <p:cTn id="1" dur="indefinite" restart="never" nodeType="tmRoot"/>
+        <p:cTn xmlns:p14="http://schemas.microsoft.com/office/powerpoint/2010/main" id="1" dur="indefinite" restart="never" nodeType="tmRoot"/>
       </p:par>
     </p:tnLst>
   </p:timing>
@@ -20633,7 +20624,7 @@
       </p:pic>
       <p:pic>
         <p:nvPicPr>
-          <p:cNvPr id="3" name="Picture 2"/>
+          <p:cNvPr id="4" name="Picture 3"/>
           <p:cNvPicPr>
             <a:picLocks noChangeAspect="1"/>
           </p:cNvPicPr>
@@ -20647,8 +20638,8 @@
         </p:blipFill>
         <p:spPr>
           <a:xfrm>
-            <a:off x="1269999" y="3452118"/>
-            <a:ext cx="6640371" cy="2757950"/>
+            <a:off x="1269999" y="3560259"/>
+            <a:ext cx="6640371" cy="2733762"/>
           </a:xfrm>
           <a:prstGeom prst="rect">
             <a:avLst/>
@@ -20665,13 +20656,13 @@
   <p:clrMapOvr>
     <a:masterClrMapping/>
   </p:clrMapOvr>
-  <p:transition spd="slow">
+  <p:transition xmlns:p14="http://schemas.microsoft.com/office/powerpoint/2010/main" spd="slow">
     <p:cut/>
   </p:transition>
   <p:timing>
     <p:tnLst>
       <p:par>
-        <p:cTn id="1" dur="indefinite" restart="never" nodeType="tmRoot"/>
+        <p:cTn xmlns:p14="http://schemas.microsoft.com/office/powerpoint/2010/main" id="1" dur="indefinite" restart="never" nodeType="tmRoot"/>
       </p:par>
     </p:tnLst>
   </p:timing>
@@ -21156,13 +21147,13 @@
   <p:clrMapOvr>
     <a:masterClrMapping/>
   </p:clrMapOvr>
-  <p:transition spd="slow">
+  <p:transition xmlns:p14="http://schemas.microsoft.com/office/powerpoint/2010/main" spd="slow">
     <p:cut/>
   </p:transition>
   <p:timing>
     <p:tnLst>
       <p:par>
-        <p:cTn id="1" dur="indefinite" restart="never" nodeType="tmRoot"/>
+        <p:cTn xmlns:p14="http://schemas.microsoft.com/office/powerpoint/2010/main" id="1" dur="indefinite" restart="never" nodeType="tmRoot"/>
       </p:par>
     </p:tnLst>
   </p:timing>
@@ -21635,13 +21626,13 @@
   <p:clrMapOvr>
     <a:masterClrMapping/>
   </p:clrMapOvr>
-  <p:transition spd="slow">
+  <p:transition xmlns:p14="http://schemas.microsoft.com/office/powerpoint/2010/main" spd="slow">
     <p:cut/>
   </p:transition>
   <p:timing>
     <p:tnLst>
       <p:par>
-        <p:cTn id="1" dur="indefinite" restart="never" nodeType="tmRoot"/>
+        <p:cTn xmlns:p14="http://schemas.microsoft.com/office/powerpoint/2010/main" id="1" dur="indefinite" restart="never" nodeType="tmRoot"/>
       </p:par>
     </p:tnLst>
   </p:timing>
@@ -21940,13 +21931,13 @@
   <p:clrMapOvr>
     <a:masterClrMapping/>
   </p:clrMapOvr>
-  <p:transition spd="slow">
+  <p:transition xmlns:p14="http://schemas.microsoft.com/office/powerpoint/2010/main" spd="slow">
     <p:cut/>
   </p:transition>
   <p:timing>
     <p:tnLst>
       <p:par>
-        <p:cTn id="1" dur="indefinite" restart="never" nodeType="tmRoot"/>
+        <p:cTn xmlns:p14="http://schemas.microsoft.com/office/powerpoint/2010/main" id="1" dur="indefinite" restart="never" nodeType="tmRoot"/>
       </p:par>
     </p:tnLst>
   </p:timing>
@@ -22222,13 +22213,13 @@
   <p:clrMapOvr>
     <a:masterClrMapping/>
   </p:clrMapOvr>
-  <p:transition spd="slow">
+  <p:transition xmlns:p14="http://schemas.microsoft.com/office/powerpoint/2010/main" spd="slow">
     <p:cut/>
   </p:transition>
   <p:timing>
     <p:tnLst>
       <p:par>
-        <p:cTn id="1" dur="indefinite" restart="never" nodeType="tmRoot"/>
+        <p:cTn xmlns:p14="http://schemas.microsoft.com/office/powerpoint/2010/main" id="1" dur="indefinite" restart="never" nodeType="tmRoot"/>
       </p:par>
     </p:tnLst>
   </p:timing>
@@ -22762,13 +22753,13 @@
   <p:clrMapOvr>
     <a:masterClrMapping/>
   </p:clrMapOvr>
-  <p:transition spd="slow">
+  <p:transition xmlns:p14="http://schemas.microsoft.com/office/powerpoint/2010/main" spd="slow">
     <p:cut/>
   </p:transition>
   <p:timing>
     <p:tnLst>
       <p:par>
-        <p:cTn id="1" dur="indefinite" restart="never" nodeType="tmRoot"/>
+        <p:cTn xmlns:p14="http://schemas.microsoft.com/office/powerpoint/2010/main" id="1" dur="indefinite" restart="never" nodeType="tmRoot"/>
       </p:par>
     </p:tnLst>
   </p:timing>
@@ -23075,13 +23066,13 @@
   <p:clrMapOvr>
     <a:masterClrMapping/>
   </p:clrMapOvr>
-  <p:transition spd="slow">
+  <p:transition xmlns:p14="http://schemas.microsoft.com/office/powerpoint/2010/main" spd="slow">
     <p:cut/>
   </p:transition>
   <p:timing>
     <p:tnLst>
       <p:par>
-        <p:cTn id="1" dur="indefinite" restart="never" nodeType="tmRoot"/>
+        <p:cTn xmlns:p14="http://schemas.microsoft.com/office/powerpoint/2010/main" id="1" dur="indefinite" restart="never" nodeType="tmRoot"/>
       </p:par>
     </p:tnLst>
   </p:timing>
@@ -23392,13 +23383,13 @@
   <p:clrMapOvr>
     <a:masterClrMapping/>
   </p:clrMapOvr>
-  <p:transition spd="slow">
+  <p:transition xmlns:p14="http://schemas.microsoft.com/office/powerpoint/2010/main" spd="slow">
     <p:cut/>
   </p:transition>
   <p:timing>
     <p:tnLst>
       <p:par>
-        <p:cTn id="1" dur="indefinite" restart="never" nodeType="tmRoot"/>
+        <p:cTn xmlns:p14="http://schemas.microsoft.com/office/powerpoint/2010/main" id="1" dur="indefinite" restart="never" nodeType="tmRoot"/>
       </p:par>
     </p:tnLst>
   </p:timing>
@@ -23621,13 +23612,13 @@
   <p:clrMapOvr>
     <a:masterClrMapping/>
   </p:clrMapOvr>
-  <p:transition spd="slow">
+  <p:transition xmlns:p14="http://schemas.microsoft.com/office/powerpoint/2010/main" spd="slow">
     <p:cut/>
   </p:transition>
   <p:timing>
     <p:tnLst>
       <p:par>
-        <p:cTn id="1" dur="indefinite" restart="never" nodeType="tmRoot"/>
+        <p:cTn xmlns:p14="http://schemas.microsoft.com/office/powerpoint/2010/main" id="1" dur="indefinite" restart="never" nodeType="tmRoot"/>
       </p:par>
     </p:tnLst>
   </p:timing>
@@ -24164,13 +24155,13 @@
   <p:clrMapOvr>
     <a:masterClrMapping/>
   </p:clrMapOvr>
-  <p:transition spd="slow">
+  <p:transition xmlns:p14="http://schemas.microsoft.com/office/powerpoint/2010/main" spd="slow">
     <p:cut/>
   </p:transition>
   <p:timing>
     <p:tnLst>
       <p:par>
-        <p:cTn id="1" dur="indefinite" restart="never" nodeType="tmRoot"/>
+        <p:cTn xmlns:p14="http://schemas.microsoft.com/office/powerpoint/2010/main" id="1" dur="indefinite" restart="never" nodeType="tmRoot"/>
       </p:par>
     </p:tnLst>
   </p:timing>
@@ -24538,13 +24529,13 @@
   <p:clrMapOvr>
     <a:masterClrMapping/>
   </p:clrMapOvr>
-  <p:transition spd="slow">
+  <p:transition xmlns:p14="http://schemas.microsoft.com/office/powerpoint/2010/main" spd="slow">
     <p:cut/>
   </p:transition>
   <p:timing>
     <p:tnLst>
       <p:par>
-        <p:cTn id="1" dur="indefinite" restart="never" nodeType="tmRoot"/>
+        <p:cTn xmlns:p14="http://schemas.microsoft.com/office/powerpoint/2010/main" id="1" dur="indefinite" restart="never" nodeType="tmRoot"/>
       </p:par>
     </p:tnLst>
   </p:timing>
@@ -24646,7 +24637,6 @@
               <a:rPr lang="en-US" dirty="0"/>
               <a:t>There are at least three possible ways to deal with travel-related health dangers: </a:t>
             </a:r>
-            <a:endParaRPr lang="en-US" dirty="0"/>
           </a:p>
           <a:p>
             <a:pPr lvl="2" indent="-288544">
@@ -25003,13 +24993,13 @@
   <p:clrMapOvr>
     <a:masterClrMapping/>
   </p:clrMapOvr>
-  <p:transition spd="slow">
+  <p:transition xmlns:p14="http://schemas.microsoft.com/office/powerpoint/2010/main" spd="slow">
     <p:cut/>
   </p:transition>
   <p:timing>
     <p:tnLst>
       <p:par>
-        <p:cTn id="1" dur="indefinite" restart="never" nodeType="tmRoot"/>
+        <p:cTn xmlns:p14="http://schemas.microsoft.com/office/powerpoint/2010/main" id="1" dur="indefinite" restart="never" nodeType="tmRoot"/>
       </p:par>
     </p:tnLst>
   </p:timing>
@@ -25283,13 +25273,13 @@
   <p:clrMapOvr>
     <a:masterClrMapping/>
   </p:clrMapOvr>
-  <p:transition spd="slow">
+  <p:transition xmlns:p14="http://schemas.microsoft.com/office/powerpoint/2010/main" spd="slow">
     <p:cut/>
   </p:transition>
   <p:timing>
     <p:tnLst>
       <p:par>
-        <p:cTn id="1" dur="indefinite" restart="never" nodeType="tmRoot"/>
+        <p:cTn xmlns:p14="http://schemas.microsoft.com/office/powerpoint/2010/main" id="1" dur="indefinite" restart="never" nodeType="tmRoot"/>
       </p:par>
     </p:tnLst>
   </p:timing>
@@ -25599,13 +25589,13 @@
   <p:clrMapOvr>
     <a:masterClrMapping/>
   </p:clrMapOvr>
-  <p:transition spd="slow">
+  <p:transition xmlns:p14="http://schemas.microsoft.com/office/powerpoint/2010/main" spd="slow">
     <p:cut/>
   </p:transition>
   <p:timing>
     <p:tnLst>
       <p:par>
-        <p:cTn id="1" dur="indefinite" restart="never" nodeType="tmRoot"/>
+        <p:cTn xmlns:p14="http://schemas.microsoft.com/office/powerpoint/2010/main" id="1" dur="indefinite" restart="never" nodeType="tmRoot"/>
       </p:par>
     </p:tnLst>
   </p:timing>
@@ -26056,13 +26046,13 @@
   <p:clrMapOvr>
     <a:masterClrMapping/>
   </p:clrMapOvr>
-  <p:transition spd="slow">
+  <p:transition xmlns:p14="http://schemas.microsoft.com/office/powerpoint/2010/main" spd="slow">
     <p:cut/>
   </p:transition>
   <p:timing>
     <p:tnLst>
       <p:par>
-        <p:cTn id="1" dur="indefinite" restart="never" nodeType="tmRoot"/>
+        <p:cTn xmlns:p14="http://schemas.microsoft.com/office/powerpoint/2010/main" id="1" dur="indefinite" restart="never" nodeType="tmRoot"/>
       </p:par>
     </p:tnLst>
   </p:timing>
@@ -26399,13 +26389,13 @@
   <p:clrMapOvr>
     <a:masterClrMapping/>
   </p:clrMapOvr>
-  <p:transition spd="slow">
+  <p:transition xmlns:p14="http://schemas.microsoft.com/office/powerpoint/2010/main" spd="slow">
     <p:cut/>
   </p:transition>
   <p:timing>
     <p:tnLst>
       <p:par>
-        <p:cTn id="1" dur="indefinite" restart="never" nodeType="tmRoot"/>
+        <p:cTn xmlns:p14="http://schemas.microsoft.com/office/powerpoint/2010/main" id="1" dur="indefinite" restart="never" nodeType="tmRoot"/>
       </p:par>
     </p:tnLst>
   </p:timing>
@@ -26732,13 +26722,13 @@
   <p:clrMapOvr>
     <a:masterClrMapping/>
   </p:clrMapOvr>
-  <p:transition spd="slow">
+  <p:transition xmlns:p14="http://schemas.microsoft.com/office/powerpoint/2010/main" spd="slow">
     <p:cut/>
   </p:transition>
   <p:timing>
     <p:tnLst>
       <p:par>
-        <p:cTn id="1" dur="indefinite" restart="never" nodeType="tmRoot"/>
+        <p:cTn xmlns:p14="http://schemas.microsoft.com/office/powerpoint/2010/main" id="1" dur="indefinite" restart="never" nodeType="tmRoot"/>
       </p:par>
     </p:tnLst>
   </p:timing>

--- a/Deliverable1/Docs/TopicPresentation.pptx
+++ b/Deliverable1/Docs/TopicPresentation.pptx
@@ -11,7 +11,7 @@
     <p:sldMasterId id="2147483669" r:id="rId7"/>
   </p:sldMasterIdLst>
   <p:notesMasterIdLst>
-    <p:notesMasterId r:id="rId27"/>
+    <p:notesMasterId r:id="rId26"/>
   </p:notesMasterIdLst>
   <p:sldIdLst>
     <p:sldId id="256" r:id="rId8"/>
@@ -32,7 +32,6 @@
     <p:sldId id="265" r:id="rId23"/>
     <p:sldId id="266" r:id="rId24"/>
     <p:sldId id="267" r:id="rId25"/>
-    <p:sldId id="268" r:id="rId26"/>
   </p:sldIdLst>
   <p:sldSz cx="9144000" cy="6858000" type="screen4x3"/>
   <p:notesSz cx="6858000" cy="9144000"/>
@@ -240,7 +239,7 @@
   </p:defaultTextStyle>
   <p:extLst>
     <p:ext uri="{EFAFB233-063F-42B5-8137-9DF3F51BA10A}">
-      <p15:sldGuideLst xmlns:p15="http://schemas.microsoft.com/office/powerpoint/2012/main" xmlns="">
+      <p15:sldGuideLst xmlns="" xmlns:p15="http://schemas.microsoft.com/office/powerpoint/2012/main">
         <p15:guide id="1" orient="horz" pos="2160">
           <p15:clr>
             <a:srgbClr val="A4A3A4"/>
@@ -1619,116 +1618,6 @@
 </p:notes>
 </file>
 
-<file path=ppt/notesSlides/notesSlide19.xml><?xml version="1.0" encoding="utf-8"?>
-<p:notes xmlns:a="http://schemas.openxmlformats.org/drawingml/2006/main" xmlns:r="http://schemas.openxmlformats.org/officeDocument/2006/relationships" xmlns:p="http://schemas.openxmlformats.org/presentationml/2006/main" showMasterSp="0" showMasterPhAnim="0">
-  <p:cSld>
-    <p:spTree>
-      <p:nvGrpSpPr>
-        <p:cNvPr id="1" name="Shape 182"/>
-        <p:cNvGrpSpPr/>
-        <p:nvPr/>
-      </p:nvGrpSpPr>
-      <p:grpSpPr>
-        <a:xfrm>
-          <a:off x="0" y="0"/>
-          <a:ext cx="0" cy="0"/>
-          <a:chOff x="0" y="0"/>
-          <a:chExt cx="0" cy="0"/>
-        </a:xfrm>
-      </p:grpSpPr>
-      <p:sp>
-        <p:nvSpPr>
-          <p:cNvPr id="183" name="Shape 183"/>
-          <p:cNvSpPr txBox="1">
-            <a:spLocks noGrp="1"/>
-          </p:cNvSpPr>
-          <p:nvPr>
-            <p:ph type="body" idx="1"/>
-          </p:nvPr>
-        </p:nvSpPr>
-        <p:spPr>
-          <a:xfrm>
-            <a:off x="685800" y="4343400"/>
-            <a:ext cx="5486399" cy="4114800"/>
-          </a:xfrm>
-          <a:prstGeom prst="rect">
-            <a:avLst/>
-          </a:prstGeom>
-          <a:noFill/>
-          <a:ln>
-            <a:noFill/>
-          </a:ln>
-        </p:spPr>
-        <p:txBody>
-          <a:bodyPr lIns="91425" tIns="91425" rIns="91425" bIns="91425" anchor="ctr" anchorCtr="0">
-            <a:noAutofit/>
-          </a:bodyPr>
-          <a:lstStyle/>
-          <a:p>
-            <a:pPr lvl="0">
-              <a:spcBef>
-                <a:spcPts val="0"/>
-              </a:spcBef>
-              <a:buNone/>
-            </a:pPr>
-            <a:endParaRPr dirty="0"/>
-          </a:p>
-        </p:txBody>
-      </p:sp>
-      <p:sp>
-        <p:nvSpPr>
-          <p:cNvPr id="184" name="Shape 184"/>
-          <p:cNvSpPr>
-            <a:spLocks noGrp="1" noRot="1" noChangeAspect="1"/>
-          </p:cNvSpPr>
-          <p:nvPr>
-            <p:ph type="sldImg" idx="2"/>
-          </p:nvPr>
-        </p:nvSpPr>
-        <p:spPr>
-          <a:xfrm>
-            <a:off x="1143000" y="685800"/>
-            <a:ext cx="4572000" cy="3429000"/>
-          </a:xfrm>
-          <a:custGeom>
-            <a:avLst/>
-            <a:gdLst/>
-            <a:ahLst/>
-            <a:cxnLst/>
-            <a:rect l="0" t="0" r="0" b="0"/>
-            <a:pathLst>
-              <a:path w="120000" h="120000" extrusionOk="0">
-                <a:moveTo>
-                  <a:pt x="0" y="0"/>
-                </a:moveTo>
-                <a:lnTo>
-                  <a:pt x="120000" y="0"/>
-                </a:lnTo>
-                <a:lnTo>
-                  <a:pt x="120000" y="120000"/>
-                </a:lnTo>
-                <a:lnTo>
-                  <a:pt x="0" y="120000"/>
-                </a:lnTo>
-                <a:close/>
-              </a:path>
-            </a:pathLst>
-          </a:custGeom>
-        </p:spPr>
-      </p:sp>
-    </p:spTree>
-    <p:extLst>
-      <p:ext uri="{BB962C8B-B14F-4D97-AF65-F5344CB8AC3E}">
-        <p14:creationId xmlns:p14="http://schemas.microsoft.com/office/powerpoint/2010/main" val="2637157304"/>
-      </p:ext>
-    </p:extLst>
-  </p:cSld>
-  <p:clrMapOvr>
-    <a:masterClrMapping/>
-  </p:clrMapOvr>
-</p:notes>
-</file>
-
 <file path=ppt/notesSlides/notesSlide2.xml><?xml version="1.0" encoding="utf-8"?>
 <p:notes xmlns:a="http://schemas.openxmlformats.org/drawingml/2006/main" xmlns:r="http://schemas.openxmlformats.org/officeDocument/2006/relationships" xmlns:p="http://schemas.openxmlformats.org/presentationml/2006/main" showMasterSp="0" showMasterPhAnim="0">
   <p:cSld>
@@ -23396,235 +23285,6 @@
 </p:sld>
 </file>
 
-<file path=ppt/slides/slide19.xml><?xml version="1.0" encoding="utf-8"?>
-<p:sld xmlns:a="http://schemas.openxmlformats.org/drawingml/2006/main" xmlns:r="http://schemas.openxmlformats.org/officeDocument/2006/relationships" xmlns:p="http://schemas.openxmlformats.org/presentationml/2006/main">
-  <p:cSld>
-    <p:spTree>
-      <p:nvGrpSpPr>
-        <p:cNvPr id="1" name="Shape 185"/>
-        <p:cNvGrpSpPr/>
-        <p:nvPr/>
-      </p:nvGrpSpPr>
-      <p:grpSpPr>
-        <a:xfrm>
-          <a:off x="0" y="0"/>
-          <a:ext cx="0" cy="0"/>
-          <a:chOff x="0" y="0"/>
-          <a:chExt cx="0" cy="0"/>
-        </a:xfrm>
-      </p:grpSpPr>
-      <p:sp>
-        <p:nvSpPr>
-          <p:cNvPr id="186" name="Shape 186"/>
-          <p:cNvSpPr txBox="1">
-            <a:spLocks noGrp="1"/>
-          </p:cNvSpPr>
-          <p:nvPr>
-            <p:ph type="body" idx="1"/>
-          </p:nvPr>
-        </p:nvSpPr>
-        <p:spPr>
-          <a:xfrm>
-            <a:off x="0" y="999067"/>
-            <a:ext cx="9143998" cy="5164664"/>
-          </a:xfrm>
-          <a:prstGeom prst="rect">
-            <a:avLst/>
-          </a:prstGeom>
-          <a:noFill/>
-          <a:ln>
-            <a:noFill/>
-          </a:ln>
-        </p:spPr>
-        <p:txBody>
-          <a:bodyPr lIns="274300" tIns="45700" rIns="274300" bIns="45700" anchor="t" anchorCtr="0">
-            <a:noAutofit/>
-          </a:bodyPr>
-          <a:lstStyle/>
-          <a:p>
-            <a:pPr marL="0" marR="0" lvl="0" indent="0" algn="l" rtl="0">
-              <a:spcBef>
-                <a:spcPts val="0"/>
-              </a:spcBef>
-              <a:spcAft>
-                <a:spcPts val="0"/>
-              </a:spcAft>
-              <a:buClr>
-                <a:schemeClr val="lt1"/>
-              </a:buClr>
-              <a:buSzPct val="25000"/>
-              <a:buFont typeface="Arial"/>
-              <a:buNone/>
-            </a:pPr>
-            <a:endParaRPr sz="2400" b="0" i="0" u="none" strike="noStrike" cap="none" dirty="0">
-              <a:solidFill>
-                <a:schemeClr val="lt1"/>
-              </a:solidFill>
-              <a:latin typeface="Calibri"/>
-              <a:ea typeface="Calibri"/>
-              <a:cs typeface="Calibri"/>
-              <a:sym typeface="Calibri"/>
-            </a:endParaRPr>
-          </a:p>
-          <a:p>
-            <a:pPr marL="0" marR="0" lvl="0" indent="0" algn="l" rtl="0">
-              <a:spcBef>
-                <a:spcPts val="1080"/>
-              </a:spcBef>
-              <a:spcAft>
-                <a:spcPts val="0"/>
-              </a:spcAft>
-              <a:buClr>
-                <a:schemeClr val="lt1"/>
-              </a:buClr>
-              <a:buSzPct val="25000"/>
-              <a:buFont typeface="Arial"/>
-              <a:buNone/>
-            </a:pPr>
-            <a:endParaRPr sz="2400" b="0" i="0" u="none" strike="noStrike" cap="none" dirty="0">
-              <a:solidFill>
-                <a:schemeClr val="lt1"/>
-              </a:solidFill>
-              <a:latin typeface="Calibri"/>
-              <a:ea typeface="Calibri"/>
-              <a:cs typeface="Calibri"/>
-              <a:sym typeface="Calibri"/>
-            </a:endParaRPr>
-          </a:p>
-          <a:p>
-            <a:pPr marL="0" marR="0" lvl="0" indent="0" algn="l" rtl="0">
-              <a:spcBef>
-                <a:spcPts val="1080"/>
-              </a:spcBef>
-              <a:spcAft>
-                <a:spcPts val="0"/>
-              </a:spcAft>
-              <a:buClr>
-                <a:schemeClr val="lt1"/>
-              </a:buClr>
-              <a:buSzPct val="25000"/>
-              <a:buFont typeface="Arial"/>
-              <a:buNone/>
-            </a:pPr>
-            <a:endParaRPr sz="2400" b="0" i="0" u="none" strike="noStrike" cap="none" dirty="0">
-              <a:solidFill>
-                <a:schemeClr val="lt1"/>
-              </a:solidFill>
-              <a:latin typeface="Calibri"/>
-              <a:ea typeface="Calibri"/>
-              <a:cs typeface="Calibri"/>
-              <a:sym typeface="Calibri"/>
-            </a:endParaRPr>
-          </a:p>
-          <a:p>
-            <a:pPr marL="0" marR="0" lvl="0" indent="0" algn="l" rtl="0">
-              <a:spcBef>
-                <a:spcPts val="1080"/>
-              </a:spcBef>
-              <a:spcAft>
-                <a:spcPts val="0"/>
-              </a:spcAft>
-              <a:buClr>
-                <a:schemeClr val="lt1"/>
-              </a:buClr>
-              <a:buSzPct val="25000"/>
-              <a:buFont typeface="Arial"/>
-              <a:buNone/>
-            </a:pPr>
-            <a:endParaRPr sz="2400" b="0" i="0" u="none" strike="noStrike" cap="none" dirty="0">
-              <a:solidFill>
-                <a:schemeClr val="lt1"/>
-              </a:solidFill>
-              <a:latin typeface="Calibri"/>
-              <a:ea typeface="Calibri"/>
-              <a:cs typeface="Calibri"/>
-              <a:sym typeface="Calibri"/>
-            </a:endParaRPr>
-          </a:p>
-        </p:txBody>
-      </p:sp>
-      <p:sp>
-        <p:nvSpPr>
-          <p:cNvPr id="187" name="Shape 187"/>
-          <p:cNvSpPr txBox="1">
-            <a:spLocks noGrp="1"/>
-          </p:cNvSpPr>
-          <p:nvPr>
-            <p:ph type="title"/>
-          </p:nvPr>
-        </p:nvSpPr>
-        <p:spPr>
-          <a:xfrm>
-            <a:off x="0" y="0"/>
-            <a:ext cx="9144000" cy="991351"/>
-          </a:xfrm>
-          <a:prstGeom prst="rect">
-            <a:avLst/>
-          </a:prstGeom>
-          <a:noFill/>
-          <a:ln>
-            <a:noFill/>
-          </a:ln>
-        </p:spPr>
-        <p:txBody>
-          <a:bodyPr lIns="274300" tIns="45700" rIns="91425" bIns="45700" anchor="ctr" anchorCtr="0">
-            <a:noAutofit/>
-          </a:bodyPr>
-          <a:lstStyle/>
-          <a:p>
-            <a:pPr marL="0" marR="0" lvl="0" indent="0" algn="ctr" rtl="0">
-              <a:spcBef>
-                <a:spcPts val="0"/>
-              </a:spcBef>
-              <a:buClr>
-                <a:srgbClr val="EEB211"/>
-              </a:buClr>
-              <a:buSzPct val="25000"/>
-              <a:buFont typeface="Calibri"/>
-              <a:buNone/>
-            </a:pPr>
-            <a:r>
-              <a:rPr lang="en-US" sz="2400" b="0" i="0" u="none" strike="noStrike" cap="none" dirty="0" smtClean="0">
-                <a:solidFill>
-                  <a:srgbClr val="EEB211"/>
-                </a:solidFill>
-                <a:latin typeface="Calibri"/>
-                <a:ea typeface="Calibri"/>
-                <a:cs typeface="Calibri"/>
-                <a:sym typeface="Calibri"/>
-              </a:rPr>
-              <a:t>CONCLUSION</a:t>
-            </a:r>
-            <a:endParaRPr lang="en-US" sz="2400" b="0" i="0" u="none" strike="noStrike" cap="none" dirty="0">
-              <a:solidFill>
-                <a:srgbClr val="EEB211"/>
-              </a:solidFill>
-              <a:latin typeface="Calibri"/>
-              <a:ea typeface="Calibri"/>
-              <a:cs typeface="Calibri"/>
-              <a:sym typeface="Calibri"/>
-            </a:endParaRPr>
-          </a:p>
-        </p:txBody>
-      </p:sp>
-    </p:spTree>
-  </p:cSld>
-  <p:clrMapOvr>
-    <a:masterClrMapping/>
-  </p:clrMapOvr>
-  <p:transition xmlns:p14="http://schemas.microsoft.com/office/powerpoint/2010/main" spd="slow">
-    <p:cut/>
-  </p:transition>
-  <p:timing>
-    <p:tnLst>
-      <p:par>
-        <p:cTn xmlns:p14="http://schemas.microsoft.com/office/powerpoint/2010/main" id="1" dur="indefinite" restart="never" nodeType="tmRoot"/>
-      </p:par>
-    </p:tnLst>
-  </p:timing>
-</p:sld>
-</file>
-
 <file path=ppt/slides/slide2.xml><?xml version="1.0" encoding="utf-8"?>
 <p:sld xmlns:a="http://schemas.openxmlformats.org/drawingml/2006/main" xmlns:r="http://schemas.openxmlformats.org/officeDocument/2006/relationships" xmlns:p="http://schemas.openxmlformats.org/presentationml/2006/main">
   <p:cSld>
@@ -23928,59 +23588,6 @@
               <a:cs typeface="Calibri"/>
               <a:sym typeface="Calibri"/>
             </a:endParaRPr>
-          </a:p>
-          <a:p>
-            <a:pPr marL="0" marR="0" lvl="0" indent="0" algn="l" rtl="0">
-              <a:spcBef>
-                <a:spcPts val="1080"/>
-              </a:spcBef>
-              <a:spcAft>
-                <a:spcPts val="0"/>
-              </a:spcAft>
-              <a:buClr>
-                <a:schemeClr val="lt1"/>
-              </a:buClr>
-              <a:buSzPct val="25000"/>
-              <a:buFont typeface="Arial"/>
-              <a:buNone/>
-            </a:pPr>
-            <a:endParaRPr sz="2400" b="0" i="0" u="none" strike="noStrike" cap="none" dirty="0">
-              <a:solidFill>
-                <a:schemeClr val="lt1"/>
-              </a:solidFill>
-              <a:latin typeface="Calibri"/>
-              <a:ea typeface="Calibri"/>
-              <a:cs typeface="Calibri"/>
-              <a:sym typeface="Calibri"/>
-            </a:endParaRPr>
-          </a:p>
-          <a:p>
-            <a:pPr marL="0" marR="0" lvl="0" indent="0" algn="l" rtl="0">
-              <a:spcBef>
-                <a:spcPts val="1080"/>
-              </a:spcBef>
-              <a:spcAft>
-                <a:spcPts val="0"/>
-              </a:spcAft>
-              <a:buClr>
-                <a:schemeClr val="lt1"/>
-              </a:buClr>
-              <a:buSzPct val="25000"/>
-              <a:buFont typeface="Arial"/>
-              <a:buNone/>
-            </a:pPr>
-            <a:r>
-              <a:rPr lang="en-US" sz="2400" b="0" i="0" u="none" strike="noStrike" cap="none" dirty="0">
-                <a:solidFill>
-                  <a:schemeClr val="lt1"/>
-                </a:solidFill>
-                <a:latin typeface="Calibri"/>
-                <a:ea typeface="Calibri"/>
-                <a:cs typeface="Calibri"/>
-                <a:sym typeface="Calibri"/>
-              </a:rPr>
-              <a:t>Conclusion</a:t>
-            </a:r>
           </a:p>
           <a:p>
             <a:pPr marL="0" marR="0" lvl="0" indent="0" algn="l" rtl="0">

--- a/Deliverable1/Docs/TopicPresentation.pptx
+++ b/Deliverable1/Docs/TopicPresentation.pptx
@@ -22703,87 +22703,6 @@
           <a:p>
             <a:pPr marL="0" marR="0" lvl="0" indent="0" algn="l" rtl="0">
               <a:spcBef>
-                <a:spcPts val="0"/>
-              </a:spcBef>
-              <a:spcAft>
-                <a:spcPts val="0"/>
-              </a:spcAft>
-              <a:buClr>
-                <a:schemeClr val="lt1"/>
-              </a:buClr>
-              <a:buSzPct val="25000"/>
-              <a:buFont typeface="Arial"/>
-              <a:buNone/>
-            </a:pPr>
-            <a:r>
-              <a:rPr lang="en-US" sz="2400" b="0" i="0" u="none" strike="noStrike" cap="none" dirty="0">
-                <a:solidFill>
-                  <a:schemeClr val="lt1"/>
-                </a:solidFill>
-                <a:latin typeface="Calibri"/>
-                <a:ea typeface="Calibri"/>
-                <a:cs typeface="Calibri"/>
-                <a:sym typeface="Calibri"/>
-              </a:rPr>
-              <a:t>Tools Required</a:t>
-            </a:r>
-          </a:p>
-          <a:p>
-            <a:pPr marL="0" marR="0" lvl="0" indent="0" algn="l" rtl="0">
-              <a:spcBef>
-                <a:spcPts val="1080"/>
-              </a:spcBef>
-              <a:spcAft>
-                <a:spcPts val="0"/>
-              </a:spcAft>
-              <a:buClr>
-                <a:schemeClr val="lt1"/>
-              </a:buClr>
-              <a:buSzPct val="25000"/>
-              <a:buFont typeface="Arial"/>
-              <a:buNone/>
-            </a:pPr>
-            <a:endParaRPr sz="2400" b="0" i="0" u="none" strike="noStrike" cap="none" dirty="0">
-              <a:solidFill>
-                <a:schemeClr val="lt1"/>
-              </a:solidFill>
-              <a:latin typeface="Calibri"/>
-              <a:ea typeface="Calibri"/>
-              <a:cs typeface="Calibri"/>
-              <a:sym typeface="Calibri"/>
-            </a:endParaRPr>
-          </a:p>
-          <a:p>
-            <a:pPr marL="0" marR="0" lvl="0" indent="0" algn="l" rtl="0">
-              <a:spcBef>
-                <a:spcPts val="1080"/>
-              </a:spcBef>
-              <a:spcAft>
-                <a:spcPts val="0"/>
-              </a:spcAft>
-              <a:buClr>
-                <a:schemeClr val="lt1"/>
-              </a:buClr>
-              <a:buSzPct val="25000"/>
-              <a:buFont typeface="Arial"/>
-              <a:buNone/>
-            </a:pPr>
-            <a:r>
-              <a:rPr lang="en-US" sz="2400" b="0" i="0" u="none" strike="noStrike" cap="none" dirty="0">
-                <a:solidFill>
-                  <a:schemeClr val="lt1"/>
-                </a:solidFill>
-                <a:latin typeface="Calibri"/>
-                <a:ea typeface="Calibri"/>
-                <a:cs typeface="Calibri"/>
-                <a:sym typeface="Calibri"/>
-              </a:rPr>
-              <a:t>External Resources Required</a:t>
-            </a:r>
-          </a:p>
-          <a:p>
-            <a:pPr marL="0" marR="0" lvl="0" indent="0" algn="l" rtl="0">
-              <a:spcBef>
                 <a:spcPts val="1080"/>
               </a:spcBef>
               <a:spcAft>
@@ -22936,7 +22855,7 @@
               <a:t>PROJECT </a:t>
             </a:r>
             <a:r>
-              <a:rPr lang="en-US" sz="2400" b="0" i="0" u="none" strike="noStrike" cap="none" dirty="0">
+              <a:rPr lang="en-US" sz="2400" b="0" i="0" u="none" strike="noStrike" cap="none" dirty="0" smtClean="0">
                 <a:solidFill>
                   <a:srgbClr val="EEB211"/>
                 </a:solidFill>
@@ -22945,11 +22864,50 @@
                 <a:cs typeface="Calibri"/>
                 <a:sym typeface="Calibri"/>
               </a:rPr>
-              <a:t>PLAN</a:t>
+              <a:t>PLAN – SOFTWARE ARCHITECTURE</a:t>
             </a:r>
+            <a:endParaRPr lang="en-US" sz="2400" b="0" i="0" u="none" strike="noStrike" cap="none" dirty="0">
+              <a:solidFill>
+                <a:srgbClr val="EEB211"/>
+              </a:solidFill>
+              <a:latin typeface="Calibri"/>
+              <a:ea typeface="Calibri"/>
+              <a:cs typeface="Calibri"/>
+              <a:sym typeface="Calibri"/>
+            </a:endParaRPr>
           </a:p>
         </p:txBody>
       </p:sp>
+      <p:pic>
+        <p:nvPicPr>
+          <p:cNvPr id="2" name="Picture 1" descr="Software Architecture (2).png"/>
+          <p:cNvPicPr>
+            <a:picLocks noChangeAspect="1"/>
+          </p:cNvPicPr>
+          <p:nvPr/>
+        </p:nvPicPr>
+        <p:blipFill>
+          <a:blip r:embed="rId3">
+            <a:extLst>
+              <a:ext uri="{28A0092B-C50C-407E-A947-70E740481C1C}">
+                <a14:useLocalDpi xmlns:a14="http://schemas.microsoft.com/office/drawing/2010/main" val="0"/>
+              </a:ext>
+            </a:extLst>
+          </a:blip>
+          <a:stretch>
+            <a:fillRect/>
+          </a:stretch>
+        </p:blipFill>
+        <p:spPr>
+          <a:xfrm>
+            <a:off x="241300" y="1104900"/>
+            <a:ext cx="8661400" cy="4635500"/>
+          </a:xfrm>
+          <a:prstGeom prst="rect">
+            <a:avLst/>
+          </a:prstGeom>
+        </p:spPr>
+      </p:pic>
     </p:spTree>
   </p:cSld>
   <p:clrMapOvr>

--- a/Deliverable1/Docs/TopicPresentation.pptx
+++ b/Deliverable1/Docs/TopicPresentation.pptx
@@ -239,7 +239,7 @@
   </p:defaultTextStyle>
   <p:extLst>
     <p:ext uri="{EFAFB233-063F-42B5-8137-9DF3F51BA10A}">
-      <p15:sldGuideLst xmlns="" xmlns:p15="http://schemas.microsoft.com/office/powerpoint/2012/main">
+      <p15:sldGuideLst xmlns:p15="http://schemas.microsoft.com/office/powerpoint/2012/main" xmlns="">
         <p15:guide id="1" orient="horz" pos="2160">
           <p15:clr>
             <a:srgbClr val="A4A3A4"/>
@@ -22852,19 +22852,7 @@
                 <a:cs typeface="Calibri"/>
                 <a:sym typeface="Calibri"/>
               </a:rPr>
-              <a:t>PROJECT </a:t>
-            </a:r>
-            <a:r>
-              <a:rPr lang="en-US" sz="2400" b="0" i="0" u="none" strike="noStrike" cap="none" dirty="0" smtClean="0">
-                <a:solidFill>
-                  <a:srgbClr val="EEB211"/>
-                </a:solidFill>
-                <a:latin typeface="Calibri"/>
-                <a:ea typeface="Calibri"/>
-                <a:cs typeface="Calibri"/>
-                <a:sym typeface="Calibri"/>
-              </a:rPr>
-              <a:t>PLAN – SOFTWARE ARCHITECTURE</a:t>
+              <a:t>PROJECT PLAN – SOFTWARE ARCHITECTURE</a:t>
             </a:r>
             <a:endParaRPr lang="en-US" sz="2400" b="0" i="0" u="none" strike="noStrike" cap="none" dirty="0">
               <a:solidFill>
@@ -24302,32 +24290,51 @@
             </a:r>
           </a:p>
           <a:p>
-            <a:pPr marL="466344" marR="0" lvl="1" indent="-288544" algn="l" rtl="0">
+            <a:pPr lvl="1" indent="-288544">
               <a:spcBef>
                 <a:spcPts val="1020"/>
               </a:spcBef>
               <a:spcAft>
                 <a:spcPts val="0"/>
               </a:spcAft>
-              <a:buClr>
-                <a:schemeClr val="lt1"/>
-              </a:buClr>
-              <a:buSzPct val="100000"/>
-              <a:buFont typeface="Merriweather Sans"/>
-              <a:buChar char="•"/>
             </a:pPr>
             <a:r>
-              <a:rPr lang="en-US" sz="2100" b="0" i="0" u="none" strike="noStrike" cap="none" dirty="0">
-                <a:solidFill>
-                  <a:schemeClr val="lt1"/>
-                </a:solidFill>
-                <a:latin typeface="Calibri"/>
-                <a:ea typeface="Calibri"/>
-                <a:cs typeface="Calibri"/>
-                <a:sym typeface="Calibri"/>
-              </a:rPr>
-              <a:t>Push region-specific known conditions or outbreaks to the end user</a:t>
+              <a:rPr lang="en-US" dirty="0"/>
+              <a:t>Make customized recommendations about preventing </a:t>
             </a:r>
+            <a:r>
+              <a:rPr lang="en-US"/>
+              <a:t>and </a:t>
+            </a:r>
+            <a:r>
+              <a:rPr lang="en-US" smtClean="0"/>
+              <a:t>treating </a:t>
+            </a:r>
+            <a:r>
+              <a:rPr lang="en-US" dirty="0"/>
+              <a:t>region-</a:t>
+            </a:r>
+            <a:r>
+              <a:rPr lang="en-US" dirty="0" smtClean="0"/>
+              <a:t>specific diseases </a:t>
+            </a:r>
+            <a:r>
+              <a:rPr lang="en-US" dirty="0"/>
+              <a:t>through an easy-to-use web </a:t>
+            </a:r>
+            <a:r>
+              <a:rPr lang="en-US" dirty="0" smtClean="0"/>
+              <a:t>application</a:t>
+            </a:r>
+            <a:endParaRPr lang="en-US" sz="2100" b="0" i="0" u="none" strike="noStrike" cap="none" dirty="0" smtClean="0">
+              <a:solidFill>
+                <a:schemeClr val="lt1"/>
+              </a:solidFill>
+              <a:latin typeface="Calibri"/>
+              <a:ea typeface="Calibri"/>
+              <a:cs typeface="Calibri"/>
+              <a:sym typeface="Calibri"/>
+            </a:endParaRPr>
           </a:p>
           <a:p>
             <a:pPr marL="466344" marR="0" lvl="1" indent="-288544" algn="l" rtl="0">
@@ -24345,6 +24352,18 @@
               <a:buChar char="•"/>
             </a:pPr>
             <a:r>
+              <a:rPr lang="en-US" sz="2100" b="0" i="0" u="none" strike="noStrike" cap="none" dirty="0" smtClean="0">
+                <a:solidFill>
+                  <a:schemeClr val="lt1"/>
+                </a:solidFill>
+                <a:latin typeface="Calibri"/>
+                <a:ea typeface="Calibri"/>
+                <a:cs typeface="Calibri"/>
+                <a:sym typeface="Calibri"/>
+              </a:rPr>
+              <a:t>Push information regarding </a:t>
+            </a:r>
+            <a:r>
               <a:rPr lang="en-US" sz="2100" b="0" i="0" u="none" strike="noStrike" cap="none" dirty="0">
                 <a:solidFill>
                   <a:schemeClr val="lt1"/>
@@ -24354,7 +24373,7 @@
                 <a:cs typeface="Calibri"/>
                 <a:sym typeface="Calibri"/>
               </a:rPr>
-              <a:t>Make customized recommendations about preventing and possibly treating these diseases</a:t>
+              <a:t>region-specific known conditions or outbreaks to the end user</a:t>
             </a:r>
           </a:p>
           <a:p>
